--- a/LCC/Java/04_流程控制(分支).pptx
+++ b/LCC/Java/04_流程控制(分支).pptx
@@ -19,15 +19,18 @@
     <p:sldId id="266" r:id="rId13"/>
     <p:sldId id="267" r:id="rId14"/>
     <p:sldId id="268" r:id="rId15"/>
-    <p:sldId id="269" r:id="rId16"/>
-    <p:sldId id="270" r:id="rId17"/>
-    <p:sldId id="271" r:id="rId18"/>
-    <p:sldId id="277" r:id="rId19"/>
-    <p:sldId id="272" r:id="rId20"/>
-    <p:sldId id="273" r:id="rId21"/>
-    <p:sldId id="274" r:id="rId22"/>
-    <p:sldId id="275" r:id="rId23"/>
-    <p:sldId id="276" r:id="rId24"/>
+    <p:sldId id="279" r:id="rId16"/>
+    <p:sldId id="269" r:id="rId17"/>
+    <p:sldId id="270" r:id="rId18"/>
+    <p:sldId id="271" r:id="rId19"/>
+    <p:sldId id="277" r:id="rId20"/>
+    <p:sldId id="272" r:id="rId21"/>
+    <p:sldId id="273" r:id="rId22"/>
+    <p:sldId id="274" r:id="rId23"/>
+    <p:sldId id="275" r:id="rId24"/>
+    <p:sldId id="276" r:id="rId25"/>
+    <p:sldId id="280" r:id="rId26"/>
+    <p:sldId id="282" r:id="rId27"/>
   </p:sldIdLst>
   <p:sldSz cx="12192000" cy="6858000"/>
   <p:notesSz cx="6858000" cy="9144000"/>
@@ -868,7 +871,7 @@
             <a:fld id="{B61BEF0D-F0BB-DE4B-95CE-6DB70DBA9567}" type="datetimeFigureOut">
               <a:rPr lang="en-US" dirty="0"/>
               <a:pPr/>
-              <a:t>12/27/2020</a:t>
+              <a:t>9/24/2021</a:t>
             </a:fld>
             <a:endParaRPr lang="en-US" dirty="0"/>
           </a:p>
@@ -1116,7 +1119,7 @@
             <a:fld id="{B61BEF0D-F0BB-DE4B-95CE-6DB70DBA9567}" type="datetimeFigureOut">
               <a:rPr lang="en-US" dirty="0"/>
               <a:pPr/>
-              <a:t>12/27/2020</a:t>
+              <a:t>9/24/2021</a:t>
             </a:fld>
             <a:endParaRPr lang="en-US" dirty="0"/>
           </a:p>
@@ -1427,7 +1430,7 @@
             <a:fld id="{B61BEF0D-F0BB-DE4B-95CE-6DB70DBA9567}" type="datetimeFigureOut">
               <a:rPr lang="en-US" dirty="0"/>
               <a:pPr/>
-              <a:t>12/27/2020</a:t>
+              <a:t>9/24/2021</a:t>
             </a:fld>
             <a:endParaRPr lang="en-US" dirty="0"/>
           </a:p>
@@ -1765,7 +1768,7 @@
             <a:fld id="{B61BEF0D-F0BB-DE4B-95CE-6DB70DBA9567}" type="datetimeFigureOut">
               <a:rPr lang="en-US" dirty="0"/>
               <a:pPr/>
-              <a:t>12/27/2020</a:t>
+              <a:t>9/24/2021</a:t>
             </a:fld>
             <a:endParaRPr lang="en-US" dirty="0"/>
           </a:p>
@@ -2076,7 +2079,7 @@
             <a:fld id="{B61BEF0D-F0BB-DE4B-95CE-6DB70DBA9567}" type="datetimeFigureOut">
               <a:rPr lang="en-US" dirty="0"/>
               <a:pPr/>
-              <a:t>12/27/2020</a:t>
+              <a:t>9/24/2021</a:t>
             </a:fld>
             <a:endParaRPr lang="en-US" dirty="0"/>
           </a:p>
@@ -2466,7 +2469,7 @@
             <a:fld id="{B61BEF0D-F0BB-DE4B-95CE-6DB70DBA9567}" type="datetimeFigureOut">
               <a:rPr lang="en-US" dirty="0"/>
               <a:pPr/>
-              <a:t>12/27/2020</a:t>
+              <a:t>9/24/2021</a:t>
             </a:fld>
             <a:endParaRPr lang="en-US" dirty="0"/>
           </a:p>
@@ -2632,7 +2635,7 @@
           <a:p>
             <a:fld id="{55C6B4A9-1611-4792-9094-5F34BCA07E0B}" type="datetimeFigureOut">
               <a:rPr lang="en-US" dirty="0"/>
-              <a:t>12/27/2020</a:t>
+              <a:t>9/24/2021</a:t>
             </a:fld>
             <a:endParaRPr lang="en-US" dirty="0"/>
           </a:p>
@@ -2808,7 +2811,7 @@
             <a:fld id="{B61BEF0D-F0BB-DE4B-95CE-6DB70DBA9567}" type="datetimeFigureOut">
               <a:rPr lang="en-US" dirty="0"/>
               <a:pPr/>
-              <a:t>12/27/2020</a:t>
+              <a:t>9/24/2021</a:t>
             </a:fld>
             <a:endParaRPr lang="en-US" dirty="0"/>
           </a:p>
@@ -2989,7 +2992,7 @@
             <a:fld id="{B61BEF0D-F0BB-DE4B-95CE-6DB70DBA9567}" type="datetimeFigureOut">
               <a:rPr lang="en-US" dirty="0"/>
               <a:pPr/>
-              <a:t>12/27/2020</a:t>
+              <a:t>9/24/2021</a:t>
             </a:fld>
             <a:endParaRPr lang="en-US" dirty="0"/>
           </a:p>
@@ -3035,35 +3038,6 @@
               <a:t>‹#›</a:t>
             </a:fld>
             <a:endParaRPr lang="en-US" dirty="0"/>
-          </a:p>
-        </p:txBody>
-      </p:sp>
-      <p:sp>
-        <p:nvSpPr>
-          <p:cNvPr id="7" name="矩形 6"/>
-          <p:cNvSpPr/>
-          <p:nvPr userDrawn="1"/>
-        </p:nvSpPr>
-        <p:spPr>
-          <a:xfrm>
-            <a:off x="677334" y="6488668"/>
-            <a:ext cx="6127255" cy="369332"/>
-          </a:xfrm>
-          <a:prstGeom prst="rect">
-            <a:avLst/>
-          </a:prstGeom>
-        </p:spPr>
-        <p:txBody>
-          <a:bodyPr wrap="none">
-            <a:spAutoFit/>
-          </a:bodyPr>
-          <a:lstStyle/>
-          <a:p>
-            <a:r>
-              <a:rPr lang="zh-TW" altLang="en-US" dirty="0" smtClean="0"/>
-              <a:t>https://github.com/liulawsi/Java-Class-Reference-Codes</a:t>
-            </a:r>
-            <a:endParaRPr lang="zh-TW" altLang="en-US" dirty="0"/>
           </a:p>
         </p:txBody>
       </p:sp>
@@ -3262,7 +3236,7 @@
             <a:fld id="{B61BEF0D-F0BB-DE4B-95CE-6DB70DBA9567}" type="datetimeFigureOut">
               <a:rPr lang="en-US" dirty="0"/>
               <a:pPr/>
-              <a:t>12/27/2020</a:t>
+              <a:t>9/24/2021</a:t>
             </a:fld>
             <a:endParaRPr lang="en-US" dirty="0"/>
           </a:p>
@@ -3490,7 +3464,7 @@
           <a:p>
             <a:fld id="{EB712588-04B1-427B-82EE-E8DB90309F08}" type="datetimeFigureOut">
               <a:rPr lang="en-US" dirty="0"/>
-              <a:t>12/27/2020</a:t>
+              <a:t>9/24/2021</a:t>
             </a:fld>
             <a:endParaRPr lang="en-US" dirty="0"/>
           </a:p>
@@ -3860,7 +3834,7 @@
             <a:fld id="{B61BEF0D-F0BB-DE4B-95CE-6DB70DBA9567}" type="datetimeFigureOut">
               <a:rPr lang="en-US" dirty="0"/>
               <a:pPr/>
-              <a:t>12/27/2020</a:t>
+              <a:t>9/24/2021</a:t>
             </a:fld>
             <a:endParaRPr lang="en-US" dirty="0"/>
           </a:p>
@@ -3980,7 +3954,7 @@
             <a:fld id="{B61BEF0D-F0BB-DE4B-95CE-6DB70DBA9567}" type="datetimeFigureOut">
               <a:rPr lang="en-US" dirty="0"/>
               <a:pPr/>
-              <a:t>12/27/2020</a:t>
+              <a:t>9/24/2021</a:t>
             </a:fld>
             <a:endParaRPr lang="en-US" dirty="0"/>
           </a:p>
@@ -4072,7 +4046,7 @@
             <a:fld id="{B61BEF0D-F0BB-DE4B-95CE-6DB70DBA9567}" type="datetimeFigureOut">
               <a:rPr lang="en-US" dirty="0"/>
               <a:pPr/>
-              <a:t>12/27/2020</a:t>
+              <a:t>9/24/2021</a:t>
             </a:fld>
             <a:endParaRPr lang="en-US" dirty="0"/>
           </a:p>
@@ -4323,7 +4297,7 @@
           <a:p>
             <a:fld id="{42A54C80-263E-416B-A8E0-580EDEADCBDC}" type="datetimeFigureOut">
               <a:rPr lang="en-US" dirty="0"/>
-              <a:t>12/27/2020</a:t>
+              <a:t>9/24/2021</a:t>
             </a:fld>
             <a:endParaRPr lang="en-US" dirty="0"/>
           </a:p>
@@ -4582,7 +4556,7 @@
             <a:fld id="{B61BEF0D-F0BB-DE4B-95CE-6DB70DBA9567}" type="datetimeFigureOut">
               <a:rPr lang="en-US" dirty="0"/>
               <a:pPr/>
-              <a:t>12/27/2020</a:t>
+              <a:t>9/24/2021</a:t>
             </a:fld>
             <a:endParaRPr lang="en-US" dirty="0"/>
           </a:p>
@@ -5322,7 +5296,7 @@
             <a:fld id="{B61BEF0D-F0BB-DE4B-95CE-6DB70DBA9567}" type="datetimeFigureOut">
               <a:rPr lang="en-US" dirty="0"/>
               <a:pPr/>
-              <a:t>12/27/2020</a:t>
+              <a:t>9/24/2021</a:t>
             </a:fld>
             <a:endParaRPr lang="en-US" dirty="0"/>
           </a:p>
@@ -5446,6 +5420,129 @@
           </a:extLst>
         </p:spPr>
       </p:pic>
+      <p:sp>
+        <p:nvSpPr>
+          <p:cNvPr id="19" name="矩形 18"/>
+          <p:cNvSpPr/>
+          <p:nvPr userDrawn="1"/>
+        </p:nvSpPr>
+        <p:spPr>
+          <a:xfrm>
+            <a:off x="444564" y="6509203"/>
+            <a:ext cx="2728632" cy="369332"/>
+          </a:xfrm>
+          <a:prstGeom prst="rect">
+            <a:avLst/>
+          </a:prstGeom>
+        </p:spPr>
+        <p:txBody>
+          <a:bodyPr wrap="none">
+            <a:spAutoFit/>
+          </a:bodyPr>
+          <a:lstStyle>
+            <a:defPPr>
+              <a:defRPr lang="en-US"/>
+            </a:defPPr>
+            <a:lvl1pPr marL="0" algn="l" defTabSz="457200" rtl="0" eaLnBrk="1" latinLnBrk="0" hangingPunct="1">
+              <a:defRPr sz="1800" kern="1200">
+                <a:solidFill>
+                  <a:schemeClr val="tx1"/>
+                </a:solidFill>
+                <a:latin typeface="+mn-lt"/>
+                <a:ea typeface="+mn-ea"/>
+                <a:cs typeface="+mn-cs"/>
+              </a:defRPr>
+            </a:lvl1pPr>
+            <a:lvl2pPr marL="457200" algn="l" defTabSz="457200" rtl="0" eaLnBrk="1" latinLnBrk="0" hangingPunct="1">
+              <a:defRPr sz="1800" kern="1200">
+                <a:solidFill>
+                  <a:schemeClr val="tx1"/>
+                </a:solidFill>
+                <a:latin typeface="+mn-lt"/>
+                <a:ea typeface="+mn-ea"/>
+                <a:cs typeface="+mn-cs"/>
+              </a:defRPr>
+            </a:lvl2pPr>
+            <a:lvl3pPr marL="914400" algn="l" defTabSz="457200" rtl="0" eaLnBrk="1" latinLnBrk="0" hangingPunct="1">
+              <a:defRPr sz="1800" kern="1200">
+                <a:solidFill>
+                  <a:schemeClr val="tx1"/>
+                </a:solidFill>
+                <a:latin typeface="+mn-lt"/>
+                <a:ea typeface="+mn-ea"/>
+                <a:cs typeface="+mn-cs"/>
+              </a:defRPr>
+            </a:lvl3pPr>
+            <a:lvl4pPr marL="1371600" algn="l" defTabSz="457200" rtl="0" eaLnBrk="1" latinLnBrk="0" hangingPunct="1">
+              <a:defRPr sz="1800" kern="1200">
+                <a:solidFill>
+                  <a:schemeClr val="tx1"/>
+                </a:solidFill>
+                <a:latin typeface="+mn-lt"/>
+                <a:ea typeface="+mn-ea"/>
+                <a:cs typeface="+mn-cs"/>
+              </a:defRPr>
+            </a:lvl4pPr>
+            <a:lvl5pPr marL="1828800" algn="l" defTabSz="457200" rtl="0" eaLnBrk="1" latinLnBrk="0" hangingPunct="1">
+              <a:defRPr sz="1800" kern="1200">
+                <a:solidFill>
+                  <a:schemeClr val="tx1"/>
+                </a:solidFill>
+                <a:latin typeface="+mn-lt"/>
+                <a:ea typeface="+mn-ea"/>
+                <a:cs typeface="+mn-cs"/>
+              </a:defRPr>
+            </a:lvl5pPr>
+            <a:lvl6pPr marL="2286000" algn="l" defTabSz="457200" rtl="0" eaLnBrk="1" latinLnBrk="0" hangingPunct="1">
+              <a:defRPr sz="1800" kern="1200">
+                <a:solidFill>
+                  <a:schemeClr val="tx1"/>
+                </a:solidFill>
+                <a:latin typeface="+mn-lt"/>
+                <a:ea typeface="+mn-ea"/>
+                <a:cs typeface="+mn-cs"/>
+              </a:defRPr>
+            </a:lvl6pPr>
+            <a:lvl7pPr marL="2743200" algn="l" defTabSz="457200" rtl="0" eaLnBrk="1" latinLnBrk="0" hangingPunct="1">
+              <a:defRPr sz="1800" kern="1200">
+                <a:solidFill>
+                  <a:schemeClr val="tx1"/>
+                </a:solidFill>
+                <a:latin typeface="+mn-lt"/>
+                <a:ea typeface="+mn-ea"/>
+                <a:cs typeface="+mn-cs"/>
+              </a:defRPr>
+            </a:lvl7pPr>
+            <a:lvl8pPr marL="3200400" algn="l" defTabSz="457200" rtl="0" eaLnBrk="1" latinLnBrk="0" hangingPunct="1">
+              <a:defRPr sz="1800" kern="1200">
+                <a:solidFill>
+                  <a:schemeClr val="tx1"/>
+                </a:solidFill>
+                <a:latin typeface="+mn-lt"/>
+                <a:ea typeface="+mn-ea"/>
+                <a:cs typeface="+mn-cs"/>
+              </a:defRPr>
+            </a:lvl8pPr>
+            <a:lvl9pPr marL="3657600" algn="l" defTabSz="457200" rtl="0" eaLnBrk="1" latinLnBrk="0" hangingPunct="1">
+              <a:defRPr sz="1800" kern="1200">
+                <a:solidFill>
+                  <a:schemeClr val="tx1"/>
+                </a:solidFill>
+                <a:latin typeface="+mn-lt"/>
+                <a:ea typeface="+mn-ea"/>
+                <a:cs typeface="+mn-cs"/>
+              </a:defRPr>
+            </a:lvl9pPr>
+          </a:lstStyle>
+          <a:p>
+            <a:r>
+              <a:rPr lang="zh-TW" altLang="en-US" dirty="0" smtClean="0"/>
+              <a:t>https://reurl.cc/522ARv</a:t>
+            </a:r>
+            <a:endParaRPr lang="zh-TW" altLang="en-US" dirty="0"/>
+          </a:p>
+        </p:txBody>
+      </p:sp>
     </p:spTree>
   </p:cSld>
   <p:clrMap bg1="lt1" tx1="dk1" bg2="lt2" tx2="dk2" accent1="accent1" accent2="accent2" accent3="accent3" accent4="accent4" accent5="accent5" accent6="accent6" hlink="hlink" folHlink="folHlink"/>
@@ -5942,7 +6039,7 @@
           <a:p>
             <a:fld id="{4805910D-2C61-424F-80CE-807290CF0E1E}" type="datetime4">
               <a:rPr lang="zh-TW" altLang="zh-TW"/>
-              <a:t>109年12月27日星期日</a:t>
+              <a:t>110年9月24日星期五</a:t>
             </a:fld>
             <a:endParaRPr lang="zh-TW" altLang="en-US" dirty="0"/>
           </a:p>
@@ -7408,6 +7505,127 @@
       </p:grpSpPr>
       <p:sp>
         <p:nvSpPr>
+          <p:cNvPr id="2" name="標題 1"/>
+          <p:cNvSpPr>
+            <a:spLocks noGrp="1"/>
+          </p:cNvSpPr>
+          <p:nvPr>
+            <p:ph type="title"/>
+          </p:nvPr>
+        </p:nvSpPr>
+        <p:spPr/>
+        <p:txBody>
+          <a:bodyPr/>
+          <a:lstStyle/>
+          <a:p>
+            <a:r>
+              <a:rPr lang="zh-TW" altLang="en-US" dirty="0" smtClean="0"/>
+              <a:t>小練習</a:t>
+            </a:r>
+            <a:r>
+              <a:rPr lang="en-US" altLang="zh-TW" dirty="0" smtClean="0"/>
+              <a:t/>
+            </a:r>
+            <a:br>
+              <a:rPr lang="en-US" altLang="zh-TW" dirty="0" smtClean="0"/>
+            </a:br>
+            <a:r>
+              <a:rPr lang="zh-TW" altLang="en-US" dirty="0"/>
+              <a:t>自己來喔</a:t>
+            </a:r>
+          </a:p>
+        </p:txBody>
+      </p:sp>
+      <p:sp>
+        <p:nvSpPr>
+          <p:cNvPr id="3" name="內容版面配置區 2"/>
+          <p:cNvSpPr>
+            <a:spLocks noGrp="1"/>
+          </p:cNvSpPr>
+          <p:nvPr>
+            <p:ph idx="1"/>
+          </p:nvPr>
+        </p:nvSpPr>
+        <p:spPr/>
+        <p:txBody>
+          <a:bodyPr/>
+          <a:lstStyle/>
+          <a:p>
+            <a:r>
+              <a:rPr lang="zh-TW" altLang="en-US" dirty="0" smtClean="0"/>
+              <a:t>輸入三角型三邊長，判斷是否可以形成三角形。</a:t>
+            </a:r>
+            <a:endParaRPr lang="en-US" altLang="zh-TW" dirty="0" smtClean="0"/>
+          </a:p>
+          <a:p>
+            <a:pPr lvl="1"/>
+            <a:r>
+              <a:rPr lang="zh-TW" altLang="en-US" dirty="0"/>
+              <a:t>進階：是不是正三角形</a:t>
+            </a:r>
+            <a:r>
+              <a:rPr lang="zh-TW" altLang="en-US" dirty="0" smtClean="0"/>
+              <a:t>？是不是直角三角形？是不是鈍</a:t>
+            </a:r>
+            <a:r>
+              <a:rPr lang="en-US" altLang="zh-TW" dirty="0" smtClean="0"/>
+              <a:t>(</a:t>
+            </a:r>
+            <a:r>
+              <a:rPr lang="zh-TW" altLang="en-US" dirty="0" smtClean="0"/>
+              <a:t>銳</a:t>
+            </a:r>
+            <a:r>
+              <a:rPr lang="en-US" altLang="zh-TW" dirty="0" smtClean="0"/>
+              <a:t>)</a:t>
+            </a:r>
+            <a:r>
+              <a:rPr lang="zh-TW" altLang="en-US" dirty="0" smtClean="0"/>
+              <a:t>角三角形？</a:t>
+            </a:r>
+            <a:endParaRPr lang="zh-TW" altLang="en-US" dirty="0"/>
+          </a:p>
+        </p:txBody>
+      </p:sp>
+    </p:spTree>
+    <p:extLst>
+      <p:ext uri="{BB962C8B-B14F-4D97-AF65-F5344CB8AC3E}">
+        <p14:creationId xmlns:p14="http://schemas.microsoft.com/office/powerpoint/2010/main" val="3258730567"/>
+      </p:ext>
+    </p:extLst>
+  </p:cSld>
+  <p:clrMapOvr>
+    <a:masterClrMapping/>
+  </p:clrMapOvr>
+  <p:timing>
+    <p:tnLst>
+      <p:par>
+        <p:cTn id="1" dur="indefinite" restart="never" nodeType="tmRoot"/>
+      </p:par>
+    </p:tnLst>
+  </p:timing>
+</p:sld>
+</file>
+
+<file path=ppt/slides/slide16.xml><?xml version="1.0" encoding="utf-8"?>
+<p:sld xmlns:a="http://schemas.openxmlformats.org/drawingml/2006/main" xmlns:r="http://schemas.openxmlformats.org/officeDocument/2006/relationships" xmlns:p="http://schemas.openxmlformats.org/presentationml/2006/main">
+  <p:cSld>
+    <p:spTree>
+      <p:nvGrpSpPr>
+        <p:cNvPr id="1" name=""/>
+        <p:cNvGrpSpPr/>
+        <p:nvPr/>
+      </p:nvGrpSpPr>
+      <p:grpSpPr>
+        <a:xfrm>
+          <a:off x="0" y="0"/>
+          <a:ext cx="0" cy="0"/>
+          <a:chOff x="0" y="0"/>
+          <a:chExt cx="0" cy="0"/>
+        </a:xfrm>
+      </p:grpSpPr>
+      <p:sp>
+        <p:nvSpPr>
           <p:cNvPr id="4" name="標題 3"/>
           <p:cNvSpPr>
             <a:spLocks noGrp="1"/>
@@ -7490,7 +7708,7 @@
 </p:sld>
 </file>
 
-<file path=ppt/slides/slide16.xml><?xml version="1.0" encoding="utf-8"?>
+<file path=ppt/slides/slide17.xml><?xml version="1.0" encoding="utf-8"?>
 <p:sld xmlns:a="http://schemas.openxmlformats.org/drawingml/2006/main" xmlns:r="http://schemas.openxmlformats.org/officeDocument/2006/relationships" xmlns:p="http://schemas.openxmlformats.org/presentationml/2006/main">
   <p:cSld>
     <p:spTree>
@@ -7836,7 +8054,7 @@
 </p:sld>
 </file>
 
-<file path=ppt/slides/slide17.xml><?xml version="1.0" encoding="utf-8"?>
+<file path=ppt/slides/slide18.xml><?xml version="1.0" encoding="utf-8"?>
 <p:sld xmlns:a="http://schemas.openxmlformats.org/drawingml/2006/main" xmlns:r="http://schemas.openxmlformats.org/officeDocument/2006/relationships" xmlns:p="http://schemas.openxmlformats.org/presentationml/2006/main">
   <p:cSld>
     <p:spTree>
@@ -8111,7 +8329,7 @@
 </p:sld>
 </file>
 
-<file path=ppt/slides/slide18.xml><?xml version="1.0" encoding="utf-8"?>
+<file path=ppt/slides/slide19.xml><?xml version="1.0" encoding="utf-8"?>
 <p:sld xmlns:a="http://schemas.openxmlformats.org/drawingml/2006/main" xmlns:r="http://schemas.openxmlformats.org/officeDocument/2006/relationships" xmlns:p="http://schemas.openxmlformats.org/presentationml/2006/main">
   <p:cSld>
     <p:spTree>
@@ -8658,86 +8876,6 @@
       </p:par>
     </p:tnLst>
   </p:timing>
-</p:sld>
-</file>
-
-<file path=ppt/slides/slide19.xml><?xml version="1.0" encoding="utf-8"?>
-<p:sld xmlns:a="http://schemas.openxmlformats.org/drawingml/2006/main" xmlns:r="http://schemas.openxmlformats.org/officeDocument/2006/relationships" xmlns:p="http://schemas.openxmlformats.org/presentationml/2006/main">
-  <p:cSld>
-    <p:spTree>
-      <p:nvGrpSpPr>
-        <p:cNvPr id="1" name=""/>
-        <p:cNvGrpSpPr/>
-        <p:nvPr/>
-      </p:nvGrpSpPr>
-      <p:grpSpPr>
-        <a:xfrm>
-          <a:off x="0" y="0"/>
-          <a:ext cx="0" cy="0"/>
-          <a:chOff x="0" y="0"/>
-          <a:chExt cx="0" cy="0"/>
-        </a:xfrm>
-      </p:grpSpPr>
-      <p:sp>
-        <p:nvSpPr>
-          <p:cNvPr id="4" name="標題 3"/>
-          <p:cNvSpPr>
-            <a:spLocks noGrp="1"/>
-          </p:cNvSpPr>
-          <p:nvPr>
-            <p:ph type="title"/>
-          </p:nvPr>
-        </p:nvSpPr>
-        <p:spPr/>
-        <p:txBody>
-          <a:bodyPr/>
-          <a:lstStyle/>
-          <a:p>
-            <a:r>
-              <a:rPr lang="en-US" altLang="zh-TW" dirty="0" smtClean="0"/>
-              <a:t>Switch……Case</a:t>
-            </a:r>
-            <a:r>
-              <a:rPr lang="zh-TW" altLang="en-US" dirty="0" smtClean="0"/>
-              <a:t>語法</a:t>
-            </a:r>
-            <a:endParaRPr lang="zh-TW" altLang="en-US" dirty="0"/>
-          </a:p>
-        </p:txBody>
-      </p:sp>
-      <p:sp>
-        <p:nvSpPr>
-          <p:cNvPr id="5" name="文字版面配置區 4"/>
-          <p:cNvSpPr>
-            <a:spLocks noGrp="1"/>
-          </p:cNvSpPr>
-          <p:nvPr>
-            <p:ph type="body" idx="1"/>
-          </p:nvPr>
-        </p:nvSpPr>
-        <p:spPr/>
-        <p:txBody>
-          <a:bodyPr/>
-          <a:lstStyle/>
-          <a:p>
-            <a:r>
-              <a:rPr lang="zh-TW" altLang="en-US" dirty="0" smtClean="0"/>
-              <a:t>聰明偷懶法</a:t>
-            </a:r>
-            <a:endParaRPr lang="zh-TW" altLang="en-US" dirty="0"/>
-          </a:p>
-        </p:txBody>
-      </p:sp>
-    </p:spTree>
-    <p:extLst>
-      <p:ext uri="{BB962C8B-B14F-4D97-AF65-F5344CB8AC3E}">
-        <p14:creationId xmlns:p14="http://schemas.microsoft.com/office/powerpoint/2010/main" val="3590739200"/>
-      </p:ext>
-    </p:extLst>
-  </p:cSld>
-  <p:clrMapOvr>
-    <a:masterClrMapping/>
-  </p:clrMapOvr>
 </p:sld>
 </file>
 
@@ -10366,6 +10504,86 @@
           <a:lstStyle/>
           <a:p>
             <a:r>
+              <a:rPr lang="en-US" altLang="zh-TW" dirty="0" smtClean="0"/>
+              <a:t>Switch……Case</a:t>
+            </a:r>
+            <a:r>
+              <a:rPr lang="zh-TW" altLang="en-US" dirty="0" smtClean="0"/>
+              <a:t>語法</a:t>
+            </a:r>
+            <a:endParaRPr lang="zh-TW" altLang="en-US" dirty="0"/>
+          </a:p>
+        </p:txBody>
+      </p:sp>
+      <p:sp>
+        <p:nvSpPr>
+          <p:cNvPr id="5" name="文字版面配置區 4"/>
+          <p:cNvSpPr>
+            <a:spLocks noGrp="1"/>
+          </p:cNvSpPr>
+          <p:nvPr>
+            <p:ph type="body" idx="1"/>
+          </p:nvPr>
+        </p:nvSpPr>
+        <p:spPr/>
+        <p:txBody>
+          <a:bodyPr/>
+          <a:lstStyle/>
+          <a:p>
+            <a:r>
+              <a:rPr lang="zh-TW" altLang="en-US" dirty="0" smtClean="0"/>
+              <a:t>聰明偷懶法</a:t>
+            </a:r>
+            <a:endParaRPr lang="zh-TW" altLang="en-US" dirty="0"/>
+          </a:p>
+        </p:txBody>
+      </p:sp>
+    </p:spTree>
+    <p:extLst>
+      <p:ext uri="{BB962C8B-B14F-4D97-AF65-F5344CB8AC3E}">
+        <p14:creationId xmlns:p14="http://schemas.microsoft.com/office/powerpoint/2010/main" val="3590739200"/>
+      </p:ext>
+    </p:extLst>
+  </p:cSld>
+  <p:clrMapOvr>
+    <a:masterClrMapping/>
+  </p:clrMapOvr>
+</p:sld>
+</file>
+
+<file path=ppt/slides/slide21.xml><?xml version="1.0" encoding="utf-8"?>
+<p:sld xmlns:a="http://schemas.openxmlformats.org/drawingml/2006/main" xmlns:r="http://schemas.openxmlformats.org/officeDocument/2006/relationships" xmlns:p="http://schemas.openxmlformats.org/presentationml/2006/main">
+  <p:cSld>
+    <p:spTree>
+      <p:nvGrpSpPr>
+        <p:cNvPr id="1" name=""/>
+        <p:cNvGrpSpPr/>
+        <p:nvPr/>
+      </p:nvGrpSpPr>
+      <p:grpSpPr>
+        <a:xfrm>
+          <a:off x="0" y="0"/>
+          <a:ext cx="0" cy="0"/>
+          <a:chOff x="0" y="0"/>
+          <a:chExt cx="0" cy="0"/>
+        </a:xfrm>
+      </p:grpSpPr>
+      <p:sp>
+        <p:nvSpPr>
+          <p:cNvPr id="4" name="標題 3"/>
+          <p:cNvSpPr>
+            <a:spLocks noGrp="1"/>
+          </p:cNvSpPr>
+          <p:nvPr>
+            <p:ph type="title"/>
+          </p:nvPr>
+        </p:nvSpPr>
+        <p:spPr/>
+        <p:txBody>
+          <a:bodyPr/>
+          <a:lstStyle/>
+          <a:p>
+            <a:r>
               <a:rPr lang="en-US" altLang="zh-TW" dirty="0"/>
               <a:t>switch </a:t>
             </a:r>
@@ -10605,7 +10823,7 @@
 </p:sld>
 </file>
 
-<file path=ppt/slides/slide21.xml><?xml version="1.0" encoding="utf-8"?>
+<file path=ppt/slides/slide22.xml><?xml version="1.0" encoding="utf-8"?>
 <p:sld xmlns:a="http://schemas.openxmlformats.org/drawingml/2006/main" xmlns:r="http://schemas.openxmlformats.org/officeDocument/2006/relationships" xmlns:p="http://schemas.openxmlformats.org/presentationml/2006/main">
   <p:cSld>
     <p:spTree>
@@ -11268,7 +11486,7 @@
 </p:sld>
 </file>
 
-<file path=ppt/slides/slide22.xml><?xml version="1.0" encoding="utf-8"?>
+<file path=ppt/slides/slide23.xml><?xml version="1.0" encoding="utf-8"?>
 <p:sld xmlns:a="http://schemas.openxmlformats.org/drawingml/2006/main" xmlns:r="http://schemas.openxmlformats.org/officeDocument/2006/relationships" xmlns:p="http://schemas.openxmlformats.org/presentationml/2006/main">
   <p:cSld>
     <p:spTree>
@@ -11387,7 +11605,7 @@
 </p:sld>
 </file>
 
-<file path=ppt/slides/slide23.xml><?xml version="1.0" encoding="utf-8"?>
+<file path=ppt/slides/slide24.xml><?xml version="1.0" encoding="utf-8"?>
 <p:sld xmlns:a="http://schemas.openxmlformats.org/drawingml/2006/main" xmlns:r="http://schemas.openxmlformats.org/officeDocument/2006/relationships" xmlns:p="http://schemas.openxmlformats.org/presentationml/2006/main">
   <p:cSld>
     <p:spTree>
@@ -11971,6 +12189,274 @@
 </p:sld>
 </file>
 
+<file path=ppt/slides/slide25.xml><?xml version="1.0" encoding="utf-8"?>
+<p:sld xmlns:a="http://schemas.openxmlformats.org/drawingml/2006/main" xmlns:r="http://schemas.openxmlformats.org/officeDocument/2006/relationships" xmlns:p="http://schemas.openxmlformats.org/presentationml/2006/main">
+  <p:cSld>
+    <p:spTree>
+      <p:nvGrpSpPr>
+        <p:cNvPr id="1" name=""/>
+        <p:cNvGrpSpPr/>
+        <p:nvPr/>
+      </p:nvGrpSpPr>
+      <p:grpSpPr>
+        <a:xfrm>
+          <a:off x="0" y="0"/>
+          <a:ext cx="0" cy="0"/>
+          <a:chOff x="0" y="0"/>
+          <a:chExt cx="0" cy="0"/>
+        </a:xfrm>
+      </p:grpSpPr>
+      <p:sp>
+        <p:nvSpPr>
+          <p:cNvPr id="2" name="標題 1"/>
+          <p:cNvSpPr>
+            <a:spLocks noGrp="1"/>
+          </p:cNvSpPr>
+          <p:nvPr>
+            <p:ph type="title"/>
+          </p:nvPr>
+        </p:nvSpPr>
+        <p:spPr/>
+        <p:txBody>
+          <a:bodyPr/>
+          <a:lstStyle/>
+          <a:p>
+            <a:r>
+              <a:rPr lang="zh-TW" altLang="en-US" dirty="0" smtClean="0"/>
+              <a:t>小練習 </a:t>
+            </a:r>
+            <a:r>
+              <a:rPr lang="en-US" altLang="zh-TW" dirty="0" smtClean="0"/>
+              <a:t>1</a:t>
+            </a:r>
+            <a:br>
+              <a:rPr lang="en-US" altLang="zh-TW" dirty="0" smtClean="0"/>
+            </a:br>
+            <a:r>
+              <a:rPr lang="en-US" altLang="zh-TW" dirty="0" smtClean="0"/>
+              <a:t>BMI</a:t>
+            </a:r>
+            <a:r>
+              <a:rPr lang="zh-TW" altLang="en-US" dirty="0" smtClean="0"/>
+              <a:t>進階</a:t>
+            </a:r>
+            <a:endParaRPr lang="zh-TW" altLang="en-US" dirty="0"/>
+          </a:p>
+        </p:txBody>
+      </p:sp>
+      <p:sp>
+        <p:nvSpPr>
+          <p:cNvPr id="3" name="內容版面配置區 2"/>
+          <p:cNvSpPr>
+            <a:spLocks noGrp="1"/>
+          </p:cNvSpPr>
+          <p:nvPr>
+            <p:ph idx="1"/>
+          </p:nvPr>
+        </p:nvSpPr>
+        <p:spPr/>
+        <p:txBody>
+          <a:bodyPr/>
+          <a:lstStyle/>
+          <a:p>
+            <a:r>
+              <a:rPr lang="zh-TW" altLang="en-US" dirty="0" smtClean="0"/>
+              <a:t>把前面寫過的計算</a:t>
+            </a:r>
+            <a:r>
+              <a:rPr lang="en-US" altLang="zh-TW" dirty="0" smtClean="0"/>
+              <a:t>BMI</a:t>
+            </a:r>
+            <a:r>
+              <a:rPr lang="zh-TW" altLang="en-US" dirty="0" smtClean="0"/>
+              <a:t>程式找出來</a:t>
+            </a:r>
+            <a:endParaRPr lang="en-US" altLang="zh-TW" dirty="0" smtClean="0"/>
+          </a:p>
+          <a:p>
+            <a:r>
+              <a:rPr lang="zh-TW" altLang="en-US" dirty="0"/>
+              <a:t>增加功能</a:t>
+            </a:r>
+            <a:r>
+              <a:rPr lang="zh-TW" altLang="en-US" dirty="0" smtClean="0"/>
+              <a:t>，依照</a:t>
+            </a:r>
+            <a:r>
+              <a:rPr lang="en-US" altLang="zh-TW" dirty="0" smtClean="0"/>
+              <a:t>BMI &lt; 18, BMI &gt; 24</a:t>
+            </a:r>
+            <a:r>
+              <a:rPr lang="zh-TW" altLang="en-US" dirty="0" smtClean="0"/>
+              <a:t>及 </a:t>
+            </a:r>
+            <a:r>
+              <a:rPr lang="en-US" altLang="zh-TW" dirty="0" smtClean="0"/>
+              <a:t>18 &lt; BMI &lt; 24</a:t>
+            </a:r>
+            <a:r>
+              <a:rPr lang="zh-TW" altLang="en-US" dirty="0" smtClean="0"/>
+              <a:t>區分</a:t>
+            </a:r>
+            <a:endParaRPr lang="en-US" altLang="zh-TW" dirty="0" smtClean="0"/>
+          </a:p>
+          <a:p>
+            <a:r>
+              <a:rPr lang="zh-TW" altLang="en-US" dirty="0"/>
+              <a:t>分</a:t>
+            </a:r>
+            <a:r>
+              <a:rPr lang="zh-TW" altLang="en-US" dirty="0" smtClean="0"/>
+              <a:t>別是太瘦，太胖與正常</a:t>
+            </a:r>
+            <a:endParaRPr lang="en-US" altLang="zh-TW" dirty="0" smtClean="0"/>
+          </a:p>
+          <a:p>
+            <a:endParaRPr lang="en-US" altLang="zh-TW" dirty="0"/>
+          </a:p>
+        </p:txBody>
+      </p:sp>
+    </p:spTree>
+    <p:extLst>
+      <p:ext uri="{BB962C8B-B14F-4D97-AF65-F5344CB8AC3E}">
+        <p14:creationId xmlns:p14="http://schemas.microsoft.com/office/powerpoint/2010/main" val="13120994"/>
+      </p:ext>
+    </p:extLst>
+  </p:cSld>
+  <p:clrMapOvr>
+    <a:masterClrMapping/>
+  </p:clrMapOvr>
+</p:sld>
+</file>
+
+<file path=ppt/slides/slide26.xml><?xml version="1.0" encoding="utf-8"?>
+<p:sld xmlns:a="http://schemas.openxmlformats.org/drawingml/2006/main" xmlns:r="http://schemas.openxmlformats.org/officeDocument/2006/relationships" xmlns:p="http://schemas.openxmlformats.org/presentationml/2006/main">
+  <p:cSld>
+    <p:spTree>
+      <p:nvGrpSpPr>
+        <p:cNvPr id="1" name=""/>
+        <p:cNvGrpSpPr/>
+        <p:nvPr/>
+      </p:nvGrpSpPr>
+      <p:grpSpPr>
+        <a:xfrm>
+          <a:off x="0" y="0"/>
+          <a:ext cx="0" cy="0"/>
+          <a:chOff x="0" y="0"/>
+          <a:chExt cx="0" cy="0"/>
+        </a:xfrm>
+      </p:grpSpPr>
+      <p:sp>
+        <p:nvSpPr>
+          <p:cNvPr id="2" name="標題 1"/>
+          <p:cNvSpPr>
+            <a:spLocks noGrp="1"/>
+          </p:cNvSpPr>
+          <p:nvPr>
+            <p:ph type="title"/>
+          </p:nvPr>
+        </p:nvSpPr>
+        <p:spPr/>
+        <p:txBody>
+          <a:bodyPr/>
+          <a:lstStyle/>
+          <a:p>
+            <a:r>
+              <a:rPr lang="zh-TW" altLang="en-US" dirty="0" smtClean="0"/>
+              <a:t>小練習 </a:t>
+            </a:r>
+            <a:r>
+              <a:rPr lang="en-US" altLang="zh-TW" dirty="0" smtClean="0"/>
+              <a:t>2</a:t>
+            </a:r>
+            <a:br>
+              <a:rPr lang="en-US" altLang="zh-TW" dirty="0" smtClean="0"/>
+            </a:br>
+            <a:r>
+              <a:rPr lang="zh-TW" altLang="en-US" dirty="0" smtClean="0"/>
+              <a:t>帳號密碼輸入</a:t>
+            </a:r>
+            <a:endParaRPr lang="zh-TW" altLang="en-US" dirty="0"/>
+          </a:p>
+        </p:txBody>
+      </p:sp>
+      <p:sp>
+        <p:nvSpPr>
+          <p:cNvPr id="3" name="內容版面配置區 2"/>
+          <p:cNvSpPr>
+            <a:spLocks noGrp="1"/>
+          </p:cNvSpPr>
+          <p:nvPr>
+            <p:ph idx="1"/>
+          </p:nvPr>
+        </p:nvSpPr>
+        <p:spPr/>
+        <p:txBody>
+          <a:bodyPr/>
+          <a:lstStyle/>
+          <a:p>
+            <a:r>
+              <a:rPr lang="zh-TW" altLang="en-US" dirty="0" smtClean="0"/>
+              <a:t>寫一個程式，可以輸入帳號密碼。</a:t>
+            </a:r>
+            <a:endParaRPr lang="en-US" altLang="zh-TW" dirty="0" smtClean="0"/>
+          </a:p>
+          <a:p>
+            <a:r>
+              <a:rPr lang="zh-TW" altLang="en-US" dirty="0"/>
+              <a:t>程式中與</a:t>
+            </a:r>
+            <a:r>
+              <a:rPr lang="zh-TW" altLang="en-US" dirty="0" smtClean="0"/>
+              <a:t>固定一組帳號</a:t>
+            </a:r>
+            <a:r>
+              <a:rPr lang="zh-TW" altLang="en-US" dirty="0"/>
+              <a:t>密碼</a:t>
+            </a:r>
+            <a:r>
+              <a:rPr lang="zh-TW" altLang="en-US" dirty="0" smtClean="0"/>
+              <a:t>比對</a:t>
+            </a:r>
+            <a:endParaRPr lang="en-US" altLang="zh-TW" dirty="0" smtClean="0"/>
+          </a:p>
+          <a:p>
+            <a:r>
+              <a:rPr lang="zh-TW" altLang="en-US" dirty="0"/>
+              <a:t>正確的顯示</a:t>
+            </a:r>
+            <a:r>
+              <a:rPr lang="zh-TW" altLang="en-US" dirty="0" smtClean="0"/>
+              <a:t>歡迎</a:t>
+            </a:r>
+            <a:endParaRPr lang="en-US" altLang="zh-TW" dirty="0" smtClean="0"/>
+          </a:p>
+          <a:p>
+            <a:r>
+              <a:rPr lang="zh-TW" altLang="en-US" dirty="0"/>
+              <a:t>錯誤的顯示：帳號密碼錯誤</a:t>
+            </a:r>
+            <a:r>
+              <a:rPr lang="zh-TW" altLang="en-US" dirty="0" smtClean="0"/>
+              <a:t>，請重新輸入</a:t>
+            </a:r>
+            <a:endParaRPr lang="en-US" altLang="zh-TW" dirty="0"/>
+          </a:p>
+        </p:txBody>
+      </p:sp>
+    </p:spTree>
+    <p:extLst>
+      <p:ext uri="{BB962C8B-B14F-4D97-AF65-F5344CB8AC3E}">
+        <p14:creationId xmlns:p14="http://schemas.microsoft.com/office/powerpoint/2010/main" val="4098278980"/>
+      </p:ext>
+    </p:extLst>
+  </p:cSld>
+  <p:clrMapOvr>
+    <a:masterClrMapping/>
+  </p:clrMapOvr>
+</p:sld>
+</file>
+
 <file path=ppt/slides/slide3.xml><?xml version="1.0" encoding="utf-8"?>
 <p:sld xmlns:a="http://schemas.openxmlformats.org/drawingml/2006/main" xmlns:r="http://schemas.openxmlformats.org/officeDocument/2006/relationships" xmlns:p="http://schemas.openxmlformats.org/presentationml/2006/main">
   <p:cSld>

--- a/LCC/Java/04_流程控制(分支).pptx
+++ b/LCC/Java/04_流程控制(分支).pptx
@@ -871,7 +871,7 @@
             <a:fld id="{B61BEF0D-F0BB-DE4B-95CE-6DB70DBA9567}" type="datetimeFigureOut">
               <a:rPr lang="en-US" dirty="0"/>
               <a:pPr/>
-              <a:t>9/24/2021</a:t>
+              <a:t>9/25/2021</a:t>
             </a:fld>
             <a:endParaRPr lang="en-US" dirty="0"/>
           </a:p>
@@ -1119,7 +1119,7 @@
             <a:fld id="{B61BEF0D-F0BB-DE4B-95CE-6DB70DBA9567}" type="datetimeFigureOut">
               <a:rPr lang="en-US" dirty="0"/>
               <a:pPr/>
-              <a:t>9/24/2021</a:t>
+              <a:t>9/25/2021</a:t>
             </a:fld>
             <a:endParaRPr lang="en-US" dirty="0"/>
           </a:p>
@@ -1430,7 +1430,7 @@
             <a:fld id="{B61BEF0D-F0BB-DE4B-95CE-6DB70DBA9567}" type="datetimeFigureOut">
               <a:rPr lang="en-US" dirty="0"/>
               <a:pPr/>
-              <a:t>9/24/2021</a:t>
+              <a:t>9/25/2021</a:t>
             </a:fld>
             <a:endParaRPr lang="en-US" dirty="0"/>
           </a:p>
@@ -1768,7 +1768,7 @@
             <a:fld id="{B61BEF0D-F0BB-DE4B-95CE-6DB70DBA9567}" type="datetimeFigureOut">
               <a:rPr lang="en-US" dirty="0"/>
               <a:pPr/>
-              <a:t>9/24/2021</a:t>
+              <a:t>9/25/2021</a:t>
             </a:fld>
             <a:endParaRPr lang="en-US" dirty="0"/>
           </a:p>
@@ -2079,7 +2079,7 @@
             <a:fld id="{B61BEF0D-F0BB-DE4B-95CE-6DB70DBA9567}" type="datetimeFigureOut">
               <a:rPr lang="en-US" dirty="0"/>
               <a:pPr/>
-              <a:t>9/24/2021</a:t>
+              <a:t>9/25/2021</a:t>
             </a:fld>
             <a:endParaRPr lang="en-US" dirty="0"/>
           </a:p>
@@ -2469,7 +2469,7 @@
             <a:fld id="{B61BEF0D-F0BB-DE4B-95CE-6DB70DBA9567}" type="datetimeFigureOut">
               <a:rPr lang="en-US" dirty="0"/>
               <a:pPr/>
-              <a:t>9/24/2021</a:t>
+              <a:t>9/25/2021</a:t>
             </a:fld>
             <a:endParaRPr lang="en-US" dirty="0"/>
           </a:p>
@@ -2635,7 +2635,7 @@
           <a:p>
             <a:fld id="{55C6B4A9-1611-4792-9094-5F34BCA07E0B}" type="datetimeFigureOut">
               <a:rPr lang="en-US" dirty="0"/>
-              <a:t>9/24/2021</a:t>
+              <a:t>9/25/2021</a:t>
             </a:fld>
             <a:endParaRPr lang="en-US" dirty="0"/>
           </a:p>
@@ -2811,7 +2811,7 @@
             <a:fld id="{B61BEF0D-F0BB-DE4B-95CE-6DB70DBA9567}" type="datetimeFigureOut">
               <a:rPr lang="en-US" dirty="0"/>
               <a:pPr/>
-              <a:t>9/24/2021</a:t>
+              <a:t>9/25/2021</a:t>
             </a:fld>
             <a:endParaRPr lang="en-US" dirty="0"/>
           </a:p>
@@ -2992,7 +2992,7 @@
             <a:fld id="{B61BEF0D-F0BB-DE4B-95CE-6DB70DBA9567}" type="datetimeFigureOut">
               <a:rPr lang="en-US" dirty="0"/>
               <a:pPr/>
-              <a:t>9/24/2021</a:t>
+              <a:t>9/25/2021</a:t>
             </a:fld>
             <a:endParaRPr lang="en-US" dirty="0"/>
           </a:p>
@@ -3236,7 +3236,7 @@
             <a:fld id="{B61BEF0D-F0BB-DE4B-95CE-6DB70DBA9567}" type="datetimeFigureOut">
               <a:rPr lang="en-US" dirty="0"/>
               <a:pPr/>
-              <a:t>9/24/2021</a:t>
+              <a:t>9/25/2021</a:t>
             </a:fld>
             <a:endParaRPr lang="en-US" dirty="0"/>
           </a:p>
@@ -3464,7 +3464,7 @@
           <a:p>
             <a:fld id="{EB712588-04B1-427B-82EE-E8DB90309F08}" type="datetimeFigureOut">
               <a:rPr lang="en-US" dirty="0"/>
-              <a:t>9/24/2021</a:t>
+              <a:t>9/25/2021</a:t>
             </a:fld>
             <a:endParaRPr lang="en-US" dirty="0"/>
           </a:p>
@@ -3834,7 +3834,7 @@
             <a:fld id="{B61BEF0D-F0BB-DE4B-95CE-6DB70DBA9567}" type="datetimeFigureOut">
               <a:rPr lang="en-US" dirty="0"/>
               <a:pPr/>
-              <a:t>9/24/2021</a:t>
+              <a:t>9/25/2021</a:t>
             </a:fld>
             <a:endParaRPr lang="en-US" dirty="0"/>
           </a:p>
@@ -3954,7 +3954,7 @@
             <a:fld id="{B61BEF0D-F0BB-DE4B-95CE-6DB70DBA9567}" type="datetimeFigureOut">
               <a:rPr lang="en-US" dirty="0"/>
               <a:pPr/>
-              <a:t>9/24/2021</a:t>
+              <a:t>9/25/2021</a:t>
             </a:fld>
             <a:endParaRPr lang="en-US" dirty="0"/>
           </a:p>
@@ -4046,7 +4046,7 @@
             <a:fld id="{B61BEF0D-F0BB-DE4B-95CE-6DB70DBA9567}" type="datetimeFigureOut">
               <a:rPr lang="en-US" dirty="0"/>
               <a:pPr/>
-              <a:t>9/24/2021</a:t>
+              <a:t>9/25/2021</a:t>
             </a:fld>
             <a:endParaRPr lang="en-US" dirty="0"/>
           </a:p>
@@ -4297,7 +4297,7 @@
           <a:p>
             <a:fld id="{42A54C80-263E-416B-A8E0-580EDEADCBDC}" type="datetimeFigureOut">
               <a:rPr lang="en-US" dirty="0"/>
-              <a:t>9/24/2021</a:t>
+              <a:t>9/25/2021</a:t>
             </a:fld>
             <a:endParaRPr lang="en-US" dirty="0"/>
           </a:p>
@@ -4556,7 +4556,7 @@
             <a:fld id="{B61BEF0D-F0BB-DE4B-95CE-6DB70DBA9567}" type="datetimeFigureOut">
               <a:rPr lang="en-US" dirty="0"/>
               <a:pPr/>
-              <a:t>9/24/2021</a:t>
+              <a:t>9/25/2021</a:t>
             </a:fld>
             <a:endParaRPr lang="en-US" dirty="0"/>
           </a:p>
@@ -5296,7 +5296,7 @@
             <a:fld id="{B61BEF0D-F0BB-DE4B-95CE-6DB70DBA9567}" type="datetimeFigureOut">
               <a:rPr lang="en-US" dirty="0"/>
               <a:pPr/>
-              <a:t>9/24/2021</a:t>
+              <a:t>9/25/2021</a:t>
             </a:fld>
             <a:endParaRPr lang="en-US" dirty="0"/>
           </a:p>
@@ -5429,7 +5429,7 @@
         <p:spPr>
           <a:xfrm>
             <a:off x="444564" y="6509203"/>
-            <a:ext cx="2728632" cy="369332"/>
+            <a:ext cx="2496196" cy="369332"/>
           </a:xfrm>
           <a:prstGeom prst="rect">
             <a:avLst/>
@@ -5536,8 +5536,8 @@
           </a:lstStyle>
           <a:p>
             <a:r>
-              <a:rPr lang="zh-TW" altLang="en-US" dirty="0" smtClean="0"/>
-              <a:t>https://reurl.cc/522ARv</a:t>
+              <a:rPr lang="en-US" altLang="zh-TW" dirty="0" smtClean="0"/>
+              <a:t>http://lccn.io/vgENMI</a:t>
             </a:r>
             <a:endParaRPr lang="zh-TW" altLang="en-US" dirty="0"/>
           </a:p>
@@ -6039,7 +6039,7 @@
           <a:p>
             <a:fld id="{4805910D-2C61-424F-80CE-807290CF0E1E}" type="datetime4">
               <a:rPr lang="zh-TW" altLang="zh-TW"/>
-              <a:t>110年9月24日星期五</a:t>
+              <a:t>110年9月25日星期六</a:t>
             </a:fld>
             <a:endParaRPr lang="zh-TW" altLang="en-US" dirty="0"/>
           </a:p>

--- a/LCC/Java/04_流程控制(分支).pptx
+++ b/LCC/Java/04_流程控制(分支).pptx
@@ -8,29 +8,30 @@
     <p:sldId id="256" r:id="rId2"/>
     <p:sldId id="257" r:id="rId3"/>
     <p:sldId id="265" r:id="rId4"/>
-    <p:sldId id="258" r:id="rId5"/>
-    <p:sldId id="259" r:id="rId6"/>
-    <p:sldId id="278" r:id="rId7"/>
-    <p:sldId id="262" r:id="rId8"/>
-    <p:sldId id="263" r:id="rId9"/>
-    <p:sldId id="264" r:id="rId10"/>
-    <p:sldId id="260" r:id="rId11"/>
-    <p:sldId id="261" r:id="rId12"/>
-    <p:sldId id="266" r:id="rId13"/>
-    <p:sldId id="267" r:id="rId14"/>
-    <p:sldId id="268" r:id="rId15"/>
-    <p:sldId id="279" r:id="rId16"/>
-    <p:sldId id="269" r:id="rId17"/>
-    <p:sldId id="270" r:id="rId18"/>
-    <p:sldId id="271" r:id="rId19"/>
-    <p:sldId id="277" r:id="rId20"/>
-    <p:sldId id="272" r:id="rId21"/>
-    <p:sldId id="273" r:id="rId22"/>
-    <p:sldId id="274" r:id="rId23"/>
-    <p:sldId id="275" r:id="rId24"/>
-    <p:sldId id="276" r:id="rId25"/>
-    <p:sldId id="280" r:id="rId26"/>
-    <p:sldId id="282" r:id="rId27"/>
+    <p:sldId id="283" r:id="rId5"/>
+    <p:sldId id="258" r:id="rId6"/>
+    <p:sldId id="259" r:id="rId7"/>
+    <p:sldId id="278" r:id="rId8"/>
+    <p:sldId id="262" r:id="rId9"/>
+    <p:sldId id="263" r:id="rId10"/>
+    <p:sldId id="264" r:id="rId11"/>
+    <p:sldId id="260" r:id="rId12"/>
+    <p:sldId id="261" r:id="rId13"/>
+    <p:sldId id="266" r:id="rId14"/>
+    <p:sldId id="267" r:id="rId15"/>
+    <p:sldId id="268" r:id="rId16"/>
+    <p:sldId id="279" r:id="rId17"/>
+    <p:sldId id="269" r:id="rId18"/>
+    <p:sldId id="270" r:id="rId19"/>
+    <p:sldId id="271" r:id="rId20"/>
+    <p:sldId id="277" r:id="rId21"/>
+    <p:sldId id="272" r:id="rId22"/>
+    <p:sldId id="273" r:id="rId23"/>
+    <p:sldId id="274" r:id="rId24"/>
+    <p:sldId id="275" r:id="rId25"/>
+    <p:sldId id="276" r:id="rId26"/>
+    <p:sldId id="280" r:id="rId27"/>
+    <p:sldId id="282" r:id="rId28"/>
   </p:sldIdLst>
   <p:sldSz cx="12192000" cy="6858000"/>
   <p:notesSz cx="6858000" cy="9144000"/>
@@ -871,7 +872,7 @@
             <a:fld id="{B61BEF0D-F0BB-DE4B-95CE-6DB70DBA9567}" type="datetimeFigureOut">
               <a:rPr lang="en-US" dirty="0"/>
               <a:pPr/>
-              <a:t>9/25/2021</a:t>
+              <a:t>9/30/2021</a:t>
             </a:fld>
             <a:endParaRPr lang="en-US" dirty="0"/>
           </a:p>
@@ -1119,7 +1120,7 @@
             <a:fld id="{B61BEF0D-F0BB-DE4B-95CE-6DB70DBA9567}" type="datetimeFigureOut">
               <a:rPr lang="en-US" dirty="0"/>
               <a:pPr/>
-              <a:t>9/25/2021</a:t>
+              <a:t>9/30/2021</a:t>
             </a:fld>
             <a:endParaRPr lang="en-US" dirty="0"/>
           </a:p>
@@ -1430,7 +1431,7 @@
             <a:fld id="{B61BEF0D-F0BB-DE4B-95CE-6DB70DBA9567}" type="datetimeFigureOut">
               <a:rPr lang="en-US" dirty="0"/>
               <a:pPr/>
-              <a:t>9/25/2021</a:t>
+              <a:t>9/30/2021</a:t>
             </a:fld>
             <a:endParaRPr lang="en-US" dirty="0"/>
           </a:p>
@@ -1768,7 +1769,7 @@
             <a:fld id="{B61BEF0D-F0BB-DE4B-95CE-6DB70DBA9567}" type="datetimeFigureOut">
               <a:rPr lang="en-US" dirty="0"/>
               <a:pPr/>
-              <a:t>9/25/2021</a:t>
+              <a:t>9/30/2021</a:t>
             </a:fld>
             <a:endParaRPr lang="en-US" dirty="0"/>
           </a:p>
@@ -2079,7 +2080,7 @@
             <a:fld id="{B61BEF0D-F0BB-DE4B-95CE-6DB70DBA9567}" type="datetimeFigureOut">
               <a:rPr lang="en-US" dirty="0"/>
               <a:pPr/>
-              <a:t>9/25/2021</a:t>
+              <a:t>9/30/2021</a:t>
             </a:fld>
             <a:endParaRPr lang="en-US" dirty="0"/>
           </a:p>
@@ -2469,7 +2470,7 @@
             <a:fld id="{B61BEF0D-F0BB-DE4B-95CE-6DB70DBA9567}" type="datetimeFigureOut">
               <a:rPr lang="en-US" dirty="0"/>
               <a:pPr/>
-              <a:t>9/25/2021</a:t>
+              <a:t>9/30/2021</a:t>
             </a:fld>
             <a:endParaRPr lang="en-US" dirty="0"/>
           </a:p>
@@ -2635,7 +2636,7 @@
           <a:p>
             <a:fld id="{55C6B4A9-1611-4792-9094-5F34BCA07E0B}" type="datetimeFigureOut">
               <a:rPr lang="en-US" dirty="0"/>
-              <a:t>9/25/2021</a:t>
+              <a:t>9/30/2021</a:t>
             </a:fld>
             <a:endParaRPr lang="en-US" dirty="0"/>
           </a:p>
@@ -2811,7 +2812,7 @@
             <a:fld id="{B61BEF0D-F0BB-DE4B-95CE-6DB70DBA9567}" type="datetimeFigureOut">
               <a:rPr lang="en-US" dirty="0"/>
               <a:pPr/>
-              <a:t>9/25/2021</a:t>
+              <a:t>9/30/2021</a:t>
             </a:fld>
             <a:endParaRPr lang="en-US" dirty="0"/>
           </a:p>
@@ -2992,7 +2993,7 @@
             <a:fld id="{B61BEF0D-F0BB-DE4B-95CE-6DB70DBA9567}" type="datetimeFigureOut">
               <a:rPr lang="en-US" dirty="0"/>
               <a:pPr/>
-              <a:t>9/25/2021</a:t>
+              <a:t>9/30/2021</a:t>
             </a:fld>
             <a:endParaRPr lang="en-US" dirty="0"/>
           </a:p>
@@ -3236,7 +3237,7 @@
             <a:fld id="{B61BEF0D-F0BB-DE4B-95CE-6DB70DBA9567}" type="datetimeFigureOut">
               <a:rPr lang="en-US" dirty="0"/>
               <a:pPr/>
-              <a:t>9/25/2021</a:t>
+              <a:t>9/30/2021</a:t>
             </a:fld>
             <a:endParaRPr lang="en-US" dirty="0"/>
           </a:p>
@@ -3464,7 +3465,7 @@
           <a:p>
             <a:fld id="{EB712588-04B1-427B-82EE-E8DB90309F08}" type="datetimeFigureOut">
               <a:rPr lang="en-US" dirty="0"/>
-              <a:t>9/25/2021</a:t>
+              <a:t>9/30/2021</a:t>
             </a:fld>
             <a:endParaRPr lang="en-US" dirty="0"/>
           </a:p>
@@ -3834,7 +3835,7 @@
             <a:fld id="{B61BEF0D-F0BB-DE4B-95CE-6DB70DBA9567}" type="datetimeFigureOut">
               <a:rPr lang="en-US" dirty="0"/>
               <a:pPr/>
-              <a:t>9/25/2021</a:t>
+              <a:t>9/30/2021</a:t>
             </a:fld>
             <a:endParaRPr lang="en-US" dirty="0"/>
           </a:p>
@@ -3954,7 +3955,7 @@
             <a:fld id="{B61BEF0D-F0BB-DE4B-95CE-6DB70DBA9567}" type="datetimeFigureOut">
               <a:rPr lang="en-US" dirty="0"/>
               <a:pPr/>
-              <a:t>9/25/2021</a:t>
+              <a:t>9/30/2021</a:t>
             </a:fld>
             <a:endParaRPr lang="en-US" dirty="0"/>
           </a:p>
@@ -4046,7 +4047,7 @@
             <a:fld id="{B61BEF0D-F0BB-DE4B-95CE-6DB70DBA9567}" type="datetimeFigureOut">
               <a:rPr lang="en-US" dirty="0"/>
               <a:pPr/>
-              <a:t>9/25/2021</a:t>
+              <a:t>9/30/2021</a:t>
             </a:fld>
             <a:endParaRPr lang="en-US" dirty="0"/>
           </a:p>
@@ -4297,7 +4298,7 @@
           <a:p>
             <a:fld id="{42A54C80-263E-416B-A8E0-580EDEADCBDC}" type="datetimeFigureOut">
               <a:rPr lang="en-US" dirty="0"/>
-              <a:t>9/25/2021</a:t>
+              <a:t>9/30/2021</a:t>
             </a:fld>
             <a:endParaRPr lang="en-US" dirty="0"/>
           </a:p>
@@ -4556,7 +4557,7 @@
             <a:fld id="{B61BEF0D-F0BB-DE4B-95CE-6DB70DBA9567}" type="datetimeFigureOut">
               <a:rPr lang="en-US" dirty="0"/>
               <a:pPr/>
-              <a:t>9/25/2021</a:t>
+              <a:t>9/30/2021</a:t>
             </a:fld>
             <a:endParaRPr lang="en-US" dirty="0"/>
           </a:p>
@@ -5296,7 +5297,7 @@
             <a:fld id="{B61BEF0D-F0BB-DE4B-95CE-6DB70DBA9567}" type="datetimeFigureOut">
               <a:rPr lang="en-US" dirty="0"/>
               <a:pPr/>
-              <a:t>9/25/2021</a:t>
+              <a:t>9/30/2021</a:t>
             </a:fld>
             <a:endParaRPr lang="en-US" dirty="0"/>
           </a:p>
@@ -6039,7 +6040,7 @@
           <a:p>
             <a:fld id="{4805910D-2C61-424F-80CE-807290CF0E1E}" type="datetime4">
               <a:rPr lang="zh-TW" altLang="zh-TW"/>
-              <a:t>110年9月25日星期六</a:t>
+              <a:t>110年9月30日星期四</a:t>
             </a:fld>
             <a:endParaRPr lang="zh-TW" altLang="en-US" dirty="0"/>
           </a:p>
@@ -6107,6 +6108,163 @@
 </file>
 
 <file path=ppt/slides/slide10.xml><?xml version="1.0" encoding="utf-8"?>
+<p:sld xmlns:a="http://schemas.openxmlformats.org/drawingml/2006/main" xmlns:r="http://schemas.openxmlformats.org/officeDocument/2006/relationships" xmlns:p="http://schemas.openxmlformats.org/presentationml/2006/main">
+  <p:cSld>
+    <p:spTree>
+      <p:nvGrpSpPr>
+        <p:cNvPr id="1" name=""/>
+        <p:cNvGrpSpPr/>
+        <p:nvPr/>
+      </p:nvGrpSpPr>
+      <p:grpSpPr>
+        <a:xfrm>
+          <a:off x="0" y="0"/>
+          <a:ext cx="0" cy="0"/>
+          <a:chOff x="0" y="0"/>
+          <a:chExt cx="0" cy="0"/>
+        </a:xfrm>
+      </p:grpSpPr>
+      <p:sp>
+        <p:nvSpPr>
+          <p:cNvPr id="2" name="標題 1"/>
+          <p:cNvSpPr>
+            <a:spLocks noGrp="1"/>
+          </p:cNvSpPr>
+          <p:nvPr>
+            <p:ph type="title"/>
+          </p:nvPr>
+        </p:nvSpPr>
+        <p:spPr/>
+        <p:txBody>
+          <a:bodyPr/>
+          <a:lstStyle/>
+          <a:p>
+            <a:r>
+              <a:rPr lang="zh-TW" altLang="en-US" dirty="0"/>
+              <a:t>練習一參考</a:t>
+            </a:r>
+            <a:r>
+              <a:rPr lang="zh-TW" altLang="en-US" dirty="0" smtClean="0"/>
+              <a:t>解答</a:t>
+            </a:r>
+            <a:r>
+              <a:rPr lang="en-US" altLang="zh-TW" dirty="0" smtClean="0"/>
+              <a:t>(2)</a:t>
+            </a:r>
+            <a:endParaRPr lang="zh-TW" altLang="en-US" dirty="0"/>
+          </a:p>
+        </p:txBody>
+      </p:sp>
+      <p:sp>
+        <p:nvSpPr>
+          <p:cNvPr id="3" name="內容版面配置區 2"/>
+          <p:cNvSpPr>
+            <a:spLocks noGrp="1"/>
+          </p:cNvSpPr>
+          <p:nvPr>
+            <p:ph idx="1"/>
+          </p:nvPr>
+        </p:nvSpPr>
+        <p:spPr/>
+        <p:txBody>
+          <a:bodyPr/>
+          <a:lstStyle/>
+          <a:p>
+            <a:endParaRPr lang="zh-TW" altLang="en-US" dirty="0"/>
+          </a:p>
+        </p:txBody>
+      </p:sp>
+      <p:pic>
+        <p:nvPicPr>
+          <p:cNvPr id="4" name="圖片 3"/>
+          <p:cNvPicPr>
+            <a:picLocks noChangeAspect="1"/>
+          </p:cNvPicPr>
+          <p:nvPr/>
+        </p:nvPicPr>
+        <p:blipFill>
+          <a:blip r:embed="rId2"/>
+          <a:stretch>
+            <a:fillRect/>
+          </a:stretch>
+        </p:blipFill>
+        <p:spPr>
+          <a:xfrm>
+            <a:off x="677334" y="1527048"/>
+            <a:ext cx="4740899" cy="5047488"/>
+          </a:xfrm>
+          <a:prstGeom prst="rect">
+            <a:avLst/>
+          </a:prstGeom>
+        </p:spPr>
+      </p:pic>
+      <p:sp>
+        <p:nvSpPr>
+          <p:cNvPr id="5" name="矩形 4"/>
+          <p:cNvSpPr/>
+          <p:nvPr/>
+        </p:nvSpPr>
+        <p:spPr>
+          <a:xfrm>
+            <a:off x="1545336" y="4773168"/>
+            <a:ext cx="3950208" cy="1298448"/>
+          </a:xfrm>
+          <a:prstGeom prst="rect">
+            <a:avLst/>
+          </a:prstGeom>
+          <a:noFill/>
+          <a:ln>
+            <a:solidFill>
+              <a:srgbClr val="FF0000"/>
+            </a:solidFill>
+          </a:ln>
+        </p:spPr>
+        <p:style>
+          <a:lnRef idx="2">
+            <a:schemeClr val="accent1">
+              <a:shade val="50000"/>
+            </a:schemeClr>
+          </a:lnRef>
+          <a:fillRef idx="1">
+            <a:schemeClr val="accent1"/>
+          </a:fillRef>
+          <a:effectRef idx="0">
+            <a:schemeClr val="accent1"/>
+          </a:effectRef>
+          <a:fontRef idx="minor">
+            <a:schemeClr val="lt1"/>
+          </a:fontRef>
+        </p:style>
+        <p:txBody>
+          <a:bodyPr rtlCol="0" anchor="ctr"/>
+          <a:lstStyle/>
+          <a:p>
+            <a:pPr algn="ctr"/>
+            <a:endParaRPr lang="zh-TW" altLang="en-US"/>
+          </a:p>
+        </p:txBody>
+      </p:sp>
+    </p:spTree>
+    <p:extLst>
+      <p:ext uri="{BB962C8B-B14F-4D97-AF65-F5344CB8AC3E}">
+        <p14:creationId xmlns:p14="http://schemas.microsoft.com/office/powerpoint/2010/main" val="2474591956"/>
+      </p:ext>
+    </p:extLst>
+  </p:cSld>
+  <p:clrMapOvr>
+    <a:masterClrMapping/>
+  </p:clrMapOvr>
+  <p:timing>
+    <p:tnLst>
+      <p:par>
+        <p:cTn id="1" dur="indefinite" restart="never" nodeType="tmRoot"/>
+      </p:par>
+    </p:tnLst>
+  </p:timing>
+</p:sld>
+</file>
+
+<file path=ppt/slides/slide11.xml><?xml version="1.0" encoding="utf-8"?>
 <p:sld xmlns:a="http://schemas.openxmlformats.org/drawingml/2006/main" xmlns:r="http://schemas.openxmlformats.org/officeDocument/2006/relationships" xmlns:p="http://schemas.openxmlformats.org/presentationml/2006/main">
   <p:cSld>
     <p:spTree>
@@ -6385,7 +6543,15 @@
                     <a:schemeClr val="tx1"/>
                   </a:solidFill>
                 </a:rPr>
-                <a:t>A=13</a:t>
+                <a:t>A=</a:t>
+              </a:r>
+              <a:r>
+                <a:rPr lang="en-US" altLang="zh-TW" dirty="0" smtClean="0">
+                  <a:solidFill>
+                    <a:srgbClr val="0070C0"/>
+                  </a:solidFill>
+                </a:rPr>
+                <a:t>13</a:t>
               </a:r>
             </a:p>
             <a:p>
@@ -6395,7 +6561,15 @@
                     <a:schemeClr val="tx1"/>
                   </a:solidFill>
                 </a:rPr>
-                <a:t>B=77</a:t>
+                <a:t>B=</a:t>
+              </a:r>
+              <a:r>
+                <a:rPr lang="en-US" altLang="zh-TW" dirty="0" smtClean="0">
+                  <a:solidFill>
+                    <a:srgbClr val="0070C0"/>
+                  </a:solidFill>
+                </a:rPr>
+                <a:t>77</a:t>
               </a:r>
             </a:p>
             <a:p>
@@ -6405,21 +6579,29 @@
                     <a:schemeClr val="tx1"/>
                   </a:solidFill>
                 </a:rPr>
-                <a:t>C=34</a:t>
+                <a:t>C=</a:t>
+              </a:r>
+              <a:r>
+                <a:rPr lang="en-US" altLang="zh-TW" dirty="0" smtClean="0">
+                  <a:solidFill>
+                    <a:srgbClr val="0070C0"/>
+                  </a:solidFill>
+                </a:rPr>
+                <a:t>34</a:t>
               </a:r>
             </a:p>
             <a:p>
               <a:r>
                 <a:rPr lang="en-US" altLang="zh-TW" dirty="0" smtClean="0">
                   <a:solidFill>
-                    <a:srgbClr val="C00000"/>
+                    <a:schemeClr val="tx1"/>
                   </a:solidFill>
                 </a:rPr>
                 <a:t>The Max = 77</a:t>
               </a:r>
               <a:endParaRPr lang="zh-TW" altLang="en-US" dirty="0">
                 <a:solidFill>
-                  <a:srgbClr val="C00000"/>
+                  <a:schemeClr val="tx1"/>
                 </a:solidFill>
               </a:endParaRPr>
             </a:p>
@@ -6600,7 +6782,7 @@
 </p:sld>
 </file>
 
-<file path=ppt/slides/slide11.xml><?xml version="1.0" encoding="utf-8"?>
+<file path=ppt/slides/slide12.xml><?xml version="1.0" encoding="utf-8"?>
 <p:sld xmlns:a="http://schemas.openxmlformats.org/drawingml/2006/main" xmlns:r="http://schemas.openxmlformats.org/officeDocument/2006/relationships" xmlns:p="http://schemas.openxmlformats.org/presentationml/2006/main">
   <p:cSld>
     <p:spTree>
@@ -6738,7 +6920,7 @@
 </p:sld>
 </file>
 
-<file path=ppt/slides/slide12.xml><?xml version="1.0" encoding="utf-8"?>
+<file path=ppt/slides/slide13.xml><?xml version="1.0" encoding="utf-8"?>
 <p:sld xmlns:a="http://schemas.openxmlformats.org/drawingml/2006/main" xmlns:r="http://schemas.openxmlformats.org/officeDocument/2006/relationships" xmlns:p="http://schemas.openxmlformats.org/presentationml/2006/main">
   <p:cSld>
     <p:spTree>
@@ -6825,7 +7007,7 @@
 </p:sld>
 </file>
 
-<file path=ppt/slides/slide13.xml><?xml version="1.0" encoding="utf-8"?>
+<file path=ppt/slides/slide14.xml><?xml version="1.0" encoding="utf-8"?>
 <p:sld xmlns:a="http://schemas.openxmlformats.org/drawingml/2006/main" xmlns:r="http://schemas.openxmlformats.org/officeDocument/2006/relationships" xmlns:p="http://schemas.openxmlformats.org/presentationml/2006/main">
   <p:cSld>
     <p:spTree>
@@ -7355,7 +7537,7 @@
 </p:sld>
 </file>
 
-<file path=ppt/slides/slide14.xml><?xml version="1.0" encoding="utf-8"?>
+<file path=ppt/slides/slide15.xml><?xml version="1.0" encoding="utf-8"?>
 <p:sld xmlns:a="http://schemas.openxmlformats.org/drawingml/2006/main" xmlns:r="http://schemas.openxmlformats.org/officeDocument/2006/relationships" xmlns:p="http://schemas.openxmlformats.org/presentationml/2006/main">
   <p:cSld>
     <p:spTree>
@@ -7486,7 +7668,7 @@
 </p:sld>
 </file>
 
-<file path=ppt/slides/slide15.xml><?xml version="1.0" encoding="utf-8"?>
+<file path=ppt/slides/slide16.xml><?xml version="1.0" encoding="utf-8"?>
 <p:sld xmlns:a="http://schemas.openxmlformats.org/drawingml/2006/main" xmlns:r="http://schemas.openxmlformats.org/officeDocument/2006/relationships" xmlns:p="http://schemas.openxmlformats.org/presentationml/2006/main">
   <p:cSld>
     <p:spTree>
@@ -7607,7 +7789,7 @@
 </p:sld>
 </file>
 
-<file path=ppt/slides/slide16.xml><?xml version="1.0" encoding="utf-8"?>
+<file path=ppt/slides/slide17.xml><?xml version="1.0" encoding="utf-8"?>
 <p:sld xmlns:a="http://schemas.openxmlformats.org/drawingml/2006/main" xmlns:r="http://schemas.openxmlformats.org/officeDocument/2006/relationships" xmlns:p="http://schemas.openxmlformats.org/presentationml/2006/main">
   <p:cSld>
     <p:spTree>
@@ -7708,7 +7890,7 @@
 </p:sld>
 </file>
 
-<file path=ppt/slides/slide17.xml><?xml version="1.0" encoding="utf-8"?>
+<file path=ppt/slides/slide18.xml><?xml version="1.0" encoding="utf-8"?>
 <p:sld xmlns:a="http://schemas.openxmlformats.org/drawingml/2006/main" xmlns:r="http://schemas.openxmlformats.org/officeDocument/2006/relationships" xmlns:p="http://schemas.openxmlformats.org/presentationml/2006/main">
   <p:cSld>
     <p:spTree>
@@ -8054,7 +8236,7 @@
 </p:sld>
 </file>
 
-<file path=ppt/slides/slide18.xml><?xml version="1.0" encoding="utf-8"?>
+<file path=ppt/slides/slide19.xml><?xml version="1.0" encoding="utf-8"?>
 <p:sld xmlns:a="http://schemas.openxmlformats.org/drawingml/2006/main" xmlns:r="http://schemas.openxmlformats.org/officeDocument/2006/relationships" xmlns:p="http://schemas.openxmlformats.org/presentationml/2006/main">
   <p:cSld>
     <p:spTree>
@@ -8329,556 +8511,6 @@
 </p:sld>
 </file>
 
-<file path=ppt/slides/slide19.xml><?xml version="1.0" encoding="utf-8"?>
-<p:sld xmlns:a="http://schemas.openxmlformats.org/drawingml/2006/main" xmlns:r="http://schemas.openxmlformats.org/officeDocument/2006/relationships" xmlns:p="http://schemas.openxmlformats.org/presentationml/2006/main">
-  <p:cSld>
-    <p:spTree>
-      <p:nvGrpSpPr>
-        <p:cNvPr id="1" name=""/>
-        <p:cNvGrpSpPr/>
-        <p:nvPr/>
-      </p:nvGrpSpPr>
-      <p:grpSpPr>
-        <a:xfrm>
-          <a:off x="0" y="0"/>
-          <a:ext cx="0" cy="0"/>
-          <a:chOff x="0" y="0"/>
-          <a:chExt cx="0" cy="0"/>
-        </a:xfrm>
-      </p:grpSpPr>
-      <p:sp>
-        <p:nvSpPr>
-          <p:cNvPr id="2" name="標題 1"/>
-          <p:cNvSpPr>
-            <a:spLocks noGrp="1"/>
-          </p:cNvSpPr>
-          <p:nvPr>
-            <p:ph type="title"/>
-          </p:nvPr>
-        </p:nvSpPr>
-        <p:spPr/>
-        <p:txBody>
-          <a:bodyPr/>
-          <a:lstStyle/>
-          <a:p>
-            <a:r>
-              <a:rPr lang="zh-TW" altLang="en-US" dirty="0" smtClean="0"/>
-              <a:t>練習三</a:t>
-            </a:r>
-            <a:r>
-              <a:rPr lang="en-US" altLang="zh-TW" dirty="0" smtClean="0"/>
-              <a:t/>
-            </a:r>
-            <a:br>
-              <a:rPr lang="en-US" altLang="zh-TW" dirty="0" smtClean="0"/>
-            </a:br>
-            <a:r>
-              <a:rPr lang="zh-TW" altLang="en-US" dirty="0"/>
-              <a:t>輸入</a:t>
-            </a:r>
-            <a:r>
-              <a:rPr lang="zh-TW" altLang="en-US" dirty="0" smtClean="0"/>
-              <a:t>成績分</a:t>
-            </a:r>
-            <a:r>
-              <a:rPr lang="en-US" altLang="zh-TW" dirty="0" smtClean="0"/>
-              <a:t>ABCDE</a:t>
-            </a:r>
-            <a:r>
-              <a:rPr lang="zh-TW" altLang="en-US" dirty="0" smtClean="0"/>
-              <a:t>等級</a:t>
-            </a:r>
-            <a:endParaRPr lang="zh-TW" altLang="en-US" dirty="0"/>
-          </a:p>
-        </p:txBody>
-      </p:sp>
-      <p:sp>
-        <p:nvSpPr>
-          <p:cNvPr id="3" name="內容版面配置區 2"/>
-          <p:cNvSpPr>
-            <a:spLocks noGrp="1"/>
-          </p:cNvSpPr>
-          <p:nvPr>
-            <p:ph idx="1"/>
-          </p:nvPr>
-        </p:nvSpPr>
-        <p:spPr/>
-        <p:txBody>
-          <a:bodyPr/>
-          <a:lstStyle/>
-          <a:p>
-            <a:r>
-              <a:rPr lang="zh-TW" altLang="en-US" dirty="0" smtClean="0"/>
-              <a:t>依照輸入的成績</a:t>
-            </a:r>
-            <a:r>
-              <a:rPr lang="en-US" altLang="zh-TW" dirty="0" smtClean="0"/>
-              <a:t>(0~100)</a:t>
-            </a:r>
-            <a:r>
-              <a:rPr lang="zh-TW" altLang="en-US" dirty="0" smtClean="0"/>
-              <a:t>區分為</a:t>
-            </a:r>
-            <a:r>
-              <a:rPr lang="en-US" altLang="zh-TW" dirty="0" smtClean="0"/>
-              <a:t>A, B, C, D, E</a:t>
-            </a:r>
-            <a:r>
-              <a:rPr lang="zh-TW" altLang="en-US" dirty="0" smtClean="0"/>
-              <a:t>，每</a:t>
-            </a:r>
-            <a:r>
-              <a:rPr lang="en-US" altLang="zh-TW" dirty="0" smtClean="0"/>
-              <a:t>10</a:t>
-            </a:r>
-            <a:r>
-              <a:rPr lang="zh-TW" altLang="en-US" dirty="0" smtClean="0"/>
-              <a:t>分一級，</a:t>
-            </a:r>
-            <a:r>
-              <a:rPr lang="en-US" altLang="zh-TW" dirty="0" smtClean="0"/>
-              <a:t>60</a:t>
-            </a:r>
-            <a:r>
-              <a:rPr lang="zh-TW" altLang="en-US" dirty="0" smtClean="0"/>
-              <a:t>分以下都為</a:t>
-            </a:r>
-            <a:r>
-              <a:rPr lang="en-US" altLang="zh-TW" dirty="0" smtClean="0"/>
-              <a:t>E</a:t>
-            </a:r>
-            <a:r>
-              <a:rPr lang="zh-TW" altLang="en-US" dirty="0" smtClean="0"/>
-              <a:t>級。</a:t>
-            </a:r>
-            <a:endParaRPr lang="en-US" altLang="zh-TW" dirty="0" smtClean="0"/>
-          </a:p>
-          <a:p>
-            <a:r>
-              <a:rPr lang="zh-TW" altLang="en-US" dirty="0"/>
-              <a:t>思考重點：</a:t>
-            </a:r>
-            <a:endParaRPr lang="en-US" altLang="zh-TW" dirty="0"/>
-          </a:p>
-          <a:p>
-            <a:pPr lvl="1"/>
-            <a:r>
-              <a:rPr lang="zh-TW" altLang="en-US" dirty="0" smtClean="0"/>
-              <a:t>輸入</a:t>
-            </a:r>
-            <a:r>
-              <a:rPr lang="zh-TW" altLang="en-US" dirty="0"/>
-              <a:t>：</a:t>
-            </a:r>
-            <a:r>
-              <a:rPr lang="en-US" altLang="zh-TW" dirty="0"/>
-              <a:t>0~100</a:t>
-            </a:r>
-            <a:r>
-              <a:rPr lang="zh-TW" altLang="en-US" dirty="0"/>
-              <a:t>的</a:t>
-            </a:r>
-            <a:r>
-              <a:rPr lang="zh-TW" altLang="en-US" dirty="0" smtClean="0"/>
-              <a:t>整數</a:t>
-            </a:r>
-            <a:endParaRPr lang="en-US" altLang="zh-TW" dirty="0" smtClean="0"/>
-          </a:p>
-          <a:p>
-            <a:pPr lvl="1"/>
-            <a:r>
-              <a:rPr lang="zh-TW" altLang="en-US" dirty="0"/>
-              <a:t>輸出：</a:t>
-            </a:r>
-            <a:r>
-              <a:rPr lang="en-US" altLang="zh-TW" dirty="0"/>
-              <a:t>A,B,C,D,E</a:t>
-            </a:r>
-            <a:r>
-              <a:rPr lang="zh-TW" altLang="en-US" dirty="0" smtClean="0"/>
-              <a:t>級</a:t>
-            </a:r>
-            <a:endParaRPr lang="en-US" altLang="zh-TW" dirty="0" smtClean="0"/>
-          </a:p>
-          <a:p>
-            <a:pPr lvl="1"/>
-            <a:r>
-              <a:rPr lang="zh-TW" altLang="en-US" dirty="0" smtClean="0"/>
-              <a:t>語法：</a:t>
-            </a:r>
-            <a:r>
-              <a:rPr lang="en-US" altLang="zh-TW" dirty="0" smtClean="0"/>
-              <a:t>if…else if…..else if….else if…..</a:t>
-            </a:r>
-          </a:p>
-          <a:p>
-            <a:endParaRPr lang="en-US" altLang="zh-TW" dirty="0" smtClean="0"/>
-          </a:p>
-          <a:p>
-            <a:endParaRPr lang="zh-TW" altLang="en-US" dirty="0"/>
-          </a:p>
-        </p:txBody>
-      </p:sp>
-      <p:grpSp>
-        <p:nvGrpSpPr>
-          <p:cNvPr id="4" name="群組 3"/>
-          <p:cNvGrpSpPr/>
-          <p:nvPr/>
-        </p:nvGrpSpPr>
-        <p:grpSpPr>
-          <a:xfrm>
-            <a:off x="6702170" y="3547872"/>
-            <a:ext cx="4908613" cy="2953512"/>
-            <a:chOff x="8833104" y="502920"/>
-            <a:chExt cx="2587752" cy="1427480"/>
-          </a:xfrm>
-        </p:grpSpPr>
-        <p:sp>
-          <p:nvSpPr>
-            <p:cNvPr id="5" name="圓角矩形 4"/>
-            <p:cNvSpPr/>
-            <p:nvPr/>
-          </p:nvSpPr>
-          <p:spPr>
-            <a:xfrm>
-              <a:off x="8833104" y="502920"/>
-              <a:ext cx="2587752" cy="1197864"/>
-            </a:xfrm>
-            <a:prstGeom prst="roundRect">
-              <a:avLst/>
-            </a:prstGeom>
-            <a:solidFill>
-              <a:schemeClr val="tx1"/>
-            </a:solidFill>
-            <a:ln>
-              <a:solidFill>
-                <a:schemeClr val="tx1"/>
-              </a:solidFill>
-            </a:ln>
-          </p:spPr>
-          <p:style>
-            <a:lnRef idx="2">
-              <a:schemeClr val="accent1">
-                <a:shade val="50000"/>
-              </a:schemeClr>
-            </a:lnRef>
-            <a:fillRef idx="1">
-              <a:schemeClr val="accent1"/>
-            </a:fillRef>
-            <a:effectRef idx="0">
-              <a:schemeClr val="accent1"/>
-            </a:effectRef>
-            <a:fontRef idx="minor">
-              <a:schemeClr val="lt1"/>
-            </a:fontRef>
-          </p:style>
-          <p:txBody>
-            <a:bodyPr rtlCol="0" anchor="ctr"/>
-            <a:lstStyle/>
-            <a:p>
-              <a:pPr algn="ctr"/>
-              <a:endParaRPr lang="zh-TW" altLang="en-US"/>
-            </a:p>
-          </p:txBody>
-        </p:sp>
-        <p:sp>
-          <p:nvSpPr>
-            <p:cNvPr id="6" name="矩形 5"/>
-            <p:cNvSpPr/>
-            <p:nvPr/>
-          </p:nvSpPr>
-          <p:spPr>
-            <a:xfrm>
-              <a:off x="8942832" y="609600"/>
-              <a:ext cx="2386584" cy="999744"/>
-            </a:xfrm>
-            <a:prstGeom prst="rect">
-              <a:avLst/>
-            </a:prstGeom>
-            <a:solidFill>
-              <a:schemeClr val="bg2">
-                <a:lumMod val="90000"/>
-              </a:schemeClr>
-            </a:solidFill>
-            <a:ln>
-              <a:solidFill>
-                <a:schemeClr val="tx1"/>
-              </a:solidFill>
-            </a:ln>
-          </p:spPr>
-          <p:style>
-            <a:lnRef idx="2">
-              <a:schemeClr val="accent1">
-                <a:shade val="50000"/>
-              </a:schemeClr>
-            </a:lnRef>
-            <a:fillRef idx="1">
-              <a:schemeClr val="accent1"/>
-            </a:fillRef>
-            <a:effectRef idx="0">
-              <a:schemeClr val="accent1"/>
-            </a:effectRef>
-            <a:fontRef idx="minor">
-              <a:schemeClr val="lt1"/>
-            </a:fontRef>
-          </p:style>
-          <p:txBody>
-            <a:bodyPr rtlCol="0" anchor="t"/>
-            <a:lstStyle/>
-            <a:p>
-              <a:r>
-                <a:rPr lang="zh-TW" altLang="en-US" dirty="0" smtClean="0">
-                  <a:solidFill>
-                    <a:schemeClr val="tx1"/>
-                  </a:solidFill>
-                </a:rPr>
-                <a:t>請輸入成績：</a:t>
-              </a:r>
-              <a:r>
-                <a:rPr lang="en-US" altLang="zh-TW" dirty="0" smtClean="0">
-                  <a:solidFill>
-                    <a:srgbClr val="0070C0"/>
-                  </a:solidFill>
-                </a:rPr>
-                <a:t>98</a:t>
-              </a:r>
-            </a:p>
-            <a:p>
-              <a:r>
-                <a:rPr lang="en-US" altLang="zh-TW" dirty="0" smtClean="0">
-                  <a:solidFill>
-                    <a:schemeClr val="tx1"/>
-                  </a:solidFill>
-                </a:rPr>
-                <a:t>98</a:t>
-              </a:r>
-              <a:r>
-                <a:rPr lang="zh-TW" altLang="en-US" dirty="0" smtClean="0">
-                  <a:solidFill>
-                    <a:schemeClr val="tx1"/>
-                  </a:solidFill>
-                </a:rPr>
-                <a:t>分是</a:t>
-              </a:r>
-              <a:r>
-                <a:rPr lang="en-US" altLang="zh-TW" dirty="0" smtClean="0">
-                  <a:solidFill>
-                    <a:schemeClr val="tx1"/>
-                  </a:solidFill>
-                </a:rPr>
-                <a:t>A</a:t>
-              </a:r>
-              <a:r>
-                <a:rPr lang="zh-TW" altLang="en-US" dirty="0" smtClean="0">
-                  <a:solidFill>
-                    <a:schemeClr val="tx1"/>
-                  </a:solidFill>
-                </a:rPr>
-                <a:t>級</a:t>
-              </a:r>
-              <a:endParaRPr lang="en-US" altLang="zh-TW" dirty="0" smtClean="0">
-                <a:solidFill>
-                  <a:schemeClr val="tx1"/>
-                </a:solidFill>
-              </a:endParaRPr>
-            </a:p>
-            <a:p>
-              <a:r>
-                <a:rPr lang="en-US" altLang="zh-TW" dirty="0" smtClean="0">
-                  <a:solidFill>
-                    <a:schemeClr val="tx1"/>
-                  </a:solidFill>
-                </a:rPr>
-                <a:t>---------------------</a:t>
-              </a:r>
-            </a:p>
-            <a:p>
-              <a:r>
-                <a:rPr lang="zh-TW" altLang="en-US" dirty="0">
-                  <a:solidFill>
-                    <a:schemeClr val="tx1"/>
-                  </a:solidFill>
-                </a:rPr>
-                <a:t>請輸入成績：</a:t>
-              </a:r>
-            </a:p>
-          </p:txBody>
-        </p:sp>
-        <p:sp>
-          <p:nvSpPr>
-            <p:cNvPr id="7" name="梯形 6"/>
-            <p:cNvSpPr/>
-            <p:nvPr/>
-          </p:nvSpPr>
-          <p:spPr>
-            <a:xfrm>
-              <a:off x="9811512" y="1700784"/>
-              <a:ext cx="713232" cy="229616"/>
-            </a:xfrm>
-            <a:prstGeom prst="trapezoid">
-              <a:avLst/>
-            </a:prstGeom>
-            <a:solidFill>
-              <a:schemeClr val="tx1"/>
-            </a:solidFill>
-            <a:ln>
-              <a:solidFill>
-                <a:schemeClr val="tx1"/>
-              </a:solidFill>
-            </a:ln>
-          </p:spPr>
-          <p:style>
-            <a:lnRef idx="2">
-              <a:schemeClr val="accent1">
-                <a:shade val="50000"/>
-              </a:schemeClr>
-            </a:lnRef>
-            <a:fillRef idx="1">
-              <a:schemeClr val="accent1"/>
-            </a:fillRef>
-            <a:effectRef idx="0">
-              <a:schemeClr val="accent1"/>
-            </a:effectRef>
-            <a:fontRef idx="minor">
-              <a:schemeClr val="lt1"/>
-            </a:fontRef>
-          </p:style>
-          <p:txBody>
-            <a:bodyPr rtlCol="0" anchor="ctr"/>
-            <a:lstStyle/>
-            <a:p>
-              <a:pPr algn="ctr"/>
-              <a:endParaRPr lang="zh-TW" altLang="en-US"/>
-            </a:p>
-          </p:txBody>
-        </p:sp>
-      </p:grpSp>
-      <p:sp>
-        <p:nvSpPr>
-          <p:cNvPr id="8" name="文字方塊 7"/>
-          <p:cNvSpPr txBox="1"/>
-          <p:nvPr/>
-        </p:nvSpPr>
-        <p:spPr>
-          <a:xfrm>
-            <a:off x="677334" y="5322319"/>
-            <a:ext cx="1669047" cy="369332"/>
-          </a:xfrm>
-          <a:prstGeom prst="rect">
-            <a:avLst/>
-          </a:prstGeom>
-          <a:noFill/>
-        </p:spPr>
-        <p:txBody>
-          <a:bodyPr wrap="none" rtlCol="0">
-            <a:spAutoFit/>
-          </a:bodyPr>
-          <a:lstStyle/>
-          <a:p>
-            <a:r>
-              <a:rPr lang="en-US" altLang="zh-TW" dirty="0" smtClean="0">
-                <a:solidFill>
-                  <a:srgbClr val="C00000"/>
-                </a:solidFill>
-              </a:rPr>
-              <a:t>Example04_06</a:t>
-            </a:r>
-            <a:endParaRPr lang="zh-TW" altLang="en-US" dirty="0">
-              <a:solidFill>
-                <a:srgbClr val="C00000"/>
-              </a:solidFill>
-            </a:endParaRPr>
-          </a:p>
-        </p:txBody>
-      </p:sp>
-    </p:spTree>
-    <p:extLst>
-      <p:ext uri="{BB962C8B-B14F-4D97-AF65-F5344CB8AC3E}">
-        <p14:creationId xmlns:p14="http://schemas.microsoft.com/office/powerpoint/2010/main" val="150431271"/>
-      </p:ext>
-    </p:extLst>
-  </p:cSld>
-  <p:clrMapOvr>
-    <a:masterClrMapping/>
-  </p:clrMapOvr>
-  <p:timing>
-    <p:tnLst>
-      <p:par>
-        <p:cTn id="1" dur="indefinite" restart="never" nodeType="tmRoot">
-          <p:childTnLst>
-            <p:seq concurrent="1" nextAc="seek">
-              <p:cTn id="2" dur="indefinite" nodeType="mainSeq">
-                <p:childTnLst>
-                  <p:par>
-                    <p:cTn id="3" fill="hold">
-                      <p:stCondLst>
-                        <p:cond delay="indefinite"/>
-                      </p:stCondLst>
-                      <p:childTnLst>
-                        <p:par>
-                          <p:cTn id="4" fill="hold">
-                            <p:stCondLst>
-                              <p:cond delay="0"/>
-                            </p:stCondLst>
-                            <p:childTnLst>
-                              <p:par>
-                                <p:cTn id="5" presetID="1" presetClass="entr" presetSubtype="0" fill="hold" nodeType="clickEffect">
-                                  <p:stCondLst>
-                                    <p:cond delay="0"/>
-                                  </p:stCondLst>
-                                  <p:childTnLst>
-                                    <p:set>
-                                      <p:cBhvr>
-                                        <p:cTn id="6" dur="1" fill="hold">
-                                          <p:stCondLst>
-                                            <p:cond delay="0"/>
-                                          </p:stCondLst>
-                                        </p:cTn>
-                                        <p:tgtEl>
-                                          <p:spTgt spid="4"/>
-                                        </p:tgtEl>
-                                        <p:attrNameLst>
-                                          <p:attrName>style.visibility</p:attrName>
-                                        </p:attrNameLst>
-                                      </p:cBhvr>
-                                      <p:to>
-                                        <p:strVal val="visible"/>
-                                      </p:to>
-                                    </p:set>
-                                  </p:childTnLst>
-                                </p:cTn>
-                              </p:par>
-                            </p:childTnLst>
-                          </p:cTn>
-                        </p:par>
-                      </p:childTnLst>
-                    </p:cTn>
-                  </p:par>
-                </p:childTnLst>
-              </p:cTn>
-              <p:prevCondLst>
-                <p:cond evt="onPrev" delay="0">
-                  <p:tgtEl>
-                    <p:sldTgt/>
-                  </p:tgtEl>
-                </p:cond>
-              </p:prevCondLst>
-              <p:nextCondLst>
-                <p:cond evt="onNext" delay="0">
-                  <p:tgtEl>
-                    <p:sldTgt/>
-                  </p:tgtEl>
-                </p:cond>
-              </p:nextCondLst>
-            </p:seq>
-          </p:childTnLst>
-        </p:cTn>
-      </p:par>
-    </p:tnLst>
-  </p:timing>
-</p:sld>
-</file>
-
 <file path=ppt/slides/slide2.xml><?xml version="1.0" encoding="utf-8"?>
 <p:sld xmlns:a="http://schemas.openxmlformats.org/drawingml/2006/main" xmlns:r="http://schemas.openxmlformats.org/officeDocument/2006/relationships" xmlns:p="http://schemas.openxmlformats.org/presentationml/2006/main">
   <p:cSld>
@@ -8978,13 +8610,6 @@
             </a:endParaRPr>
           </a:p>
           <a:p>
-            <a:endParaRPr lang="en-US" altLang="zh-TW" b="1" dirty="0">
-              <a:solidFill>
-                <a:srgbClr val="C00000"/>
-              </a:solidFill>
-            </a:endParaRPr>
-          </a:p>
-          <a:p>
             <a:endParaRPr lang="en-US" altLang="zh-TW" b="1" dirty="0" smtClean="0">
               <a:solidFill>
                 <a:srgbClr val="C00000"/>
@@ -8992,13 +8617,16 @@
             </a:endParaRPr>
           </a:p>
           <a:p>
-            <a:r>
-              <a:rPr lang="zh-TW" altLang="en-US" dirty="0"/>
-              <a:t>換成口語</a:t>
-            </a:r>
-            <a:r>
-              <a:rPr lang="zh-TW" altLang="en-US" dirty="0" smtClean="0"/>
-              <a:t>：</a:t>
+            <a:endParaRPr lang="en-US" altLang="zh-TW" b="1" dirty="0" smtClean="0">
+              <a:solidFill>
+                <a:srgbClr val="C00000"/>
+              </a:solidFill>
+            </a:endParaRPr>
+          </a:p>
+          <a:p>
+            <a:r>
+              <a:rPr lang="zh-TW" altLang="en-US" dirty="0" smtClean="0"/>
+              <a:t>換成口語：</a:t>
             </a:r>
             <a:r>
               <a:rPr lang="zh-TW" altLang="en-US" dirty="0" smtClean="0">
@@ -9022,15 +8650,15 @@
                   <a:srgbClr val="0070C0"/>
                 </a:solidFill>
               </a:rPr>
-              <a:t>(1)</a:t>
+              <a:t>(1</a:t>
             </a:r>
             <a:r>
               <a:rPr lang="en-US" altLang="zh-TW" b="1" u="sng" dirty="0" smtClean="0">
                 <a:solidFill>
-                  <a:srgbClr val="C00000"/>
+                  <a:srgbClr val="0070C0"/>
                 </a:solidFill>
               </a:rPr>
-              <a:t> </a:t>
+              <a:t>) </a:t>
             </a:r>
             <a:r>
               <a:rPr lang="zh-TW" altLang="en-US" dirty="0" smtClean="0">
@@ -9110,7 +8738,7 @@
               <a:rPr lang="zh-TW" altLang="en-US" dirty="0" smtClean="0"/>
               <a:t>的條件做的事跟不符合的時候做的事。</a:t>
             </a:r>
-            <a:endParaRPr lang="en-US" altLang="zh-TW" dirty="0"/>
+            <a:endParaRPr lang="en-US" altLang="zh-TW" dirty="0" smtClean="0"/>
           </a:p>
           <a:p>
             <a:r>
@@ -9118,23 +8746,59 @@
               <a:t>再完整說：如果</a:t>
             </a:r>
             <a:r>
-              <a:rPr lang="en-US" altLang="zh-TW" dirty="0" smtClean="0"/>
+              <a:rPr lang="en-US" altLang="zh-TW" b="1" dirty="0" smtClean="0">
+                <a:solidFill>
+                  <a:srgbClr val="0070C0"/>
+                </a:solidFill>
+              </a:rPr>
               <a:t>(1)</a:t>
             </a:r>
             <a:r>
-              <a:rPr lang="zh-TW" altLang="en-US" dirty="0" smtClean="0"/>
-              <a:t>的條件成立就做</a:t>
-            </a:r>
-            <a:r>
-              <a:rPr lang="en-US" altLang="zh-TW" dirty="0" smtClean="0"/>
+              <a:rPr lang="zh-TW" altLang="en-US" b="1" dirty="0" smtClean="0">
+                <a:solidFill>
+                  <a:srgbClr val="0070C0"/>
+                </a:solidFill>
+              </a:rPr>
+              <a:t>的條件成立</a:t>
+            </a:r>
+            <a:r>
+              <a:rPr lang="zh-TW" altLang="en-US" dirty="0" smtClean="0"/>
+              <a:t>就</a:t>
+            </a:r>
+            <a:r>
+              <a:rPr lang="zh-TW" altLang="en-US" b="1" dirty="0" smtClean="0">
+                <a:solidFill>
+                  <a:schemeClr val="accent5"/>
+                </a:solidFill>
+              </a:rPr>
+              <a:t>做</a:t>
+            </a:r>
+            <a:r>
+              <a:rPr lang="en-US" altLang="zh-TW" b="1" dirty="0" smtClean="0">
+                <a:solidFill>
+                  <a:schemeClr val="accent5"/>
+                </a:solidFill>
+              </a:rPr>
               <a:t>(2)</a:t>
             </a:r>
             <a:r>
               <a:rPr lang="zh-TW" altLang="en-US" dirty="0" smtClean="0"/>
-              <a:t>，否則做</a:t>
-            </a:r>
-            <a:r>
-              <a:rPr lang="en-US" altLang="zh-TW" dirty="0" smtClean="0"/>
+              <a:t>，否則</a:t>
+            </a:r>
+            <a:r>
+              <a:rPr lang="zh-TW" altLang="en-US" b="1" dirty="0" smtClean="0">
+                <a:solidFill>
+                  <a:schemeClr val="accent5"/>
+                </a:solidFill>
+              </a:rPr>
+              <a:t>做</a:t>
+            </a:r>
+            <a:r>
+              <a:rPr lang="en-US" altLang="zh-TW" b="1" dirty="0" smtClean="0">
+                <a:solidFill>
+                  <a:schemeClr val="accent5"/>
+                </a:solidFill>
+              </a:rPr>
               <a:t>(3)</a:t>
             </a:r>
             <a:r>
@@ -10490,6 +10154,556 @@
       </p:grpSpPr>
       <p:sp>
         <p:nvSpPr>
+          <p:cNvPr id="2" name="標題 1"/>
+          <p:cNvSpPr>
+            <a:spLocks noGrp="1"/>
+          </p:cNvSpPr>
+          <p:nvPr>
+            <p:ph type="title"/>
+          </p:nvPr>
+        </p:nvSpPr>
+        <p:spPr/>
+        <p:txBody>
+          <a:bodyPr/>
+          <a:lstStyle/>
+          <a:p>
+            <a:r>
+              <a:rPr lang="zh-TW" altLang="en-US" dirty="0" smtClean="0"/>
+              <a:t>練習三</a:t>
+            </a:r>
+            <a:r>
+              <a:rPr lang="en-US" altLang="zh-TW" dirty="0" smtClean="0"/>
+              <a:t/>
+            </a:r>
+            <a:br>
+              <a:rPr lang="en-US" altLang="zh-TW" dirty="0" smtClean="0"/>
+            </a:br>
+            <a:r>
+              <a:rPr lang="zh-TW" altLang="en-US" dirty="0"/>
+              <a:t>輸入</a:t>
+            </a:r>
+            <a:r>
+              <a:rPr lang="zh-TW" altLang="en-US" dirty="0" smtClean="0"/>
+              <a:t>成績分</a:t>
+            </a:r>
+            <a:r>
+              <a:rPr lang="en-US" altLang="zh-TW" dirty="0" smtClean="0"/>
+              <a:t>ABCDE</a:t>
+            </a:r>
+            <a:r>
+              <a:rPr lang="zh-TW" altLang="en-US" dirty="0" smtClean="0"/>
+              <a:t>等級</a:t>
+            </a:r>
+            <a:endParaRPr lang="zh-TW" altLang="en-US" dirty="0"/>
+          </a:p>
+        </p:txBody>
+      </p:sp>
+      <p:sp>
+        <p:nvSpPr>
+          <p:cNvPr id="3" name="內容版面配置區 2"/>
+          <p:cNvSpPr>
+            <a:spLocks noGrp="1"/>
+          </p:cNvSpPr>
+          <p:nvPr>
+            <p:ph idx="1"/>
+          </p:nvPr>
+        </p:nvSpPr>
+        <p:spPr/>
+        <p:txBody>
+          <a:bodyPr/>
+          <a:lstStyle/>
+          <a:p>
+            <a:r>
+              <a:rPr lang="zh-TW" altLang="en-US" dirty="0" smtClean="0"/>
+              <a:t>依照輸入的成績</a:t>
+            </a:r>
+            <a:r>
+              <a:rPr lang="en-US" altLang="zh-TW" dirty="0" smtClean="0"/>
+              <a:t>(0~100)</a:t>
+            </a:r>
+            <a:r>
+              <a:rPr lang="zh-TW" altLang="en-US" dirty="0" smtClean="0"/>
+              <a:t>區分為</a:t>
+            </a:r>
+            <a:r>
+              <a:rPr lang="en-US" altLang="zh-TW" dirty="0" smtClean="0"/>
+              <a:t>A, B, C, D, E</a:t>
+            </a:r>
+            <a:r>
+              <a:rPr lang="zh-TW" altLang="en-US" dirty="0" smtClean="0"/>
+              <a:t>，每</a:t>
+            </a:r>
+            <a:r>
+              <a:rPr lang="en-US" altLang="zh-TW" dirty="0" smtClean="0"/>
+              <a:t>10</a:t>
+            </a:r>
+            <a:r>
+              <a:rPr lang="zh-TW" altLang="en-US" dirty="0" smtClean="0"/>
+              <a:t>分一級，</a:t>
+            </a:r>
+            <a:r>
+              <a:rPr lang="en-US" altLang="zh-TW" dirty="0" smtClean="0"/>
+              <a:t>60</a:t>
+            </a:r>
+            <a:r>
+              <a:rPr lang="zh-TW" altLang="en-US" dirty="0" smtClean="0"/>
+              <a:t>分以下都為</a:t>
+            </a:r>
+            <a:r>
+              <a:rPr lang="en-US" altLang="zh-TW" dirty="0" smtClean="0"/>
+              <a:t>E</a:t>
+            </a:r>
+            <a:r>
+              <a:rPr lang="zh-TW" altLang="en-US" dirty="0" smtClean="0"/>
+              <a:t>級。</a:t>
+            </a:r>
+            <a:endParaRPr lang="en-US" altLang="zh-TW" dirty="0" smtClean="0"/>
+          </a:p>
+          <a:p>
+            <a:r>
+              <a:rPr lang="zh-TW" altLang="en-US" dirty="0"/>
+              <a:t>思考重點：</a:t>
+            </a:r>
+            <a:endParaRPr lang="en-US" altLang="zh-TW" dirty="0"/>
+          </a:p>
+          <a:p>
+            <a:pPr lvl="1"/>
+            <a:r>
+              <a:rPr lang="zh-TW" altLang="en-US" dirty="0" smtClean="0"/>
+              <a:t>輸入</a:t>
+            </a:r>
+            <a:r>
+              <a:rPr lang="zh-TW" altLang="en-US" dirty="0"/>
+              <a:t>：</a:t>
+            </a:r>
+            <a:r>
+              <a:rPr lang="en-US" altLang="zh-TW" dirty="0"/>
+              <a:t>0~100</a:t>
+            </a:r>
+            <a:r>
+              <a:rPr lang="zh-TW" altLang="en-US" dirty="0"/>
+              <a:t>的</a:t>
+            </a:r>
+            <a:r>
+              <a:rPr lang="zh-TW" altLang="en-US" dirty="0" smtClean="0"/>
+              <a:t>整數</a:t>
+            </a:r>
+            <a:endParaRPr lang="en-US" altLang="zh-TW" dirty="0" smtClean="0"/>
+          </a:p>
+          <a:p>
+            <a:pPr lvl="1"/>
+            <a:r>
+              <a:rPr lang="zh-TW" altLang="en-US" dirty="0"/>
+              <a:t>輸出：</a:t>
+            </a:r>
+            <a:r>
+              <a:rPr lang="en-US" altLang="zh-TW" dirty="0"/>
+              <a:t>A,B,C,D,E</a:t>
+            </a:r>
+            <a:r>
+              <a:rPr lang="zh-TW" altLang="en-US" dirty="0" smtClean="0"/>
+              <a:t>級</a:t>
+            </a:r>
+            <a:endParaRPr lang="en-US" altLang="zh-TW" dirty="0" smtClean="0"/>
+          </a:p>
+          <a:p>
+            <a:pPr lvl="1"/>
+            <a:r>
+              <a:rPr lang="zh-TW" altLang="en-US" dirty="0" smtClean="0"/>
+              <a:t>語法：</a:t>
+            </a:r>
+            <a:r>
+              <a:rPr lang="en-US" altLang="zh-TW" dirty="0" smtClean="0"/>
+              <a:t>if…else if…..else if….else if…..</a:t>
+            </a:r>
+          </a:p>
+          <a:p>
+            <a:endParaRPr lang="en-US" altLang="zh-TW" dirty="0" smtClean="0"/>
+          </a:p>
+          <a:p>
+            <a:endParaRPr lang="zh-TW" altLang="en-US" dirty="0"/>
+          </a:p>
+        </p:txBody>
+      </p:sp>
+      <p:grpSp>
+        <p:nvGrpSpPr>
+          <p:cNvPr id="4" name="群組 3"/>
+          <p:cNvGrpSpPr/>
+          <p:nvPr/>
+        </p:nvGrpSpPr>
+        <p:grpSpPr>
+          <a:xfrm>
+            <a:off x="6702170" y="3547872"/>
+            <a:ext cx="4908613" cy="2953512"/>
+            <a:chOff x="8833104" y="502920"/>
+            <a:chExt cx="2587752" cy="1427480"/>
+          </a:xfrm>
+        </p:grpSpPr>
+        <p:sp>
+          <p:nvSpPr>
+            <p:cNvPr id="5" name="圓角矩形 4"/>
+            <p:cNvSpPr/>
+            <p:nvPr/>
+          </p:nvSpPr>
+          <p:spPr>
+            <a:xfrm>
+              <a:off x="8833104" y="502920"/>
+              <a:ext cx="2587752" cy="1197864"/>
+            </a:xfrm>
+            <a:prstGeom prst="roundRect">
+              <a:avLst/>
+            </a:prstGeom>
+            <a:solidFill>
+              <a:schemeClr val="tx1"/>
+            </a:solidFill>
+            <a:ln>
+              <a:solidFill>
+                <a:schemeClr val="tx1"/>
+              </a:solidFill>
+            </a:ln>
+          </p:spPr>
+          <p:style>
+            <a:lnRef idx="2">
+              <a:schemeClr val="accent1">
+                <a:shade val="50000"/>
+              </a:schemeClr>
+            </a:lnRef>
+            <a:fillRef idx="1">
+              <a:schemeClr val="accent1"/>
+            </a:fillRef>
+            <a:effectRef idx="0">
+              <a:schemeClr val="accent1"/>
+            </a:effectRef>
+            <a:fontRef idx="minor">
+              <a:schemeClr val="lt1"/>
+            </a:fontRef>
+          </p:style>
+          <p:txBody>
+            <a:bodyPr rtlCol="0" anchor="ctr"/>
+            <a:lstStyle/>
+            <a:p>
+              <a:pPr algn="ctr"/>
+              <a:endParaRPr lang="zh-TW" altLang="en-US"/>
+            </a:p>
+          </p:txBody>
+        </p:sp>
+        <p:sp>
+          <p:nvSpPr>
+            <p:cNvPr id="6" name="矩形 5"/>
+            <p:cNvSpPr/>
+            <p:nvPr/>
+          </p:nvSpPr>
+          <p:spPr>
+            <a:xfrm>
+              <a:off x="8942832" y="609600"/>
+              <a:ext cx="2386584" cy="999744"/>
+            </a:xfrm>
+            <a:prstGeom prst="rect">
+              <a:avLst/>
+            </a:prstGeom>
+            <a:solidFill>
+              <a:schemeClr val="bg2">
+                <a:lumMod val="90000"/>
+              </a:schemeClr>
+            </a:solidFill>
+            <a:ln>
+              <a:solidFill>
+                <a:schemeClr val="tx1"/>
+              </a:solidFill>
+            </a:ln>
+          </p:spPr>
+          <p:style>
+            <a:lnRef idx="2">
+              <a:schemeClr val="accent1">
+                <a:shade val="50000"/>
+              </a:schemeClr>
+            </a:lnRef>
+            <a:fillRef idx="1">
+              <a:schemeClr val="accent1"/>
+            </a:fillRef>
+            <a:effectRef idx="0">
+              <a:schemeClr val="accent1"/>
+            </a:effectRef>
+            <a:fontRef idx="minor">
+              <a:schemeClr val="lt1"/>
+            </a:fontRef>
+          </p:style>
+          <p:txBody>
+            <a:bodyPr rtlCol="0" anchor="t"/>
+            <a:lstStyle/>
+            <a:p>
+              <a:r>
+                <a:rPr lang="zh-TW" altLang="en-US" dirty="0" smtClean="0">
+                  <a:solidFill>
+                    <a:schemeClr val="tx1"/>
+                  </a:solidFill>
+                </a:rPr>
+                <a:t>請輸入成績：</a:t>
+              </a:r>
+              <a:r>
+                <a:rPr lang="en-US" altLang="zh-TW" dirty="0" smtClean="0">
+                  <a:solidFill>
+                    <a:srgbClr val="0070C0"/>
+                  </a:solidFill>
+                </a:rPr>
+                <a:t>98</a:t>
+              </a:r>
+            </a:p>
+            <a:p>
+              <a:r>
+                <a:rPr lang="en-US" altLang="zh-TW" dirty="0" smtClean="0">
+                  <a:solidFill>
+                    <a:schemeClr val="tx1"/>
+                  </a:solidFill>
+                </a:rPr>
+                <a:t>98</a:t>
+              </a:r>
+              <a:r>
+                <a:rPr lang="zh-TW" altLang="en-US" dirty="0" smtClean="0">
+                  <a:solidFill>
+                    <a:schemeClr val="tx1"/>
+                  </a:solidFill>
+                </a:rPr>
+                <a:t>分是</a:t>
+              </a:r>
+              <a:r>
+                <a:rPr lang="en-US" altLang="zh-TW" dirty="0" smtClean="0">
+                  <a:solidFill>
+                    <a:schemeClr val="tx1"/>
+                  </a:solidFill>
+                </a:rPr>
+                <a:t>A</a:t>
+              </a:r>
+              <a:r>
+                <a:rPr lang="zh-TW" altLang="en-US" dirty="0" smtClean="0">
+                  <a:solidFill>
+                    <a:schemeClr val="tx1"/>
+                  </a:solidFill>
+                </a:rPr>
+                <a:t>級</a:t>
+              </a:r>
+              <a:endParaRPr lang="en-US" altLang="zh-TW" dirty="0" smtClean="0">
+                <a:solidFill>
+                  <a:schemeClr val="tx1"/>
+                </a:solidFill>
+              </a:endParaRPr>
+            </a:p>
+            <a:p>
+              <a:r>
+                <a:rPr lang="en-US" altLang="zh-TW" dirty="0" smtClean="0">
+                  <a:solidFill>
+                    <a:schemeClr val="tx1"/>
+                  </a:solidFill>
+                </a:rPr>
+                <a:t>---------------------</a:t>
+              </a:r>
+            </a:p>
+            <a:p>
+              <a:r>
+                <a:rPr lang="zh-TW" altLang="en-US" dirty="0">
+                  <a:solidFill>
+                    <a:schemeClr val="tx1"/>
+                  </a:solidFill>
+                </a:rPr>
+                <a:t>請輸入成績：</a:t>
+              </a:r>
+            </a:p>
+          </p:txBody>
+        </p:sp>
+        <p:sp>
+          <p:nvSpPr>
+            <p:cNvPr id="7" name="梯形 6"/>
+            <p:cNvSpPr/>
+            <p:nvPr/>
+          </p:nvSpPr>
+          <p:spPr>
+            <a:xfrm>
+              <a:off x="9811512" y="1700784"/>
+              <a:ext cx="713232" cy="229616"/>
+            </a:xfrm>
+            <a:prstGeom prst="trapezoid">
+              <a:avLst/>
+            </a:prstGeom>
+            <a:solidFill>
+              <a:schemeClr val="tx1"/>
+            </a:solidFill>
+            <a:ln>
+              <a:solidFill>
+                <a:schemeClr val="tx1"/>
+              </a:solidFill>
+            </a:ln>
+          </p:spPr>
+          <p:style>
+            <a:lnRef idx="2">
+              <a:schemeClr val="accent1">
+                <a:shade val="50000"/>
+              </a:schemeClr>
+            </a:lnRef>
+            <a:fillRef idx="1">
+              <a:schemeClr val="accent1"/>
+            </a:fillRef>
+            <a:effectRef idx="0">
+              <a:schemeClr val="accent1"/>
+            </a:effectRef>
+            <a:fontRef idx="minor">
+              <a:schemeClr val="lt1"/>
+            </a:fontRef>
+          </p:style>
+          <p:txBody>
+            <a:bodyPr rtlCol="0" anchor="ctr"/>
+            <a:lstStyle/>
+            <a:p>
+              <a:pPr algn="ctr"/>
+              <a:endParaRPr lang="zh-TW" altLang="en-US"/>
+            </a:p>
+          </p:txBody>
+        </p:sp>
+      </p:grpSp>
+      <p:sp>
+        <p:nvSpPr>
+          <p:cNvPr id="8" name="文字方塊 7"/>
+          <p:cNvSpPr txBox="1"/>
+          <p:nvPr/>
+        </p:nvSpPr>
+        <p:spPr>
+          <a:xfrm>
+            <a:off x="677334" y="5322319"/>
+            <a:ext cx="1669047" cy="369332"/>
+          </a:xfrm>
+          <a:prstGeom prst="rect">
+            <a:avLst/>
+          </a:prstGeom>
+          <a:noFill/>
+        </p:spPr>
+        <p:txBody>
+          <a:bodyPr wrap="none" rtlCol="0">
+            <a:spAutoFit/>
+          </a:bodyPr>
+          <a:lstStyle/>
+          <a:p>
+            <a:r>
+              <a:rPr lang="en-US" altLang="zh-TW" dirty="0" smtClean="0">
+                <a:solidFill>
+                  <a:srgbClr val="C00000"/>
+                </a:solidFill>
+              </a:rPr>
+              <a:t>Example04_06</a:t>
+            </a:r>
+            <a:endParaRPr lang="zh-TW" altLang="en-US" dirty="0">
+              <a:solidFill>
+                <a:srgbClr val="C00000"/>
+              </a:solidFill>
+            </a:endParaRPr>
+          </a:p>
+        </p:txBody>
+      </p:sp>
+    </p:spTree>
+    <p:extLst>
+      <p:ext uri="{BB962C8B-B14F-4D97-AF65-F5344CB8AC3E}">
+        <p14:creationId xmlns:p14="http://schemas.microsoft.com/office/powerpoint/2010/main" val="150431271"/>
+      </p:ext>
+    </p:extLst>
+  </p:cSld>
+  <p:clrMapOvr>
+    <a:masterClrMapping/>
+  </p:clrMapOvr>
+  <p:timing>
+    <p:tnLst>
+      <p:par>
+        <p:cTn id="1" dur="indefinite" restart="never" nodeType="tmRoot">
+          <p:childTnLst>
+            <p:seq concurrent="1" nextAc="seek">
+              <p:cTn id="2" dur="indefinite" nodeType="mainSeq">
+                <p:childTnLst>
+                  <p:par>
+                    <p:cTn id="3" fill="hold">
+                      <p:stCondLst>
+                        <p:cond delay="indefinite"/>
+                      </p:stCondLst>
+                      <p:childTnLst>
+                        <p:par>
+                          <p:cTn id="4" fill="hold">
+                            <p:stCondLst>
+                              <p:cond delay="0"/>
+                            </p:stCondLst>
+                            <p:childTnLst>
+                              <p:par>
+                                <p:cTn id="5" presetID="1" presetClass="entr" presetSubtype="0" fill="hold" nodeType="clickEffect">
+                                  <p:stCondLst>
+                                    <p:cond delay="0"/>
+                                  </p:stCondLst>
+                                  <p:childTnLst>
+                                    <p:set>
+                                      <p:cBhvr>
+                                        <p:cTn id="6" dur="1" fill="hold">
+                                          <p:stCondLst>
+                                            <p:cond delay="0"/>
+                                          </p:stCondLst>
+                                        </p:cTn>
+                                        <p:tgtEl>
+                                          <p:spTgt spid="4"/>
+                                        </p:tgtEl>
+                                        <p:attrNameLst>
+                                          <p:attrName>style.visibility</p:attrName>
+                                        </p:attrNameLst>
+                                      </p:cBhvr>
+                                      <p:to>
+                                        <p:strVal val="visible"/>
+                                      </p:to>
+                                    </p:set>
+                                  </p:childTnLst>
+                                </p:cTn>
+                              </p:par>
+                            </p:childTnLst>
+                          </p:cTn>
+                        </p:par>
+                      </p:childTnLst>
+                    </p:cTn>
+                  </p:par>
+                </p:childTnLst>
+              </p:cTn>
+              <p:prevCondLst>
+                <p:cond evt="onPrev" delay="0">
+                  <p:tgtEl>
+                    <p:sldTgt/>
+                  </p:tgtEl>
+                </p:cond>
+              </p:prevCondLst>
+              <p:nextCondLst>
+                <p:cond evt="onNext" delay="0">
+                  <p:tgtEl>
+                    <p:sldTgt/>
+                  </p:tgtEl>
+                </p:cond>
+              </p:nextCondLst>
+            </p:seq>
+          </p:childTnLst>
+        </p:cTn>
+      </p:par>
+    </p:tnLst>
+  </p:timing>
+</p:sld>
+</file>
+
+<file path=ppt/slides/slide21.xml><?xml version="1.0" encoding="utf-8"?>
+<p:sld xmlns:a="http://schemas.openxmlformats.org/drawingml/2006/main" xmlns:r="http://schemas.openxmlformats.org/officeDocument/2006/relationships" xmlns:p="http://schemas.openxmlformats.org/presentationml/2006/main">
+  <p:cSld>
+    <p:spTree>
+      <p:nvGrpSpPr>
+        <p:cNvPr id="1" name=""/>
+        <p:cNvGrpSpPr/>
+        <p:nvPr/>
+      </p:nvGrpSpPr>
+      <p:grpSpPr>
+        <a:xfrm>
+          <a:off x="0" y="0"/>
+          <a:ext cx="0" cy="0"/>
+          <a:chOff x="0" y="0"/>
+          <a:chExt cx="0" cy="0"/>
+        </a:xfrm>
+      </p:grpSpPr>
+      <p:sp>
+        <p:nvSpPr>
           <p:cNvPr id="4" name="標題 3"/>
           <p:cNvSpPr>
             <a:spLocks noGrp="1"/>
@@ -10548,10 +10762,17 @@
   <p:clrMapOvr>
     <a:masterClrMapping/>
   </p:clrMapOvr>
+  <p:timing>
+    <p:tnLst>
+      <p:par>
+        <p:cTn id="1" dur="indefinite" restart="never" nodeType="tmRoot"/>
+      </p:par>
+    </p:tnLst>
+  </p:timing>
 </p:sld>
 </file>
 
-<file path=ppt/slides/slide21.xml><?xml version="1.0" encoding="utf-8"?>
+<file path=ppt/slides/slide22.xml><?xml version="1.0" encoding="utf-8"?>
 <p:sld xmlns:a="http://schemas.openxmlformats.org/drawingml/2006/main" xmlns:r="http://schemas.openxmlformats.org/officeDocument/2006/relationships" xmlns:p="http://schemas.openxmlformats.org/presentationml/2006/main">
   <p:cSld>
     <p:spTree>
@@ -10820,10 +11041,17 @@
   <p:clrMapOvr>
     <a:masterClrMapping/>
   </p:clrMapOvr>
+  <p:timing>
+    <p:tnLst>
+      <p:par>
+        <p:cTn id="1" dur="indefinite" restart="never" nodeType="tmRoot"/>
+      </p:par>
+    </p:tnLst>
+  </p:timing>
 </p:sld>
 </file>
 
-<file path=ppt/slides/slide22.xml><?xml version="1.0" encoding="utf-8"?>
+<file path=ppt/slides/slide23.xml><?xml version="1.0" encoding="utf-8"?>
 <p:sld xmlns:a="http://schemas.openxmlformats.org/drawingml/2006/main" xmlns:r="http://schemas.openxmlformats.org/officeDocument/2006/relationships" xmlns:p="http://schemas.openxmlformats.org/presentationml/2006/main">
   <p:cSld>
     <p:spTree>
@@ -11486,7 +11714,7 @@
 </p:sld>
 </file>
 
-<file path=ppt/slides/slide23.xml><?xml version="1.0" encoding="utf-8"?>
+<file path=ppt/slides/slide24.xml><?xml version="1.0" encoding="utf-8"?>
 <p:sld xmlns:a="http://schemas.openxmlformats.org/drawingml/2006/main" xmlns:r="http://schemas.openxmlformats.org/officeDocument/2006/relationships" xmlns:p="http://schemas.openxmlformats.org/presentationml/2006/main">
   <p:cSld>
     <p:spTree>
@@ -11602,10 +11830,17 @@
   <p:clrMapOvr>
     <a:masterClrMapping/>
   </p:clrMapOvr>
+  <p:timing>
+    <p:tnLst>
+      <p:par>
+        <p:cTn id="1" dur="indefinite" restart="never" nodeType="tmRoot"/>
+      </p:par>
+    </p:tnLst>
+  </p:timing>
 </p:sld>
 </file>
 
-<file path=ppt/slides/slide24.xml><?xml version="1.0" encoding="utf-8"?>
+<file path=ppt/slides/slide25.xml><?xml version="1.0" encoding="utf-8"?>
 <p:sld xmlns:a="http://schemas.openxmlformats.org/drawingml/2006/main" xmlns:r="http://schemas.openxmlformats.org/officeDocument/2006/relationships" xmlns:p="http://schemas.openxmlformats.org/presentationml/2006/main">
   <p:cSld>
     <p:spTree>
@@ -12189,146 +12424,6 @@
 </p:sld>
 </file>
 
-<file path=ppt/slides/slide25.xml><?xml version="1.0" encoding="utf-8"?>
-<p:sld xmlns:a="http://schemas.openxmlformats.org/drawingml/2006/main" xmlns:r="http://schemas.openxmlformats.org/officeDocument/2006/relationships" xmlns:p="http://schemas.openxmlformats.org/presentationml/2006/main">
-  <p:cSld>
-    <p:spTree>
-      <p:nvGrpSpPr>
-        <p:cNvPr id="1" name=""/>
-        <p:cNvGrpSpPr/>
-        <p:nvPr/>
-      </p:nvGrpSpPr>
-      <p:grpSpPr>
-        <a:xfrm>
-          <a:off x="0" y="0"/>
-          <a:ext cx="0" cy="0"/>
-          <a:chOff x="0" y="0"/>
-          <a:chExt cx="0" cy="0"/>
-        </a:xfrm>
-      </p:grpSpPr>
-      <p:sp>
-        <p:nvSpPr>
-          <p:cNvPr id="2" name="標題 1"/>
-          <p:cNvSpPr>
-            <a:spLocks noGrp="1"/>
-          </p:cNvSpPr>
-          <p:nvPr>
-            <p:ph type="title"/>
-          </p:nvPr>
-        </p:nvSpPr>
-        <p:spPr/>
-        <p:txBody>
-          <a:bodyPr/>
-          <a:lstStyle/>
-          <a:p>
-            <a:r>
-              <a:rPr lang="zh-TW" altLang="en-US" dirty="0" smtClean="0"/>
-              <a:t>小練習 </a:t>
-            </a:r>
-            <a:r>
-              <a:rPr lang="en-US" altLang="zh-TW" dirty="0" smtClean="0"/>
-              <a:t>1</a:t>
-            </a:r>
-            <a:br>
-              <a:rPr lang="en-US" altLang="zh-TW" dirty="0" smtClean="0"/>
-            </a:br>
-            <a:r>
-              <a:rPr lang="en-US" altLang="zh-TW" dirty="0" smtClean="0"/>
-              <a:t>BMI</a:t>
-            </a:r>
-            <a:r>
-              <a:rPr lang="zh-TW" altLang="en-US" dirty="0" smtClean="0"/>
-              <a:t>進階</a:t>
-            </a:r>
-            <a:endParaRPr lang="zh-TW" altLang="en-US" dirty="0"/>
-          </a:p>
-        </p:txBody>
-      </p:sp>
-      <p:sp>
-        <p:nvSpPr>
-          <p:cNvPr id="3" name="內容版面配置區 2"/>
-          <p:cNvSpPr>
-            <a:spLocks noGrp="1"/>
-          </p:cNvSpPr>
-          <p:nvPr>
-            <p:ph idx="1"/>
-          </p:nvPr>
-        </p:nvSpPr>
-        <p:spPr/>
-        <p:txBody>
-          <a:bodyPr/>
-          <a:lstStyle/>
-          <a:p>
-            <a:r>
-              <a:rPr lang="zh-TW" altLang="en-US" dirty="0" smtClean="0"/>
-              <a:t>把前面寫過的計算</a:t>
-            </a:r>
-            <a:r>
-              <a:rPr lang="en-US" altLang="zh-TW" dirty="0" smtClean="0"/>
-              <a:t>BMI</a:t>
-            </a:r>
-            <a:r>
-              <a:rPr lang="zh-TW" altLang="en-US" dirty="0" smtClean="0"/>
-              <a:t>程式找出來</a:t>
-            </a:r>
-            <a:endParaRPr lang="en-US" altLang="zh-TW" dirty="0" smtClean="0"/>
-          </a:p>
-          <a:p>
-            <a:r>
-              <a:rPr lang="zh-TW" altLang="en-US" dirty="0"/>
-              <a:t>增加功能</a:t>
-            </a:r>
-            <a:r>
-              <a:rPr lang="zh-TW" altLang="en-US" dirty="0" smtClean="0"/>
-              <a:t>，依照</a:t>
-            </a:r>
-            <a:r>
-              <a:rPr lang="en-US" altLang="zh-TW" dirty="0" smtClean="0"/>
-              <a:t>BMI &lt; 18, BMI &gt; 24</a:t>
-            </a:r>
-            <a:r>
-              <a:rPr lang="zh-TW" altLang="en-US" dirty="0" smtClean="0"/>
-              <a:t>及 </a:t>
-            </a:r>
-            <a:r>
-              <a:rPr lang="en-US" altLang="zh-TW" dirty="0" smtClean="0"/>
-              <a:t>18 &lt; BMI &lt; 24</a:t>
-            </a:r>
-            <a:r>
-              <a:rPr lang="zh-TW" altLang="en-US" dirty="0" smtClean="0"/>
-              <a:t>區分</a:t>
-            </a:r>
-            <a:endParaRPr lang="en-US" altLang="zh-TW" dirty="0" smtClean="0"/>
-          </a:p>
-          <a:p>
-            <a:r>
-              <a:rPr lang="zh-TW" altLang="en-US" dirty="0"/>
-              <a:t>分</a:t>
-            </a:r>
-            <a:r>
-              <a:rPr lang="zh-TW" altLang="en-US" dirty="0" smtClean="0"/>
-              <a:t>別是太瘦，太胖與正常</a:t>
-            </a:r>
-            <a:endParaRPr lang="en-US" altLang="zh-TW" dirty="0" smtClean="0"/>
-          </a:p>
-          <a:p>
-            <a:endParaRPr lang="en-US" altLang="zh-TW" dirty="0"/>
-          </a:p>
-        </p:txBody>
-      </p:sp>
-    </p:spTree>
-    <p:extLst>
-      <p:ext uri="{BB962C8B-B14F-4D97-AF65-F5344CB8AC3E}">
-        <p14:creationId xmlns:p14="http://schemas.microsoft.com/office/powerpoint/2010/main" val="13120994"/>
-      </p:ext>
-    </p:extLst>
-  </p:cSld>
-  <p:clrMapOvr>
-    <a:masterClrMapping/>
-  </p:clrMapOvr>
-</p:sld>
-</file>
-
 <file path=ppt/slides/slide26.xml><?xml version="1.0" encoding="utf-8"?>
 <p:sld xmlns:a="http://schemas.openxmlformats.org/drawingml/2006/main" xmlns:r="http://schemas.openxmlformats.org/officeDocument/2006/relationships" xmlns:p="http://schemas.openxmlformats.org/presentationml/2006/main">
   <p:cSld>
@@ -12367,6 +12462,153 @@
             </a:r>
             <a:r>
               <a:rPr lang="en-US" altLang="zh-TW" dirty="0" smtClean="0"/>
+              <a:t>1</a:t>
+            </a:r>
+            <a:br>
+              <a:rPr lang="en-US" altLang="zh-TW" dirty="0" smtClean="0"/>
+            </a:br>
+            <a:r>
+              <a:rPr lang="en-US" altLang="zh-TW" dirty="0" smtClean="0"/>
+              <a:t>BMI</a:t>
+            </a:r>
+            <a:r>
+              <a:rPr lang="zh-TW" altLang="en-US" dirty="0" smtClean="0"/>
+              <a:t>進階</a:t>
+            </a:r>
+            <a:endParaRPr lang="zh-TW" altLang="en-US" dirty="0"/>
+          </a:p>
+        </p:txBody>
+      </p:sp>
+      <p:sp>
+        <p:nvSpPr>
+          <p:cNvPr id="3" name="內容版面配置區 2"/>
+          <p:cNvSpPr>
+            <a:spLocks noGrp="1"/>
+          </p:cNvSpPr>
+          <p:nvPr>
+            <p:ph idx="1"/>
+          </p:nvPr>
+        </p:nvSpPr>
+        <p:spPr/>
+        <p:txBody>
+          <a:bodyPr/>
+          <a:lstStyle/>
+          <a:p>
+            <a:r>
+              <a:rPr lang="zh-TW" altLang="en-US" dirty="0" smtClean="0"/>
+              <a:t>把前面寫過的計算</a:t>
+            </a:r>
+            <a:r>
+              <a:rPr lang="en-US" altLang="zh-TW" dirty="0" smtClean="0"/>
+              <a:t>BMI</a:t>
+            </a:r>
+            <a:r>
+              <a:rPr lang="zh-TW" altLang="en-US" dirty="0" smtClean="0"/>
+              <a:t>程式找出來</a:t>
+            </a:r>
+            <a:endParaRPr lang="en-US" altLang="zh-TW" dirty="0" smtClean="0"/>
+          </a:p>
+          <a:p>
+            <a:r>
+              <a:rPr lang="zh-TW" altLang="en-US" dirty="0"/>
+              <a:t>增加功能</a:t>
+            </a:r>
+            <a:r>
+              <a:rPr lang="zh-TW" altLang="en-US" dirty="0" smtClean="0"/>
+              <a:t>，依照</a:t>
+            </a:r>
+            <a:r>
+              <a:rPr lang="en-US" altLang="zh-TW" dirty="0" smtClean="0"/>
+              <a:t>BMI &lt; 18, BMI &gt; 24</a:t>
+            </a:r>
+            <a:r>
+              <a:rPr lang="zh-TW" altLang="en-US" dirty="0" smtClean="0"/>
+              <a:t>及 </a:t>
+            </a:r>
+            <a:r>
+              <a:rPr lang="en-US" altLang="zh-TW" dirty="0" smtClean="0"/>
+              <a:t>18 &lt; BMI &lt; 24</a:t>
+            </a:r>
+            <a:r>
+              <a:rPr lang="zh-TW" altLang="en-US" dirty="0" smtClean="0"/>
+              <a:t>區分</a:t>
+            </a:r>
+            <a:endParaRPr lang="en-US" altLang="zh-TW" dirty="0" smtClean="0"/>
+          </a:p>
+          <a:p>
+            <a:r>
+              <a:rPr lang="zh-TW" altLang="en-US" dirty="0"/>
+              <a:t>分</a:t>
+            </a:r>
+            <a:r>
+              <a:rPr lang="zh-TW" altLang="en-US" dirty="0" smtClean="0"/>
+              <a:t>別是太瘦，太胖與正常</a:t>
+            </a:r>
+            <a:endParaRPr lang="en-US" altLang="zh-TW" dirty="0" smtClean="0"/>
+          </a:p>
+          <a:p>
+            <a:endParaRPr lang="en-US" altLang="zh-TW" dirty="0"/>
+          </a:p>
+        </p:txBody>
+      </p:sp>
+    </p:spTree>
+    <p:extLst>
+      <p:ext uri="{BB962C8B-B14F-4D97-AF65-F5344CB8AC3E}">
+        <p14:creationId xmlns:p14="http://schemas.microsoft.com/office/powerpoint/2010/main" val="13120994"/>
+      </p:ext>
+    </p:extLst>
+  </p:cSld>
+  <p:clrMapOvr>
+    <a:masterClrMapping/>
+  </p:clrMapOvr>
+  <p:timing>
+    <p:tnLst>
+      <p:par>
+        <p:cTn id="1" dur="indefinite" restart="never" nodeType="tmRoot"/>
+      </p:par>
+    </p:tnLst>
+  </p:timing>
+</p:sld>
+</file>
+
+<file path=ppt/slides/slide27.xml><?xml version="1.0" encoding="utf-8"?>
+<p:sld xmlns:a="http://schemas.openxmlformats.org/drawingml/2006/main" xmlns:r="http://schemas.openxmlformats.org/officeDocument/2006/relationships" xmlns:p="http://schemas.openxmlformats.org/presentationml/2006/main">
+  <p:cSld>
+    <p:spTree>
+      <p:nvGrpSpPr>
+        <p:cNvPr id="1" name=""/>
+        <p:cNvGrpSpPr/>
+        <p:nvPr/>
+      </p:nvGrpSpPr>
+      <p:grpSpPr>
+        <a:xfrm>
+          <a:off x="0" y="0"/>
+          <a:ext cx="0" cy="0"/>
+          <a:chOff x="0" y="0"/>
+          <a:chExt cx="0" cy="0"/>
+        </a:xfrm>
+      </p:grpSpPr>
+      <p:sp>
+        <p:nvSpPr>
+          <p:cNvPr id="2" name="標題 1"/>
+          <p:cNvSpPr>
+            <a:spLocks noGrp="1"/>
+          </p:cNvSpPr>
+          <p:nvPr>
+            <p:ph type="title"/>
+          </p:nvPr>
+        </p:nvSpPr>
+        <p:spPr/>
+        <p:txBody>
+          <a:bodyPr/>
+          <a:lstStyle/>
+          <a:p>
+            <a:r>
+              <a:rPr lang="zh-TW" altLang="en-US" dirty="0" smtClean="0"/>
+              <a:t>小練習 </a:t>
+            </a:r>
+            <a:r>
+              <a:rPr lang="en-US" altLang="zh-TW" dirty="0" smtClean="0"/>
               <a:t>2</a:t>
             </a:r>
             <a:br>
@@ -12454,6 +12696,13 @@
   <p:clrMapOvr>
     <a:masterClrMapping/>
   </p:clrMapOvr>
+  <p:timing>
+    <p:tnLst>
+      <p:par>
+        <p:cTn id="1" dur="indefinite" restart="never" nodeType="tmRoot"/>
+      </p:par>
+    </p:tnLst>
+  </p:timing>
 </p:sld>
 </file>
 
@@ -12735,6 +12984,321 @@
           <a:p>
             <a:r>
               <a:rPr lang="zh-TW" altLang="en-US" dirty="0" smtClean="0"/>
+              <a:t>條件的簡單解說</a:t>
+            </a:r>
+            <a:endParaRPr lang="zh-TW" altLang="en-US" dirty="0"/>
+          </a:p>
+        </p:txBody>
+      </p:sp>
+      <p:sp>
+        <p:nvSpPr>
+          <p:cNvPr id="3" name="內容版面配置區 2"/>
+          <p:cNvSpPr>
+            <a:spLocks noGrp="1"/>
+          </p:cNvSpPr>
+          <p:nvPr>
+            <p:ph idx="1"/>
+          </p:nvPr>
+        </p:nvSpPr>
+        <p:spPr/>
+        <p:txBody>
+          <a:bodyPr/>
+          <a:lstStyle/>
+          <a:p>
+            <a:r>
+              <a:rPr lang="en-US" altLang="zh-TW" dirty="0" smtClean="0"/>
+              <a:t>If</a:t>
+            </a:r>
+            <a:r>
+              <a:rPr lang="zh-TW" altLang="en-US" dirty="0" smtClean="0"/>
+              <a:t>中的條件，常常就是在做比較，例如數字的＞</a:t>
+            </a:r>
+            <a:r>
+              <a:rPr lang="en-US" altLang="zh-TW" dirty="0" smtClean="0"/>
+              <a:t>,</a:t>
+            </a:r>
+            <a:r>
+              <a:rPr lang="zh-TW" altLang="en-US" dirty="0" smtClean="0"/>
+              <a:t>＜</a:t>
+            </a:r>
+            <a:r>
+              <a:rPr lang="en-US" altLang="zh-TW" dirty="0" smtClean="0"/>
+              <a:t>,</a:t>
+            </a:r>
+            <a:r>
+              <a:rPr lang="zh-TW" altLang="en-US" dirty="0" smtClean="0"/>
+              <a:t>＝</a:t>
+            </a:r>
+            <a:r>
+              <a:rPr lang="zh-TW" altLang="en-US" dirty="0"/>
+              <a:t>的</a:t>
+            </a:r>
+            <a:r>
+              <a:rPr lang="zh-TW" altLang="en-US" dirty="0" smtClean="0"/>
+              <a:t>關係。</a:t>
+            </a:r>
+            <a:endParaRPr lang="en-US" altLang="zh-TW" dirty="0" smtClean="0"/>
+          </a:p>
+          <a:p>
+            <a:r>
+              <a:rPr lang="zh-TW" altLang="en-US" dirty="0"/>
+              <a:t>常用的比較</a:t>
+            </a:r>
+            <a:r>
+              <a:rPr lang="zh-TW" altLang="en-US" dirty="0" smtClean="0"/>
+              <a:t>有</a:t>
+            </a:r>
+            <a:endParaRPr lang="en-US" altLang="zh-TW" dirty="0" smtClean="0"/>
+          </a:p>
+          <a:p>
+            <a:pPr lvl="1"/>
+            <a:r>
+              <a:rPr lang="zh-TW" altLang="en-US" dirty="0" smtClean="0"/>
+              <a:t>大於： </a:t>
+            </a:r>
+            <a:r>
+              <a:rPr lang="en-US" altLang="zh-TW" dirty="0" smtClean="0"/>
+              <a:t>&gt;</a:t>
+            </a:r>
+          </a:p>
+          <a:p>
+            <a:pPr lvl="1"/>
+            <a:r>
+              <a:rPr lang="zh-TW" altLang="en-US" dirty="0" smtClean="0"/>
+              <a:t>小於：</a:t>
+            </a:r>
+            <a:r>
+              <a:rPr lang="en-US" altLang="zh-TW" dirty="0" smtClean="0"/>
+              <a:t>&lt;</a:t>
+            </a:r>
+          </a:p>
+          <a:p>
+            <a:pPr lvl="1"/>
+            <a:r>
+              <a:rPr lang="zh-TW" altLang="en-US" b="1" dirty="0">
+                <a:solidFill>
+                  <a:schemeClr val="accent5"/>
+                </a:solidFill>
+              </a:rPr>
+              <a:t>等於</a:t>
+            </a:r>
+            <a:r>
+              <a:rPr lang="zh-TW" altLang="en-US" b="1" dirty="0" smtClean="0">
+                <a:solidFill>
+                  <a:schemeClr val="accent5"/>
+                </a:solidFill>
+              </a:rPr>
+              <a:t>：</a:t>
+            </a:r>
+            <a:r>
+              <a:rPr lang="en-US" altLang="zh-TW" b="1" dirty="0" smtClean="0">
+                <a:solidFill>
+                  <a:schemeClr val="accent5"/>
+                </a:solidFill>
+              </a:rPr>
+              <a:t>==</a:t>
+            </a:r>
+          </a:p>
+          <a:p>
+            <a:pPr lvl="1"/>
+            <a:r>
+              <a:rPr lang="zh-TW" altLang="en-US" dirty="0"/>
+              <a:t>大於等於</a:t>
+            </a:r>
+            <a:r>
+              <a:rPr lang="zh-TW" altLang="en-US" dirty="0" smtClean="0"/>
+              <a:t>：</a:t>
+            </a:r>
+            <a:r>
+              <a:rPr lang="en-US" altLang="zh-TW" dirty="0" smtClean="0"/>
+              <a:t>&gt;=</a:t>
+            </a:r>
+          </a:p>
+          <a:p>
+            <a:pPr lvl="1"/>
+            <a:r>
+              <a:rPr lang="zh-TW" altLang="en-US" dirty="0"/>
+              <a:t>小於</a:t>
+            </a:r>
+            <a:r>
+              <a:rPr lang="zh-TW" altLang="en-US" dirty="0" smtClean="0"/>
+              <a:t>等於： </a:t>
+            </a:r>
+            <a:r>
+              <a:rPr lang="en-US" altLang="zh-TW" dirty="0" smtClean="0"/>
+              <a:t>&lt;=</a:t>
+            </a:r>
+          </a:p>
+          <a:p>
+            <a:pPr lvl="1"/>
+            <a:r>
+              <a:rPr lang="zh-TW" altLang="en-US" dirty="0" smtClean="0"/>
+              <a:t>相反：</a:t>
+            </a:r>
+            <a:r>
+              <a:rPr lang="en-US" altLang="zh-TW" dirty="0" smtClean="0"/>
+              <a:t>!</a:t>
+            </a:r>
+            <a:r>
+              <a:rPr lang="zh-TW" altLang="en-US" dirty="0" smtClean="0"/>
+              <a:t>   </a:t>
+            </a:r>
+            <a:r>
+              <a:rPr lang="en-US" altLang="zh-TW" dirty="0" smtClean="0"/>
+              <a:t>( </a:t>
+            </a:r>
+            <a:r>
+              <a:rPr lang="zh-TW" altLang="en-US" dirty="0" smtClean="0"/>
+              <a:t>例如</a:t>
+            </a:r>
+            <a:r>
+              <a:rPr lang="zh-TW" altLang="en-US" dirty="0"/>
+              <a:t>不等於  </a:t>
+            </a:r>
+            <a:r>
+              <a:rPr lang="en-US" altLang="zh-TW" dirty="0" smtClean="0"/>
+              <a:t>!=  )</a:t>
+            </a:r>
+          </a:p>
+          <a:p>
+            <a:pPr lvl="1"/>
+            <a:r>
+              <a:rPr lang="zh-TW" altLang="en-US" dirty="0"/>
+              <a:t>且：</a:t>
+            </a:r>
+            <a:r>
+              <a:rPr lang="en-US" altLang="zh-TW" dirty="0"/>
+              <a:t>&amp;&amp;</a:t>
+            </a:r>
+            <a:r>
+              <a:rPr lang="zh-TW" altLang="en-US" dirty="0"/>
+              <a:t>或</a:t>
+            </a:r>
+            <a:r>
+              <a:rPr lang="en-US" altLang="zh-TW" dirty="0" smtClean="0"/>
+              <a:t>&amp;  (</a:t>
+            </a:r>
+            <a:r>
+              <a:rPr lang="zh-TW" altLang="en-US" dirty="0" smtClean="0"/>
+              <a:t>多個條件要同時成立</a:t>
+            </a:r>
+            <a:r>
+              <a:rPr lang="en-US" altLang="zh-TW" dirty="0" smtClean="0"/>
+              <a:t>)</a:t>
+            </a:r>
+          </a:p>
+          <a:p>
+            <a:pPr lvl="1"/>
+            <a:r>
+              <a:rPr lang="zh-TW" altLang="en-US" dirty="0" smtClean="0"/>
+              <a:t>或</a:t>
+            </a:r>
+            <a:r>
+              <a:rPr lang="zh-TW" altLang="en-US" dirty="0">
+                <a:sym typeface="Wingdings" panose="05000000000000000000" pitchFamily="2" charset="2"/>
+              </a:rPr>
+              <a:t>：</a:t>
+            </a:r>
+            <a:r>
+              <a:rPr lang="en-US" altLang="zh-TW" dirty="0" smtClean="0">
+                <a:sym typeface="Wingdings" panose="05000000000000000000" pitchFamily="2" charset="2"/>
+              </a:rPr>
+              <a:t>||</a:t>
+            </a:r>
+            <a:r>
+              <a:rPr lang="zh-TW" altLang="en-US" dirty="0" smtClean="0">
+                <a:sym typeface="Wingdings" panose="05000000000000000000" pitchFamily="2" charset="2"/>
+              </a:rPr>
+              <a:t>或</a:t>
+            </a:r>
+            <a:r>
+              <a:rPr lang="en-US" altLang="zh-TW" dirty="0" smtClean="0">
+                <a:sym typeface="Wingdings" panose="05000000000000000000" pitchFamily="2" charset="2"/>
+              </a:rPr>
+              <a:t>|</a:t>
+            </a:r>
+            <a:r>
+              <a:rPr lang="zh-TW" altLang="en-US" dirty="0" smtClean="0">
+                <a:sym typeface="Wingdings" panose="05000000000000000000" pitchFamily="2" charset="2"/>
+              </a:rPr>
+              <a:t>   </a:t>
+            </a:r>
+            <a:r>
+              <a:rPr lang="en-US" altLang="zh-TW" dirty="0" smtClean="0">
+                <a:sym typeface="Wingdings" panose="05000000000000000000" pitchFamily="2" charset="2"/>
+              </a:rPr>
+              <a:t>(</a:t>
+            </a:r>
+            <a:r>
+              <a:rPr lang="zh-TW" altLang="en-US" dirty="0" smtClean="0">
+                <a:sym typeface="Wingdings" panose="05000000000000000000" pitchFamily="2" charset="2"/>
+              </a:rPr>
+              <a:t>至少一個條件要成立</a:t>
+            </a:r>
+            <a:r>
+              <a:rPr lang="en-US" altLang="zh-TW" dirty="0" smtClean="0">
+                <a:sym typeface="Wingdings" panose="05000000000000000000" pitchFamily="2" charset="2"/>
+              </a:rPr>
+              <a:t>)</a:t>
+            </a:r>
+            <a:endParaRPr lang="zh-TW" altLang="en-US" dirty="0"/>
+          </a:p>
+        </p:txBody>
+      </p:sp>
+    </p:spTree>
+    <p:extLst>
+      <p:ext uri="{BB962C8B-B14F-4D97-AF65-F5344CB8AC3E}">
+        <p14:creationId xmlns:p14="http://schemas.microsoft.com/office/powerpoint/2010/main" val="2381398307"/>
+      </p:ext>
+    </p:extLst>
+  </p:cSld>
+  <p:clrMapOvr>
+    <a:masterClrMapping/>
+  </p:clrMapOvr>
+  <p:timing>
+    <p:tnLst>
+      <p:par>
+        <p:cTn id="1" dur="indefinite" restart="never" nodeType="tmRoot"/>
+      </p:par>
+    </p:tnLst>
+  </p:timing>
+</p:sld>
+</file>
+
+<file path=ppt/slides/slide5.xml><?xml version="1.0" encoding="utf-8"?>
+<p:sld xmlns:a="http://schemas.openxmlformats.org/drawingml/2006/main" xmlns:r="http://schemas.openxmlformats.org/officeDocument/2006/relationships" xmlns:p="http://schemas.openxmlformats.org/presentationml/2006/main">
+  <p:cSld>
+    <p:spTree>
+      <p:nvGrpSpPr>
+        <p:cNvPr id="1" name=""/>
+        <p:cNvGrpSpPr/>
+        <p:nvPr/>
+      </p:nvGrpSpPr>
+      <p:grpSpPr>
+        <a:xfrm>
+          <a:off x="0" y="0"/>
+          <a:ext cx="0" cy="0"/>
+          <a:chOff x="0" y="0"/>
+          <a:chExt cx="0" cy="0"/>
+        </a:xfrm>
+      </p:grpSpPr>
+      <p:sp>
+        <p:nvSpPr>
+          <p:cNvPr id="2" name="標題 1"/>
+          <p:cNvSpPr>
+            <a:spLocks noGrp="1"/>
+          </p:cNvSpPr>
+          <p:nvPr>
+            <p:ph type="title"/>
+          </p:nvPr>
+        </p:nvSpPr>
+        <p:spPr/>
+        <p:txBody>
+          <a:bodyPr/>
+          <a:lstStyle/>
+          <a:p>
+            <a:r>
+              <a:rPr lang="zh-TW" altLang="en-US" dirty="0" smtClean="0"/>
               <a:t>範例程式一</a:t>
             </a:r>
             <a:endParaRPr lang="zh-TW" altLang="en-US" dirty="0"/>
@@ -12924,6 +13488,622 @@
                 <a:srgbClr val="C00000"/>
               </a:solidFill>
             </a:endParaRPr>
+          </a:p>
+        </p:txBody>
+      </p:sp>
+      <p:sp>
+        <p:nvSpPr>
+          <p:cNvPr id="5" name="圓角矩形 4"/>
+          <p:cNvSpPr/>
+          <p:nvPr/>
+        </p:nvSpPr>
+        <p:spPr>
+          <a:xfrm>
+            <a:off x="7410611" y="2904208"/>
+            <a:ext cx="1143000" cy="392176"/>
+          </a:xfrm>
+          <a:prstGeom prst="roundRect">
+            <a:avLst>
+              <a:gd name="adj" fmla="val 50000"/>
+            </a:avLst>
+          </a:prstGeom>
+          <a:solidFill>
+            <a:schemeClr val="bg1"/>
+          </a:solidFill>
+          <a:ln>
+            <a:solidFill>
+              <a:schemeClr val="tx1"/>
+            </a:solidFill>
+          </a:ln>
+        </p:spPr>
+        <p:style>
+          <a:lnRef idx="2">
+            <a:schemeClr val="accent1">
+              <a:shade val="50000"/>
+            </a:schemeClr>
+          </a:lnRef>
+          <a:fillRef idx="1">
+            <a:schemeClr val="accent1"/>
+          </a:fillRef>
+          <a:effectRef idx="0">
+            <a:schemeClr val="accent1"/>
+          </a:effectRef>
+          <a:fontRef idx="minor">
+            <a:schemeClr val="lt1"/>
+          </a:fontRef>
+        </p:style>
+        <p:txBody>
+          <a:bodyPr rtlCol="0" anchor="ctr"/>
+          <a:lstStyle/>
+          <a:p>
+            <a:pPr algn="ctr"/>
+            <a:r>
+              <a:rPr lang="zh-TW" altLang="en-US" dirty="0" smtClean="0">
+                <a:solidFill>
+                  <a:schemeClr val="tx1"/>
+                </a:solidFill>
+              </a:rPr>
+              <a:t>開始</a:t>
+            </a:r>
+            <a:endParaRPr lang="zh-TW" altLang="en-US" dirty="0">
+              <a:solidFill>
+                <a:schemeClr val="tx1"/>
+              </a:solidFill>
+            </a:endParaRPr>
+          </a:p>
+        </p:txBody>
+      </p:sp>
+      <p:sp>
+        <p:nvSpPr>
+          <p:cNvPr id="6" name="矩形 5"/>
+          <p:cNvSpPr/>
+          <p:nvPr/>
+        </p:nvSpPr>
+        <p:spPr>
+          <a:xfrm>
+            <a:off x="7346602" y="4913582"/>
+            <a:ext cx="1271016" cy="758758"/>
+          </a:xfrm>
+          <a:prstGeom prst="rect">
+            <a:avLst/>
+          </a:prstGeom>
+          <a:solidFill>
+            <a:schemeClr val="bg1"/>
+          </a:solidFill>
+          <a:ln>
+            <a:solidFill>
+              <a:schemeClr val="tx1"/>
+            </a:solidFill>
+          </a:ln>
+        </p:spPr>
+        <p:style>
+          <a:lnRef idx="2">
+            <a:schemeClr val="accent1">
+              <a:shade val="50000"/>
+            </a:schemeClr>
+          </a:lnRef>
+          <a:fillRef idx="1">
+            <a:schemeClr val="accent1"/>
+          </a:fillRef>
+          <a:effectRef idx="0">
+            <a:schemeClr val="accent1"/>
+          </a:effectRef>
+          <a:fontRef idx="minor">
+            <a:schemeClr val="lt1"/>
+          </a:fontRef>
+        </p:style>
+        <p:txBody>
+          <a:bodyPr rtlCol="0" anchor="ctr"/>
+          <a:lstStyle/>
+          <a:p>
+            <a:pPr algn="ctr"/>
+            <a:r>
+              <a:rPr lang="zh-TW" altLang="en-US" dirty="0" smtClean="0">
+                <a:solidFill>
+                  <a:schemeClr val="tx1"/>
+                </a:solidFill>
+              </a:rPr>
+              <a:t>顯示及格</a:t>
+            </a:r>
+            <a:endParaRPr lang="zh-TW" altLang="en-US" dirty="0">
+              <a:solidFill>
+                <a:schemeClr val="tx1"/>
+              </a:solidFill>
+            </a:endParaRPr>
+          </a:p>
+        </p:txBody>
+      </p:sp>
+      <p:cxnSp>
+        <p:nvCxnSpPr>
+          <p:cNvPr id="7" name="直線單箭頭接點 6"/>
+          <p:cNvCxnSpPr>
+            <a:stCxn id="5" idx="2"/>
+            <a:endCxn id="13" idx="0"/>
+          </p:cNvCxnSpPr>
+          <p:nvPr/>
+        </p:nvCxnSpPr>
+        <p:spPr>
+          <a:xfrm>
+            <a:off x="7982111" y="3296384"/>
+            <a:ext cx="5173" cy="278572"/>
+          </a:xfrm>
+          <a:prstGeom prst="straightConnector1">
+            <a:avLst/>
+          </a:prstGeom>
+          <a:ln w="28575">
+            <a:solidFill>
+              <a:schemeClr val="tx1"/>
+            </a:solidFill>
+            <a:headEnd type="none" w="med" len="med"/>
+            <a:tailEnd type="triangle" w="med" len="med"/>
+          </a:ln>
+        </p:spPr>
+        <p:style>
+          <a:lnRef idx="1">
+            <a:schemeClr val="accent1"/>
+          </a:lnRef>
+          <a:fillRef idx="0">
+            <a:schemeClr val="accent1"/>
+          </a:fillRef>
+          <a:effectRef idx="0">
+            <a:schemeClr val="accent1"/>
+          </a:effectRef>
+          <a:fontRef idx="minor">
+            <a:schemeClr val="tx1"/>
+          </a:fontRef>
+        </p:style>
+      </p:cxnSp>
+      <p:cxnSp>
+        <p:nvCxnSpPr>
+          <p:cNvPr id="8" name="直線單箭頭接點 7"/>
+          <p:cNvCxnSpPr/>
+          <p:nvPr/>
+        </p:nvCxnSpPr>
+        <p:spPr>
+          <a:xfrm flipH="1" flipV="1">
+            <a:off x="7967101" y="6087299"/>
+            <a:ext cx="1973810" cy="9144"/>
+          </a:xfrm>
+          <a:prstGeom prst="straightConnector1">
+            <a:avLst/>
+          </a:prstGeom>
+          <a:ln w="28575">
+            <a:solidFill>
+              <a:schemeClr val="tx1"/>
+            </a:solidFill>
+            <a:headEnd type="none" w="med" len="med"/>
+            <a:tailEnd type="triangle" w="med" len="med"/>
+          </a:ln>
+        </p:spPr>
+        <p:style>
+          <a:lnRef idx="1">
+            <a:schemeClr val="accent1"/>
+          </a:lnRef>
+          <a:fillRef idx="0">
+            <a:schemeClr val="accent1"/>
+          </a:fillRef>
+          <a:effectRef idx="0">
+            <a:schemeClr val="accent1"/>
+          </a:effectRef>
+          <a:fontRef idx="minor">
+            <a:schemeClr val="tx1"/>
+          </a:fontRef>
+        </p:style>
+      </p:cxnSp>
+      <p:sp>
+        <p:nvSpPr>
+          <p:cNvPr id="9" name="矩形 8"/>
+          <p:cNvSpPr/>
+          <p:nvPr/>
+        </p:nvSpPr>
+        <p:spPr>
+          <a:xfrm>
+            <a:off x="9122804" y="4913581"/>
+            <a:ext cx="1621396" cy="733917"/>
+          </a:xfrm>
+          <a:prstGeom prst="rect">
+            <a:avLst/>
+          </a:prstGeom>
+          <a:solidFill>
+            <a:schemeClr val="bg1"/>
+          </a:solidFill>
+          <a:ln>
+            <a:solidFill>
+              <a:schemeClr val="tx1"/>
+            </a:solidFill>
+          </a:ln>
+        </p:spPr>
+        <p:style>
+          <a:lnRef idx="2">
+            <a:schemeClr val="accent1">
+              <a:shade val="50000"/>
+            </a:schemeClr>
+          </a:lnRef>
+          <a:fillRef idx="1">
+            <a:schemeClr val="accent1"/>
+          </a:fillRef>
+          <a:effectRef idx="0">
+            <a:schemeClr val="accent1"/>
+          </a:effectRef>
+          <a:fontRef idx="minor">
+            <a:schemeClr val="lt1"/>
+          </a:fontRef>
+        </p:style>
+        <p:txBody>
+          <a:bodyPr rtlCol="0" anchor="ctr"/>
+          <a:lstStyle/>
+          <a:p>
+            <a:pPr algn="ctr"/>
+            <a:r>
+              <a:rPr lang="zh-TW" altLang="en-US" dirty="0" smtClean="0">
+                <a:solidFill>
+                  <a:schemeClr val="tx1"/>
+                </a:solidFill>
+              </a:rPr>
+              <a:t>顯示不及格</a:t>
+            </a:r>
+            <a:endParaRPr lang="zh-TW" altLang="en-US" dirty="0">
+              <a:solidFill>
+                <a:schemeClr val="tx1"/>
+              </a:solidFill>
+            </a:endParaRPr>
+          </a:p>
+        </p:txBody>
+      </p:sp>
+      <p:cxnSp>
+        <p:nvCxnSpPr>
+          <p:cNvPr id="10" name="直線單箭頭接點 9"/>
+          <p:cNvCxnSpPr>
+            <a:stCxn id="13" idx="2"/>
+            <a:endCxn id="6" idx="0"/>
+          </p:cNvCxnSpPr>
+          <p:nvPr/>
+        </p:nvCxnSpPr>
+        <p:spPr>
+          <a:xfrm flipH="1">
+            <a:off x="7982110" y="4438922"/>
+            <a:ext cx="5174" cy="474660"/>
+          </a:xfrm>
+          <a:prstGeom prst="straightConnector1">
+            <a:avLst/>
+          </a:prstGeom>
+          <a:ln w="28575">
+            <a:solidFill>
+              <a:schemeClr val="tx1"/>
+            </a:solidFill>
+            <a:headEnd type="none" w="med" len="med"/>
+            <a:tailEnd type="triangle" w="med" len="med"/>
+          </a:ln>
+        </p:spPr>
+        <p:style>
+          <a:lnRef idx="1">
+            <a:schemeClr val="accent1"/>
+          </a:lnRef>
+          <a:fillRef idx="0">
+            <a:schemeClr val="accent1"/>
+          </a:fillRef>
+          <a:effectRef idx="0">
+            <a:schemeClr val="accent1"/>
+          </a:effectRef>
+          <a:fontRef idx="minor">
+            <a:schemeClr val="tx1"/>
+          </a:fontRef>
+        </p:style>
+      </p:cxnSp>
+      <p:cxnSp>
+        <p:nvCxnSpPr>
+          <p:cNvPr id="11" name="直線單箭頭接點 10"/>
+          <p:cNvCxnSpPr>
+            <a:stCxn id="6" idx="2"/>
+            <a:endCxn id="12" idx="0"/>
+          </p:cNvCxnSpPr>
+          <p:nvPr/>
+        </p:nvCxnSpPr>
+        <p:spPr>
+          <a:xfrm>
+            <a:off x="7982110" y="5672340"/>
+            <a:ext cx="1" cy="594979"/>
+          </a:xfrm>
+          <a:prstGeom prst="straightConnector1">
+            <a:avLst/>
+          </a:prstGeom>
+          <a:ln w="28575">
+            <a:solidFill>
+              <a:schemeClr val="tx1"/>
+            </a:solidFill>
+            <a:headEnd type="none" w="med" len="med"/>
+            <a:tailEnd type="triangle" w="med" len="med"/>
+          </a:ln>
+        </p:spPr>
+        <p:style>
+          <a:lnRef idx="1">
+            <a:schemeClr val="accent1"/>
+          </a:lnRef>
+          <a:fillRef idx="0">
+            <a:schemeClr val="accent1"/>
+          </a:fillRef>
+          <a:effectRef idx="0">
+            <a:schemeClr val="accent1"/>
+          </a:effectRef>
+          <a:fontRef idx="minor">
+            <a:schemeClr val="tx1"/>
+          </a:fontRef>
+        </p:style>
+      </p:cxnSp>
+      <p:sp>
+        <p:nvSpPr>
+          <p:cNvPr id="12" name="圓角矩形 11"/>
+          <p:cNvSpPr/>
+          <p:nvPr/>
+        </p:nvSpPr>
+        <p:spPr>
+          <a:xfrm>
+            <a:off x="7410611" y="6267319"/>
+            <a:ext cx="1143000" cy="392176"/>
+          </a:xfrm>
+          <a:prstGeom prst="roundRect">
+            <a:avLst>
+              <a:gd name="adj" fmla="val 50000"/>
+            </a:avLst>
+          </a:prstGeom>
+          <a:solidFill>
+            <a:schemeClr val="bg1"/>
+          </a:solidFill>
+          <a:ln>
+            <a:solidFill>
+              <a:schemeClr val="tx1"/>
+            </a:solidFill>
+          </a:ln>
+        </p:spPr>
+        <p:style>
+          <a:lnRef idx="2">
+            <a:schemeClr val="accent1">
+              <a:shade val="50000"/>
+            </a:schemeClr>
+          </a:lnRef>
+          <a:fillRef idx="1">
+            <a:schemeClr val="accent1"/>
+          </a:fillRef>
+          <a:effectRef idx="0">
+            <a:schemeClr val="accent1"/>
+          </a:effectRef>
+          <a:fontRef idx="minor">
+            <a:schemeClr val="lt1"/>
+          </a:fontRef>
+        </p:style>
+        <p:txBody>
+          <a:bodyPr rtlCol="0" anchor="ctr"/>
+          <a:lstStyle/>
+          <a:p>
+            <a:pPr algn="ctr"/>
+            <a:r>
+              <a:rPr lang="zh-TW" altLang="en-US" dirty="0">
+                <a:solidFill>
+                  <a:schemeClr val="tx1"/>
+                </a:solidFill>
+              </a:rPr>
+              <a:t>結束</a:t>
+            </a:r>
+          </a:p>
+        </p:txBody>
+      </p:sp>
+      <p:sp>
+        <p:nvSpPr>
+          <p:cNvPr id="13" name="菱形 12"/>
+          <p:cNvSpPr/>
+          <p:nvPr/>
+        </p:nvSpPr>
+        <p:spPr>
+          <a:xfrm>
+            <a:off x="6446520" y="3574956"/>
+            <a:ext cx="3081528" cy="863966"/>
+          </a:xfrm>
+          <a:prstGeom prst="diamond">
+            <a:avLst/>
+          </a:prstGeom>
+          <a:solidFill>
+            <a:schemeClr val="bg1"/>
+          </a:solidFill>
+          <a:ln>
+            <a:solidFill>
+              <a:schemeClr val="tx1"/>
+            </a:solidFill>
+          </a:ln>
+        </p:spPr>
+        <p:style>
+          <a:lnRef idx="2">
+            <a:schemeClr val="accent1">
+              <a:shade val="50000"/>
+            </a:schemeClr>
+          </a:lnRef>
+          <a:fillRef idx="1">
+            <a:schemeClr val="accent1"/>
+          </a:fillRef>
+          <a:effectRef idx="0">
+            <a:schemeClr val="accent1"/>
+          </a:effectRef>
+          <a:fontRef idx="minor">
+            <a:schemeClr val="lt1"/>
+          </a:fontRef>
+        </p:style>
+        <p:txBody>
+          <a:bodyPr rtlCol="0" anchor="ctr"/>
+          <a:lstStyle/>
+          <a:p>
+            <a:pPr algn="ctr"/>
+            <a:r>
+              <a:rPr lang="en-US" altLang="zh-TW" sz="1600" dirty="0" smtClean="0">
+                <a:solidFill>
+                  <a:schemeClr val="tx1"/>
+                </a:solidFill>
+              </a:rPr>
+              <a:t>If </a:t>
+            </a:r>
+            <a:r>
+              <a:rPr lang="en-US" altLang="zh-TW" sz="1600" dirty="0" smtClean="0">
+                <a:solidFill>
+                  <a:schemeClr val="tx1"/>
+                </a:solidFill>
+              </a:rPr>
+              <a:t>(score </a:t>
+            </a:r>
+            <a:r>
+              <a:rPr lang="en-US" altLang="zh-TW" sz="1600" dirty="0" smtClean="0">
+                <a:solidFill>
+                  <a:schemeClr val="tx1"/>
+                </a:solidFill>
+              </a:rPr>
+              <a:t>&gt;= </a:t>
+            </a:r>
+            <a:r>
+              <a:rPr lang="en-US" altLang="zh-TW" sz="1600" dirty="0" smtClean="0">
+                <a:solidFill>
+                  <a:schemeClr val="tx1"/>
+                </a:solidFill>
+              </a:rPr>
+              <a:t>60)</a:t>
+            </a:r>
+            <a:endParaRPr lang="zh-TW" altLang="en-US" sz="1600" dirty="0">
+              <a:solidFill>
+                <a:schemeClr val="tx1"/>
+              </a:solidFill>
+            </a:endParaRPr>
+          </a:p>
+        </p:txBody>
+      </p:sp>
+      <p:cxnSp>
+        <p:nvCxnSpPr>
+          <p:cNvPr id="14" name="肘形接點 13"/>
+          <p:cNvCxnSpPr>
+            <a:stCxn id="13" idx="3"/>
+            <a:endCxn id="9" idx="0"/>
+          </p:cNvCxnSpPr>
+          <p:nvPr/>
+        </p:nvCxnSpPr>
+        <p:spPr>
+          <a:xfrm>
+            <a:off x="9528048" y="4006939"/>
+            <a:ext cx="405454" cy="906642"/>
+          </a:xfrm>
+          <a:prstGeom prst="bentConnector2">
+            <a:avLst/>
+          </a:prstGeom>
+          <a:ln w="28575">
+            <a:solidFill>
+              <a:schemeClr val="tx1"/>
+            </a:solidFill>
+            <a:tailEnd type="triangle"/>
+          </a:ln>
+        </p:spPr>
+        <p:style>
+          <a:lnRef idx="1">
+            <a:schemeClr val="accent1"/>
+          </a:lnRef>
+          <a:fillRef idx="0">
+            <a:schemeClr val="accent1"/>
+          </a:fillRef>
+          <a:effectRef idx="0">
+            <a:schemeClr val="accent1"/>
+          </a:effectRef>
+          <a:fontRef idx="minor">
+            <a:schemeClr val="tx1"/>
+          </a:fontRef>
+        </p:style>
+      </p:cxnSp>
+      <p:cxnSp>
+        <p:nvCxnSpPr>
+          <p:cNvPr id="15" name="直線接點 14"/>
+          <p:cNvCxnSpPr>
+            <a:stCxn id="9" idx="2"/>
+          </p:cNvCxnSpPr>
+          <p:nvPr/>
+        </p:nvCxnSpPr>
+        <p:spPr>
+          <a:xfrm>
+            <a:off x="9933502" y="5647498"/>
+            <a:ext cx="7409" cy="448945"/>
+          </a:xfrm>
+          <a:prstGeom prst="line">
+            <a:avLst/>
+          </a:prstGeom>
+          <a:ln w="28575">
+            <a:solidFill>
+              <a:schemeClr val="tx1"/>
+            </a:solidFill>
+          </a:ln>
+        </p:spPr>
+        <p:style>
+          <a:lnRef idx="1">
+            <a:schemeClr val="accent1"/>
+          </a:lnRef>
+          <a:fillRef idx="0">
+            <a:schemeClr val="accent1"/>
+          </a:fillRef>
+          <a:effectRef idx="0">
+            <a:schemeClr val="accent1"/>
+          </a:effectRef>
+          <a:fontRef idx="minor">
+            <a:schemeClr val="tx1"/>
+          </a:fontRef>
+        </p:style>
+      </p:cxnSp>
+      <p:sp>
+        <p:nvSpPr>
+          <p:cNvPr id="16" name="文字方塊 15"/>
+          <p:cNvSpPr txBox="1"/>
+          <p:nvPr/>
+        </p:nvSpPr>
+        <p:spPr>
+          <a:xfrm>
+            <a:off x="7980649" y="4484549"/>
+            <a:ext cx="636969" cy="369332"/>
+          </a:xfrm>
+          <a:prstGeom prst="rect">
+            <a:avLst/>
+          </a:prstGeom>
+          <a:noFill/>
+        </p:spPr>
+        <p:txBody>
+          <a:bodyPr wrap="none" rtlCol="0">
+            <a:spAutoFit/>
+          </a:bodyPr>
+          <a:lstStyle/>
+          <a:p>
+            <a:r>
+              <a:rPr lang="en-US" altLang="zh-TW" dirty="0" smtClean="0"/>
+              <a:t>True</a:t>
+            </a:r>
+            <a:endParaRPr lang="zh-TW" altLang="en-US" dirty="0"/>
+          </a:p>
+        </p:txBody>
+      </p:sp>
+      <p:sp>
+        <p:nvSpPr>
+          <p:cNvPr id="17" name="文字方塊 16"/>
+          <p:cNvSpPr txBox="1"/>
+          <p:nvPr/>
+        </p:nvSpPr>
+        <p:spPr>
+          <a:xfrm>
+            <a:off x="9122804" y="4129291"/>
+            <a:ext cx="715260" cy="369332"/>
+          </a:xfrm>
+          <a:prstGeom prst="rect">
+            <a:avLst/>
+          </a:prstGeom>
+          <a:noFill/>
+        </p:spPr>
+        <p:txBody>
+          <a:bodyPr wrap="none" rtlCol="0">
+            <a:spAutoFit/>
+          </a:bodyPr>
+          <a:lstStyle/>
+          <a:p>
+            <a:r>
+              <a:rPr lang="en-US" altLang="zh-TW" dirty="0" smtClean="0"/>
+              <a:t>False</a:t>
+            </a:r>
+            <a:endParaRPr lang="zh-TW" altLang="en-US" dirty="0"/>
           </a:p>
         </p:txBody>
       </p:sp>
@@ -12947,7 +14127,7 @@
 </p:sld>
 </file>
 
-<file path=ppt/slides/slide5.xml><?xml version="1.0" encoding="utf-8"?>
+<file path=ppt/slides/slide6.xml><?xml version="1.0" encoding="utf-8"?>
 <p:sld xmlns:a="http://schemas.openxmlformats.org/drawingml/2006/main" xmlns:r="http://schemas.openxmlformats.org/officeDocument/2006/relationships" xmlns:p="http://schemas.openxmlformats.org/presentationml/2006/main">
   <p:cSld>
     <p:spTree>
@@ -13078,7 +14258,7 @@
 </p:sld>
 </file>
 
-<file path=ppt/slides/slide6.xml><?xml version="1.0" encoding="utf-8"?>
+<file path=ppt/slides/slide7.xml><?xml version="1.0" encoding="utf-8"?>
 <p:sld xmlns:a="http://schemas.openxmlformats.org/drawingml/2006/main" xmlns:r="http://schemas.openxmlformats.org/officeDocument/2006/relationships" xmlns:p="http://schemas.openxmlformats.org/presentationml/2006/main">
   <p:cSld>
     <p:spTree>
@@ -13258,11 +14438,19 @@
             </a:r>
             <a:r>
               <a:rPr lang="zh-TW" altLang="en-US" dirty="0" smtClean="0"/>
-              <a:t>這個運算</a:t>
-            </a:r>
-            <a:r>
-              <a:rPr lang="zh-TW" altLang="en-US" smtClean="0"/>
-              <a:t>很有用，如遊戲、找零</a:t>
+              <a:t>  </a:t>
+            </a:r>
+            <a:r>
+              <a:rPr lang="en-US" altLang="zh-TW" dirty="0" smtClean="0"/>
+              <a:t>%</a:t>
+            </a:r>
+            <a:r>
+              <a:rPr lang="zh-TW" altLang="en-US" dirty="0" smtClean="0"/>
+              <a:t>  這個</a:t>
+            </a:r>
+            <a:r>
+              <a:rPr lang="zh-TW" altLang="en-US" dirty="0" smtClean="0"/>
+              <a:t>運算很有用，如遊戲、找零</a:t>
             </a:r>
             <a:r>
               <a:rPr lang="en-US" altLang="zh-TW" dirty="0" smtClean="0"/>
@@ -13313,6 +14501,272 @@
           </a:p>
         </p:txBody>
       </p:sp>
+      <p:grpSp>
+        <p:nvGrpSpPr>
+          <p:cNvPr id="5" name="群組 4"/>
+          <p:cNvGrpSpPr/>
+          <p:nvPr/>
+        </p:nvGrpSpPr>
+        <p:grpSpPr>
+          <a:xfrm>
+            <a:off x="6510146" y="4225692"/>
+            <a:ext cx="4908613" cy="2449428"/>
+            <a:chOff x="8833104" y="502920"/>
+            <a:chExt cx="2587752" cy="1427480"/>
+          </a:xfrm>
+        </p:grpSpPr>
+        <p:sp>
+          <p:nvSpPr>
+            <p:cNvPr id="6" name="圓角矩形 5"/>
+            <p:cNvSpPr/>
+            <p:nvPr/>
+          </p:nvSpPr>
+          <p:spPr>
+            <a:xfrm>
+              <a:off x="8833104" y="502920"/>
+              <a:ext cx="2587752" cy="1197864"/>
+            </a:xfrm>
+            <a:prstGeom prst="roundRect">
+              <a:avLst/>
+            </a:prstGeom>
+            <a:solidFill>
+              <a:schemeClr val="tx1"/>
+            </a:solidFill>
+            <a:ln>
+              <a:solidFill>
+                <a:schemeClr val="tx1"/>
+              </a:solidFill>
+            </a:ln>
+          </p:spPr>
+          <p:style>
+            <a:lnRef idx="2">
+              <a:schemeClr val="accent1">
+                <a:shade val="50000"/>
+              </a:schemeClr>
+            </a:lnRef>
+            <a:fillRef idx="1">
+              <a:schemeClr val="accent1"/>
+            </a:fillRef>
+            <a:effectRef idx="0">
+              <a:schemeClr val="accent1"/>
+            </a:effectRef>
+            <a:fontRef idx="minor">
+              <a:schemeClr val="lt1"/>
+            </a:fontRef>
+          </p:style>
+          <p:txBody>
+            <a:bodyPr rtlCol="0" anchor="ctr"/>
+            <a:lstStyle/>
+            <a:p>
+              <a:pPr algn="ctr"/>
+              <a:endParaRPr lang="zh-TW" altLang="en-US"/>
+            </a:p>
+          </p:txBody>
+        </p:sp>
+        <p:sp>
+          <p:nvSpPr>
+            <p:cNvPr id="7" name="矩形 6"/>
+            <p:cNvSpPr/>
+            <p:nvPr/>
+          </p:nvSpPr>
+          <p:spPr>
+            <a:xfrm>
+              <a:off x="8942832" y="609600"/>
+              <a:ext cx="2386584" cy="999744"/>
+            </a:xfrm>
+            <a:prstGeom prst="rect">
+              <a:avLst/>
+            </a:prstGeom>
+            <a:solidFill>
+              <a:schemeClr val="bg2">
+                <a:lumMod val="90000"/>
+              </a:schemeClr>
+            </a:solidFill>
+            <a:ln>
+              <a:solidFill>
+                <a:schemeClr val="tx1"/>
+              </a:solidFill>
+            </a:ln>
+          </p:spPr>
+          <p:style>
+            <a:lnRef idx="2">
+              <a:schemeClr val="accent1">
+                <a:shade val="50000"/>
+              </a:schemeClr>
+            </a:lnRef>
+            <a:fillRef idx="1">
+              <a:schemeClr val="accent1"/>
+            </a:fillRef>
+            <a:effectRef idx="0">
+              <a:schemeClr val="accent1"/>
+            </a:effectRef>
+            <a:fontRef idx="minor">
+              <a:schemeClr val="lt1"/>
+            </a:fontRef>
+          </p:style>
+          <p:txBody>
+            <a:bodyPr rtlCol="0" anchor="t"/>
+            <a:lstStyle/>
+            <a:p>
+              <a:r>
+                <a:rPr lang="zh-TW" altLang="en-US" dirty="0" smtClean="0">
+                  <a:solidFill>
+                    <a:schemeClr val="tx1"/>
+                  </a:solidFill>
+                </a:rPr>
+                <a:t>請輸入整數：</a:t>
+              </a:r>
+              <a:r>
+                <a:rPr lang="en-US" altLang="zh-TW" dirty="0" smtClean="0">
+                  <a:solidFill>
+                    <a:srgbClr val="0070C0"/>
+                  </a:solidFill>
+                </a:rPr>
+                <a:t>134</a:t>
+              </a:r>
+              <a:endParaRPr lang="en-US" altLang="zh-TW" dirty="0" smtClean="0">
+                <a:solidFill>
+                  <a:srgbClr val="0070C0"/>
+                </a:solidFill>
+              </a:endParaRPr>
+            </a:p>
+            <a:p>
+              <a:r>
+                <a:rPr lang="en-US" altLang="zh-TW" dirty="0">
+                  <a:solidFill>
+                    <a:schemeClr val="tx1"/>
+                  </a:solidFill>
+                </a:rPr>
+                <a:t>1</a:t>
+              </a:r>
+              <a:r>
+                <a:rPr lang="en-US" altLang="zh-TW" dirty="0" smtClean="0">
+                  <a:solidFill>
+                    <a:schemeClr val="tx1"/>
+                  </a:solidFill>
+                </a:rPr>
+                <a:t>34</a:t>
+              </a:r>
+              <a:r>
+                <a:rPr lang="zh-TW" altLang="en-US" dirty="0" smtClean="0">
+                  <a:solidFill>
+                    <a:schemeClr val="tx1"/>
+                  </a:solidFill>
+                </a:rPr>
+                <a:t>是</a:t>
+              </a:r>
+              <a:r>
+                <a:rPr lang="en-US" altLang="zh-TW" dirty="0" smtClean="0">
+                  <a:solidFill>
+                    <a:schemeClr val="tx1"/>
+                  </a:solidFill>
+                </a:rPr>
+                <a:t>2</a:t>
+              </a:r>
+              <a:r>
+                <a:rPr lang="zh-TW" altLang="en-US" dirty="0" smtClean="0">
+                  <a:solidFill>
+                    <a:schemeClr val="tx1"/>
+                  </a:solidFill>
+                </a:rPr>
+                <a:t>的倍數</a:t>
+              </a:r>
+              <a:endParaRPr lang="en-US" altLang="zh-TW" dirty="0" smtClean="0">
+                <a:solidFill>
+                  <a:schemeClr val="tx1"/>
+                </a:solidFill>
+              </a:endParaRPr>
+            </a:p>
+            <a:p>
+              <a:r>
+                <a:rPr lang="en-US" altLang="zh-TW" dirty="0" smtClean="0">
+                  <a:solidFill>
+                    <a:schemeClr val="tx1"/>
+                  </a:solidFill>
+                </a:rPr>
+                <a:t>134</a:t>
+              </a:r>
+              <a:r>
+                <a:rPr lang="zh-TW" altLang="en-US" dirty="0" smtClean="0">
+                  <a:solidFill>
+                    <a:schemeClr val="tx1"/>
+                  </a:solidFill>
+                </a:rPr>
+                <a:t>不是</a:t>
+              </a:r>
+              <a:r>
+                <a:rPr lang="en-US" altLang="zh-TW" dirty="0" smtClean="0">
+                  <a:solidFill>
+                    <a:schemeClr val="tx1"/>
+                  </a:solidFill>
+                </a:rPr>
+                <a:t>3</a:t>
+              </a:r>
+              <a:r>
+                <a:rPr lang="zh-TW" altLang="en-US" dirty="0" smtClean="0">
+                  <a:solidFill>
+                    <a:schemeClr val="tx1"/>
+                  </a:solidFill>
+                </a:rPr>
+                <a:t>的倍數</a:t>
+              </a:r>
+              <a:endParaRPr lang="zh-TW" altLang="en-US" dirty="0">
+                <a:solidFill>
+                  <a:schemeClr val="tx1"/>
+                </a:solidFill>
+              </a:endParaRPr>
+            </a:p>
+          </p:txBody>
+        </p:sp>
+        <p:sp>
+          <p:nvSpPr>
+            <p:cNvPr id="8" name="梯形 7"/>
+            <p:cNvSpPr/>
+            <p:nvPr/>
+          </p:nvSpPr>
+          <p:spPr>
+            <a:xfrm>
+              <a:off x="9811512" y="1700784"/>
+              <a:ext cx="713232" cy="229616"/>
+            </a:xfrm>
+            <a:prstGeom prst="trapezoid">
+              <a:avLst/>
+            </a:prstGeom>
+            <a:solidFill>
+              <a:schemeClr val="tx1"/>
+            </a:solidFill>
+            <a:ln>
+              <a:solidFill>
+                <a:schemeClr val="tx1"/>
+              </a:solidFill>
+            </a:ln>
+          </p:spPr>
+          <p:style>
+            <a:lnRef idx="2">
+              <a:schemeClr val="accent1">
+                <a:shade val="50000"/>
+              </a:schemeClr>
+            </a:lnRef>
+            <a:fillRef idx="1">
+              <a:schemeClr val="accent1"/>
+            </a:fillRef>
+            <a:effectRef idx="0">
+              <a:schemeClr val="accent1"/>
+            </a:effectRef>
+            <a:fontRef idx="minor">
+              <a:schemeClr val="lt1"/>
+            </a:fontRef>
+          </p:style>
+          <p:txBody>
+            <a:bodyPr rtlCol="0" anchor="ctr"/>
+            <a:lstStyle/>
+            <a:p>
+              <a:pPr algn="ctr"/>
+              <a:endParaRPr lang="zh-TW" altLang="en-US"/>
+            </a:p>
+          </p:txBody>
+        </p:sp>
+      </p:grpSp>
     </p:spTree>
     <p:extLst>
       <p:ext uri="{BB962C8B-B14F-4D97-AF65-F5344CB8AC3E}">
@@ -13323,10 +14777,85 @@
   <p:clrMapOvr>
     <a:masterClrMapping/>
   </p:clrMapOvr>
+  <p:timing>
+    <p:tnLst>
+      <p:par>
+        <p:cTn id="1" dur="indefinite" restart="never" nodeType="tmRoot">
+          <p:childTnLst>
+            <p:seq concurrent="1" nextAc="seek">
+              <p:cTn id="2" dur="indefinite" nodeType="mainSeq">
+                <p:childTnLst>
+                  <p:par>
+                    <p:cTn id="3" fill="hold">
+                      <p:stCondLst>
+                        <p:cond delay="indefinite"/>
+                      </p:stCondLst>
+                      <p:childTnLst>
+                        <p:par>
+                          <p:cTn id="4" fill="hold">
+                            <p:stCondLst>
+                              <p:cond delay="0"/>
+                            </p:stCondLst>
+                            <p:childTnLst>
+                              <p:par>
+                                <p:cTn id="5" presetID="1" presetClass="entr" presetSubtype="0" fill="hold" nodeType="clickEffect">
+                                  <p:stCondLst>
+                                    <p:cond delay="0"/>
+                                  </p:stCondLst>
+                                  <p:childTnLst>
+                                    <p:set>
+                                      <p:cBhvr>
+                                        <p:cTn id="6" dur="1" fill="hold">
+                                          <p:stCondLst>
+                                            <p:cond delay="0"/>
+                                          </p:stCondLst>
+                                        </p:cTn>
+                                        <p:tgtEl>
+                                          <p:spTgt spid="5"/>
+                                        </p:tgtEl>
+                                        <p:attrNameLst>
+                                          <p:attrName>style.visibility</p:attrName>
+                                        </p:attrNameLst>
+                                      </p:cBhvr>
+                                      <p:to>
+                                        <p:strVal val="visible"/>
+                                      </p:to>
+                                    </p:set>
+                                  </p:childTnLst>
+                                </p:cTn>
+                              </p:par>
+                            </p:childTnLst>
+                          </p:cTn>
+                        </p:par>
+                      </p:childTnLst>
+                    </p:cTn>
+                  </p:par>
+                </p:childTnLst>
+              </p:cTn>
+              <p:prevCondLst>
+                <p:cond evt="onPrev" delay="0">
+                  <p:tgtEl>
+                    <p:sldTgt/>
+                  </p:tgtEl>
+                </p:cond>
+              </p:prevCondLst>
+              <p:nextCondLst>
+                <p:cond evt="onNext" delay="0">
+                  <p:tgtEl>
+                    <p:sldTgt/>
+                  </p:tgtEl>
+                </p:cond>
+              </p:nextCondLst>
+            </p:seq>
+          </p:childTnLst>
+        </p:cTn>
+      </p:par>
+    </p:tnLst>
+  </p:timing>
 </p:sld>
 </file>
 
-<file path=ppt/slides/slide7.xml><?xml version="1.0" encoding="utf-8"?>
+<file path=ppt/slides/slide8.xml><?xml version="1.0" encoding="utf-8"?>
 <p:sld xmlns:a="http://schemas.openxmlformats.org/drawingml/2006/main" xmlns:r="http://schemas.openxmlformats.org/officeDocument/2006/relationships" xmlns:p="http://schemas.openxmlformats.org/presentationml/2006/main">
   <p:cSld>
     <p:spTree>
@@ -13626,7 +15155,7 @@
           </p:nvSpPr>
           <p:spPr>
             <a:xfrm>
-              <a:off x="8942832" y="609600"/>
+              <a:off x="8942831" y="609600"/>
               <a:ext cx="2386584" cy="999744"/>
             </a:xfrm>
             <a:prstGeom prst="rect">
@@ -13669,7 +15198,15 @@
                     <a:schemeClr val="tx1"/>
                   </a:solidFill>
                 </a:rPr>
-                <a:t>A=13</a:t>
+                <a:t>A=</a:t>
+              </a:r>
+              <a:r>
+                <a:rPr lang="en-US" altLang="zh-TW" dirty="0" smtClean="0">
+                  <a:solidFill>
+                    <a:srgbClr val="0070C0"/>
+                  </a:solidFill>
+                </a:rPr>
+                <a:t>13</a:t>
               </a:r>
             </a:p>
             <a:p>
@@ -13679,14 +15216,22 @@
                     <a:schemeClr val="tx1"/>
                   </a:solidFill>
                 </a:rPr>
-                <a:t>B=77</a:t>
+                <a:t>B=</a:t>
+              </a:r>
+              <a:r>
+                <a:rPr lang="en-US" altLang="zh-TW" dirty="0" smtClean="0">
+                  <a:solidFill>
+                    <a:srgbClr val="0070C0"/>
+                  </a:solidFill>
+                </a:rPr>
+                <a:t>77</a:t>
               </a:r>
             </a:p>
             <a:p>
               <a:r>
                 <a:rPr lang="en-US" altLang="zh-TW" dirty="0" smtClean="0">
                   <a:solidFill>
-                    <a:srgbClr val="C00000"/>
+                    <a:schemeClr val="tx1"/>
                   </a:solidFill>
                 </a:rPr>
                 <a:t>A</a:t>
@@ -13694,7 +15239,7 @@
               <a:r>
                 <a:rPr lang="zh-TW" altLang="en-US" dirty="0" smtClean="0">
                   <a:solidFill>
-                    <a:srgbClr val="C00000"/>
+                    <a:schemeClr val="tx1"/>
                   </a:solidFill>
                 </a:rPr>
                 <a:t> </a:t>
@@ -13702,7 +15247,7 @@
               <a:r>
                 <a:rPr lang="en-US" altLang="zh-TW" dirty="0" smtClean="0">
                   <a:solidFill>
-                    <a:srgbClr val="C00000"/>
+                    <a:schemeClr val="tx1"/>
                   </a:solidFill>
                 </a:rPr>
                 <a:t>&lt;</a:t>
@@ -13710,7 +15255,7 @@
               <a:r>
                 <a:rPr lang="zh-TW" altLang="en-US" dirty="0" smtClean="0">
                   <a:solidFill>
-                    <a:srgbClr val="C00000"/>
+                    <a:schemeClr val="tx1"/>
                   </a:solidFill>
                 </a:rPr>
                 <a:t> </a:t>
@@ -13718,14 +15263,14 @@
               <a:r>
                 <a:rPr lang="en-US" altLang="zh-TW" dirty="0" smtClean="0">
                   <a:solidFill>
-                    <a:srgbClr val="C00000"/>
+                    <a:schemeClr val="tx1"/>
                   </a:solidFill>
                 </a:rPr>
                 <a:t>B</a:t>
               </a:r>
               <a:endParaRPr lang="zh-TW" altLang="en-US" dirty="0">
                 <a:solidFill>
-                  <a:srgbClr val="C00000"/>
+                  <a:schemeClr val="tx1"/>
                 </a:solidFill>
               </a:endParaRPr>
             </a:p>
@@ -13906,7 +15451,7 @@
 </p:sld>
 </file>
 
-<file path=ppt/slides/slide8.xml><?xml version="1.0" encoding="utf-8"?>
+<file path=ppt/slides/slide9.xml><?xml version="1.0" encoding="utf-8"?>
 <p:sld xmlns:a="http://schemas.openxmlformats.org/drawingml/2006/main" xmlns:r="http://schemas.openxmlformats.org/officeDocument/2006/relationships" xmlns:p="http://schemas.openxmlformats.org/presentationml/2006/main">
   <p:cSld>
     <p:spTree>
@@ -14033,163 +15578,6 @@
     <p:extLst>
       <p:ext uri="{BB962C8B-B14F-4D97-AF65-F5344CB8AC3E}">
         <p14:creationId xmlns:p14="http://schemas.microsoft.com/office/powerpoint/2010/main" val="2119860618"/>
-      </p:ext>
-    </p:extLst>
-  </p:cSld>
-  <p:clrMapOvr>
-    <a:masterClrMapping/>
-  </p:clrMapOvr>
-  <p:timing>
-    <p:tnLst>
-      <p:par>
-        <p:cTn id="1" dur="indefinite" restart="never" nodeType="tmRoot"/>
-      </p:par>
-    </p:tnLst>
-  </p:timing>
-</p:sld>
-</file>
-
-<file path=ppt/slides/slide9.xml><?xml version="1.0" encoding="utf-8"?>
-<p:sld xmlns:a="http://schemas.openxmlformats.org/drawingml/2006/main" xmlns:r="http://schemas.openxmlformats.org/officeDocument/2006/relationships" xmlns:p="http://schemas.openxmlformats.org/presentationml/2006/main">
-  <p:cSld>
-    <p:spTree>
-      <p:nvGrpSpPr>
-        <p:cNvPr id="1" name=""/>
-        <p:cNvGrpSpPr/>
-        <p:nvPr/>
-      </p:nvGrpSpPr>
-      <p:grpSpPr>
-        <a:xfrm>
-          <a:off x="0" y="0"/>
-          <a:ext cx="0" cy="0"/>
-          <a:chOff x="0" y="0"/>
-          <a:chExt cx="0" cy="0"/>
-        </a:xfrm>
-      </p:grpSpPr>
-      <p:sp>
-        <p:nvSpPr>
-          <p:cNvPr id="2" name="標題 1"/>
-          <p:cNvSpPr>
-            <a:spLocks noGrp="1"/>
-          </p:cNvSpPr>
-          <p:nvPr>
-            <p:ph type="title"/>
-          </p:nvPr>
-        </p:nvSpPr>
-        <p:spPr/>
-        <p:txBody>
-          <a:bodyPr/>
-          <a:lstStyle/>
-          <a:p>
-            <a:r>
-              <a:rPr lang="zh-TW" altLang="en-US" dirty="0"/>
-              <a:t>練習一參考</a:t>
-            </a:r>
-            <a:r>
-              <a:rPr lang="zh-TW" altLang="en-US" dirty="0" smtClean="0"/>
-              <a:t>解答</a:t>
-            </a:r>
-            <a:r>
-              <a:rPr lang="en-US" altLang="zh-TW" dirty="0" smtClean="0"/>
-              <a:t>(2)</a:t>
-            </a:r>
-            <a:endParaRPr lang="zh-TW" altLang="en-US" dirty="0"/>
-          </a:p>
-        </p:txBody>
-      </p:sp>
-      <p:sp>
-        <p:nvSpPr>
-          <p:cNvPr id="3" name="內容版面配置區 2"/>
-          <p:cNvSpPr>
-            <a:spLocks noGrp="1"/>
-          </p:cNvSpPr>
-          <p:nvPr>
-            <p:ph idx="1"/>
-          </p:nvPr>
-        </p:nvSpPr>
-        <p:spPr/>
-        <p:txBody>
-          <a:bodyPr/>
-          <a:lstStyle/>
-          <a:p>
-            <a:endParaRPr lang="zh-TW" altLang="en-US" dirty="0"/>
-          </a:p>
-        </p:txBody>
-      </p:sp>
-      <p:pic>
-        <p:nvPicPr>
-          <p:cNvPr id="4" name="圖片 3"/>
-          <p:cNvPicPr>
-            <a:picLocks noChangeAspect="1"/>
-          </p:cNvPicPr>
-          <p:nvPr/>
-        </p:nvPicPr>
-        <p:blipFill>
-          <a:blip r:embed="rId2"/>
-          <a:stretch>
-            <a:fillRect/>
-          </a:stretch>
-        </p:blipFill>
-        <p:spPr>
-          <a:xfrm>
-            <a:off x="677334" y="1527048"/>
-            <a:ext cx="4740899" cy="5047488"/>
-          </a:xfrm>
-          <a:prstGeom prst="rect">
-            <a:avLst/>
-          </a:prstGeom>
-        </p:spPr>
-      </p:pic>
-      <p:sp>
-        <p:nvSpPr>
-          <p:cNvPr id="5" name="矩形 4"/>
-          <p:cNvSpPr/>
-          <p:nvPr/>
-        </p:nvSpPr>
-        <p:spPr>
-          <a:xfrm>
-            <a:off x="1545336" y="4773168"/>
-            <a:ext cx="3950208" cy="1298448"/>
-          </a:xfrm>
-          <a:prstGeom prst="rect">
-            <a:avLst/>
-          </a:prstGeom>
-          <a:noFill/>
-          <a:ln>
-            <a:solidFill>
-              <a:srgbClr val="FF0000"/>
-            </a:solidFill>
-          </a:ln>
-        </p:spPr>
-        <p:style>
-          <a:lnRef idx="2">
-            <a:schemeClr val="accent1">
-              <a:shade val="50000"/>
-            </a:schemeClr>
-          </a:lnRef>
-          <a:fillRef idx="1">
-            <a:schemeClr val="accent1"/>
-          </a:fillRef>
-          <a:effectRef idx="0">
-            <a:schemeClr val="accent1"/>
-          </a:effectRef>
-          <a:fontRef idx="minor">
-            <a:schemeClr val="lt1"/>
-          </a:fontRef>
-        </p:style>
-        <p:txBody>
-          <a:bodyPr rtlCol="0" anchor="ctr"/>
-          <a:lstStyle/>
-          <a:p>
-            <a:pPr algn="ctr"/>
-            <a:endParaRPr lang="zh-TW" altLang="en-US"/>
-          </a:p>
-        </p:txBody>
-      </p:sp>
-    </p:spTree>
-    <p:extLst>
-      <p:ext uri="{BB962C8B-B14F-4D97-AF65-F5344CB8AC3E}">
-        <p14:creationId xmlns:p14="http://schemas.microsoft.com/office/powerpoint/2010/main" val="2474591956"/>
       </p:ext>
     </p:extLst>
   </p:cSld>

--- a/LCC/Java/04_流程控制(分支).pptx
+++ b/LCC/Java/04_流程控制(分支).pptx
@@ -872,7 +872,7 @@
             <a:fld id="{B61BEF0D-F0BB-DE4B-95CE-6DB70DBA9567}" type="datetimeFigureOut">
               <a:rPr lang="en-US" dirty="0"/>
               <a:pPr/>
-              <a:t>9/30/2021</a:t>
+              <a:t>1/23/2022</a:t>
             </a:fld>
             <a:endParaRPr lang="en-US" dirty="0"/>
           </a:p>
@@ -1120,7 +1120,7 @@
             <a:fld id="{B61BEF0D-F0BB-DE4B-95CE-6DB70DBA9567}" type="datetimeFigureOut">
               <a:rPr lang="en-US" dirty="0"/>
               <a:pPr/>
-              <a:t>9/30/2021</a:t>
+              <a:t>1/23/2022</a:t>
             </a:fld>
             <a:endParaRPr lang="en-US" dirty="0"/>
           </a:p>
@@ -1431,7 +1431,7 @@
             <a:fld id="{B61BEF0D-F0BB-DE4B-95CE-6DB70DBA9567}" type="datetimeFigureOut">
               <a:rPr lang="en-US" dirty="0"/>
               <a:pPr/>
-              <a:t>9/30/2021</a:t>
+              <a:t>1/23/2022</a:t>
             </a:fld>
             <a:endParaRPr lang="en-US" dirty="0"/>
           </a:p>
@@ -1769,7 +1769,7 @@
             <a:fld id="{B61BEF0D-F0BB-DE4B-95CE-6DB70DBA9567}" type="datetimeFigureOut">
               <a:rPr lang="en-US" dirty="0"/>
               <a:pPr/>
-              <a:t>9/30/2021</a:t>
+              <a:t>1/23/2022</a:t>
             </a:fld>
             <a:endParaRPr lang="en-US" dirty="0"/>
           </a:p>
@@ -2080,7 +2080,7 @@
             <a:fld id="{B61BEF0D-F0BB-DE4B-95CE-6DB70DBA9567}" type="datetimeFigureOut">
               <a:rPr lang="en-US" dirty="0"/>
               <a:pPr/>
-              <a:t>9/30/2021</a:t>
+              <a:t>1/23/2022</a:t>
             </a:fld>
             <a:endParaRPr lang="en-US" dirty="0"/>
           </a:p>
@@ -2470,7 +2470,7 @@
             <a:fld id="{B61BEF0D-F0BB-DE4B-95CE-6DB70DBA9567}" type="datetimeFigureOut">
               <a:rPr lang="en-US" dirty="0"/>
               <a:pPr/>
-              <a:t>9/30/2021</a:t>
+              <a:t>1/23/2022</a:t>
             </a:fld>
             <a:endParaRPr lang="en-US" dirty="0"/>
           </a:p>
@@ -2636,7 +2636,7 @@
           <a:p>
             <a:fld id="{55C6B4A9-1611-4792-9094-5F34BCA07E0B}" type="datetimeFigureOut">
               <a:rPr lang="en-US" dirty="0"/>
-              <a:t>9/30/2021</a:t>
+              <a:t>1/23/2022</a:t>
             </a:fld>
             <a:endParaRPr lang="en-US" dirty="0"/>
           </a:p>
@@ -2812,7 +2812,7 @@
             <a:fld id="{B61BEF0D-F0BB-DE4B-95CE-6DB70DBA9567}" type="datetimeFigureOut">
               <a:rPr lang="en-US" dirty="0"/>
               <a:pPr/>
-              <a:t>9/30/2021</a:t>
+              <a:t>1/23/2022</a:t>
             </a:fld>
             <a:endParaRPr lang="en-US" dirty="0"/>
           </a:p>
@@ -2993,7 +2993,7 @@
             <a:fld id="{B61BEF0D-F0BB-DE4B-95CE-6DB70DBA9567}" type="datetimeFigureOut">
               <a:rPr lang="en-US" dirty="0"/>
               <a:pPr/>
-              <a:t>9/30/2021</a:t>
+              <a:t>1/23/2022</a:t>
             </a:fld>
             <a:endParaRPr lang="en-US" dirty="0"/>
           </a:p>
@@ -3237,7 +3237,7 @@
             <a:fld id="{B61BEF0D-F0BB-DE4B-95CE-6DB70DBA9567}" type="datetimeFigureOut">
               <a:rPr lang="en-US" dirty="0"/>
               <a:pPr/>
-              <a:t>9/30/2021</a:t>
+              <a:t>1/23/2022</a:t>
             </a:fld>
             <a:endParaRPr lang="en-US" dirty="0"/>
           </a:p>
@@ -3465,7 +3465,7 @@
           <a:p>
             <a:fld id="{EB712588-04B1-427B-82EE-E8DB90309F08}" type="datetimeFigureOut">
               <a:rPr lang="en-US" dirty="0"/>
-              <a:t>9/30/2021</a:t>
+              <a:t>1/23/2022</a:t>
             </a:fld>
             <a:endParaRPr lang="en-US" dirty="0"/>
           </a:p>
@@ -3835,7 +3835,7 @@
             <a:fld id="{B61BEF0D-F0BB-DE4B-95CE-6DB70DBA9567}" type="datetimeFigureOut">
               <a:rPr lang="en-US" dirty="0"/>
               <a:pPr/>
-              <a:t>9/30/2021</a:t>
+              <a:t>1/23/2022</a:t>
             </a:fld>
             <a:endParaRPr lang="en-US" dirty="0"/>
           </a:p>
@@ -3955,7 +3955,7 @@
             <a:fld id="{B61BEF0D-F0BB-DE4B-95CE-6DB70DBA9567}" type="datetimeFigureOut">
               <a:rPr lang="en-US" dirty="0"/>
               <a:pPr/>
-              <a:t>9/30/2021</a:t>
+              <a:t>1/23/2022</a:t>
             </a:fld>
             <a:endParaRPr lang="en-US" dirty="0"/>
           </a:p>
@@ -4047,7 +4047,7 @@
             <a:fld id="{B61BEF0D-F0BB-DE4B-95CE-6DB70DBA9567}" type="datetimeFigureOut">
               <a:rPr lang="en-US" dirty="0"/>
               <a:pPr/>
-              <a:t>9/30/2021</a:t>
+              <a:t>1/23/2022</a:t>
             </a:fld>
             <a:endParaRPr lang="en-US" dirty="0"/>
           </a:p>
@@ -4298,7 +4298,7 @@
           <a:p>
             <a:fld id="{42A54C80-263E-416B-A8E0-580EDEADCBDC}" type="datetimeFigureOut">
               <a:rPr lang="en-US" dirty="0"/>
-              <a:t>9/30/2021</a:t>
+              <a:t>1/23/2022</a:t>
             </a:fld>
             <a:endParaRPr lang="en-US" dirty="0"/>
           </a:p>
@@ -4557,7 +4557,7 @@
             <a:fld id="{B61BEF0D-F0BB-DE4B-95CE-6DB70DBA9567}" type="datetimeFigureOut">
               <a:rPr lang="en-US" dirty="0"/>
               <a:pPr/>
-              <a:t>9/30/2021</a:t>
+              <a:t>1/23/2022</a:t>
             </a:fld>
             <a:endParaRPr lang="en-US" dirty="0"/>
           </a:p>
@@ -5297,7 +5297,7 @@
             <a:fld id="{B61BEF0D-F0BB-DE4B-95CE-6DB70DBA9567}" type="datetimeFigureOut">
               <a:rPr lang="en-US" dirty="0"/>
               <a:pPr/>
-              <a:t>9/30/2021</a:t>
+              <a:t>1/23/2022</a:t>
             </a:fld>
             <a:endParaRPr lang="en-US" dirty="0"/>
           </a:p>
@@ -5430,7 +5430,7 @@
         <p:spPr>
           <a:xfrm>
             <a:off x="444564" y="6509203"/>
-            <a:ext cx="2496196" cy="369332"/>
+            <a:ext cx="2800767" cy="369332"/>
           </a:xfrm>
           <a:prstGeom prst="rect">
             <a:avLst/>
@@ -5537,8 +5537,8 @@
           </a:lstStyle>
           <a:p>
             <a:r>
-              <a:rPr lang="en-US" altLang="zh-TW" dirty="0" smtClean="0"/>
-              <a:t>http://lccn.io/vgENMI</a:t>
+              <a:rPr lang="fr-FR" altLang="zh-TW" dirty="0" smtClean="0"/>
+              <a:t>https://reurl.cc/2Dom14</a:t>
             </a:r>
             <a:endParaRPr lang="zh-TW" altLang="en-US" dirty="0"/>
           </a:p>
@@ -6040,7 +6040,7 @@
           <a:p>
             <a:fld id="{4805910D-2C61-424F-80CE-807290CF0E1E}" type="datetime4">
               <a:rPr lang="zh-TW" altLang="zh-TW"/>
-              <a:t>110年9月30日星期四</a:t>
+              <a:t>111年1月23日星期日</a:t>
             </a:fld>
             <a:endParaRPr lang="zh-TW" altLang="en-US" dirty="0"/>
           </a:p>
@@ -6087,6 +6087,159 @@
           </a:extLst>
         </p:spPr>
       </p:pic>
+      <p:pic>
+        <p:nvPicPr>
+          <p:cNvPr id="6" name="圖片 5"/>
+          <p:cNvPicPr>
+            <a:picLocks noChangeAspect="1"/>
+          </p:cNvPicPr>
+          <p:nvPr/>
+        </p:nvPicPr>
+        <p:blipFill>
+          <a:blip r:embed="rId3">
+            <a:extLst>
+              <a:ext uri="{28A0092B-C50C-407E-A947-70E740481C1C}">
+                <a14:useLocalDpi xmlns:a14="http://schemas.microsoft.com/office/drawing/2010/main" val="0"/>
+              </a:ext>
+            </a:extLst>
+          </a:blip>
+          <a:stretch>
+            <a:fillRect/>
+          </a:stretch>
+        </p:blipFill>
+        <p:spPr>
+          <a:xfrm>
+            <a:off x="927354" y="457267"/>
+            <a:ext cx="1428750" cy="1428750"/>
+          </a:xfrm>
+          <a:prstGeom prst="rect">
+            <a:avLst/>
+          </a:prstGeom>
+        </p:spPr>
+      </p:pic>
+      <p:sp>
+        <p:nvSpPr>
+          <p:cNvPr id="7" name="矩形 6"/>
+          <p:cNvSpPr/>
+          <p:nvPr/>
+        </p:nvSpPr>
+        <p:spPr>
+          <a:xfrm>
+            <a:off x="827704" y="87935"/>
+            <a:ext cx="2800767" cy="369332"/>
+          </a:xfrm>
+          <a:prstGeom prst="rect">
+            <a:avLst/>
+          </a:prstGeom>
+        </p:spPr>
+        <p:txBody>
+          <a:bodyPr wrap="none">
+            <a:spAutoFit/>
+          </a:bodyPr>
+          <a:lstStyle>
+            <a:defPPr>
+              <a:defRPr lang="en-US"/>
+            </a:defPPr>
+            <a:lvl1pPr marL="0" algn="l" defTabSz="457200" rtl="0" eaLnBrk="1" latinLnBrk="0" hangingPunct="1">
+              <a:defRPr sz="1800" kern="1200">
+                <a:solidFill>
+                  <a:schemeClr val="tx1"/>
+                </a:solidFill>
+                <a:latin typeface="+mn-lt"/>
+                <a:ea typeface="+mn-ea"/>
+                <a:cs typeface="+mn-cs"/>
+              </a:defRPr>
+            </a:lvl1pPr>
+            <a:lvl2pPr marL="457200" algn="l" defTabSz="457200" rtl="0" eaLnBrk="1" latinLnBrk="0" hangingPunct="1">
+              <a:defRPr sz="1800" kern="1200">
+                <a:solidFill>
+                  <a:schemeClr val="tx1"/>
+                </a:solidFill>
+                <a:latin typeface="+mn-lt"/>
+                <a:ea typeface="+mn-ea"/>
+                <a:cs typeface="+mn-cs"/>
+              </a:defRPr>
+            </a:lvl2pPr>
+            <a:lvl3pPr marL="914400" algn="l" defTabSz="457200" rtl="0" eaLnBrk="1" latinLnBrk="0" hangingPunct="1">
+              <a:defRPr sz="1800" kern="1200">
+                <a:solidFill>
+                  <a:schemeClr val="tx1"/>
+                </a:solidFill>
+                <a:latin typeface="+mn-lt"/>
+                <a:ea typeface="+mn-ea"/>
+                <a:cs typeface="+mn-cs"/>
+              </a:defRPr>
+            </a:lvl3pPr>
+            <a:lvl4pPr marL="1371600" algn="l" defTabSz="457200" rtl="0" eaLnBrk="1" latinLnBrk="0" hangingPunct="1">
+              <a:defRPr sz="1800" kern="1200">
+                <a:solidFill>
+                  <a:schemeClr val="tx1"/>
+                </a:solidFill>
+                <a:latin typeface="+mn-lt"/>
+                <a:ea typeface="+mn-ea"/>
+                <a:cs typeface="+mn-cs"/>
+              </a:defRPr>
+            </a:lvl4pPr>
+            <a:lvl5pPr marL="1828800" algn="l" defTabSz="457200" rtl="0" eaLnBrk="1" latinLnBrk="0" hangingPunct="1">
+              <a:defRPr sz="1800" kern="1200">
+                <a:solidFill>
+                  <a:schemeClr val="tx1"/>
+                </a:solidFill>
+                <a:latin typeface="+mn-lt"/>
+                <a:ea typeface="+mn-ea"/>
+                <a:cs typeface="+mn-cs"/>
+              </a:defRPr>
+            </a:lvl5pPr>
+            <a:lvl6pPr marL="2286000" algn="l" defTabSz="457200" rtl="0" eaLnBrk="1" latinLnBrk="0" hangingPunct="1">
+              <a:defRPr sz="1800" kern="1200">
+                <a:solidFill>
+                  <a:schemeClr val="tx1"/>
+                </a:solidFill>
+                <a:latin typeface="+mn-lt"/>
+                <a:ea typeface="+mn-ea"/>
+                <a:cs typeface="+mn-cs"/>
+              </a:defRPr>
+            </a:lvl6pPr>
+            <a:lvl7pPr marL="2743200" algn="l" defTabSz="457200" rtl="0" eaLnBrk="1" latinLnBrk="0" hangingPunct="1">
+              <a:defRPr sz="1800" kern="1200">
+                <a:solidFill>
+                  <a:schemeClr val="tx1"/>
+                </a:solidFill>
+                <a:latin typeface="+mn-lt"/>
+                <a:ea typeface="+mn-ea"/>
+                <a:cs typeface="+mn-cs"/>
+              </a:defRPr>
+            </a:lvl7pPr>
+            <a:lvl8pPr marL="3200400" algn="l" defTabSz="457200" rtl="0" eaLnBrk="1" latinLnBrk="0" hangingPunct="1">
+              <a:defRPr sz="1800" kern="1200">
+                <a:solidFill>
+                  <a:schemeClr val="tx1"/>
+                </a:solidFill>
+                <a:latin typeface="+mn-lt"/>
+                <a:ea typeface="+mn-ea"/>
+                <a:cs typeface="+mn-cs"/>
+              </a:defRPr>
+            </a:lvl8pPr>
+            <a:lvl9pPr marL="3657600" algn="l" defTabSz="457200" rtl="0" eaLnBrk="1" latinLnBrk="0" hangingPunct="1">
+              <a:defRPr sz="1800" kern="1200">
+                <a:solidFill>
+                  <a:schemeClr val="tx1"/>
+                </a:solidFill>
+                <a:latin typeface="+mn-lt"/>
+                <a:ea typeface="+mn-ea"/>
+                <a:cs typeface="+mn-cs"/>
+              </a:defRPr>
+            </a:lvl9pPr>
+          </a:lstStyle>
+          <a:p>
+            <a:r>
+              <a:rPr lang="fr-FR" altLang="zh-TW" dirty="0" smtClean="0"/>
+              <a:t>https://reurl.cc/2Dom14</a:t>
+            </a:r>
+            <a:endParaRPr lang="zh-TW" altLang="en-US" dirty="0"/>
+          </a:p>
+        </p:txBody>
+      </p:sp>
     </p:spTree>
     <p:extLst>
       <p:ext uri="{BB962C8B-B14F-4D97-AF65-F5344CB8AC3E}">
@@ -7976,7 +8129,7 @@
         </p:blipFill>
         <p:spPr>
           <a:xfrm>
-            <a:off x="5609844" y="1270000"/>
+            <a:off x="5628132" y="1407160"/>
             <a:ext cx="5308092" cy="5300286"/>
           </a:xfrm>
           <a:prstGeom prst="rect">
@@ -8650,15 +8803,7 @@
                   <a:srgbClr val="0070C0"/>
                 </a:solidFill>
               </a:rPr>
-              <a:t>(1</a:t>
-            </a:r>
-            <a:r>
-              <a:rPr lang="en-US" altLang="zh-TW" b="1" u="sng" dirty="0" smtClean="0">
-                <a:solidFill>
-                  <a:srgbClr val="0070C0"/>
-                </a:solidFill>
-              </a:rPr>
-              <a:t>) </a:t>
+              <a:t>(1) </a:t>
             </a:r>
             <a:r>
               <a:rPr lang="zh-TW" altLang="en-US" dirty="0" smtClean="0">
@@ -13937,31 +14082,7 @@
                   <a:schemeClr val="tx1"/>
                 </a:solidFill>
               </a:rPr>
-              <a:t>If </a:t>
-            </a:r>
-            <a:r>
-              <a:rPr lang="en-US" altLang="zh-TW" sz="1600" dirty="0" smtClean="0">
-                <a:solidFill>
-                  <a:schemeClr val="tx1"/>
-                </a:solidFill>
-              </a:rPr>
-              <a:t>(score </a:t>
-            </a:r>
-            <a:r>
-              <a:rPr lang="en-US" altLang="zh-TW" sz="1600" dirty="0" smtClean="0">
-                <a:solidFill>
-                  <a:schemeClr val="tx1"/>
-                </a:solidFill>
-              </a:rPr>
-              <a:t>&gt;= </a:t>
-            </a:r>
-            <a:r>
-              <a:rPr lang="en-US" altLang="zh-TW" sz="1600" dirty="0" smtClean="0">
-                <a:solidFill>
-                  <a:schemeClr val="tx1"/>
-                </a:solidFill>
-              </a:rPr>
-              <a:t>60)</a:t>
+              <a:t>If (score &gt;= 60)</a:t>
             </a:r>
             <a:endParaRPr lang="zh-TW" altLang="en-US" sz="1600" dirty="0">
               <a:solidFill>
@@ -14446,11 +14567,7 @@
             </a:r>
             <a:r>
               <a:rPr lang="zh-TW" altLang="en-US" dirty="0" smtClean="0"/>
-              <a:t>  這個</a:t>
-            </a:r>
-            <a:r>
-              <a:rPr lang="zh-TW" altLang="en-US" dirty="0" smtClean="0"/>
-              <a:t>運算很有用，如遊戲、找零</a:t>
+              <a:t>  這個運算很有用，如遊戲、找零</a:t>
             </a:r>
             <a:r>
               <a:rPr lang="en-US" altLang="zh-TW" dirty="0" smtClean="0"/>
@@ -14624,11 +14741,6 @@
                 </a:rPr>
                 <a:t>134</a:t>
               </a:r>
-              <a:endParaRPr lang="en-US" altLang="zh-TW" dirty="0" smtClean="0">
-                <a:solidFill>
-                  <a:srgbClr val="0070C0"/>
-                </a:solidFill>
-              </a:endParaRPr>
             </a:p>
             <a:p>
               <a:r>

--- a/LCC/Java/04_流程控制(分支).pptx
+++ b/LCC/Java/04_流程控制(分支).pptx
@@ -16,22 +16,23 @@
     <p:sldId id="263" r:id="rId10"/>
     <p:sldId id="264" r:id="rId11"/>
     <p:sldId id="260" r:id="rId12"/>
-    <p:sldId id="261" r:id="rId13"/>
-    <p:sldId id="266" r:id="rId14"/>
-    <p:sldId id="267" r:id="rId15"/>
-    <p:sldId id="268" r:id="rId16"/>
-    <p:sldId id="279" r:id="rId17"/>
-    <p:sldId id="269" r:id="rId18"/>
-    <p:sldId id="270" r:id="rId19"/>
-    <p:sldId id="271" r:id="rId20"/>
-    <p:sldId id="277" r:id="rId21"/>
-    <p:sldId id="272" r:id="rId22"/>
-    <p:sldId id="273" r:id="rId23"/>
-    <p:sldId id="274" r:id="rId24"/>
-    <p:sldId id="275" r:id="rId25"/>
-    <p:sldId id="276" r:id="rId26"/>
-    <p:sldId id="280" r:id="rId27"/>
-    <p:sldId id="282" r:id="rId28"/>
+    <p:sldId id="284" r:id="rId13"/>
+    <p:sldId id="261" r:id="rId14"/>
+    <p:sldId id="266" r:id="rId15"/>
+    <p:sldId id="267" r:id="rId16"/>
+    <p:sldId id="268" r:id="rId17"/>
+    <p:sldId id="279" r:id="rId18"/>
+    <p:sldId id="269" r:id="rId19"/>
+    <p:sldId id="270" r:id="rId20"/>
+    <p:sldId id="271" r:id="rId21"/>
+    <p:sldId id="277" r:id="rId22"/>
+    <p:sldId id="272" r:id="rId23"/>
+    <p:sldId id="273" r:id="rId24"/>
+    <p:sldId id="274" r:id="rId25"/>
+    <p:sldId id="275" r:id="rId26"/>
+    <p:sldId id="276" r:id="rId27"/>
+    <p:sldId id="280" r:id="rId28"/>
+    <p:sldId id="282" r:id="rId29"/>
   </p:sldIdLst>
   <p:sldSz cx="12192000" cy="6858000"/>
   <p:notesSz cx="6858000" cy="9144000"/>
@@ -872,7 +873,7 @@
             <a:fld id="{B61BEF0D-F0BB-DE4B-95CE-6DB70DBA9567}" type="datetimeFigureOut">
               <a:rPr lang="en-US" dirty="0"/>
               <a:pPr/>
-              <a:t>1/23/2022</a:t>
+              <a:t>7/12/2022</a:t>
             </a:fld>
             <a:endParaRPr lang="en-US" dirty="0"/>
           </a:p>
@@ -1120,7 +1121,7 @@
             <a:fld id="{B61BEF0D-F0BB-DE4B-95CE-6DB70DBA9567}" type="datetimeFigureOut">
               <a:rPr lang="en-US" dirty="0"/>
               <a:pPr/>
-              <a:t>1/23/2022</a:t>
+              <a:t>7/12/2022</a:t>
             </a:fld>
             <a:endParaRPr lang="en-US" dirty="0"/>
           </a:p>
@@ -1431,7 +1432,7 @@
             <a:fld id="{B61BEF0D-F0BB-DE4B-95CE-6DB70DBA9567}" type="datetimeFigureOut">
               <a:rPr lang="en-US" dirty="0"/>
               <a:pPr/>
-              <a:t>1/23/2022</a:t>
+              <a:t>7/12/2022</a:t>
             </a:fld>
             <a:endParaRPr lang="en-US" dirty="0"/>
           </a:p>
@@ -1769,7 +1770,7 @@
             <a:fld id="{B61BEF0D-F0BB-DE4B-95CE-6DB70DBA9567}" type="datetimeFigureOut">
               <a:rPr lang="en-US" dirty="0"/>
               <a:pPr/>
-              <a:t>1/23/2022</a:t>
+              <a:t>7/12/2022</a:t>
             </a:fld>
             <a:endParaRPr lang="en-US" dirty="0"/>
           </a:p>
@@ -2080,7 +2081,7 @@
             <a:fld id="{B61BEF0D-F0BB-DE4B-95CE-6DB70DBA9567}" type="datetimeFigureOut">
               <a:rPr lang="en-US" dirty="0"/>
               <a:pPr/>
-              <a:t>1/23/2022</a:t>
+              <a:t>7/12/2022</a:t>
             </a:fld>
             <a:endParaRPr lang="en-US" dirty="0"/>
           </a:p>
@@ -2470,7 +2471,7 @@
             <a:fld id="{B61BEF0D-F0BB-DE4B-95CE-6DB70DBA9567}" type="datetimeFigureOut">
               <a:rPr lang="en-US" dirty="0"/>
               <a:pPr/>
-              <a:t>1/23/2022</a:t>
+              <a:t>7/12/2022</a:t>
             </a:fld>
             <a:endParaRPr lang="en-US" dirty="0"/>
           </a:p>
@@ -2636,7 +2637,7 @@
           <a:p>
             <a:fld id="{55C6B4A9-1611-4792-9094-5F34BCA07E0B}" type="datetimeFigureOut">
               <a:rPr lang="en-US" dirty="0"/>
-              <a:t>1/23/2022</a:t>
+              <a:t>7/12/2022</a:t>
             </a:fld>
             <a:endParaRPr lang="en-US" dirty="0"/>
           </a:p>
@@ -2812,7 +2813,7 @@
             <a:fld id="{B61BEF0D-F0BB-DE4B-95CE-6DB70DBA9567}" type="datetimeFigureOut">
               <a:rPr lang="en-US" dirty="0"/>
               <a:pPr/>
-              <a:t>1/23/2022</a:t>
+              <a:t>7/12/2022</a:t>
             </a:fld>
             <a:endParaRPr lang="en-US" dirty="0"/>
           </a:p>
@@ -2993,7 +2994,7 @@
             <a:fld id="{B61BEF0D-F0BB-DE4B-95CE-6DB70DBA9567}" type="datetimeFigureOut">
               <a:rPr lang="en-US" dirty="0"/>
               <a:pPr/>
-              <a:t>1/23/2022</a:t>
+              <a:t>7/12/2022</a:t>
             </a:fld>
             <a:endParaRPr lang="en-US" dirty="0"/>
           </a:p>
@@ -3237,7 +3238,7 @@
             <a:fld id="{B61BEF0D-F0BB-DE4B-95CE-6DB70DBA9567}" type="datetimeFigureOut">
               <a:rPr lang="en-US" dirty="0"/>
               <a:pPr/>
-              <a:t>1/23/2022</a:t>
+              <a:t>7/12/2022</a:t>
             </a:fld>
             <a:endParaRPr lang="en-US" dirty="0"/>
           </a:p>
@@ -3465,7 +3466,7 @@
           <a:p>
             <a:fld id="{EB712588-04B1-427B-82EE-E8DB90309F08}" type="datetimeFigureOut">
               <a:rPr lang="en-US" dirty="0"/>
-              <a:t>1/23/2022</a:t>
+              <a:t>7/12/2022</a:t>
             </a:fld>
             <a:endParaRPr lang="en-US" dirty="0"/>
           </a:p>
@@ -3835,7 +3836,7 @@
             <a:fld id="{B61BEF0D-F0BB-DE4B-95CE-6DB70DBA9567}" type="datetimeFigureOut">
               <a:rPr lang="en-US" dirty="0"/>
               <a:pPr/>
-              <a:t>1/23/2022</a:t>
+              <a:t>7/12/2022</a:t>
             </a:fld>
             <a:endParaRPr lang="en-US" dirty="0"/>
           </a:p>
@@ -3955,7 +3956,7 @@
             <a:fld id="{B61BEF0D-F0BB-DE4B-95CE-6DB70DBA9567}" type="datetimeFigureOut">
               <a:rPr lang="en-US" dirty="0"/>
               <a:pPr/>
-              <a:t>1/23/2022</a:t>
+              <a:t>7/12/2022</a:t>
             </a:fld>
             <a:endParaRPr lang="en-US" dirty="0"/>
           </a:p>
@@ -4047,7 +4048,7 @@
             <a:fld id="{B61BEF0D-F0BB-DE4B-95CE-6DB70DBA9567}" type="datetimeFigureOut">
               <a:rPr lang="en-US" dirty="0"/>
               <a:pPr/>
-              <a:t>1/23/2022</a:t>
+              <a:t>7/12/2022</a:t>
             </a:fld>
             <a:endParaRPr lang="en-US" dirty="0"/>
           </a:p>
@@ -4298,7 +4299,7 @@
           <a:p>
             <a:fld id="{42A54C80-263E-416B-A8E0-580EDEADCBDC}" type="datetimeFigureOut">
               <a:rPr lang="en-US" dirty="0"/>
-              <a:t>1/23/2022</a:t>
+              <a:t>7/12/2022</a:t>
             </a:fld>
             <a:endParaRPr lang="en-US" dirty="0"/>
           </a:p>
@@ -4557,7 +4558,7 @@
             <a:fld id="{B61BEF0D-F0BB-DE4B-95CE-6DB70DBA9567}" type="datetimeFigureOut">
               <a:rPr lang="en-US" dirty="0"/>
               <a:pPr/>
-              <a:t>1/23/2022</a:t>
+              <a:t>7/12/2022</a:t>
             </a:fld>
             <a:endParaRPr lang="en-US" dirty="0"/>
           </a:p>
@@ -5297,7 +5298,7 @@
             <a:fld id="{B61BEF0D-F0BB-DE4B-95CE-6DB70DBA9567}" type="datetimeFigureOut">
               <a:rPr lang="en-US" dirty="0"/>
               <a:pPr/>
-              <a:t>1/23/2022</a:t>
+              <a:t>7/12/2022</a:t>
             </a:fld>
             <a:endParaRPr lang="en-US" dirty="0"/>
           </a:p>
@@ -5538,7 +5539,7 @@
           <a:p>
             <a:r>
               <a:rPr lang="fr-FR" altLang="zh-TW" dirty="0" smtClean="0"/>
-              <a:t>https://reurl.cc/2Dom14</a:t>
+              <a:t>https://reurl.cc/Kb1Xmg</a:t>
             </a:r>
             <a:endParaRPr lang="zh-TW" altLang="en-US" dirty="0"/>
           </a:p>
@@ -6040,7 +6041,7 @@
           <a:p>
             <a:fld id="{4805910D-2C61-424F-80CE-807290CF0E1E}" type="datetime4">
               <a:rPr lang="zh-TW" altLang="zh-TW"/>
-              <a:t>111年1月23日星期日</a:t>
+              <a:t>111年7月12日星期二</a:t>
             </a:fld>
             <a:endParaRPr lang="zh-TW" altLang="en-US" dirty="0"/>
           </a:p>
@@ -6087,39 +6088,9 @@
           </a:extLst>
         </p:spPr>
       </p:pic>
-      <p:pic>
-        <p:nvPicPr>
-          <p:cNvPr id="6" name="圖片 5"/>
-          <p:cNvPicPr>
-            <a:picLocks noChangeAspect="1"/>
-          </p:cNvPicPr>
-          <p:nvPr/>
-        </p:nvPicPr>
-        <p:blipFill>
-          <a:blip r:embed="rId3">
-            <a:extLst>
-              <a:ext uri="{28A0092B-C50C-407E-A947-70E740481C1C}">
-                <a14:useLocalDpi xmlns:a14="http://schemas.microsoft.com/office/drawing/2010/main" val="0"/>
-              </a:ext>
-            </a:extLst>
-          </a:blip>
-          <a:stretch>
-            <a:fillRect/>
-          </a:stretch>
-        </p:blipFill>
-        <p:spPr>
-          <a:xfrm>
-            <a:off x="927354" y="457267"/>
-            <a:ext cx="1428750" cy="1428750"/>
-          </a:xfrm>
-          <a:prstGeom prst="rect">
-            <a:avLst/>
-          </a:prstGeom>
-        </p:spPr>
-      </p:pic>
-      <p:sp>
-        <p:nvSpPr>
-          <p:cNvPr id="7" name="矩形 6"/>
+      <p:sp>
+        <p:nvSpPr>
+          <p:cNvPr id="8" name="矩形 7"/>
           <p:cNvSpPr/>
           <p:nvPr/>
         </p:nvSpPr>
@@ -6233,13 +6204,37 @@
           </a:lstStyle>
           <a:p>
             <a:r>
-              <a:rPr lang="fr-FR" altLang="zh-TW" dirty="0" smtClean="0"/>
-              <a:t>https://reurl.cc/2Dom14</a:t>
+              <a:rPr lang="fr-FR" altLang="zh-TW" dirty="0"/>
+              <a:t>https://reurl.cc/Kb1Xmg</a:t>
             </a:r>
             <a:endParaRPr lang="zh-TW" altLang="en-US" dirty="0"/>
           </a:p>
         </p:txBody>
       </p:sp>
+      <p:pic>
+        <p:nvPicPr>
+          <p:cNvPr id="9" name="圖片 8"/>
+          <p:cNvPicPr>
+            <a:picLocks noChangeAspect="1"/>
+          </p:cNvPicPr>
+          <p:nvPr/>
+        </p:nvPicPr>
+        <p:blipFill>
+          <a:blip r:embed="rId3"/>
+          <a:stretch>
+            <a:fillRect/>
+          </a:stretch>
+        </p:blipFill>
+        <p:spPr>
+          <a:xfrm>
+            <a:off x="929852" y="503981"/>
+            <a:ext cx="1428750" cy="1428750"/>
+          </a:xfrm>
+          <a:prstGeom prst="rect">
+            <a:avLst/>
+          </a:prstGeom>
+        </p:spPr>
+      </p:pic>
     </p:spTree>
     <p:extLst>
       <p:ext uri="{BB962C8B-B14F-4D97-AF65-F5344CB8AC3E}">
@@ -6969,6 +6964,1539 @@
           <a:p>
             <a:r>
               <a:rPr lang="zh-TW" altLang="en-US" dirty="0" smtClean="0"/>
+              <a:t>想法說明</a:t>
+            </a:r>
+            <a:endParaRPr lang="zh-TW" altLang="en-US" dirty="0"/>
+          </a:p>
+        </p:txBody>
+      </p:sp>
+      <p:sp>
+        <p:nvSpPr>
+          <p:cNvPr id="4" name="文字方塊 3"/>
+          <p:cNvSpPr txBox="1"/>
+          <p:nvPr/>
+        </p:nvSpPr>
+        <p:spPr>
+          <a:xfrm>
+            <a:off x="1719072" y="3685032"/>
+            <a:ext cx="798680" cy="369332"/>
+          </a:xfrm>
+          <a:prstGeom prst="rect">
+            <a:avLst/>
+          </a:prstGeom>
+          <a:noFill/>
+        </p:spPr>
+        <p:txBody>
+          <a:bodyPr wrap="none" rtlCol="0">
+            <a:spAutoFit/>
+          </a:bodyPr>
+          <a:lstStyle/>
+          <a:p>
+            <a:r>
+              <a:rPr lang="en-US" altLang="zh-TW" dirty="0" smtClean="0"/>
+              <a:t>A </a:t>
+            </a:r>
+            <a:r>
+              <a:rPr lang="en-US" altLang="zh-TW" dirty="0" err="1" smtClean="0"/>
+              <a:t>vs.B</a:t>
+            </a:r>
+            <a:endParaRPr lang="zh-TW" altLang="en-US" dirty="0"/>
+          </a:p>
+        </p:txBody>
+      </p:sp>
+      <p:cxnSp>
+        <p:nvCxnSpPr>
+          <p:cNvPr id="6" name="直線單箭頭接點 5"/>
+          <p:cNvCxnSpPr/>
+          <p:nvPr/>
+        </p:nvCxnSpPr>
+        <p:spPr>
+          <a:xfrm flipV="1">
+            <a:off x="2517752" y="2587752"/>
+            <a:ext cx="1578760" cy="1133856"/>
+          </a:xfrm>
+          <a:prstGeom prst="straightConnector1">
+            <a:avLst/>
+          </a:prstGeom>
+          <a:ln w="28575">
+            <a:solidFill>
+              <a:srgbClr val="FF0000"/>
+            </a:solidFill>
+            <a:tailEnd type="triangle"/>
+          </a:ln>
+        </p:spPr>
+        <p:style>
+          <a:lnRef idx="1">
+            <a:schemeClr val="accent1"/>
+          </a:lnRef>
+          <a:fillRef idx="0">
+            <a:schemeClr val="accent1"/>
+          </a:fillRef>
+          <a:effectRef idx="0">
+            <a:schemeClr val="accent1"/>
+          </a:effectRef>
+          <a:fontRef idx="minor">
+            <a:schemeClr val="tx1"/>
+          </a:fontRef>
+        </p:style>
+      </p:cxnSp>
+      <p:cxnSp>
+        <p:nvCxnSpPr>
+          <p:cNvPr id="7" name="直線單箭頭接點 6"/>
+          <p:cNvCxnSpPr/>
+          <p:nvPr/>
+        </p:nvCxnSpPr>
+        <p:spPr>
+          <a:xfrm>
+            <a:off x="2517752" y="3721608"/>
+            <a:ext cx="1444752" cy="1143000"/>
+          </a:xfrm>
+          <a:prstGeom prst="straightConnector1">
+            <a:avLst/>
+          </a:prstGeom>
+          <a:ln w="28575">
+            <a:solidFill>
+              <a:srgbClr val="FF0000"/>
+            </a:solidFill>
+            <a:tailEnd type="triangle"/>
+          </a:ln>
+        </p:spPr>
+        <p:style>
+          <a:lnRef idx="1">
+            <a:schemeClr val="accent1"/>
+          </a:lnRef>
+          <a:fillRef idx="0">
+            <a:schemeClr val="accent1"/>
+          </a:fillRef>
+          <a:effectRef idx="0">
+            <a:schemeClr val="accent1"/>
+          </a:effectRef>
+          <a:fontRef idx="minor">
+            <a:schemeClr val="tx1"/>
+          </a:fontRef>
+        </p:style>
+      </p:cxnSp>
+      <p:sp>
+        <p:nvSpPr>
+          <p:cNvPr id="11" name="文字方塊 10"/>
+          <p:cNvSpPr txBox="1"/>
+          <p:nvPr/>
+        </p:nvSpPr>
+        <p:spPr>
+          <a:xfrm rot="19492225">
+            <a:off x="2864833" y="2768637"/>
+            <a:ext cx="750590" cy="369332"/>
+          </a:xfrm>
+          <a:prstGeom prst="rect">
+            <a:avLst/>
+          </a:prstGeom>
+          <a:noFill/>
+        </p:spPr>
+        <p:txBody>
+          <a:bodyPr wrap="none" rtlCol="0">
+            <a:spAutoFit/>
+          </a:bodyPr>
+          <a:lstStyle/>
+          <a:p>
+            <a:r>
+              <a:rPr lang="en-US" altLang="zh-TW" dirty="0" smtClean="0"/>
+              <a:t>A &gt;=B</a:t>
+            </a:r>
+            <a:endParaRPr lang="zh-TW" altLang="en-US" dirty="0"/>
+          </a:p>
+        </p:txBody>
+      </p:sp>
+      <p:sp>
+        <p:nvSpPr>
+          <p:cNvPr id="12" name="文字方塊 11"/>
+          <p:cNvSpPr txBox="1"/>
+          <p:nvPr/>
+        </p:nvSpPr>
+        <p:spPr>
+          <a:xfrm rot="2267909">
+            <a:off x="2866910" y="4269479"/>
+            <a:ext cx="697692" cy="369332"/>
+          </a:xfrm>
+          <a:prstGeom prst="rect">
+            <a:avLst/>
+          </a:prstGeom>
+          <a:noFill/>
+        </p:spPr>
+        <p:txBody>
+          <a:bodyPr wrap="none" rtlCol="0">
+            <a:spAutoFit/>
+          </a:bodyPr>
+          <a:lstStyle/>
+          <a:p>
+            <a:r>
+              <a:rPr lang="en-US" altLang="zh-TW" dirty="0" smtClean="0"/>
+              <a:t>A &lt; B</a:t>
+            </a:r>
+            <a:endParaRPr lang="zh-TW" altLang="en-US" dirty="0"/>
+          </a:p>
+        </p:txBody>
+      </p:sp>
+      <p:cxnSp>
+        <p:nvCxnSpPr>
+          <p:cNvPr id="13" name="直線單箭頭接點 12"/>
+          <p:cNvCxnSpPr/>
+          <p:nvPr/>
+        </p:nvCxnSpPr>
+        <p:spPr>
+          <a:xfrm flipV="1">
+            <a:off x="4895192" y="1719072"/>
+            <a:ext cx="1514752" cy="822960"/>
+          </a:xfrm>
+          <a:prstGeom prst="straightConnector1">
+            <a:avLst/>
+          </a:prstGeom>
+          <a:ln w="28575">
+            <a:solidFill>
+              <a:srgbClr val="FF0000"/>
+            </a:solidFill>
+            <a:tailEnd type="triangle"/>
+          </a:ln>
+        </p:spPr>
+        <p:style>
+          <a:lnRef idx="1">
+            <a:schemeClr val="accent1"/>
+          </a:lnRef>
+          <a:fillRef idx="0">
+            <a:schemeClr val="accent1"/>
+          </a:fillRef>
+          <a:effectRef idx="0">
+            <a:schemeClr val="accent1"/>
+          </a:effectRef>
+          <a:fontRef idx="minor">
+            <a:schemeClr val="tx1"/>
+          </a:fontRef>
+        </p:style>
+      </p:cxnSp>
+      <p:cxnSp>
+        <p:nvCxnSpPr>
+          <p:cNvPr id="14" name="直線單箭頭接點 13"/>
+          <p:cNvCxnSpPr/>
+          <p:nvPr/>
+        </p:nvCxnSpPr>
+        <p:spPr>
+          <a:xfrm>
+            <a:off x="4895192" y="2542032"/>
+            <a:ext cx="1505608" cy="778256"/>
+          </a:xfrm>
+          <a:prstGeom prst="straightConnector1">
+            <a:avLst/>
+          </a:prstGeom>
+          <a:ln w="28575">
+            <a:solidFill>
+              <a:srgbClr val="FF0000"/>
+            </a:solidFill>
+            <a:tailEnd type="triangle"/>
+          </a:ln>
+        </p:spPr>
+        <p:style>
+          <a:lnRef idx="1">
+            <a:schemeClr val="accent1"/>
+          </a:lnRef>
+          <a:fillRef idx="0">
+            <a:schemeClr val="accent1"/>
+          </a:fillRef>
+          <a:effectRef idx="0">
+            <a:schemeClr val="accent1"/>
+          </a:effectRef>
+          <a:fontRef idx="minor">
+            <a:schemeClr val="tx1"/>
+          </a:fontRef>
+        </p:style>
+      </p:cxnSp>
+      <p:sp>
+        <p:nvSpPr>
+          <p:cNvPr id="19" name="文字方塊 18"/>
+          <p:cNvSpPr txBox="1"/>
+          <p:nvPr/>
+        </p:nvSpPr>
+        <p:spPr>
+          <a:xfrm>
+            <a:off x="4092504" y="2339078"/>
+            <a:ext cx="806696" cy="369332"/>
+          </a:xfrm>
+          <a:prstGeom prst="rect">
+            <a:avLst/>
+          </a:prstGeom>
+          <a:noFill/>
+        </p:spPr>
+        <p:txBody>
+          <a:bodyPr wrap="none" rtlCol="0">
+            <a:spAutoFit/>
+          </a:bodyPr>
+          <a:lstStyle/>
+          <a:p>
+            <a:r>
+              <a:rPr lang="en-US" altLang="zh-TW" dirty="0" smtClean="0"/>
+              <a:t>A </a:t>
+            </a:r>
+            <a:r>
+              <a:rPr lang="en-US" altLang="zh-TW" dirty="0" err="1" smtClean="0"/>
+              <a:t>vs.C</a:t>
+            </a:r>
+            <a:endParaRPr lang="zh-TW" altLang="en-US" dirty="0"/>
+          </a:p>
+        </p:txBody>
+      </p:sp>
+      <p:sp>
+        <p:nvSpPr>
+          <p:cNvPr id="20" name="文字方塊 19"/>
+          <p:cNvSpPr txBox="1"/>
+          <p:nvPr/>
+        </p:nvSpPr>
+        <p:spPr>
+          <a:xfrm rot="19884721">
+            <a:off x="5227364" y="1739921"/>
+            <a:ext cx="758606" cy="369332"/>
+          </a:xfrm>
+          <a:prstGeom prst="rect">
+            <a:avLst/>
+          </a:prstGeom>
+          <a:noFill/>
+        </p:spPr>
+        <p:txBody>
+          <a:bodyPr wrap="none" rtlCol="0">
+            <a:spAutoFit/>
+          </a:bodyPr>
+          <a:lstStyle/>
+          <a:p>
+            <a:r>
+              <a:rPr lang="en-US" altLang="zh-TW" dirty="0" smtClean="0"/>
+              <a:t>A &gt;=C</a:t>
+            </a:r>
+            <a:endParaRPr lang="zh-TW" altLang="en-US" dirty="0"/>
+          </a:p>
+        </p:txBody>
+      </p:sp>
+      <p:sp>
+        <p:nvSpPr>
+          <p:cNvPr id="21" name="文字方塊 20"/>
+          <p:cNvSpPr txBox="1"/>
+          <p:nvPr/>
+        </p:nvSpPr>
+        <p:spPr>
+          <a:xfrm rot="1664367">
+            <a:off x="5230644" y="2883126"/>
+            <a:ext cx="705706" cy="369332"/>
+          </a:xfrm>
+          <a:prstGeom prst="rect">
+            <a:avLst/>
+          </a:prstGeom>
+          <a:noFill/>
+        </p:spPr>
+        <p:txBody>
+          <a:bodyPr wrap="none" rtlCol="0">
+            <a:spAutoFit/>
+          </a:bodyPr>
+          <a:lstStyle/>
+          <a:p>
+            <a:r>
+              <a:rPr lang="en-US" altLang="zh-TW" dirty="0" smtClean="0"/>
+              <a:t>A &lt; C</a:t>
+            </a:r>
+            <a:endParaRPr lang="zh-TW" altLang="en-US" dirty="0"/>
+          </a:p>
+        </p:txBody>
+      </p:sp>
+      <p:sp>
+        <p:nvSpPr>
+          <p:cNvPr id="22" name="文字方塊 21"/>
+          <p:cNvSpPr txBox="1"/>
+          <p:nvPr/>
+        </p:nvSpPr>
+        <p:spPr>
+          <a:xfrm>
+            <a:off x="6494328" y="1543304"/>
+            <a:ext cx="838756" cy="369332"/>
+          </a:xfrm>
+          <a:prstGeom prst="rect">
+            <a:avLst/>
+          </a:prstGeom>
+          <a:noFill/>
+        </p:spPr>
+        <p:txBody>
+          <a:bodyPr wrap="none" rtlCol="0">
+            <a:spAutoFit/>
+          </a:bodyPr>
+          <a:lstStyle/>
+          <a:p>
+            <a:r>
+              <a:rPr lang="en-US" altLang="zh-TW" dirty="0" smtClean="0"/>
+              <a:t>A </a:t>
+            </a:r>
+            <a:r>
+              <a:rPr lang="zh-TW" altLang="en-US" dirty="0" smtClean="0"/>
+              <a:t>最大</a:t>
+            </a:r>
+            <a:endParaRPr lang="zh-TW" altLang="en-US" dirty="0"/>
+          </a:p>
+        </p:txBody>
+      </p:sp>
+      <p:sp>
+        <p:nvSpPr>
+          <p:cNvPr id="23" name="文字方塊 22"/>
+          <p:cNvSpPr txBox="1"/>
+          <p:nvPr/>
+        </p:nvSpPr>
+        <p:spPr>
+          <a:xfrm>
+            <a:off x="6437480" y="3135622"/>
+            <a:ext cx="853119" cy="369332"/>
+          </a:xfrm>
+          <a:prstGeom prst="rect">
+            <a:avLst/>
+          </a:prstGeom>
+          <a:noFill/>
+        </p:spPr>
+        <p:txBody>
+          <a:bodyPr wrap="none" rtlCol="0">
+            <a:spAutoFit/>
+          </a:bodyPr>
+          <a:lstStyle/>
+          <a:p>
+            <a:r>
+              <a:rPr lang="en-US" altLang="zh-TW" dirty="0" smtClean="0"/>
+              <a:t>C </a:t>
+            </a:r>
+            <a:r>
+              <a:rPr lang="zh-TW" altLang="en-US" dirty="0" smtClean="0"/>
+              <a:t>最大</a:t>
+            </a:r>
+            <a:endParaRPr lang="zh-TW" altLang="en-US" dirty="0"/>
+          </a:p>
+        </p:txBody>
+      </p:sp>
+      <p:cxnSp>
+        <p:nvCxnSpPr>
+          <p:cNvPr id="24" name="直線單箭頭接點 23"/>
+          <p:cNvCxnSpPr/>
+          <p:nvPr/>
+        </p:nvCxnSpPr>
+        <p:spPr>
+          <a:xfrm flipV="1">
+            <a:off x="4762168" y="4125936"/>
+            <a:ext cx="1514752" cy="822960"/>
+          </a:xfrm>
+          <a:prstGeom prst="straightConnector1">
+            <a:avLst/>
+          </a:prstGeom>
+          <a:ln w="28575">
+            <a:solidFill>
+              <a:srgbClr val="FF0000"/>
+            </a:solidFill>
+            <a:tailEnd type="triangle"/>
+          </a:ln>
+        </p:spPr>
+        <p:style>
+          <a:lnRef idx="1">
+            <a:schemeClr val="accent1"/>
+          </a:lnRef>
+          <a:fillRef idx="0">
+            <a:schemeClr val="accent1"/>
+          </a:fillRef>
+          <a:effectRef idx="0">
+            <a:schemeClr val="accent1"/>
+          </a:effectRef>
+          <a:fontRef idx="minor">
+            <a:schemeClr val="tx1"/>
+          </a:fontRef>
+        </p:style>
+      </p:cxnSp>
+      <p:cxnSp>
+        <p:nvCxnSpPr>
+          <p:cNvPr id="25" name="直線單箭頭接點 24"/>
+          <p:cNvCxnSpPr/>
+          <p:nvPr/>
+        </p:nvCxnSpPr>
+        <p:spPr>
+          <a:xfrm>
+            <a:off x="4762168" y="4948896"/>
+            <a:ext cx="1505608" cy="778256"/>
+          </a:xfrm>
+          <a:prstGeom prst="straightConnector1">
+            <a:avLst/>
+          </a:prstGeom>
+          <a:ln w="28575">
+            <a:solidFill>
+              <a:srgbClr val="FF0000"/>
+            </a:solidFill>
+            <a:tailEnd type="triangle"/>
+          </a:ln>
+        </p:spPr>
+        <p:style>
+          <a:lnRef idx="1">
+            <a:schemeClr val="accent1"/>
+          </a:lnRef>
+          <a:fillRef idx="0">
+            <a:schemeClr val="accent1"/>
+          </a:fillRef>
+          <a:effectRef idx="0">
+            <a:schemeClr val="accent1"/>
+          </a:effectRef>
+          <a:fontRef idx="minor">
+            <a:schemeClr val="tx1"/>
+          </a:fontRef>
+        </p:style>
+      </p:cxnSp>
+      <p:sp>
+        <p:nvSpPr>
+          <p:cNvPr id="26" name="文字方塊 25"/>
+          <p:cNvSpPr txBox="1"/>
+          <p:nvPr/>
+        </p:nvSpPr>
+        <p:spPr>
+          <a:xfrm>
+            <a:off x="3959480" y="4745942"/>
+            <a:ext cx="806696" cy="369332"/>
+          </a:xfrm>
+          <a:prstGeom prst="rect">
+            <a:avLst/>
+          </a:prstGeom>
+          <a:noFill/>
+        </p:spPr>
+        <p:txBody>
+          <a:bodyPr wrap="none" rtlCol="0">
+            <a:spAutoFit/>
+          </a:bodyPr>
+          <a:lstStyle/>
+          <a:p>
+            <a:r>
+              <a:rPr lang="en-US" altLang="zh-TW" dirty="0" smtClean="0"/>
+              <a:t>B </a:t>
+            </a:r>
+            <a:r>
+              <a:rPr lang="en-US" altLang="zh-TW" dirty="0" err="1" smtClean="0"/>
+              <a:t>vs.C</a:t>
+            </a:r>
+            <a:endParaRPr lang="zh-TW" altLang="en-US" dirty="0"/>
+          </a:p>
+        </p:txBody>
+      </p:sp>
+      <p:sp>
+        <p:nvSpPr>
+          <p:cNvPr id="27" name="文字方塊 26"/>
+          <p:cNvSpPr txBox="1"/>
+          <p:nvPr/>
+        </p:nvSpPr>
+        <p:spPr>
+          <a:xfrm rot="19884721">
+            <a:off x="5091167" y="4146785"/>
+            <a:ext cx="764953" cy="369332"/>
+          </a:xfrm>
+          <a:prstGeom prst="rect">
+            <a:avLst/>
+          </a:prstGeom>
+          <a:noFill/>
+        </p:spPr>
+        <p:txBody>
+          <a:bodyPr wrap="none" rtlCol="0">
+            <a:spAutoFit/>
+          </a:bodyPr>
+          <a:lstStyle/>
+          <a:p>
+            <a:r>
+              <a:rPr lang="en-US" altLang="zh-TW" dirty="0"/>
+              <a:t>B</a:t>
+            </a:r>
+            <a:r>
+              <a:rPr lang="en-US" altLang="zh-TW" dirty="0" smtClean="0"/>
+              <a:t> &gt;=C</a:t>
+            </a:r>
+            <a:endParaRPr lang="zh-TW" altLang="en-US" dirty="0"/>
+          </a:p>
+        </p:txBody>
+      </p:sp>
+      <p:sp>
+        <p:nvSpPr>
+          <p:cNvPr id="28" name="文字方塊 27"/>
+          <p:cNvSpPr txBox="1"/>
+          <p:nvPr/>
+        </p:nvSpPr>
+        <p:spPr>
+          <a:xfrm rot="1664367">
+            <a:off x="5094446" y="5289990"/>
+            <a:ext cx="712054" cy="369332"/>
+          </a:xfrm>
+          <a:prstGeom prst="rect">
+            <a:avLst/>
+          </a:prstGeom>
+          <a:noFill/>
+        </p:spPr>
+        <p:txBody>
+          <a:bodyPr wrap="none" rtlCol="0">
+            <a:spAutoFit/>
+          </a:bodyPr>
+          <a:lstStyle/>
+          <a:p>
+            <a:r>
+              <a:rPr lang="en-US" altLang="zh-TW" dirty="0"/>
+              <a:t>B</a:t>
+            </a:r>
+            <a:r>
+              <a:rPr lang="en-US" altLang="zh-TW" dirty="0" smtClean="0"/>
+              <a:t> &lt; C</a:t>
+            </a:r>
+            <a:endParaRPr lang="zh-TW" altLang="en-US" dirty="0"/>
+          </a:p>
+        </p:txBody>
+      </p:sp>
+      <p:sp>
+        <p:nvSpPr>
+          <p:cNvPr id="29" name="文字方塊 28"/>
+          <p:cNvSpPr txBox="1"/>
+          <p:nvPr/>
+        </p:nvSpPr>
+        <p:spPr>
+          <a:xfrm>
+            <a:off x="6361304" y="3950168"/>
+            <a:ext cx="845103" cy="369332"/>
+          </a:xfrm>
+          <a:prstGeom prst="rect">
+            <a:avLst/>
+          </a:prstGeom>
+          <a:noFill/>
+        </p:spPr>
+        <p:txBody>
+          <a:bodyPr wrap="none" rtlCol="0">
+            <a:spAutoFit/>
+          </a:bodyPr>
+          <a:lstStyle/>
+          <a:p>
+            <a:r>
+              <a:rPr lang="en-US" altLang="zh-TW" dirty="0"/>
+              <a:t>B</a:t>
+            </a:r>
+            <a:r>
+              <a:rPr lang="en-US" altLang="zh-TW" dirty="0" smtClean="0"/>
+              <a:t> </a:t>
+            </a:r>
+            <a:r>
+              <a:rPr lang="zh-TW" altLang="en-US" dirty="0" smtClean="0"/>
+              <a:t>最大</a:t>
+            </a:r>
+            <a:endParaRPr lang="zh-TW" altLang="en-US" dirty="0"/>
+          </a:p>
+        </p:txBody>
+      </p:sp>
+      <p:sp>
+        <p:nvSpPr>
+          <p:cNvPr id="30" name="文字方塊 29"/>
+          <p:cNvSpPr txBox="1"/>
+          <p:nvPr/>
+        </p:nvSpPr>
+        <p:spPr>
+          <a:xfrm>
+            <a:off x="6304456" y="5542486"/>
+            <a:ext cx="853119" cy="369332"/>
+          </a:xfrm>
+          <a:prstGeom prst="rect">
+            <a:avLst/>
+          </a:prstGeom>
+          <a:noFill/>
+        </p:spPr>
+        <p:txBody>
+          <a:bodyPr wrap="none" rtlCol="0">
+            <a:spAutoFit/>
+          </a:bodyPr>
+          <a:lstStyle/>
+          <a:p>
+            <a:r>
+              <a:rPr lang="en-US" altLang="zh-TW" dirty="0" smtClean="0"/>
+              <a:t>C </a:t>
+            </a:r>
+            <a:r>
+              <a:rPr lang="zh-TW" altLang="en-US" dirty="0" smtClean="0"/>
+              <a:t>最大</a:t>
+            </a:r>
+            <a:endParaRPr lang="zh-TW" altLang="en-US" dirty="0"/>
+          </a:p>
+        </p:txBody>
+      </p:sp>
+    </p:spTree>
+    <p:extLst>
+      <p:ext uri="{BB962C8B-B14F-4D97-AF65-F5344CB8AC3E}">
+        <p14:creationId xmlns:p14="http://schemas.microsoft.com/office/powerpoint/2010/main" val="2078187398"/>
+      </p:ext>
+    </p:extLst>
+  </p:cSld>
+  <p:clrMapOvr>
+    <a:masterClrMapping/>
+  </p:clrMapOvr>
+  <p:timing>
+    <p:tnLst>
+      <p:par>
+        <p:cTn id="1" dur="indefinite" restart="never" nodeType="tmRoot">
+          <p:childTnLst>
+            <p:seq concurrent="1" nextAc="seek">
+              <p:cTn id="2" dur="indefinite" nodeType="mainSeq">
+                <p:childTnLst>
+                  <p:par>
+                    <p:cTn id="3" fill="hold">
+                      <p:stCondLst>
+                        <p:cond delay="indefinite"/>
+                      </p:stCondLst>
+                      <p:childTnLst>
+                        <p:par>
+                          <p:cTn id="4" fill="hold">
+                            <p:stCondLst>
+                              <p:cond delay="0"/>
+                            </p:stCondLst>
+                            <p:childTnLst>
+                              <p:par>
+                                <p:cTn id="5" presetID="1" presetClass="entr" presetSubtype="0" fill="hold" grpId="0" nodeType="clickEffect">
+                                  <p:stCondLst>
+                                    <p:cond delay="0"/>
+                                  </p:stCondLst>
+                                  <p:childTnLst>
+                                    <p:set>
+                                      <p:cBhvr>
+                                        <p:cTn id="6" dur="1" fill="hold">
+                                          <p:stCondLst>
+                                            <p:cond delay="0"/>
+                                          </p:stCondLst>
+                                        </p:cTn>
+                                        <p:tgtEl>
+                                          <p:spTgt spid="4"/>
+                                        </p:tgtEl>
+                                        <p:attrNameLst>
+                                          <p:attrName>style.visibility</p:attrName>
+                                        </p:attrNameLst>
+                                      </p:cBhvr>
+                                      <p:to>
+                                        <p:strVal val="visible"/>
+                                      </p:to>
+                                    </p:set>
+                                  </p:childTnLst>
+                                </p:cTn>
+                              </p:par>
+                            </p:childTnLst>
+                          </p:cTn>
+                        </p:par>
+                      </p:childTnLst>
+                    </p:cTn>
+                  </p:par>
+                  <p:par>
+                    <p:cTn id="7" fill="hold">
+                      <p:stCondLst>
+                        <p:cond delay="indefinite"/>
+                      </p:stCondLst>
+                      <p:childTnLst>
+                        <p:par>
+                          <p:cTn id="8" fill="hold">
+                            <p:stCondLst>
+                              <p:cond delay="0"/>
+                            </p:stCondLst>
+                            <p:childTnLst>
+                              <p:par>
+                                <p:cTn id="9" presetID="22" presetClass="entr" presetSubtype="8" fill="hold" nodeType="clickEffect">
+                                  <p:stCondLst>
+                                    <p:cond delay="0"/>
+                                  </p:stCondLst>
+                                  <p:childTnLst>
+                                    <p:set>
+                                      <p:cBhvr>
+                                        <p:cTn id="10" dur="1" fill="hold">
+                                          <p:stCondLst>
+                                            <p:cond delay="0"/>
+                                          </p:stCondLst>
+                                        </p:cTn>
+                                        <p:tgtEl>
+                                          <p:spTgt spid="6"/>
+                                        </p:tgtEl>
+                                        <p:attrNameLst>
+                                          <p:attrName>style.visibility</p:attrName>
+                                        </p:attrNameLst>
+                                      </p:cBhvr>
+                                      <p:to>
+                                        <p:strVal val="visible"/>
+                                      </p:to>
+                                    </p:set>
+                                    <p:animEffect transition="in" filter="wipe(left)">
+                                      <p:cBhvr>
+                                        <p:cTn id="11" dur="500"/>
+                                        <p:tgtEl>
+                                          <p:spTgt spid="6"/>
+                                        </p:tgtEl>
+                                      </p:cBhvr>
+                                    </p:animEffect>
+                                  </p:childTnLst>
+                                </p:cTn>
+                              </p:par>
+                              <p:par>
+                                <p:cTn id="12" presetID="22" presetClass="entr" presetSubtype="8" fill="hold" nodeType="withEffect">
+                                  <p:stCondLst>
+                                    <p:cond delay="0"/>
+                                  </p:stCondLst>
+                                  <p:childTnLst>
+                                    <p:set>
+                                      <p:cBhvr>
+                                        <p:cTn id="13" dur="1" fill="hold">
+                                          <p:stCondLst>
+                                            <p:cond delay="0"/>
+                                          </p:stCondLst>
+                                        </p:cTn>
+                                        <p:tgtEl>
+                                          <p:spTgt spid="7"/>
+                                        </p:tgtEl>
+                                        <p:attrNameLst>
+                                          <p:attrName>style.visibility</p:attrName>
+                                        </p:attrNameLst>
+                                      </p:cBhvr>
+                                      <p:to>
+                                        <p:strVal val="visible"/>
+                                      </p:to>
+                                    </p:set>
+                                    <p:animEffect transition="in" filter="wipe(left)">
+                                      <p:cBhvr>
+                                        <p:cTn id="14" dur="500"/>
+                                        <p:tgtEl>
+                                          <p:spTgt spid="7"/>
+                                        </p:tgtEl>
+                                      </p:cBhvr>
+                                    </p:animEffect>
+                                  </p:childTnLst>
+                                </p:cTn>
+                              </p:par>
+                              <p:par>
+                                <p:cTn id="15" presetID="22" presetClass="entr" presetSubtype="8" fill="hold" grpId="0" nodeType="withEffect">
+                                  <p:stCondLst>
+                                    <p:cond delay="0"/>
+                                  </p:stCondLst>
+                                  <p:childTnLst>
+                                    <p:set>
+                                      <p:cBhvr>
+                                        <p:cTn id="16" dur="1" fill="hold">
+                                          <p:stCondLst>
+                                            <p:cond delay="0"/>
+                                          </p:stCondLst>
+                                        </p:cTn>
+                                        <p:tgtEl>
+                                          <p:spTgt spid="11"/>
+                                        </p:tgtEl>
+                                        <p:attrNameLst>
+                                          <p:attrName>style.visibility</p:attrName>
+                                        </p:attrNameLst>
+                                      </p:cBhvr>
+                                      <p:to>
+                                        <p:strVal val="visible"/>
+                                      </p:to>
+                                    </p:set>
+                                    <p:animEffect transition="in" filter="wipe(left)">
+                                      <p:cBhvr>
+                                        <p:cTn id="17" dur="500"/>
+                                        <p:tgtEl>
+                                          <p:spTgt spid="11"/>
+                                        </p:tgtEl>
+                                      </p:cBhvr>
+                                    </p:animEffect>
+                                  </p:childTnLst>
+                                </p:cTn>
+                              </p:par>
+                              <p:par>
+                                <p:cTn id="18" presetID="22" presetClass="entr" presetSubtype="8" fill="hold" grpId="0" nodeType="withEffect">
+                                  <p:stCondLst>
+                                    <p:cond delay="0"/>
+                                  </p:stCondLst>
+                                  <p:childTnLst>
+                                    <p:set>
+                                      <p:cBhvr>
+                                        <p:cTn id="19" dur="1" fill="hold">
+                                          <p:stCondLst>
+                                            <p:cond delay="0"/>
+                                          </p:stCondLst>
+                                        </p:cTn>
+                                        <p:tgtEl>
+                                          <p:spTgt spid="12"/>
+                                        </p:tgtEl>
+                                        <p:attrNameLst>
+                                          <p:attrName>style.visibility</p:attrName>
+                                        </p:attrNameLst>
+                                      </p:cBhvr>
+                                      <p:to>
+                                        <p:strVal val="visible"/>
+                                      </p:to>
+                                    </p:set>
+                                    <p:animEffect transition="in" filter="wipe(left)">
+                                      <p:cBhvr>
+                                        <p:cTn id="20" dur="500"/>
+                                        <p:tgtEl>
+                                          <p:spTgt spid="12"/>
+                                        </p:tgtEl>
+                                      </p:cBhvr>
+                                    </p:animEffect>
+                                  </p:childTnLst>
+                                </p:cTn>
+                              </p:par>
+                            </p:childTnLst>
+                          </p:cTn>
+                        </p:par>
+                      </p:childTnLst>
+                    </p:cTn>
+                  </p:par>
+                  <p:par>
+                    <p:cTn id="21" fill="hold">
+                      <p:stCondLst>
+                        <p:cond delay="indefinite"/>
+                      </p:stCondLst>
+                      <p:childTnLst>
+                        <p:par>
+                          <p:cTn id="22" fill="hold">
+                            <p:stCondLst>
+                              <p:cond delay="0"/>
+                            </p:stCondLst>
+                            <p:childTnLst>
+                              <p:par>
+                                <p:cTn id="23" presetID="1" presetClass="entr" presetSubtype="0" fill="hold" grpId="0" nodeType="clickEffect">
+                                  <p:stCondLst>
+                                    <p:cond delay="0"/>
+                                  </p:stCondLst>
+                                  <p:childTnLst>
+                                    <p:set>
+                                      <p:cBhvr>
+                                        <p:cTn id="24" dur="1" fill="hold">
+                                          <p:stCondLst>
+                                            <p:cond delay="0"/>
+                                          </p:stCondLst>
+                                        </p:cTn>
+                                        <p:tgtEl>
+                                          <p:spTgt spid="19"/>
+                                        </p:tgtEl>
+                                        <p:attrNameLst>
+                                          <p:attrName>style.visibility</p:attrName>
+                                        </p:attrNameLst>
+                                      </p:cBhvr>
+                                      <p:to>
+                                        <p:strVal val="visible"/>
+                                      </p:to>
+                                    </p:set>
+                                  </p:childTnLst>
+                                </p:cTn>
+                              </p:par>
+                            </p:childTnLst>
+                          </p:cTn>
+                        </p:par>
+                      </p:childTnLst>
+                    </p:cTn>
+                  </p:par>
+                  <p:par>
+                    <p:cTn id="25" fill="hold">
+                      <p:stCondLst>
+                        <p:cond delay="indefinite"/>
+                      </p:stCondLst>
+                      <p:childTnLst>
+                        <p:par>
+                          <p:cTn id="26" fill="hold">
+                            <p:stCondLst>
+                              <p:cond delay="0"/>
+                            </p:stCondLst>
+                            <p:childTnLst>
+                              <p:par>
+                                <p:cTn id="27" presetID="22" presetClass="entr" presetSubtype="8" fill="hold" grpId="0" nodeType="clickEffect">
+                                  <p:stCondLst>
+                                    <p:cond delay="0"/>
+                                  </p:stCondLst>
+                                  <p:childTnLst>
+                                    <p:set>
+                                      <p:cBhvr>
+                                        <p:cTn id="28" dur="1" fill="hold">
+                                          <p:stCondLst>
+                                            <p:cond delay="0"/>
+                                          </p:stCondLst>
+                                        </p:cTn>
+                                        <p:tgtEl>
+                                          <p:spTgt spid="20"/>
+                                        </p:tgtEl>
+                                        <p:attrNameLst>
+                                          <p:attrName>style.visibility</p:attrName>
+                                        </p:attrNameLst>
+                                      </p:cBhvr>
+                                      <p:to>
+                                        <p:strVal val="visible"/>
+                                      </p:to>
+                                    </p:set>
+                                    <p:animEffect transition="in" filter="wipe(left)">
+                                      <p:cBhvr>
+                                        <p:cTn id="29" dur="500"/>
+                                        <p:tgtEl>
+                                          <p:spTgt spid="20"/>
+                                        </p:tgtEl>
+                                      </p:cBhvr>
+                                    </p:animEffect>
+                                  </p:childTnLst>
+                                </p:cTn>
+                              </p:par>
+                              <p:par>
+                                <p:cTn id="30" presetID="22" presetClass="entr" presetSubtype="8" fill="hold" grpId="0" nodeType="withEffect">
+                                  <p:stCondLst>
+                                    <p:cond delay="0"/>
+                                  </p:stCondLst>
+                                  <p:childTnLst>
+                                    <p:set>
+                                      <p:cBhvr>
+                                        <p:cTn id="31" dur="1" fill="hold">
+                                          <p:stCondLst>
+                                            <p:cond delay="0"/>
+                                          </p:stCondLst>
+                                        </p:cTn>
+                                        <p:tgtEl>
+                                          <p:spTgt spid="21"/>
+                                        </p:tgtEl>
+                                        <p:attrNameLst>
+                                          <p:attrName>style.visibility</p:attrName>
+                                        </p:attrNameLst>
+                                      </p:cBhvr>
+                                      <p:to>
+                                        <p:strVal val="visible"/>
+                                      </p:to>
+                                    </p:set>
+                                    <p:animEffect transition="in" filter="wipe(left)">
+                                      <p:cBhvr>
+                                        <p:cTn id="32" dur="500"/>
+                                        <p:tgtEl>
+                                          <p:spTgt spid="21"/>
+                                        </p:tgtEl>
+                                      </p:cBhvr>
+                                    </p:animEffect>
+                                  </p:childTnLst>
+                                </p:cTn>
+                              </p:par>
+                              <p:par>
+                                <p:cTn id="33" presetID="22" presetClass="entr" presetSubtype="8" fill="hold" nodeType="withEffect">
+                                  <p:stCondLst>
+                                    <p:cond delay="0"/>
+                                  </p:stCondLst>
+                                  <p:childTnLst>
+                                    <p:set>
+                                      <p:cBhvr>
+                                        <p:cTn id="34" dur="1" fill="hold">
+                                          <p:stCondLst>
+                                            <p:cond delay="0"/>
+                                          </p:stCondLst>
+                                        </p:cTn>
+                                        <p:tgtEl>
+                                          <p:spTgt spid="13"/>
+                                        </p:tgtEl>
+                                        <p:attrNameLst>
+                                          <p:attrName>style.visibility</p:attrName>
+                                        </p:attrNameLst>
+                                      </p:cBhvr>
+                                      <p:to>
+                                        <p:strVal val="visible"/>
+                                      </p:to>
+                                    </p:set>
+                                    <p:animEffect transition="in" filter="wipe(left)">
+                                      <p:cBhvr>
+                                        <p:cTn id="35" dur="500"/>
+                                        <p:tgtEl>
+                                          <p:spTgt spid="13"/>
+                                        </p:tgtEl>
+                                      </p:cBhvr>
+                                    </p:animEffect>
+                                  </p:childTnLst>
+                                </p:cTn>
+                              </p:par>
+                              <p:par>
+                                <p:cTn id="36" presetID="22" presetClass="entr" presetSubtype="8" fill="hold" nodeType="withEffect">
+                                  <p:stCondLst>
+                                    <p:cond delay="0"/>
+                                  </p:stCondLst>
+                                  <p:childTnLst>
+                                    <p:set>
+                                      <p:cBhvr>
+                                        <p:cTn id="37" dur="1" fill="hold">
+                                          <p:stCondLst>
+                                            <p:cond delay="0"/>
+                                          </p:stCondLst>
+                                        </p:cTn>
+                                        <p:tgtEl>
+                                          <p:spTgt spid="14"/>
+                                        </p:tgtEl>
+                                        <p:attrNameLst>
+                                          <p:attrName>style.visibility</p:attrName>
+                                        </p:attrNameLst>
+                                      </p:cBhvr>
+                                      <p:to>
+                                        <p:strVal val="visible"/>
+                                      </p:to>
+                                    </p:set>
+                                    <p:animEffect transition="in" filter="wipe(left)">
+                                      <p:cBhvr>
+                                        <p:cTn id="38" dur="500"/>
+                                        <p:tgtEl>
+                                          <p:spTgt spid="14"/>
+                                        </p:tgtEl>
+                                      </p:cBhvr>
+                                    </p:animEffect>
+                                  </p:childTnLst>
+                                </p:cTn>
+                              </p:par>
+                            </p:childTnLst>
+                          </p:cTn>
+                        </p:par>
+                      </p:childTnLst>
+                    </p:cTn>
+                  </p:par>
+                  <p:par>
+                    <p:cTn id="39" fill="hold">
+                      <p:stCondLst>
+                        <p:cond delay="indefinite"/>
+                      </p:stCondLst>
+                      <p:childTnLst>
+                        <p:par>
+                          <p:cTn id="40" fill="hold">
+                            <p:stCondLst>
+                              <p:cond delay="0"/>
+                            </p:stCondLst>
+                            <p:childTnLst>
+                              <p:par>
+                                <p:cTn id="41" presetID="1" presetClass="entr" presetSubtype="0" fill="hold" grpId="0" nodeType="clickEffect">
+                                  <p:stCondLst>
+                                    <p:cond delay="0"/>
+                                  </p:stCondLst>
+                                  <p:childTnLst>
+                                    <p:set>
+                                      <p:cBhvr>
+                                        <p:cTn id="42" dur="1" fill="hold">
+                                          <p:stCondLst>
+                                            <p:cond delay="0"/>
+                                          </p:stCondLst>
+                                        </p:cTn>
+                                        <p:tgtEl>
+                                          <p:spTgt spid="22"/>
+                                        </p:tgtEl>
+                                        <p:attrNameLst>
+                                          <p:attrName>style.visibility</p:attrName>
+                                        </p:attrNameLst>
+                                      </p:cBhvr>
+                                      <p:to>
+                                        <p:strVal val="visible"/>
+                                      </p:to>
+                                    </p:set>
+                                  </p:childTnLst>
+                                </p:cTn>
+                              </p:par>
+                            </p:childTnLst>
+                          </p:cTn>
+                        </p:par>
+                      </p:childTnLst>
+                    </p:cTn>
+                  </p:par>
+                  <p:par>
+                    <p:cTn id="43" fill="hold">
+                      <p:stCondLst>
+                        <p:cond delay="indefinite"/>
+                      </p:stCondLst>
+                      <p:childTnLst>
+                        <p:par>
+                          <p:cTn id="44" fill="hold">
+                            <p:stCondLst>
+                              <p:cond delay="0"/>
+                            </p:stCondLst>
+                            <p:childTnLst>
+                              <p:par>
+                                <p:cTn id="45" presetID="1" presetClass="entr" presetSubtype="0" fill="hold" grpId="0" nodeType="clickEffect">
+                                  <p:stCondLst>
+                                    <p:cond delay="0"/>
+                                  </p:stCondLst>
+                                  <p:childTnLst>
+                                    <p:set>
+                                      <p:cBhvr>
+                                        <p:cTn id="46" dur="1" fill="hold">
+                                          <p:stCondLst>
+                                            <p:cond delay="0"/>
+                                          </p:stCondLst>
+                                        </p:cTn>
+                                        <p:tgtEl>
+                                          <p:spTgt spid="23"/>
+                                        </p:tgtEl>
+                                        <p:attrNameLst>
+                                          <p:attrName>style.visibility</p:attrName>
+                                        </p:attrNameLst>
+                                      </p:cBhvr>
+                                      <p:to>
+                                        <p:strVal val="visible"/>
+                                      </p:to>
+                                    </p:set>
+                                  </p:childTnLst>
+                                </p:cTn>
+                              </p:par>
+                            </p:childTnLst>
+                          </p:cTn>
+                        </p:par>
+                      </p:childTnLst>
+                    </p:cTn>
+                  </p:par>
+                  <p:par>
+                    <p:cTn id="47" fill="hold">
+                      <p:stCondLst>
+                        <p:cond delay="indefinite"/>
+                      </p:stCondLst>
+                      <p:childTnLst>
+                        <p:par>
+                          <p:cTn id="48" fill="hold">
+                            <p:stCondLst>
+                              <p:cond delay="0"/>
+                            </p:stCondLst>
+                            <p:childTnLst>
+                              <p:par>
+                                <p:cTn id="49" presetID="1" presetClass="entr" presetSubtype="0" fill="hold" grpId="0" nodeType="clickEffect">
+                                  <p:stCondLst>
+                                    <p:cond delay="0"/>
+                                  </p:stCondLst>
+                                  <p:childTnLst>
+                                    <p:set>
+                                      <p:cBhvr>
+                                        <p:cTn id="50" dur="1" fill="hold">
+                                          <p:stCondLst>
+                                            <p:cond delay="0"/>
+                                          </p:stCondLst>
+                                        </p:cTn>
+                                        <p:tgtEl>
+                                          <p:spTgt spid="26"/>
+                                        </p:tgtEl>
+                                        <p:attrNameLst>
+                                          <p:attrName>style.visibility</p:attrName>
+                                        </p:attrNameLst>
+                                      </p:cBhvr>
+                                      <p:to>
+                                        <p:strVal val="visible"/>
+                                      </p:to>
+                                    </p:set>
+                                  </p:childTnLst>
+                                </p:cTn>
+                              </p:par>
+                            </p:childTnLst>
+                          </p:cTn>
+                        </p:par>
+                      </p:childTnLst>
+                    </p:cTn>
+                  </p:par>
+                  <p:par>
+                    <p:cTn id="51" fill="hold">
+                      <p:stCondLst>
+                        <p:cond delay="indefinite"/>
+                      </p:stCondLst>
+                      <p:childTnLst>
+                        <p:par>
+                          <p:cTn id="52" fill="hold">
+                            <p:stCondLst>
+                              <p:cond delay="0"/>
+                            </p:stCondLst>
+                            <p:childTnLst>
+                              <p:par>
+                                <p:cTn id="53" presetID="22" presetClass="entr" presetSubtype="8" fill="hold" nodeType="clickEffect">
+                                  <p:stCondLst>
+                                    <p:cond delay="0"/>
+                                  </p:stCondLst>
+                                  <p:childTnLst>
+                                    <p:set>
+                                      <p:cBhvr>
+                                        <p:cTn id="54" dur="1" fill="hold">
+                                          <p:stCondLst>
+                                            <p:cond delay="0"/>
+                                          </p:stCondLst>
+                                        </p:cTn>
+                                        <p:tgtEl>
+                                          <p:spTgt spid="24"/>
+                                        </p:tgtEl>
+                                        <p:attrNameLst>
+                                          <p:attrName>style.visibility</p:attrName>
+                                        </p:attrNameLst>
+                                      </p:cBhvr>
+                                      <p:to>
+                                        <p:strVal val="visible"/>
+                                      </p:to>
+                                    </p:set>
+                                    <p:animEffect transition="in" filter="wipe(left)">
+                                      <p:cBhvr>
+                                        <p:cTn id="55" dur="500"/>
+                                        <p:tgtEl>
+                                          <p:spTgt spid="24"/>
+                                        </p:tgtEl>
+                                      </p:cBhvr>
+                                    </p:animEffect>
+                                  </p:childTnLst>
+                                </p:cTn>
+                              </p:par>
+                              <p:par>
+                                <p:cTn id="56" presetID="22" presetClass="entr" presetSubtype="8" fill="hold" nodeType="withEffect">
+                                  <p:stCondLst>
+                                    <p:cond delay="0"/>
+                                  </p:stCondLst>
+                                  <p:childTnLst>
+                                    <p:set>
+                                      <p:cBhvr>
+                                        <p:cTn id="57" dur="1" fill="hold">
+                                          <p:stCondLst>
+                                            <p:cond delay="0"/>
+                                          </p:stCondLst>
+                                        </p:cTn>
+                                        <p:tgtEl>
+                                          <p:spTgt spid="25"/>
+                                        </p:tgtEl>
+                                        <p:attrNameLst>
+                                          <p:attrName>style.visibility</p:attrName>
+                                        </p:attrNameLst>
+                                      </p:cBhvr>
+                                      <p:to>
+                                        <p:strVal val="visible"/>
+                                      </p:to>
+                                    </p:set>
+                                    <p:animEffect transition="in" filter="wipe(left)">
+                                      <p:cBhvr>
+                                        <p:cTn id="58" dur="500"/>
+                                        <p:tgtEl>
+                                          <p:spTgt spid="25"/>
+                                        </p:tgtEl>
+                                      </p:cBhvr>
+                                    </p:animEffect>
+                                  </p:childTnLst>
+                                </p:cTn>
+                              </p:par>
+                              <p:par>
+                                <p:cTn id="59" presetID="22" presetClass="entr" presetSubtype="8" fill="hold" grpId="0" nodeType="withEffect">
+                                  <p:stCondLst>
+                                    <p:cond delay="0"/>
+                                  </p:stCondLst>
+                                  <p:childTnLst>
+                                    <p:set>
+                                      <p:cBhvr>
+                                        <p:cTn id="60" dur="1" fill="hold">
+                                          <p:stCondLst>
+                                            <p:cond delay="0"/>
+                                          </p:stCondLst>
+                                        </p:cTn>
+                                        <p:tgtEl>
+                                          <p:spTgt spid="27"/>
+                                        </p:tgtEl>
+                                        <p:attrNameLst>
+                                          <p:attrName>style.visibility</p:attrName>
+                                        </p:attrNameLst>
+                                      </p:cBhvr>
+                                      <p:to>
+                                        <p:strVal val="visible"/>
+                                      </p:to>
+                                    </p:set>
+                                    <p:animEffect transition="in" filter="wipe(left)">
+                                      <p:cBhvr>
+                                        <p:cTn id="61" dur="500"/>
+                                        <p:tgtEl>
+                                          <p:spTgt spid="27"/>
+                                        </p:tgtEl>
+                                      </p:cBhvr>
+                                    </p:animEffect>
+                                  </p:childTnLst>
+                                </p:cTn>
+                              </p:par>
+                              <p:par>
+                                <p:cTn id="62" presetID="22" presetClass="entr" presetSubtype="8" fill="hold" grpId="0" nodeType="withEffect">
+                                  <p:stCondLst>
+                                    <p:cond delay="0"/>
+                                  </p:stCondLst>
+                                  <p:childTnLst>
+                                    <p:set>
+                                      <p:cBhvr>
+                                        <p:cTn id="63" dur="1" fill="hold">
+                                          <p:stCondLst>
+                                            <p:cond delay="0"/>
+                                          </p:stCondLst>
+                                        </p:cTn>
+                                        <p:tgtEl>
+                                          <p:spTgt spid="28"/>
+                                        </p:tgtEl>
+                                        <p:attrNameLst>
+                                          <p:attrName>style.visibility</p:attrName>
+                                        </p:attrNameLst>
+                                      </p:cBhvr>
+                                      <p:to>
+                                        <p:strVal val="visible"/>
+                                      </p:to>
+                                    </p:set>
+                                    <p:animEffect transition="in" filter="wipe(left)">
+                                      <p:cBhvr>
+                                        <p:cTn id="64" dur="500"/>
+                                        <p:tgtEl>
+                                          <p:spTgt spid="28"/>
+                                        </p:tgtEl>
+                                      </p:cBhvr>
+                                    </p:animEffect>
+                                  </p:childTnLst>
+                                </p:cTn>
+                              </p:par>
+                            </p:childTnLst>
+                          </p:cTn>
+                        </p:par>
+                      </p:childTnLst>
+                    </p:cTn>
+                  </p:par>
+                  <p:par>
+                    <p:cTn id="65" fill="hold">
+                      <p:stCondLst>
+                        <p:cond delay="indefinite"/>
+                      </p:stCondLst>
+                      <p:childTnLst>
+                        <p:par>
+                          <p:cTn id="66" fill="hold">
+                            <p:stCondLst>
+                              <p:cond delay="0"/>
+                            </p:stCondLst>
+                            <p:childTnLst>
+                              <p:par>
+                                <p:cTn id="67" presetID="1" presetClass="entr" presetSubtype="0" fill="hold" grpId="0" nodeType="clickEffect">
+                                  <p:stCondLst>
+                                    <p:cond delay="0"/>
+                                  </p:stCondLst>
+                                  <p:childTnLst>
+                                    <p:set>
+                                      <p:cBhvr>
+                                        <p:cTn id="68" dur="1" fill="hold">
+                                          <p:stCondLst>
+                                            <p:cond delay="0"/>
+                                          </p:stCondLst>
+                                        </p:cTn>
+                                        <p:tgtEl>
+                                          <p:spTgt spid="29"/>
+                                        </p:tgtEl>
+                                        <p:attrNameLst>
+                                          <p:attrName>style.visibility</p:attrName>
+                                        </p:attrNameLst>
+                                      </p:cBhvr>
+                                      <p:to>
+                                        <p:strVal val="visible"/>
+                                      </p:to>
+                                    </p:set>
+                                  </p:childTnLst>
+                                </p:cTn>
+                              </p:par>
+                            </p:childTnLst>
+                          </p:cTn>
+                        </p:par>
+                      </p:childTnLst>
+                    </p:cTn>
+                  </p:par>
+                  <p:par>
+                    <p:cTn id="69" fill="hold">
+                      <p:stCondLst>
+                        <p:cond delay="indefinite"/>
+                      </p:stCondLst>
+                      <p:childTnLst>
+                        <p:par>
+                          <p:cTn id="70" fill="hold">
+                            <p:stCondLst>
+                              <p:cond delay="0"/>
+                            </p:stCondLst>
+                            <p:childTnLst>
+                              <p:par>
+                                <p:cTn id="71" presetID="1" presetClass="entr" presetSubtype="0" fill="hold" grpId="0" nodeType="clickEffect">
+                                  <p:stCondLst>
+                                    <p:cond delay="0"/>
+                                  </p:stCondLst>
+                                  <p:childTnLst>
+                                    <p:set>
+                                      <p:cBhvr>
+                                        <p:cTn id="72" dur="1" fill="hold">
+                                          <p:stCondLst>
+                                            <p:cond delay="0"/>
+                                          </p:stCondLst>
+                                        </p:cTn>
+                                        <p:tgtEl>
+                                          <p:spTgt spid="30"/>
+                                        </p:tgtEl>
+                                        <p:attrNameLst>
+                                          <p:attrName>style.visibility</p:attrName>
+                                        </p:attrNameLst>
+                                      </p:cBhvr>
+                                      <p:to>
+                                        <p:strVal val="visible"/>
+                                      </p:to>
+                                    </p:set>
+                                  </p:childTnLst>
+                                </p:cTn>
+                              </p:par>
+                            </p:childTnLst>
+                          </p:cTn>
+                        </p:par>
+                      </p:childTnLst>
+                    </p:cTn>
+                  </p:par>
+                </p:childTnLst>
+              </p:cTn>
+              <p:prevCondLst>
+                <p:cond evt="onPrev" delay="0">
+                  <p:tgtEl>
+                    <p:sldTgt/>
+                  </p:tgtEl>
+                </p:cond>
+              </p:prevCondLst>
+              <p:nextCondLst>
+                <p:cond evt="onNext" delay="0">
+                  <p:tgtEl>
+                    <p:sldTgt/>
+                  </p:tgtEl>
+                </p:cond>
+              </p:nextCondLst>
+            </p:seq>
+          </p:childTnLst>
+        </p:cTn>
+      </p:par>
+    </p:tnLst>
+    <p:bldLst>
+      <p:bldP spid="4" grpId="0"/>
+      <p:bldP spid="11" grpId="0"/>
+      <p:bldP spid="12" grpId="0"/>
+      <p:bldP spid="19" grpId="0"/>
+      <p:bldP spid="20" grpId="0"/>
+      <p:bldP spid="21" grpId="0"/>
+      <p:bldP spid="22" grpId="0"/>
+      <p:bldP spid="23" grpId="0"/>
+      <p:bldP spid="26" grpId="0"/>
+      <p:bldP spid="27" grpId="0"/>
+      <p:bldP spid="28" grpId="0"/>
+      <p:bldP spid="29" grpId="0"/>
+      <p:bldP spid="30" grpId="0"/>
+    </p:bldLst>
+  </p:timing>
+</p:sld>
+</file>
+
+<file path=ppt/slides/slide13.xml><?xml version="1.0" encoding="utf-8"?>
+<p:sld xmlns:a="http://schemas.openxmlformats.org/drawingml/2006/main" xmlns:r="http://schemas.openxmlformats.org/officeDocument/2006/relationships" xmlns:p="http://schemas.openxmlformats.org/presentationml/2006/main">
+  <p:cSld>
+    <p:spTree>
+      <p:nvGrpSpPr>
+        <p:cNvPr id="1" name=""/>
+        <p:cNvGrpSpPr/>
+        <p:nvPr/>
+      </p:nvGrpSpPr>
+      <p:grpSpPr>
+        <a:xfrm>
+          <a:off x="0" y="0"/>
+          <a:ext cx="0" cy="0"/>
+          <a:chOff x="0" y="0"/>
+          <a:chExt cx="0" cy="0"/>
+        </a:xfrm>
+      </p:grpSpPr>
+      <p:sp>
+        <p:nvSpPr>
+          <p:cNvPr id="2" name="標題 1"/>
+          <p:cNvSpPr>
+            <a:spLocks noGrp="1"/>
+          </p:cNvSpPr>
+          <p:nvPr>
+            <p:ph type="title"/>
+          </p:nvPr>
+        </p:nvSpPr>
+        <p:spPr/>
+        <p:txBody>
+          <a:bodyPr/>
+          <a:lstStyle/>
+          <a:p>
+            <a:r>
+              <a:rPr lang="zh-TW" altLang="en-US" dirty="0" smtClean="0"/>
               <a:t>練習二參考</a:t>
             </a:r>
             <a:r>
@@ -7073,7 +8601,7 @@
 </p:sld>
 </file>
 
-<file path=ppt/slides/slide13.xml><?xml version="1.0" encoding="utf-8"?>
+<file path=ppt/slides/slide14.xml><?xml version="1.0" encoding="utf-8"?>
 <p:sld xmlns:a="http://schemas.openxmlformats.org/drawingml/2006/main" xmlns:r="http://schemas.openxmlformats.org/officeDocument/2006/relationships" xmlns:p="http://schemas.openxmlformats.org/presentationml/2006/main">
   <p:cSld>
     <p:spTree>
@@ -7160,7 +8688,7 @@
 </p:sld>
 </file>
 
-<file path=ppt/slides/slide14.xml><?xml version="1.0" encoding="utf-8"?>
+<file path=ppt/slides/slide15.xml><?xml version="1.0" encoding="utf-8"?>
 <p:sld xmlns:a="http://schemas.openxmlformats.org/drawingml/2006/main" xmlns:r="http://schemas.openxmlformats.org/officeDocument/2006/relationships" xmlns:p="http://schemas.openxmlformats.org/presentationml/2006/main">
   <p:cSld>
     <p:spTree>
@@ -7690,7 +9218,7 @@
 </p:sld>
 </file>
 
-<file path=ppt/slides/slide15.xml><?xml version="1.0" encoding="utf-8"?>
+<file path=ppt/slides/slide16.xml><?xml version="1.0" encoding="utf-8"?>
 <p:sld xmlns:a="http://schemas.openxmlformats.org/drawingml/2006/main" xmlns:r="http://schemas.openxmlformats.org/officeDocument/2006/relationships" xmlns:p="http://schemas.openxmlformats.org/presentationml/2006/main">
   <p:cSld>
     <p:spTree>
@@ -7821,127 +9349,6 @@
 </p:sld>
 </file>
 
-<file path=ppt/slides/slide16.xml><?xml version="1.0" encoding="utf-8"?>
-<p:sld xmlns:a="http://schemas.openxmlformats.org/drawingml/2006/main" xmlns:r="http://schemas.openxmlformats.org/officeDocument/2006/relationships" xmlns:p="http://schemas.openxmlformats.org/presentationml/2006/main">
-  <p:cSld>
-    <p:spTree>
-      <p:nvGrpSpPr>
-        <p:cNvPr id="1" name=""/>
-        <p:cNvGrpSpPr/>
-        <p:nvPr/>
-      </p:nvGrpSpPr>
-      <p:grpSpPr>
-        <a:xfrm>
-          <a:off x="0" y="0"/>
-          <a:ext cx="0" cy="0"/>
-          <a:chOff x="0" y="0"/>
-          <a:chExt cx="0" cy="0"/>
-        </a:xfrm>
-      </p:grpSpPr>
-      <p:sp>
-        <p:nvSpPr>
-          <p:cNvPr id="2" name="標題 1"/>
-          <p:cNvSpPr>
-            <a:spLocks noGrp="1"/>
-          </p:cNvSpPr>
-          <p:nvPr>
-            <p:ph type="title"/>
-          </p:nvPr>
-        </p:nvSpPr>
-        <p:spPr/>
-        <p:txBody>
-          <a:bodyPr/>
-          <a:lstStyle/>
-          <a:p>
-            <a:r>
-              <a:rPr lang="zh-TW" altLang="en-US" dirty="0" smtClean="0"/>
-              <a:t>小練習</a:t>
-            </a:r>
-            <a:r>
-              <a:rPr lang="en-US" altLang="zh-TW" dirty="0" smtClean="0"/>
-              <a:t/>
-            </a:r>
-            <a:br>
-              <a:rPr lang="en-US" altLang="zh-TW" dirty="0" smtClean="0"/>
-            </a:br>
-            <a:r>
-              <a:rPr lang="zh-TW" altLang="en-US" dirty="0"/>
-              <a:t>自己來喔</a:t>
-            </a:r>
-          </a:p>
-        </p:txBody>
-      </p:sp>
-      <p:sp>
-        <p:nvSpPr>
-          <p:cNvPr id="3" name="內容版面配置區 2"/>
-          <p:cNvSpPr>
-            <a:spLocks noGrp="1"/>
-          </p:cNvSpPr>
-          <p:nvPr>
-            <p:ph idx="1"/>
-          </p:nvPr>
-        </p:nvSpPr>
-        <p:spPr/>
-        <p:txBody>
-          <a:bodyPr/>
-          <a:lstStyle/>
-          <a:p>
-            <a:r>
-              <a:rPr lang="zh-TW" altLang="en-US" dirty="0" smtClean="0"/>
-              <a:t>輸入三角型三邊長，判斷是否可以形成三角形。</a:t>
-            </a:r>
-            <a:endParaRPr lang="en-US" altLang="zh-TW" dirty="0" smtClean="0"/>
-          </a:p>
-          <a:p>
-            <a:pPr lvl="1"/>
-            <a:r>
-              <a:rPr lang="zh-TW" altLang="en-US" dirty="0"/>
-              <a:t>進階：是不是正三角形</a:t>
-            </a:r>
-            <a:r>
-              <a:rPr lang="zh-TW" altLang="en-US" dirty="0" smtClean="0"/>
-              <a:t>？是不是直角三角形？是不是鈍</a:t>
-            </a:r>
-            <a:r>
-              <a:rPr lang="en-US" altLang="zh-TW" dirty="0" smtClean="0"/>
-              <a:t>(</a:t>
-            </a:r>
-            <a:r>
-              <a:rPr lang="zh-TW" altLang="en-US" dirty="0" smtClean="0"/>
-              <a:t>銳</a:t>
-            </a:r>
-            <a:r>
-              <a:rPr lang="en-US" altLang="zh-TW" dirty="0" smtClean="0"/>
-              <a:t>)</a:t>
-            </a:r>
-            <a:r>
-              <a:rPr lang="zh-TW" altLang="en-US" dirty="0" smtClean="0"/>
-              <a:t>角三角形？</a:t>
-            </a:r>
-            <a:endParaRPr lang="zh-TW" altLang="en-US" dirty="0"/>
-          </a:p>
-        </p:txBody>
-      </p:sp>
-    </p:spTree>
-    <p:extLst>
-      <p:ext uri="{BB962C8B-B14F-4D97-AF65-F5344CB8AC3E}">
-        <p14:creationId xmlns:p14="http://schemas.microsoft.com/office/powerpoint/2010/main" val="3258730567"/>
-      </p:ext>
-    </p:extLst>
-  </p:cSld>
-  <p:clrMapOvr>
-    <a:masterClrMapping/>
-  </p:clrMapOvr>
-  <p:timing>
-    <p:tnLst>
-      <p:par>
-        <p:cTn id="1" dur="indefinite" restart="never" nodeType="tmRoot"/>
-      </p:par>
-    </p:tnLst>
-  </p:timing>
-</p:sld>
-</file>
-
 <file path=ppt/slides/slide17.xml><?xml version="1.0" encoding="utf-8"?>
 <p:sld xmlns:a="http://schemas.openxmlformats.org/drawingml/2006/main" xmlns:r="http://schemas.openxmlformats.org/officeDocument/2006/relationships" xmlns:p="http://schemas.openxmlformats.org/presentationml/2006/main">
   <p:cSld>
@@ -7961,7 +9368,7 @@
       </p:grpSpPr>
       <p:sp>
         <p:nvSpPr>
-          <p:cNvPr id="4" name="標題 3"/>
+          <p:cNvPr id="2" name="標題 1"/>
           <p:cNvSpPr>
             <a:spLocks noGrp="1"/>
           </p:cNvSpPr>
@@ -7976,7 +9383,7 @@
           <a:p>
             <a:r>
               <a:rPr lang="zh-TW" altLang="en-US" dirty="0" smtClean="0"/>
-              <a:t>覺得每次測試都要重新執行煩嗎？</a:t>
+              <a:t>小練習</a:t>
             </a:r>
             <a:r>
               <a:rPr lang="en-US" altLang="zh-TW" dirty="0" smtClean="0"/>
@@ -7987,31 +9394,19 @@
             </a:br>
             <a:r>
               <a:rPr lang="zh-TW" altLang="en-US" dirty="0"/>
-              <a:t>來學個</a:t>
-            </a:r>
-            <a:r>
-              <a:rPr lang="zh-TW" altLang="en-US" dirty="0">
-                <a:solidFill>
-                  <a:srgbClr val="C00000"/>
-                </a:solidFill>
-              </a:rPr>
-              <a:t>永久迴圈</a:t>
-            </a:r>
-            <a:r>
-              <a:rPr lang="zh-TW" altLang="en-US" dirty="0"/>
-              <a:t>吧！</a:t>
-            </a:r>
-          </a:p>
-        </p:txBody>
-      </p:sp>
-      <p:sp>
-        <p:nvSpPr>
-          <p:cNvPr id="5" name="文字版面配置區 4"/>
+              <a:t>自己來喔</a:t>
+            </a:r>
+          </a:p>
+        </p:txBody>
+      </p:sp>
+      <p:sp>
+        <p:nvSpPr>
+          <p:cNvPr id="3" name="內容版面配置區 2"/>
           <p:cNvSpPr>
             <a:spLocks noGrp="1"/>
           </p:cNvSpPr>
           <p:nvPr>
-            <p:ph type="body" idx="1"/>
+            <p:ph idx="1"/>
           </p:nvPr>
         </p:nvSpPr>
         <p:spPr/>
@@ -8019,14 +9414,54 @@
           <a:bodyPr/>
           <a:lstStyle/>
           <a:p>
-            <a:endParaRPr lang="zh-TW" altLang="en-US"/>
+            <a:r>
+              <a:rPr lang="zh-TW" altLang="en-US" dirty="0" smtClean="0"/>
+              <a:t>輸入三角型三邊長，判斷是否可以形成三角形。</a:t>
+            </a:r>
+            <a:endParaRPr lang="en-US" altLang="zh-TW" dirty="0" smtClean="0"/>
+          </a:p>
+          <a:p>
+            <a:pPr lvl="1"/>
+            <a:r>
+              <a:rPr lang="zh-TW" altLang="en-US" dirty="0"/>
+              <a:t>進階：是不是正三角形</a:t>
+            </a:r>
+            <a:r>
+              <a:rPr lang="zh-TW" altLang="en-US" dirty="0" smtClean="0"/>
+              <a:t>？是不是直角三角形？是不是鈍</a:t>
+            </a:r>
+            <a:r>
+              <a:rPr lang="en-US" altLang="zh-TW" dirty="0" smtClean="0"/>
+              <a:t>(</a:t>
+            </a:r>
+            <a:r>
+              <a:rPr lang="zh-TW" altLang="en-US" dirty="0" smtClean="0"/>
+              <a:t>銳</a:t>
+            </a:r>
+            <a:r>
+              <a:rPr lang="en-US" altLang="zh-TW" dirty="0" smtClean="0"/>
+              <a:t>)</a:t>
+            </a:r>
+            <a:r>
+              <a:rPr lang="zh-TW" altLang="en-US" dirty="0" smtClean="0"/>
+              <a:t>角三角形</a:t>
+            </a:r>
+            <a:r>
+              <a:rPr lang="zh-TW" altLang="en-US" dirty="0" smtClean="0"/>
+              <a:t>？</a:t>
+            </a:r>
+            <a:endParaRPr lang="en-US" altLang="zh-TW" dirty="0" smtClean="0"/>
+          </a:p>
+          <a:p>
+            <a:pPr lvl="1"/>
+            <a:endParaRPr lang="en-US" altLang="zh-TW" dirty="0"/>
           </a:p>
         </p:txBody>
       </p:sp>
     </p:spTree>
     <p:extLst>
       <p:ext uri="{BB962C8B-B14F-4D97-AF65-F5344CB8AC3E}">
-        <p14:creationId xmlns:p14="http://schemas.microsoft.com/office/powerpoint/2010/main" val="2469663644"/>
+        <p14:creationId xmlns:p14="http://schemas.microsoft.com/office/powerpoint/2010/main" val="3258730567"/>
       </p:ext>
     </p:extLst>
   </p:cSld>
@@ -8076,21 +9511,43 @@
           <a:lstStyle/>
           <a:p>
             <a:r>
+              <a:rPr lang="zh-TW" altLang="en-US" dirty="0" smtClean="0"/>
+              <a:t>覺得每次測試都要重新執行煩嗎？</a:t>
+            </a:r>
+            <a:r>
               <a:rPr lang="en-US" altLang="zh-TW" dirty="0" smtClean="0"/>
-              <a:t>while(true){……..}</a:t>
-            </a:r>
-            <a:endParaRPr lang="zh-TW" altLang="en-US" dirty="0"/>
-          </a:p>
-        </p:txBody>
-      </p:sp>
-      <p:sp>
-        <p:nvSpPr>
-          <p:cNvPr id="5" name="內容版面配置區 4"/>
+              <a:t/>
+            </a:r>
+            <a:br>
+              <a:rPr lang="en-US" altLang="zh-TW" dirty="0" smtClean="0"/>
+            </a:br>
+            <a:r>
+              <a:rPr lang="zh-TW" altLang="en-US" dirty="0"/>
+              <a:t>來學個</a:t>
+            </a:r>
+            <a:r>
+              <a:rPr lang="zh-TW" altLang="en-US" dirty="0">
+                <a:solidFill>
+                  <a:srgbClr val="C00000"/>
+                </a:solidFill>
+              </a:rPr>
+              <a:t>永久迴圈</a:t>
+            </a:r>
+            <a:r>
+              <a:rPr lang="zh-TW" altLang="en-US" dirty="0"/>
+              <a:t>吧！</a:t>
+            </a:r>
+          </a:p>
+        </p:txBody>
+      </p:sp>
+      <p:sp>
+        <p:nvSpPr>
+          <p:cNvPr id="5" name="文字版面配置區 4"/>
           <p:cNvSpPr>
             <a:spLocks noGrp="1"/>
           </p:cNvSpPr>
           <p:nvPr>
-            <p:ph idx="1"/>
+            <p:ph type="body" idx="1"/>
           </p:nvPr>
         </p:nvSpPr>
         <p:spPr/>
@@ -8098,281 +9555,14 @@
           <a:bodyPr/>
           <a:lstStyle/>
           <a:p>
-            <a:r>
-              <a:rPr lang="zh-TW" altLang="en-US" dirty="0" smtClean="0"/>
-              <a:t>把剛剛的程式碼加工一下如右圖所示：</a:t>
-            </a:r>
-            <a:endParaRPr lang="en-US" altLang="zh-TW" dirty="0" smtClean="0"/>
-          </a:p>
-          <a:p>
-            <a:r>
-              <a:rPr lang="zh-TW" altLang="en-US" dirty="0" smtClean="0"/>
-              <a:t>執行畫面如下，可連續輸入了！</a:t>
-            </a:r>
-            <a:endParaRPr lang="zh-TW" altLang="en-US" dirty="0"/>
-          </a:p>
-        </p:txBody>
-      </p:sp>
-      <p:pic>
-        <p:nvPicPr>
-          <p:cNvPr id="6" name="圖片 5"/>
-          <p:cNvPicPr>
-            <a:picLocks noChangeAspect="1"/>
-          </p:cNvPicPr>
-          <p:nvPr/>
-        </p:nvPicPr>
-        <p:blipFill>
-          <a:blip r:embed="rId2"/>
-          <a:stretch>
-            <a:fillRect/>
-          </a:stretch>
-        </p:blipFill>
-        <p:spPr>
-          <a:xfrm>
-            <a:off x="5628132" y="1407160"/>
-            <a:ext cx="5308092" cy="5300286"/>
-          </a:xfrm>
-          <a:prstGeom prst="rect">
-            <a:avLst/>
-          </a:prstGeom>
-        </p:spPr>
-      </p:pic>
-      <p:sp>
-        <p:nvSpPr>
-          <p:cNvPr id="7" name="矩形 6"/>
-          <p:cNvSpPr/>
-          <p:nvPr/>
-        </p:nvSpPr>
-        <p:spPr>
-          <a:xfrm>
-            <a:off x="6558534" y="3210300"/>
-            <a:ext cx="2103120" cy="347472"/>
-          </a:xfrm>
-          <a:prstGeom prst="rect">
-            <a:avLst/>
-          </a:prstGeom>
-          <a:noFill/>
-          <a:ln>
-            <a:solidFill>
-              <a:srgbClr val="FF0000"/>
-            </a:solidFill>
-          </a:ln>
-        </p:spPr>
-        <p:style>
-          <a:lnRef idx="2">
-            <a:schemeClr val="accent1">
-              <a:shade val="50000"/>
-            </a:schemeClr>
-          </a:lnRef>
-          <a:fillRef idx="1">
-            <a:schemeClr val="accent1"/>
-          </a:fillRef>
-          <a:effectRef idx="0">
-            <a:schemeClr val="accent1"/>
-          </a:effectRef>
-          <a:fontRef idx="minor">
-            <a:schemeClr val="lt1"/>
-          </a:fontRef>
-        </p:style>
-        <p:txBody>
-          <a:bodyPr rtlCol="0" anchor="ctr"/>
-          <a:lstStyle/>
-          <a:p>
-            <a:pPr algn="ctr"/>
             <a:endParaRPr lang="zh-TW" altLang="en-US"/>
           </a:p>
         </p:txBody>
       </p:sp>
-      <p:sp>
-        <p:nvSpPr>
-          <p:cNvPr id="8" name="矩形 7"/>
-          <p:cNvSpPr/>
-          <p:nvPr/>
-        </p:nvSpPr>
-        <p:spPr>
-          <a:xfrm>
-            <a:off x="6558534" y="6022316"/>
-            <a:ext cx="557784" cy="347472"/>
-          </a:xfrm>
-          <a:prstGeom prst="rect">
-            <a:avLst/>
-          </a:prstGeom>
-          <a:noFill/>
-          <a:ln>
-            <a:solidFill>
-              <a:srgbClr val="FF0000"/>
-            </a:solidFill>
-          </a:ln>
-        </p:spPr>
-        <p:style>
-          <a:lnRef idx="2">
-            <a:schemeClr val="accent1">
-              <a:shade val="50000"/>
-            </a:schemeClr>
-          </a:lnRef>
-          <a:fillRef idx="1">
-            <a:schemeClr val="accent1"/>
-          </a:fillRef>
-          <a:effectRef idx="0">
-            <a:schemeClr val="accent1"/>
-          </a:effectRef>
-          <a:fontRef idx="minor">
-            <a:schemeClr val="lt1"/>
-          </a:fontRef>
-        </p:style>
-        <p:txBody>
-          <a:bodyPr rtlCol="0" anchor="ctr"/>
-          <a:lstStyle/>
-          <a:p>
-            <a:pPr algn="ctr"/>
-            <a:endParaRPr lang="zh-TW" altLang="en-US"/>
-          </a:p>
-        </p:txBody>
-      </p:sp>
-      <p:sp>
-        <p:nvSpPr>
-          <p:cNvPr id="9" name="向右箭號 8"/>
-          <p:cNvSpPr/>
-          <p:nvPr/>
-        </p:nvSpPr>
-        <p:spPr>
-          <a:xfrm>
-            <a:off x="6172962" y="4543052"/>
-            <a:ext cx="448056" cy="466344"/>
-          </a:xfrm>
-          <a:prstGeom prst="rightArrow">
-            <a:avLst/>
-          </a:prstGeom>
-        </p:spPr>
-        <p:style>
-          <a:lnRef idx="2">
-            <a:schemeClr val="accent1">
-              <a:shade val="50000"/>
-            </a:schemeClr>
-          </a:lnRef>
-          <a:fillRef idx="1">
-            <a:schemeClr val="accent1"/>
-          </a:fillRef>
-          <a:effectRef idx="0">
-            <a:schemeClr val="accent1"/>
-          </a:effectRef>
-          <a:fontRef idx="minor">
-            <a:schemeClr val="lt1"/>
-          </a:fontRef>
-        </p:style>
-        <p:txBody>
-          <a:bodyPr rtlCol="0" anchor="ctr"/>
-          <a:lstStyle/>
-          <a:p>
-            <a:pPr algn="ctr"/>
-            <a:endParaRPr lang="zh-TW" altLang="en-US"/>
-          </a:p>
-        </p:txBody>
-      </p:sp>
-      <p:sp>
-        <p:nvSpPr>
-          <p:cNvPr id="10" name="左大括弧 9"/>
-          <p:cNvSpPr/>
-          <p:nvPr/>
-        </p:nvSpPr>
-        <p:spPr>
-          <a:xfrm>
-            <a:off x="6697980" y="3538728"/>
-            <a:ext cx="278892" cy="2429378"/>
-          </a:xfrm>
-          <a:prstGeom prst="leftBrace">
-            <a:avLst/>
-          </a:prstGeom>
-        </p:spPr>
-        <p:style>
-          <a:lnRef idx="1">
-            <a:schemeClr val="accent1"/>
-          </a:lnRef>
-          <a:fillRef idx="0">
-            <a:schemeClr val="accent1"/>
-          </a:fillRef>
-          <a:effectRef idx="0">
-            <a:schemeClr val="accent1"/>
-          </a:effectRef>
-          <a:fontRef idx="minor">
-            <a:schemeClr val="tx1"/>
-          </a:fontRef>
-        </p:style>
-        <p:txBody>
-          <a:bodyPr rtlCol="0" anchor="ctr"/>
-          <a:lstStyle/>
-          <a:p>
-            <a:pPr algn="ctr"/>
-            <a:endParaRPr lang="zh-TW" altLang="en-US"/>
-          </a:p>
-        </p:txBody>
-      </p:sp>
-      <p:sp>
-        <p:nvSpPr>
-          <p:cNvPr id="11" name="文字方塊 10"/>
-          <p:cNvSpPr txBox="1"/>
-          <p:nvPr/>
-        </p:nvSpPr>
-        <p:spPr>
-          <a:xfrm>
-            <a:off x="5974687" y="4223220"/>
-            <a:ext cx="646331" cy="369332"/>
-          </a:xfrm>
-          <a:prstGeom prst="rect">
-            <a:avLst/>
-          </a:prstGeom>
-          <a:noFill/>
-        </p:spPr>
-        <p:txBody>
-          <a:bodyPr wrap="none" rtlCol="0">
-            <a:spAutoFit/>
-          </a:bodyPr>
-          <a:lstStyle/>
-          <a:p>
-            <a:r>
-              <a:rPr lang="zh-TW" altLang="en-US" dirty="0" smtClean="0">
-                <a:solidFill>
-                  <a:srgbClr val="92D050"/>
-                </a:solidFill>
-              </a:rPr>
-              <a:t>縮排</a:t>
-            </a:r>
-            <a:endParaRPr lang="zh-TW" altLang="en-US" dirty="0">
-              <a:solidFill>
-                <a:srgbClr val="92D050"/>
-              </a:solidFill>
-            </a:endParaRPr>
-          </a:p>
-        </p:txBody>
-      </p:sp>
-      <p:pic>
-        <p:nvPicPr>
-          <p:cNvPr id="12" name="圖片 11"/>
-          <p:cNvPicPr>
-            <a:picLocks noChangeAspect="1"/>
-          </p:cNvPicPr>
-          <p:nvPr/>
-        </p:nvPicPr>
-        <p:blipFill>
-          <a:blip r:embed="rId3"/>
-          <a:stretch>
-            <a:fillRect/>
-          </a:stretch>
-        </p:blipFill>
-        <p:spPr>
-          <a:xfrm>
-            <a:off x="799864" y="3557772"/>
-            <a:ext cx="4562475" cy="2933700"/>
-          </a:xfrm>
-          <a:prstGeom prst="rect">
-            <a:avLst/>
-          </a:prstGeom>
-        </p:spPr>
-      </p:pic>
     </p:spTree>
     <p:extLst>
       <p:ext uri="{BB962C8B-B14F-4D97-AF65-F5344CB8AC3E}">
-        <p14:creationId xmlns:p14="http://schemas.microsoft.com/office/powerpoint/2010/main" val="2962973419"/>
+        <p14:creationId xmlns:p14="http://schemas.microsoft.com/office/powerpoint/2010/main" val="2469663644"/>
       </p:ext>
     </p:extLst>
   </p:cSld>
@@ -8408,7 +9598,7 @@
       </p:grpSpPr>
       <p:sp>
         <p:nvSpPr>
-          <p:cNvPr id="2" name="標題 1"/>
+          <p:cNvPr id="4" name="標題 3"/>
           <p:cNvSpPr>
             <a:spLocks noGrp="1"/>
           </p:cNvSpPr>
@@ -8422,16 +9612,8 @@
           <a:lstStyle/>
           <a:p>
             <a:r>
-              <a:rPr lang="en-US" altLang="zh-TW" dirty="0"/>
-              <a:t>while(true</a:t>
-            </a:r>
-            <a:r>
               <a:rPr lang="en-US" altLang="zh-TW" dirty="0" smtClean="0"/>
-              <a:t>){……..}</a:t>
-            </a:r>
-            <a:r>
-              <a:rPr lang="zh-TW" altLang="en-US" dirty="0" smtClean="0"/>
-              <a:t>簡單解說</a:t>
+              <a:t>while(true){……..}</a:t>
             </a:r>
             <a:endParaRPr lang="zh-TW" altLang="en-US" dirty="0"/>
           </a:p>
@@ -8439,7 +9621,7 @@
       </p:sp>
       <p:sp>
         <p:nvSpPr>
-          <p:cNvPr id="3" name="內容版面配置區 2"/>
+          <p:cNvPr id="5" name="內容版面配置區 4"/>
           <p:cNvSpPr>
             <a:spLocks noGrp="1"/>
           </p:cNvSpPr>
@@ -8454,167 +9636,14 @@
           <a:p>
             <a:r>
               <a:rPr lang="zh-TW" altLang="en-US" dirty="0" smtClean="0"/>
-              <a:t>語法：</a:t>
+              <a:t>把剛剛的程式碼加工一下如右圖所示：</a:t>
             </a:r>
             <a:endParaRPr lang="en-US" altLang="zh-TW" dirty="0" smtClean="0"/>
           </a:p>
           <a:p>
-            <a:endParaRPr lang="en-US" altLang="zh-TW" dirty="0" smtClean="0"/>
-          </a:p>
-          <a:p>
-            <a:r>
-              <a:rPr lang="zh-TW" altLang="en-US" dirty="0"/>
-              <a:t>用口語</a:t>
-            </a:r>
-            <a:r>
-              <a:rPr lang="zh-TW" altLang="en-US" dirty="0" smtClean="0"/>
-              <a:t>講就是：當 </a:t>
-            </a:r>
-            <a:r>
-              <a:rPr lang="en-US" altLang="zh-TW" dirty="0" smtClean="0"/>
-              <a:t>(</a:t>
-            </a:r>
-            <a:r>
-              <a:rPr lang="zh-TW" altLang="en-US" dirty="0" smtClean="0"/>
-              <a:t>執行條件</a:t>
-            </a:r>
-            <a:r>
-              <a:rPr lang="en-US" altLang="zh-TW" dirty="0" smtClean="0"/>
-              <a:t>)</a:t>
-            </a:r>
-            <a:r>
-              <a:rPr lang="zh-TW" altLang="en-US" dirty="0" smtClean="0"/>
-              <a:t>成立時就做</a:t>
-            </a:r>
-            <a:r>
-              <a:rPr lang="en-US" altLang="zh-TW" dirty="0" smtClean="0"/>
-              <a:t>{….}</a:t>
-            </a:r>
-            <a:r>
-              <a:rPr lang="zh-TW" altLang="en-US" dirty="0" smtClean="0"/>
-              <a:t>內的事。</a:t>
-            </a:r>
-            <a:r>
-              <a:rPr lang="en-US" altLang="zh-TW" dirty="0" smtClean="0"/>
-              <a:t/>
-            </a:r>
-            <a:br>
-              <a:rPr lang="en-US" altLang="zh-TW" dirty="0" smtClean="0"/>
-            </a:br>
-            <a:r>
-              <a:rPr lang="zh-TW" altLang="en-US" dirty="0" smtClean="0"/>
-              <a:t>而且做完後再重頭檢查</a:t>
-            </a:r>
-            <a:r>
-              <a:rPr lang="en-US" altLang="zh-TW" dirty="0" smtClean="0"/>
-              <a:t>(</a:t>
-            </a:r>
-            <a:r>
-              <a:rPr lang="zh-TW" altLang="en-US" dirty="0"/>
-              <a:t>執行</a:t>
-            </a:r>
-            <a:r>
-              <a:rPr lang="zh-TW" altLang="en-US" dirty="0" smtClean="0"/>
-              <a:t>條件</a:t>
-            </a:r>
-            <a:r>
-              <a:rPr lang="en-US" altLang="zh-TW" dirty="0" smtClean="0"/>
-              <a:t>)</a:t>
-            </a:r>
-            <a:r>
-              <a:rPr lang="zh-TW" altLang="en-US" dirty="0" smtClean="0"/>
-              <a:t>是否成立</a:t>
-            </a:r>
-            <a:r>
-              <a:rPr lang="en-US" altLang="zh-TW" dirty="0" smtClean="0"/>
-              <a:t>……..</a:t>
-            </a:r>
-            <a:r>
-              <a:rPr lang="zh-TW" altLang="en-US" dirty="0" smtClean="0"/>
-              <a:t>以此類推。</a:t>
-            </a:r>
-            <a:endParaRPr lang="en-US" altLang="zh-TW" dirty="0" smtClean="0"/>
-          </a:p>
-          <a:p>
-            <a:r>
-              <a:rPr lang="zh-TW" altLang="en-US" dirty="0"/>
-              <a:t>所以程式會重複</a:t>
-            </a:r>
-            <a:r>
-              <a:rPr lang="zh-TW" altLang="en-US" dirty="0" smtClean="0"/>
-              <a:t>執行。</a:t>
-            </a:r>
-            <a:endParaRPr lang="en-US" altLang="zh-TW" dirty="0" smtClean="0"/>
-          </a:p>
-          <a:p>
-            <a:r>
-              <a:rPr lang="zh-TW" altLang="en-US" dirty="0" smtClean="0"/>
-              <a:t>當</a:t>
-            </a:r>
-            <a:r>
-              <a:rPr lang="en-US" altLang="zh-TW" dirty="0" smtClean="0"/>
-              <a:t>(</a:t>
-            </a:r>
-            <a:r>
-              <a:rPr lang="zh-TW" altLang="en-US" dirty="0"/>
-              <a:t>執行</a:t>
-            </a:r>
-            <a:r>
-              <a:rPr lang="zh-TW" altLang="en-US" dirty="0" smtClean="0"/>
-              <a:t>條件</a:t>
-            </a:r>
-            <a:r>
-              <a:rPr lang="en-US" altLang="zh-TW" dirty="0" smtClean="0"/>
-              <a:t>)</a:t>
-            </a:r>
-            <a:r>
-              <a:rPr lang="zh-TW" altLang="en-US" dirty="0" smtClean="0"/>
-              <a:t>寫成 </a:t>
-            </a:r>
-            <a:r>
-              <a:rPr lang="en-US" altLang="zh-TW" dirty="0" smtClean="0"/>
-              <a:t>(True)</a:t>
-            </a:r>
-            <a:r>
-              <a:rPr lang="zh-TW" altLang="en-US" dirty="0" smtClean="0"/>
-              <a:t>時，表示條件永遠成立！</a:t>
-            </a:r>
-            <a:endParaRPr lang="en-US" altLang="zh-TW" dirty="0" smtClean="0"/>
-          </a:p>
-          <a:p>
-            <a:r>
-              <a:rPr lang="zh-TW" altLang="en-US" dirty="0" smtClean="0"/>
-              <a:t>所以</a:t>
-            </a:r>
-            <a:r>
-              <a:rPr lang="en-US" altLang="zh-TW" dirty="0" smtClean="0"/>
-              <a:t>while</a:t>
-            </a:r>
-            <a:r>
-              <a:rPr lang="zh-TW" altLang="en-US" dirty="0" smtClean="0"/>
-              <a:t>的</a:t>
-            </a:r>
-            <a:r>
-              <a:rPr lang="en-US" altLang="zh-TW" dirty="0" smtClean="0"/>
-              <a:t>{…}</a:t>
-            </a:r>
-            <a:r>
-              <a:rPr lang="zh-TW" altLang="en-US" dirty="0" smtClean="0"/>
-              <a:t>內的事情會永遠無限制地重複！也就是程式不會停止！</a:t>
-            </a:r>
-            <a:endParaRPr lang="en-US" altLang="zh-TW" dirty="0" smtClean="0"/>
-          </a:p>
-          <a:p>
-            <a:endParaRPr lang="en-US" altLang="zh-TW" dirty="0"/>
-          </a:p>
-          <a:p>
-            <a:r>
-              <a:rPr lang="en-US" altLang="zh-TW" dirty="0" smtClean="0"/>
-              <a:t>While</a:t>
-            </a:r>
-            <a:r>
-              <a:rPr lang="zh-TW" altLang="en-US" dirty="0" smtClean="0"/>
-              <a:t>的詳細用法，後面單元再講解。</a:t>
+            <a:r>
+              <a:rPr lang="zh-TW" altLang="en-US" dirty="0" smtClean="0"/>
+              <a:t>執行畫面如下，可連續輸入了！</a:t>
             </a:r>
             <a:endParaRPr lang="zh-TW" altLang="en-US" dirty="0"/>
           </a:p>
@@ -8622,7 +9651,7 @@
       </p:sp>
       <p:pic>
         <p:nvPicPr>
-          <p:cNvPr id="5" name="圖片 4"/>
+          <p:cNvPr id="6" name="圖片 5"/>
           <p:cNvPicPr>
             <a:picLocks noChangeAspect="1"/>
           </p:cNvPicPr>
@@ -8636,8 +9665,240 @@
         </p:blipFill>
         <p:spPr>
           <a:xfrm>
-            <a:off x="1861756" y="2086737"/>
-            <a:ext cx="2543175" cy="819150"/>
+            <a:off x="5628132" y="1407160"/>
+            <a:ext cx="5308092" cy="5300286"/>
+          </a:xfrm>
+          <a:prstGeom prst="rect">
+            <a:avLst/>
+          </a:prstGeom>
+        </p:spPr>
+      </p:pic>
+      <p:sp>
+        <p:nvSpPr>
+          <p:cNvPr id="7" name="矩形 6"/>
+          <p:cNvSpPr/>
+          <p:nvPr/>
+        </p:nvSpPr>
+        <p:spPr>
+          <a:xfrm>
+            <a:off x="6558534" y="3210300"/>
+            <a:ext cx="2103120" cy="347472"/>
+          </a:xfrm>
+          <a:prstGeom prst="rect">
+            <a:avLst/>
+          </a:prstGeom>
+          <a:noFill/>
+          <a:ln>
+            <a:solidFill>
+              <a:srgbClr val="FF0000"/>
+            </a:solidFill>
+          </a:ln>
+        </p:spPr>
+        <p:style>
+          <a:lnRef idx="2">
+            <a:schemeClr val="accent1">
+              <a:shade val="50000"/>
+            </a:schemeClr>
+          </a:lnRef>
+          <a:fillRef idx="1">
+            <a:schemeClr val="accent1"/>
+          </a:fillRef>
+          <a:effectRef idx="0">
+            <a:schemeClr val="accent1"/>
+          </a:effectRef>
+          <a:fontRef idx="minor">
+            <a:schemeClr val="lt1"/>
+          </a:fontRef>
+        </p:style>
+        <p:txBody>
+          <a:bodyPr rtlCol="0" anchor="ctr"/>
+          <a:lstStyle/>
+          <a:p>
+            <a:pPr algn="ctr"/>
+            <a:endParaRPr lang="zh-TW" altLang="en-US"/>
+          </a:p>
+        </p:txBody>
+      </p:sp>
+      <p:sp>
+        <p:nvSpPr>
+          <p:cNvPr id="8" name="矩形 7"/>
+          <p:cNvSpPr/>
+          <p:nvPr/>
+        </p:nvSpPr>
+        <p:spPr>
+          <a:xfrm>
+            <a:off x="6558534" y="6022316"/>
+            <a:ext cx="557784" cy="347472"/>
+          </a:xfrm>
+          <a:prstGeom prst="rect">
+            <a:avLst/>
+          </a:prstGeom>
+          <a:noFill/>
+          <a:ln>
+            <a:solidFill>
+              <a:srgbClr val="FF0000"/>
+            </a:solidFill>
+          </a:ln>
+        </p:spPr>
+        <p:style>
+          <a:lnRef idx="2">
+            <a:schemeClr val="accent1">
+              <a:shade val="50000"/>
+            </a:schemeClr>
+          </a:lnRef>
+          <a:fillRef idx="1">
+            <a:schemeClr val="accent1"/>
+          </a:fillRef>
+          <a:effectRef idx="0">
+            <a:schemeClr val="accent1"/>
+          </a:effectRef>
+          <a:fontRef idx="minor">
+            <a:schemeClr val="lt1"/>
+          </a:fontRef>
+        </p:style>
+        <p:txBody>
+          <a:bodyPr rtlCol="0" anchor="ctr"/>
+          <a:lstStyle/>
+          <a:p>
+            <a:pPr algn="ctr"/>
+            <a:endParaRPr lang="zh-TW" altLang="en-US"/>
+          </a:p>
+        </p:txBody>
+      </p:sp>
+      <p:sp>
+        <p:nvSpPr>
+          <p:cNvPr id="9" name="向右箭號 8"/>
+          <p:cNvSpPr/>
+          <p:nvPr/>
+        </p:nvSpPr>
+        <p:spPr>
+          <a:xfrm>
+            <a:off x="6172962" y="4543052"/>
+            <a:ext cx="448056" cy="466344"/>
+          </a:xfrm>
+          <a:prstGeom prst="rightArrow">
+            <a:avLst/>
+          </a:prstGeom>
+        </p:spPr>
+        <p:style>
+          <a:lnRef idx="2">
+            <a:schemeClr val="accent1">
+              <a:shade val="50000"/>
+            </a:schemeClr>
+          </a:lnRef>
+          <a:fillRef idx="1">
+            <a:schemeClr val="accent1"/>
+          </a:fillRef>
+          <a:effectRef idx="0">
+            <a:schemeClr val="accent1"/>
+          </a:effectRef>
+          <a:fontRef idx="minor">
+            <a:schemeClr val="lt1"/>
+          </a:fontRef>
+        </p:style>
+        <p:txBody>
+          <a:bodyPr rtlCol="0" anchor="ctr"/>
+          <a:lstStyle/>
+          <a:p>
+            <a:pPr algn="ctr"/>
+            <a:endParaRPr lang="zh-TW" altLang="en-US"/>
+          </a:p>
+        </p:txBody>
+      </p:sp>
+      <p:sp>
+        <p:nvSpPr>
+          <p:cNvPr id="10" name="左大括弧 9"/>
+          <p:cNvSpPr/>
+          <p:nvPr/>
+        </p:nvSpPr>
+        <p:spPr>
+          <a:xfrm>
+            <a:off x="6697980" y="3538728"/>
+            <a:ext cx="278892" cy="2429378"/>
+          </a:xfrm>
+          <a:prstGeom prst="leftBrace">
+            <a:avLst/>
+          </a:prstGeom>
+        </p:spPr>
+        <p:style>
+          <a:lnRef idx="1">
+            <a:schemeClr val="accent1"/>
+          </a:lnRef>
+          <a:fillRef idx="0">
+            <a:schemeClr val="accent1"/>
+          </a:fillRef>
+          <a:effectRef idx="0">
+            <a:schemeClr val="accent1"/>
+          </a:effectRef>
+          <a:fontRef idx="minor">
+            <a:schemeClr val="tx1"/>
+          </a:fontRef>
+        </p:style>
+        <p:txBody>
+          <a:bodyPr rtlCol="0" anchor="ctr"/>
+          <a:lstStyle/>
+          <a:p>
+            <a:pPr algn="ctr"/>
+            <a:endParaRPr lang="zh-TW" altLang="en-US"/>
+          </a:p>
+        </p:txBody>
+      </p:sp>
+      <p:sp>
+        <p:nvSpPr>
+          <p:cNvPr id="11" name="文字方塊 10"/>
+          <p:cNvSpPr txBox="1"/>
+          <p:nvPr/>
+        </p:nvSpPr>
+        <p:spPr>
+          <a:xfrm>
+            <a:off x="5974687" y="4223220"/>
+            <a:ext cx="646331" cy="369332"/>
+          </a:xfrm>
+          <a:prstGeom prst="rect">
+            <a:avLst/>
+          </a:prstGeom>
+          <a:noFill/>
+        </p:spPr>
+        <p:txBody>
+          <a:bodyPr wrap="none" rtlCol="0">
+            <a:spAutoFit/>
+          </a:bodyPr>
+          <a:lstStyle/>
+          <a:p>
+            <a:r>
+              <a:rPr lang="zh-TW" altLang="en-US" dirty="0" smtClean="0">
+                <a:solidFill>
+                  <a:srgbClr val="92D050"/>
+                </a:solidFill>
+              </a:rPr>
+              <a:t>縮排</a:t>
+            </a:r>
+            <a:endParaRPr lang="zh-TW" altLang="en-US" dirty="0">
+              <a:solidFill>
+                <a:srgbClr val="92D050"/>
+              </a:solidFill>
+            </a:endParaRPr>
+          </a:p>
+        </p:txBody>
+      </p:sp>
+      <p:pic>
+        <p:nvPicPr>
+          <p:cNvPr id="12" name="圖片 11"/>
+          <p:cNvPicPr>
+            <a:picLocks noChangeAspect="1"/>
+          </p:cNvPicPr>
+          <p:nvPr/>
+        </p:nvPicPr>
+        <p:blipFill>
+          <a:blip r:embed="rId3"/>
+          <a:stretch>
+            <a:fillRect/>
+          </a:stretch>
+        </p:blipFill>
+        <p:spPr>
+          <a:xfrm>
+            <a:off x="799864" y="3557772"/>
+            <a:ext cx="4562475" cy="2933700"/>
           </a:xfrm>
           <a:prstGeom prst="rect">
             <a:avLst/>
@@ -8647,7 +9908,7 @@
     </p:spTree>
     <p:extLst>
       <p:ext uri="{BB962C8B-B14F-4D97-AF65-F5344CB8AC3E}">
-        <p14:creationId xmlns:p14="http://schemas.microsoft.com/office/powerpoint/2010/main" val="2453313630"/>
+        <p14:creationId xmlns:p14="http://schemas.microsoft.com/office/powerpoint/2010/main" val="2962973419"/>
       </p:ext>
     </p:extLst>
   </p:cSld>
@@ -10313,6 +11574,281 @@
           <a:lstStyle/>
           <a:p>
             <a:r>
+              <a:rPr lang="en-US" altLang="zh-TW" dirty="0"/>
+              <a:t>while(true</a:t>
+            </a:r>
+            <a:r>
+              <a:rPr lang="en-US" altLang="zh-TW" dirty="0" smtClean="0"/>
+              <a:t>){……..}</a:t>
+            </a:r>
+            <a:r>
+              <a:rPr lang="zh-TW" altLang="en-US" dirty="0" smtClean="0"/>
+              <a:t>簡單解說</a:t>
+            </a:r>
+            <a:endParaRPr lang="zh-TW" altLang="en-US" dirty="0"/>
+          </a:p>
+        </p:txBody>
+      </p:sp>
+      <p:sp>
+        <p:nvSpPr>
+          <p:cNvPr id="3" name="內容版面配置區 2"/>
+          <p:cNvSpPr>
+            <a:spLocks noGrp="1"/>
+          </p:cNvSpPr>
+          <p:nvPr>
+            <p:ph idx="1"/>
+          </p:nvPr>
+        </p:nvSpPr>
+        <p:spPr/>
+        <p:txBody>
+          <a:bodyPr/>
+          <a:lstStyle/>
+          <a:p>
+            <a:r>
+              <a:rPr lang="zh-TW" altLang="en-US" dirty="0" smtClean="0"/>
+              <a:t>語法：</a:t>
+            </a:r>
+            <a:endParaRPr lang="en-US" altLang="zh-TW" dirty="0" smtClean="0"/>
+          </a:p>
+          <a:p>
+            <a:endParaRPr lang="en-US" altLang="zh-TW" dirty="0" smtClean="0"/>
+          </a:p>
+          <a:p>
+            <a:r>
+              <a:rPr lang="zh-TW" altLang="en-US" dirty="0"/>
+              <a:t>用口語</a:t>
+            </a:r>
+            <a:r>
+              <a:rPr lang="zh-TW" altLang="en-US" dirty="0" smtClean="0"/>
+              <a:t>講就是：當 </a:t>
+            </a:r>
+            <a:r>
+              <a:rPr lang="en-US" altLang="zh-TW" dirty="0" smtClean="0"/>
+              <a:t>(</a:t>
+            </a:r>
+            <a:r>
+              <a:rPr lang="zh-TW" altLang="en-US" dirty="0" smtClean="0"/>
+              <a:t>執行條件</a:t>
+            </a:r>
+            <a:r>
+              <a:rPr lang="en-US" altLang="zh-TW" dirty="0" smtClean="0"/>
+              <a:t>)</a:t>
+            </a:r>
+            <a:r>
+              <a:rPr lang="zh-TW" altLang="en-US" dirty="0" smtClean="0"/>
+              <a:t>成立時就做</a:t>
+            </a:r>
+            <a:r>
+              <a:rPr lang="en-US" altLang="zh-TW" dirty="0" smtClean="0"/>
+              <a:t>{….}</a:t>
+            </a:r>
+            <a:r>
+              <a:rPr lang="zh-TW" altLang="en-US" dirty="0" smtClean="0"/>
+              <a:t>內的事。</a:t>
+            </a:r>
+            <a:r>
+              <a:rPr lang="en-US" altLang="zh-TW" dirty="0" smtClean="0"/>
+              <a:t/>
+            </a:r>
+            <a:br>
+              <a:rPr lang="en-US" altLang="zh-TW" dirty="0" smtClean="0"/>
+            </a:br>
+            <a:r>
+              <a:rPr lang="zh-TW" altLang="en-US" dirty="0" smtClean="0"/>
+              <a:t>而且做完後再重頭檢查</a:t>
+            </a:r>
+            <a:r>
+              <a:rPr lang="en-US" altLang="zh-TW" dirty="0" smtClean="0"/>
+              <a:t>(</a:t>
+            </a:r>
+            <a:r>
+              <a:rPr lang="zh-TW" altLang="en-US" dirty="0"/>
+              <a:t>執行</a:t>
+            </a:r>
+            <a:r>
+              <a:rPr lang="zh-TW" altLang="en-US" dirty="0" smtClean="0"/>
+              <a:t>條件</a:t>
+            </a:r>
+            <a:r>
+              <a:rPr lang="en-US" altLang="zh-TW" dirty="0" smtClean="0"/>
+              <a:t>)</a:t>
+            </a:r>
+            <a:r>
+              <a:rPr lang="zh-TW" altLang="en-US" dirty="0" smtClean="0"/>
+              <a:t>是否成立</a:t>
+            </a:r>
+            <a:r>
+              <a:rPr lang="en-US" altLang="zh-TW" dirty="0" smtClean="0"/>
+              <a:t>……..</a:t>
+            </a:r>
+            <a:r>
+              <a:rPr lang="zh-TW" altLang="en-US" dirty="0" smtClean="0"/>
+              <a:t>以此類推。</a:t>
+            </a:r>
+            <a:endParaRPr lang="en-US" altLang="zh-TW" dirty="0" smtClean="0"/>
+          </a:p>
+          <a:p>
+            <a:r>
+              <a:rPr lang="zh-TW" altLang="en-US" dirty="0"/>
+              <a:t>所以程式會重複</a:t>
+            </a:r>
+            <a:r>
+              <a:rPr lang="zh-TW" altLang="en-US" dirty="0" smtClean="0"/>
+              <a:t>執行。</a:t>
+            </a:r>
+            <a:endParaRPr lang="en-US" altLang="zh-TW" dirty="0" smtClean="0"/>
+          </a:p>
+          <a:p>
+            <a:r>
+              <a:rPr lang="zh-TW" altLang="en-US" dirty="0" smtClean="0"/>
+              <a:t>當</a:t>
+            </a:r>
+            <a:r>
+              <a:rPr lang="en-US" altLang="zh-TW" dirty="0" smtClean="0"/>
+              <a:t>(</a:t>
+            </a:r>
+            <a:r>
+              <a:rPr lang="zh-TW" altLang="en-US" dirty="0"/>
+              <a:t>執行</a:t>
+            </a:r>
+            <a:r>
+              <a:rPr lang="zh-TW" altLang="en-US" dirty="0" smtClean="0"/>
+              <a:t>條件</a:t>
+            </a:r>
+            <a:r>
+              <a:rPr lang="en-US" altLang="zh-TW" dirty="0" smtClean="0"/>
+              <a:t>)</a:t>
+            </a:r>
+            <a:r>
+              <a:rPr lang="zh-TW" altLang="en-US" dirty="0" smtClean="0"/>
+              <a:t>寫成 </a:t>
+            </a:r>
+            <a:r>
+              <a:rPr lang="en-US" altLang="zh-TW" dirty="0" smtClean="0"/>
+              <a:t>(True)</a:t>
+            </a:r>
+            <a:r>
+              <a:rPr lang="zh-TW" altLang="en-US" dirty="0" smtClean="0"/>
+              <a:t>時，表示條件永遠成立！</a:t>
+            </a:r>
+            <a:endParaRPr lang="en-US" altLang="zh-TW" dirty="0" smtClean="0"/>
+          </a:p>
+          <a:p>
+            <a:r>
+              <a:rPr lang="zh-TW" altLang="en-US" dirty="0" smtClean="0"/>
+              <a:t>所以</a:t>
+            </a:r>
+            <a:r>
+              <a:rPr lang="en-US" altLang="zh-TW" dirty="0" smtClean="0"/>
+              <a:t>while</a:t>
+            </a:r>
+            <a:r>
+              <a:rPr lang="zh-TW" altLang="en-US" dirty="0" smtClean="0"/>
+              <a:t>的</a:t>
+            </a:r>
+            <a:r>
+              <a:rPr lang="en-US" altLang="zh-TW" dirty="0" smtClean="0"/>
+              <a:t>{…}</a:t>
+            </a:r>
+            <a:r>
+              <a:rPr lang="zh-TW" altLang="en-US" dirty="0" smtClean="0"/>
+              <a:t>內的事情會永遠無限制地重複！也就是程式不會停止！</a:t>
+            </a:r>
+            <a:endParaRPr lang="en-US" altLang="zh-TW" dirty="0" smtClean="0"/>
+          </a:p>
+          <a:p>
+            <a:endParaRPr lang="en-US" altLang="zh-TW" dirty="0"/>
+          </a:p>
+          <a:p>
+            <a:r>
+              <a:rPr lang="en-US" altLang="zh-TW" dirty="0" smtClean="0"/>
+              <a:t>While</a:t>
+            </a:r>
+            <a:r>
+              <a:rPr lang="zh-TW" altLang="en-US" dirty="0" smtClean="0"/>
+              <a:t>的詳細用法，後面單元再講解。</a:t>
+            </a:r>
+            <a:endParaRPr lang="zh-TW" altLang="en-US" dirty="0"/>
+          </a:p>
+        </p:txBody>
+      </p:sp>
+      <p:pic>
+        <p:nvPicPr>
+          <p:cNvPr id="5" name="圖片 4"/>
+          <p:cNvPicPr>
+            <a:picLocks noChangeAspect="1"/>
+          </p:cNvPicPr>
+          <p:nvPr/>
+        </p:nvPicPr>
+        <p:blipFill>
+          <a:blip r:embed="rId2"/>
+          <a:stretch>
+            <a:fillRect/>
+          </a:stretch>
+        </p:blipFill>
+        <p:spPr>
+          <a:xfrm>
+            <a:off x="1861756" y="2086737"/>
+            <a:ext cx="2543175" cy="819150"/>
+          </a:xfrm>
+          <a:prstGeom prst="rect">
+            <a:avLst/>
+          </a:prstGeom>
+        </p:spPr>
+      </p:pic>
+    </p:spTree>
+    <p:extLst>
+      <p:ext uri="{BB962C8B-B14F-4D97-AF65-F5344CB8AC3E}">
+        <p14:creationId xmlns:p14="http://schemas.microsoft.com/office/powerpoint/2010/main" val="2453313630"/>
+      </p:ext>
+    </p:extLst>
+  </p:cSld>
+  <p:clrMapOvr>
+    <a:masterClrMapping/>
+  </p:clrMapOvr>
+  <p:timing>
+    <p:tnLst>
+      <p:par>
+        <p:cTn id="1" dur="indefinite" restart="never" nodeType="tmRoot"/>
+      </p:par>
+    </p:tnLst>
+  </p:timing>
+</p:sld>
+</file>
+
+<file path=ppt/slides/slide21.xml><?xml version="1.0" encoding="utf-8"?>
+<p:sld xmlns:a="http://schemas.openxmlformats.org/drawingml/2006/main" xmlns:r="http://schemas.openxmlformats.org/officeDocument/2006/relationships" xmlns:p="http://schemas.openxmlformats.org/presentationml/2006/main">
+  <p:cSld>
+    <p:spTree>
+      <p:nvGrpSpPr>
+        <p:cNvPr id="1" name=""/>
+        <p:cNvGrpSpPr/>
+        <p:nvPr/>
+      </p:nvGrpSpPr>
+      <p:grpSpPr>
+        <a:xfrm>
+          <a:off x="0" y="0"/>
+          <a:ext cx="0" cy="0"/>
+          <a:chOff x="0" y="0"/>
+          <a:chExt cx="0" cy="0"/>
+        </a:xfrm>
+      </p:grpSpPr>
+      <p:sp>
+        <p:nvSpPr>
+          <p:cNvPr id="2" name="標題 1"/>
+          <p:cNvSpPr>
+            <a:spLocks noGrp="1"/>
+          </p:cNvSpPr>
+          <p:nvPr>
+            <p:ph type="title"/>
+          </p:nvPr>
+        </p:nvSpPr>
+        <p:spPr/>
+        <p:txBody>
+          <a:bodyPr/>
+          <a:lstStyle/>
+          <a:p>
+            <a:r>
               <a:rPr lang="zh-TW" altLang="en-US" dirty="0" smtClean="0"/>
               <a:t>練習三</a:t>
             </a:r>
@@ -10830,7 +12366,7 @@
 </p:sld>
 </file>
 
-<file path=ppt/slides/slide21.xml><?xml version="1.0" encoding="utf-8"?>
+<file path=ppt/slides/slide22.xml><?xml version="1.0" encoding="utf-8"?>
 <p:sld xmlns:a="http://schemas.openxmlformats.org/drawingml/2006/main" xmlns:r="http://schemas.openxmlformats.org/officeDocument/2006/relationships" xmlns:p="http://schemas.openxmlformats.org/presentationml/2006/main">
   <p:cSld>
     <p:spTree>
@@ -10917,7 +12453,7 @@
 </p:sld>
 </file>
 
-<file path=ppt/slides/slide22.xml><?xml version="1.0" encoding="utf-8"?>
+<file path=ppt/slides/slide23.xml><?xml version="1.0" encoding="utf-8"?>
 <p:sld xmlns:a="http://schemas.openxmlformats.org/drawingml/2006/main" xmlns:r="http://schemas.openxmlformats.org/officeDocument/2006/relationships" xmlns:p="http://schemas.openxmlformats.org/presentationml/2006/main">
   <p:cSld>
     <p:spTree>
@@ -11196,7 +12732,7 @@
 </p:sld>
 </file>
 
-<file path=ppt/slides/slide23.xml><?xml version="1.0" encoding="utf-8"?>
+<file path=ppt/slides/slide24.xml><?xml version="1.0" encoding="utf-8"?>
 <p:sld xmlns:a="http://schemas.openxmlformats.org/drawingml/2006/main" xmlns:r="http://schemas.openxmlformats.org/officeDocument/2006/relationships" xmlns:p="http://schemas.openxmlformats.org/presentationml/2006/main">
   <p:cSld>
     <p:spTree>
@@ -11859,7 +13395,7 @@
 </p:sld>
 </file>
 
-<file path=ppt/slides/slide24.xml><?xml version="1.0" encoding="utf-8"?>
+<file path=ppt/slides/slide25.xml><?xml version="1.0" encoding="utf-8"?>
 <p:sld xmlns:a="http://schemas.openxmlformats.org/drawingml/2006/main" xmlns:r="http://schemas.openxmlformats.org/officeDocument/2006/relationships" xmlns:p="http://schemas.openxmlformats.org/presentationml/2006/main">
   <p:cSld>
     <p:spTree>
@@ -11985,7 +13521,7 @@
 </p:sld>
 </file>
 
-<file path=ppt/slides/slide25.xml><?xml version="1.0" encoding="utf-8"?>
+<file path=ppt/slides/slide26.xml><?xml version="1.0" encoding="utf-8"?>
 <p:sld xmlns:a="http://schemas.openxmlformats.org/drawingml/2006/main" xmlns:r="http://schemas.openxmlformats.org/officeDocument/2006/relationships" xmlns:p="http://schemas.openxmlformats.org/presentationml/2006/main">
   <p:cSld>
     <p:spTree>
@@ -12569,7 +14105,7 @@
 </p:sld>
 </file>
 
-<file path=ppt/slides/slide26.xml><?xml version="1.0" encoding="utf-8"?>
+<file path=ppt/slides/slide27.xml><?xml version="1.0" encoding="utf-8"?>
 <p:sld xmlns:a="http://schemas.openxmlformats.org/drawingml/2006/main" xmlns:r="http://schemas.openxmlformats.org/officeDocument/2006/relationships" xmlns:p="http://schemas.openxmlformats.org/presentationml/2006/main">
   <p:cSld>
     <p:spTree>
@@ -12716,7 +14252,7 @@
 </p:sld>
 </file>
 
-<file path=ppt/slides/slide27.xml><?xml version="1.0" encoding="utf-8"?>
+<file path=ppt/slides/slide28.xml><?xml version="1.0" encoding="utf-8"?>
 <p:sld xmlns:a="http://schemas.openxmlformats.org/drawingml/2006/main" xmlns:r="http://schemas.openxmlformats.org/officeDocument/2006/relationships" xmlns:p="http://schemas.openxmlformats.org/presentationml/2006/main">
   <p:cSld>
     <p:spTree>

--- a/LCC/Java/04_流程控制(分支).pptx
+++ b/LCC/Java/04_流程控制(分支).pptx
@@ -11,28 +11,30 @@
     <p:sldId id="283" r:id="rId5"/>
     <p:sldId id="258" r:id="rId6"/>
     <p:sldId id="259" r:id="rId7"/>
-    <p:sldId id="278" r:id="rId8"/>
-    <p:sldId id="262" r:id="rId9"/>
-    <p:sldId id="263" r:id="rId10"/>
-    <p:sldId id="264" r:id="rId11"/>
-    <p:sldId id="260" r:id="rId12"/>
-    <p:sldId id="284" r:id="rId13"/>
-    <p:sldId id="261" r:id="rId14"/>
-    <p:sldId id="266" r:id="rId15"/>
-    <p:sldId id="267" r:id="rId16"/>
-    <p:sldId id="268" r:id="rId17"/>
-    <p:sldId id="279" r:id="rId18"/>
-    <p:sldId id="269" r:id="rId19"/>
-    <p:sldId id="270" r:id="rId20"/>
-    <p:sldId id="271" r:id="rId21"/>
-    <p:sldId id="277" r:id="rId22"/>
-    <p:sldId id="272" r:id="rId23"/>
-    <p:sldId id="273" r:id="rId24"/>
-    <p:sldId id="274" r:id="rId25"/>
-    <p:sldId id="275" r:id="rId26"/>
-    <p:sldId id="276" r:id="rId27"/>
-    <p:sldId id="280" r:id="rId28"/>
-    <p:sldId id="282" r:id="rId29"/>
+    <p:sldId id="262" r:id="rId8"/>
+    <p:sldId id="263" r:id="rId9"/>
+    <p:sldId id="264" r:id="rId10"/>
+    <p:sldId id="260" r:id="rId11"/>
+    <p:sldId id="284" r:id="rId12"/>
+    <p:sldId id="261" r:id="rId13"/>
+    <p:sldId id="278" r:id="rId14"/>
+    <p:sldId id="286" r:id="rId15"/>
+    <p:sldId id="266" r:id="rId16"/>
+    <p:sldId id="267" r:id="rId17"/>
+    <p:sldId id="285" r:id="rId18"/>
+    <p:sldId id="268" r:id="rId19"/>
+    <p:sldId id="279" r:id="rId20"/>
+    <p:sldId id="269" r:id="rId21"/>
+    <p:sldId id="270" r:id="rId22"/>
+    <p:sldId id="271" r:id="rId23"/>
+    <p:sldId id="277" r:id="rId24"/>
+    <p:sldId id="272" r:id="rId25"/>
+    <p:sldId id="273" r:id="rId26"/>
+    <p:sldId id="274" r:id="rId27"/>
+    <p:sldId id="275" r:id="rId28"/>
+    <p:sldId id="276" r:id="rId29"/>
+    <p:sldId id="280" r:id="rId30"/>
+    <p:sldId id="282" r:id="rId31"/>
   </p:sldIdLst>
   <p:sldSz cx="12192000" cy="6858000"/>
   <p:notesSz cx="6858000" cy="9144000"/>
@@ -873,7 +875,7 @@
             <a:fld id="{B61BEF0D-F0BB-DE4B-95CE-6DB70DBA9567}" type="datetimeFigureOut">
               <a:rPr lang="en-US" dirty="0"/>
               <a:pPr/>
-              <a:t>7/12/2022</a:t>
+              <a:t>4/26/2024</a:t>
             </a:fld>
             <a:endParaRPr lang="en-US" dirty="0"/>
           </a:p>
@@ -1121,7 +1123,7 @@
             <a:fld id="{B61BEF0D-F0BB-DE4B-95CE-6DB70DBA9567}" type="datetimeFigureOut">
               <a:rPr lang="en-US" dirty="0"/>
               <a:pPr/>
-              <a:t>7/12/2022</a:t>
+              <a:t>4/26/2024</a:t>
             </a:fld>
             <a:endParaRPr lang="en-US" dirty="0"/>
           </a:p>
@@ -1432,7 +1434,7 @@
             <a:fld id="{B61BEF0D-F0BB-DE4B-95CE-6DB70DBA9567}" type="datetimeFigureOut">
               <a:rPr lang="en-US" dirty="0"/>
               <a:pPr/>
-              <a:t>7/12/2022</a:t>
+              <a:t>4/26/2024</a:t>
             </a:fld>
             <a:endParaRPr lang="en-US" dirty="0"/>
           </a:p>
@@ -1770,7 +1772,7 @@
             <a:fld id="{B61BEF0D-F0BB-DE4B-95CE-6DB70DBA9567}" type="datetimeFigureOut">
               <a:rPr lang="en-US" dirty="0"/>
               <a:pPr/>
-              <a:t>7/12/2022</a:t>
+              <a:t>4/26/2024</a:t>
             </a:fld>
             <a:endParaRPr lang="en-US" dirty="0"/>
           </a:p>
@@ -2081,7 +2083,7 @@
             <a:fld id="{B61BEF0D-F0BB-DE4B-95CE-6DB70DBA9567}" type="datetimeFigureOut">
               <a:rPr lang="en-US" dirty="0"/>
               <a:pPr/>
-              <a:t>7/12/2022</a:t>
+              <a:t>4/26/2024</a:t>
             </a:fld>
             <a:endParaRPr lang="en-US" dirty="0"/>
           </a:p>
@@ -2471,7 +2473,7 @@
             <a:fld id="{B61BEF0D-F0BB-DE4B-95CE-6DB70DBA9567}" type="datetimeFigureOut">
               <a:rPr lang="en-US" dirty="0"/>
               <a:pPr/>
-              <a:t>7/12/2022</a:t>
+              <a:t>4/26/2024</a:t>
             </a:fld>
             <a:endParaRPr lang="en-US" dirty="0"/>
           </a:p>
@@ -2637,7 +2639,7 @@
           <a:p>
             <a:fld id="{55C6B4A9-1611-4792-9094-5F34BCA07E0B}" type="datetimeFigureOut">
               <a:rPr lang="en-US" dirty="0"/>
-              <a:t>7/12/2022</a:t>
+              <a:t>4/26/2024</a:t>
             </a:fld>
             <a:endParaRPr lang="en-US" dirty="0"/>
           </a:p>
@@ -2813,7 +2815,7 @@
             <a:fld id="{B61BEF0D-F0BB-DE4B-95CE-6DB70DBA9567}" type="datetimeFigureOut">
               <a:rPr lang="en-US" dirty="0"/>
               <a:pPr/>
-              <a:t>7/12/2022</a:t>
+              <a:t>4/26/2024</a:t>
             </a:fld>
             <a:endParaRPr lang="en-US" dirty="0"/>
           </a:p>
@@ -2994,7 +2996,7 @@
             <a:fld id="{B61BEF0D-F0BB-DE4B-95CE-6DB70DBA9567}" type="datetimeFigureOut">
               <a:rPr lang="en-US" dirty="0"/>
               <a:pPr/>
-              <a:t>7/12/2022</a:t>
+              <a:t>4/26/2024</a:t>
             </a:fld>
             <a:endParaRPr lang="en-US" dirty="0"/>
           </a:p>
@@ -3238,7 +3240,7 @@
             <a:fld id="{B61BEF0D-F0BB-DE4B-95CE-6DB70DBA9567}" type="datetimeFigureOut">
               <a:rPr lang="en-US" dirty="0"/>
               <a:pPr/>
-              <a:t>7/12/2022</a:t>
+              <a:t>4/26/2024</a:t>
             </a:fld>
             <a:endParaRPr lang="en-US" dirty="0"/>
           </a:p>
@@ -3466,7 +3468,7 @@
           <a:p>
             <a:fld id="{EB712588-04B1-427B-82EE-E8DB90309F08}" type="datetimeFigureOut">
               <a:rPr lang="en-US" dirty="0"/>
-              <a:t>7/12/2022</a:t>
+              <a:t>4/26/2024</a:t>
             </a:fld>
             <a:endParaRPr lang="en-US" dirty="0"/>
           </a:p>
@@ -3836,7 +3838,7 @@
             <a:fld id="{B61BEF0D-F0BB-DE4B-95CE-6DB70DBA9567}" type="datetimeFigureOut">
               <a:rPr lang="en-US" dirty="0"/>
               <a:pPr/>
-              <a:t>7/12/2022</a:t>
+              <a:t>4/26/2024</a:t>
             </a:fld>
             <a:endParaRPr lang="en-US" dirty="0"/>
           </a:p>
@@ -3956,7 +3958,7 @@
             <a:fld id="{B61BEF0D-F0BB-DE4B-95CE-6DB70DBA9567}" type="datetimeFigureOut">
               <a:rPr lang="en-US" dirty="0"/>
               <a:pPr/>
-              <a:t>7/12/2022</a:t>
+              <a:t>4/26/2024</a:t>
             </a:fld>
             <a:endParaRPr lang="en-US" dirty="0"/>
           </a:p>
@@ -4048,7 +4050,7 @@
             <a:fld id="{B61BEF0D-F0BB-DE4B-95CE-6DB70DBA9567}" type="datetimeFigureOut">
               <a:rPr lang="en-US" dirty="0"/>
               <a:pPr/>
-              <a:t>7/12/2022</a:t>
+              <a:t>4/26/2024</a:t>
             </a:fld>
             <a:endParaRPr lang="en-US" dirty="0"/>
           </a:p>
@@ -4299,7 +4301,7 @@
           <a:p>
             <a:fld id="{42A54C80-263E-416B-A8E0-580EDEADCBDC}" type="datetimeFigureOut">
               <a:rPr lang="en-US" dirty="0"/>
-              <a:t>7/12/2022</a:t>
+              <a:t>4/26/2024</a:t>
             </a:fld>
             <a:endParaRPr lang="en-US" dirty="0"/>
           </a:p>
@@ -4558,7 +4560,7 @@
             <a:fld id="{B61BEF0D-F0BB-DE4B-95CE-6DB70DBA9567}" type="datetimeFigureOut">
               <a:rPr lang="en-US" dirty="0"/>
               <a:pPr/>
-              <a:t>7/12/2022</a:t>
+              <a:t>4/26/2024</a:t>
             </a:fld>
             <a:endParaRPr lang="en-US" dirty="0"/>
           </a:p>
@@ -5298,7 +5300,7 @@
             <a:fld id="{B61BEF0D-F0BB-DE4B-95CE-6DB70DBA9567}" type="datetimeFigureOut">
               <a:rPr lang="en-US" dirty="0"/>
               <a:pPr/>
-              <a:t>7/12/2022</a:t>
+              <a:t>4/26/2024</a:t>
             </a:fld>
             <a:endParaRPr lang="en-US" dirty="0"/>
           </a:p>
@@ -5431,7 +5433,7 @@
         <p:spPr>
           <a:xfrm>
             <a:off x="444564" y="6509203"/>
-            <a:ext cx="2800767" cy="369332"/>
+            <a:ext cx="2850460" cy="369332"/>
           </a:xfrm>
           <a:prstGeom prst="rect">
             <a:avLst/>
@@ -5539,7 +5541,7 @@
           <a:p>
             <a:r>
               <a:rPr lang="fr-FR" altLang="zh-TW" dirty="0" smtClean="0"/>
-              <a:t>https://reurl.cc/Kb1Xmg</a:t>
+              <a:t>https://reurl.cc/WxELMO</a:t>
             </a:r>
             <a:endParaRPr lang="zh-TW" altLang="en-US" dirty="0"/>
           </a:p>
@@ -6041,7 +6043,7 @@
           <a:p>
             <a:fld id="{4805910D-2C61-424F-80CE-807290CF0E1E}" type="datetime4">
               <a:rPr lang="zh-TW" altLang="zh-TW"/>
-              <a:t>111年7月12日星期二</a:t>
+              <a:t>113年4月26日星期五</a:t>
             </a:fld>
             <a:endParaRPr lang="zh-TW" altLang="en-US" dirty="0"/>
           </a:p>
@@ -6090,14 +6092,14 @@
       </p:pic>
       <p:sp>
         <p:nvSpPr>
-          <p:cNvPr id="8" name="矩形 7"/>
+          <p:cNvPr id="7" name="矩形 6"/>
           <p:cNvSpPr/>
           <p:nvPr/>
         </p:nvSpPr>
         <p:spPr>
           <a:xfrm>
             <a:off x="827704" y="87935"/>
-            <a:ext cx="2800767" cy="369332"/>
+            <a:ext cx="2850460" cy="369332"/>
           </a:xfrm>
           <a:prstGeom prst="rect">
             <a:avLst/>
@@ -6205,7 +6207,7 @@
           <a:p>
             <a:r>
               <a:rPr lang="fr-FR" altLang="zh-TW" dirty="0"/>
-              <a:t>https://reurl.cc/Kb1Xmg</a:t>
+              <a:t>https://reurl.cc/WxELMO</a:t>
             </a:r>
             <a:endParaRPr lang="zh-TW" altLang="en-US" dirty="0"/>
           </a:p>
@@ -6213,7 +6215,7 @@
       </p:sp>
       <p:pic>
         <p:nvPicPr>
-          <p:cNvPr id="9" name="圖片 8"/>
+          <p:cNvPr id="10" name="圖片 9"/>
           <p:cNvPicPr>
             <a:picLocks noChangeAspect="1"/>
           </p:cNvPicPr>
@@ -6227,8 +6229,8 @@
         </p:blipFill>
         <p:spPr>
           <a:xfrm>
-            <a:off x="929852" y="503981"/>
-            <a:ext cx="1428750" cy="1428750"/>
+            <a:off x="915266" y="457267"/>
+            <a:ext cx="1818698" cy="1818698"/>
           </a:xfrm>
           <a:prstGeom prst="rect">
             <a:avLst/>
@@ -6256,163 +6258,6 @@
 </file>
 
 <file path=ppt/slides/slide10.xml><?xml version="1.0" encoding="utf-8"?>
-<p:sld xmlns:a="http://schemas.openxmlformats.org/drawingml/2006/main" xmlns:r="http://schemas.openxmlformats.org/officeDocument/2006/relationships" xmlns:p="http://schemas.openxmlformats.org/presentationml/2006/main">
-  <p:cSld>
-    <p:spTree>
-      <p:nvGrpSpPr>
-        <p:cNvPr id="1" name=""/>
-        <p:cNvGrpSpPr/>
-        <p:nvPr/>
-      </p:nvGrpSpPr>
-      <p:grpSpPr>
-        <a:xfrm>
-          <a:off x="0" y="0"/>
-          <a:ext cx="0" cy="0"/>
-          <a:chOff x="0" y="0"/>
-          <a:chExt cx="0" cy="0"/>
-        </a:xfrm>
-      </p:grpSpPr>
-      <p:sp>
-        <p:nvSpPr>
-          <p:cNvPr id="2" name="標題 1"/>
-          <p:cNvSpPr>
-            <a:spLocks noGrp="1"/>
-          </p:cNvSpPr>
-          <p:nvPr>
-            <p:ph type="title"/>
-          </p:nvPr>
-        </p:nvSpPr>
-        <p:spPr/>
-        <p:txBody>
-          <a:bodyPr/>
-          <a:lstStyle/>
-          <a:p>
-            <a:r>
-              <a:rPr lang="zh-TW" altLang="en-US" dirty="0"/>
-              <a:t>練習一參考</a:t>
-            </a:r>
-            <a:r>
-              <a:rPr lang="zh-TW" altLang="en-US" dirty="0" smtClean="0"/>
-              <a:t>解答</a:t>
-            </a:r>
-            <a:r>
-              <a:rPr lang="en-US" altLang="zh-TW" dirty="0" smtClean="0"/>
-              <a:t>(2)</a:t>
-            </a:r>
-            <a:endParaRPr lang="zh-TW" altLang="en-US" dirty="0"/>
-          </a:p>
-        </p:txBody>
-      </p:sp>
-      <p:sp>
-        <p:nvSpPr>
-          <p:cNvPr id="3" name="內容版面配置區 2"/>
-          <p:cNvSpPr>
-            <a:spLocks noGrp="1"/>
-          </p:cNvSpPr>
-          <p:nvPr>
-            <p:ph idx="1"/>
-          </p:nvPr>
-        </p:nvSpPr>
-        <p:spPr/>
-        <p:txBody>
-          <a:bodyPr/>
-          <a:lstStyle/>
-          <a:p>
-            <a:endParaRPr lang="zh-TW" altLang="en-US" dirty="0"/>
-          </a:p>
-        </p:txBody>
-      </p:sp>
-      <p:pic>
-        <p:nvPicPr>
-          <p:cNvPr id="4" name="圖片 3"/>
-          <p:cNvPicPr>
-            <a:picLocks noChangeAspect="1"/>
-          </p:cNvPicPr>
-          <p:nvPr/>
-        </p:nvPicPr>
-        <p:blipFill>
-          <a:blip r:embed="rId2"/>
-          <a:stretch>
-            <a:fillRect/>
-          </a:stretch>
-        </p:blipFill>
-        <p:spPr>
-          <a:xfrm>
-            <a:off x="677334" y="1527048"/>
-            <a:ext cx="4740899" cy="5047488"/>
-          </a:xfrm>
-          <a:prstGeom prst="rect">
-            <a:avLst/>
-          </a:prstGeom>
-        </p:spPr>
-      </p:pic>
-      <p:sp>
-        <p:nvSpPr>
-          <p:cNvPr id="5" name="矩形 4"/>
-          <p:cNvSpPr/>
-          <p:nvPr/>
-        </p:nvSpPr>
-        <p:spPr>
-          <a:xfrm>
-            <a:off x="1545336" y="4773168"/>
-            <a:ext cx="3950208" cy="1298448"/>
-          </a:xfrm>
-          <a:prstGeom prst="rect">
-            <a:avLst/>
-          </a:prstGeom>
-          <a:noFill/>
-          <a:ln>
-            <a:solidFill>
-              <a:srgbClr val="FF0000"/>
-            </a:solidFill>
-          </a:ln>
-        </p:spPr>
-        <p:style>
-          <a:lnRef idx="2">
-            <a:schemeClr val="accent1">
-              <a:shade val="50000"/>
-            </a:schemeClr>
-          </a:lnRef>
-          <a:fillRef idx="1">
-            <a:schemeClr val="accent1"/>
-          </a:fillRef>
-          <a:effectRef idx="0">
-            <a:schemeClr val="accent1"/>
-          </a:effectRef>
-          <a:fontRef idx="minor">
-            <a:schemeClr val="lt1"/>
-          </a:fontRef>
-        </p:style>
-        <p:txBody>
-          <a:bodyPr rtlCol="0" anchor="ctr"/>
-          <a:lstStyle/>
-          <a:p>
-            <a:pPr algn="ctr"/>
-            <a:endParaRPr lang="zh-TW" altLang="en-US"/>
-          </a:p>
-        </p:txBody>
-      </p:sp>
-    </p:spTree>
-    <p:extLst>
-      <p:ext uri="{BB962C8B-B14F-4D97-AF65-F5344CB8AC3E}">
-        <p14:creationId xmlns:p14="http://schemas.microsoft.com/office/powerpoint/2010/main" val="2474591956"/>
-      </p:ext>
-    </p:extLst>
-  </p:cSld>
-  <p:clrMapOvr>
-    <a:masterClrMapping/>
-  </p:clrMapOvr>
-  <p:timing>
-    <p:tnLst>
-      <p:par>
-        <p:cTn id="1" dur="indefinite" restart="never" nodeType="tmRoot"/>
-      </p:par>
-    </p:tnLst>
-  </p:timing>
-</p:sld>
-</file>
-
-<file path=ppt/slides/slide11.xml><?xml version="1.0" encoding="utf-8"?>
 <p:sld xmlns:a="http://schemas.openxmlformats.org/drawingml/2006/main" xmlns:r="http://schemas.openxmlformats.org/officeDocument/2006/relationships" xmlns:p="http://schemas.openxmlformats.org/presentationml/2006/main">
   <p:cSld>
     <p:spTree>
@@ -6930,7 +6775,7 @@
 </p:sld>
 </file>
 
-<file path=ppt/slides/slide12.xml><?xml version="1.0" encoding="utf-8"?>
+<file path=ppt/slides/slide11.xml><?xml version="1.0" encoding="utf-8"?>
 <p:sld xmlns:a="http://schemas.openxmlformats.org/drawingml/2006/main" xmlns:r="http://schemas.openxmlformats.org/officeDocument/2006/relationships" xmlns:p="http://schemas.openxmlformats.org/presentationml/2006/main">
   <p:cSld>
     <p:spTree>
@@ -8463,7 +8308,7 @@
 </p:sld>
 </file>
 
-<file path=ppt/slides/slide13.xml><?xml version="1.0" encoding="utf-8"?>
+<file path=ppt/slides/slide12.xml><?xml version="1.0" encoding="utf-8"?>
 <p:sld xmlns:a="http://schemas.openxmlformats.org/drawingml/2006/main" xmlns:r="http://schemas.openxmlformats.org/officeDocument/2006/relationships" xmlns:p="http://schemas.openxmlformats.org/presentationml/2006/main">
   <p:cSld>
     <p:spTree>
@@ -8601,7 +8446,869 @@
 </p:sld>
 </file>
 
+<file path=ppt/slides/slide13.xml><?xml version="1.0" encoding="utf-8"?>
+<p:sld xmlns:a="http://schemas.openxmlformats.org/drawingml/2006/main" xmlns:r="http://schemas.openxmlformats.org/officeDocument/2006/relationships" xmlns:p="http://schemas.openxmlformats.org/presentationml/2006/main">
+  <p:cSld>
+    <p:spTree>
+      <p:nvGrpSpPr>
+        <p:cNvPr id="1" name=""/>
+        <p:cNvGrpSpPr/>
+        <p:nvPr/>
+      </p:nvGrpSpPr>
+      <p:grpSpPr>
+        <a:xfrm>
+          <a:off x="0" y="0"/>
+          <a:ext cx="0" cy="0"/>
+          <a:chOff x="0" y="0"/>
+          <a:chExt cx="0" cy="0"/>
+        </a:xfrm>
+      </p:grpSpPr>
+      <p:sp>
+        <p:nvSpPr>
+          <p:cNvPr id="2" name="標題 1"/>
+          <p:cNvSpPr>
+            <a:spLocks noGrp="1"/>
+          </p:cNvSpPr>
+          <p:nvPr>
+            <p:ph type="title"/>
+          </p:nvPr>
+        </p:nvSpPr>
+        <p:spPr/>
+        <p:txBody>
+          <a:bodyPr/>
+          <a:lstStyle/>
+          <a:p>
+            <a:r>
+              <a:rPr lang="zh-TW" altLang="en-US" dirty="0"/>
+              <a:t>範例</a:t>
+            </a:r>
+            <a:r>
+              <a:rPr lang="zh-TW" altLang="en-US" dirty="0" smtClean="0"/>
+              <a:t>程式二</a:t>
+            </a:r>
+            <a:endParaRPr lang="zh-TW" altLang="en-US" dirty="0"/>
+          </a:p>
+        </p:txBody>
+      </p:sp>
+      <p:sp>
+        <p:nvSpPr>
+          <p:cNvPr id="3" name="內容版面配置區 2"/>
+          <p:cNvSpPr>
+            <a:spLocks noGrp="1"/>
+          </p:cNvSpPr>
+          <p:nvPr>
+            <p:ph idx="1"/>
+          </p:nvPr>
+        </p:nvSpPr>
+        <p:spPr/>
+        <p:txBody>
+          <a:bodyPr/>
+          <a:lstStyle/>
+          <a:p>
+            <a:r>
+              <a:rPr lang="zh-TW" altLang="en-US" dirty="0" smtClean="0"/>
+              <a:t>輸入任一整數，幫我判斷是不是</a:t>
+            </a:r>
+            <a:r>
+              <a:rPr lang="en-US" altLang="zh-TW" dirty="0" smtClean="0"/>
+              <a:t>2</a:t>
+            </a:r>
+            <a:r>
+              <a:rPr lang="zh-TW" altLang="en-US" dirty="0" smtClean="0"/>
+              <a:t>的倍數，</a:t>
+            </a:r>
+            <a:r>
+              <a:rPr lang="en-US" altLang="zh-TW" dirty="0" smtClean="0"/>
+              <a:t>3</a:t>
+            </a:r>
+            <a:r>
+              <a:rPr lang="zh-TW" altLang="en-US" dirty="0" smtClean="0"/>
+              <a:t>的倍數。</a:t>
+            </a:r>
+            <a:endParaRPr lang="en-US" altLang="zh-TW" dirty="0" smtClean="0"/>
+          </a:p>
+          <a:p>
+            <a:r>
+              <a:rPr lang="zh-TW" altLang="en-US" dirty="0" smtClean="0"/>
+              <a:t>思考</a:t>
+            </a:r>
+            <a:r>
+              <a:rPr lang="zh-TW" altLang="en-US" dirty="0"/>
+              <a:t>重點：</a:t>
+            </a:r>
+            <a:endParaRPr lang="en-US" altLang="zh-TW" dirty="0"/>
+          </a:p>
+          <a:p>
+            <a:pPr lvl="1"/>
+            <a:r>
+              <a:rPr lang="zh-TW" altLang="en-US" dirty="0"/>
+              <a:t>輸入：</a:t>
+            </a:r>
+            <a:r>
+              <a:rPr lang="zh-TW" altLang="en-US" dirty="0" smtClean="0"/>
+              <a:t>一個整數</a:t>
+            </a:r>
+            <a:endParaRPr lang="en-US" altLang="zh-TW" dirty="0" smtClean="0"/>
+          </a:p>
+          <a:p>
+            <a:pPr lvl="1"/>
+            <a:r>
+              <a:rPr lang="zh-TW" altLang="en-US" dirty="0" smtClean="0"/>
+              <a:t>運算</a:t>
+            </a:r>
+            <a:r>
+              <a:rPr lang="zh-TW" altLang="en-US" dirty="0"/>
+              <a:t>：</a:t>
+            </a:r>
+            <a:r>
+              <a:rPr lang="zh-TW" altLang="en-US" dirty="0" smtClean="0"/>
+              <a:t>判斷是不是</a:t>
+            </a:r>
+            <a:r>
+              <a:rPr lang="en-US" altLang="zh-TW" dirty="0" smtClean="0"/>
+              <a:t>2</a:t>
+            </a:r>
+            <a:r>
+              <a:rPr lang="zh-TW" altLang="en-US" dirty="0" smtClean="0"/>
+              <a:t>的倍數，是不是</a:t>
+            </a:r>
+            <a:r>
+              <a:rPr lang="en-US" altLang="zh-TW" dirty="0" smtClean="0"/>
+              <a:t>3</a:t>
+            </a:r>
+            <a:r>
+              <a:rPr lang="zh-TW" altLang="en-US" dirty="0" smtClean="0"/>
+              <a:t>的倍數</a:t>
+            </a:r>
+            <a:endParaRPr lang="en-US" altLang="zh-TW" dirty="0" smtClean="0"/>
+          </a:p>
+          <a:p>
+            <a:pPr lvl="1"/>
+            <a:r>
+              <a:rPr lang="zh-TW" altLang="en-US" dirty="0" smtClean="0"/>
+              <a:t>輸出：是或不是</a:t>
+            </a:r>
+            <a:r>
+              <a:rPr lang="en-US" altLang="zh-TW" dirty="0" smtClean="0"/>
+              <a:t>2,3</a:t>
+            </a:r>
+            <a:r>
+              <a:rPr lang="zh-TW" altLang="en-US" dirty="0" smtClean="0"/>
+              <a:t>的倍數</a:t>
+            </a:r>
+            <a:endParaRPr lang="en-US" altLang="zh-TW" dirty="0"/>
+          </a:p>
+          <a:p>
+            <a:pPr lvl="1"/>
+            <a:r>
+              <a:rPr lang="zh-TW" altLang="en-US" dirty="0"/>
+              <a:t>變數宣告：需要幾個？叫甚麼名字</a:t>
+            </a:r>
+            <a:r>
+              <a:rPr lang="zh-TW" altLang="en-US" dirty="0" smtClean="0"/>
+              <a:t>？</a:t>
+            </a:r>
+            <a:endParaRPr lang="en-US" altLang="zh-TW" dirty="0" smtClean="0"/>
+          </a:p>
+          <a:p>
+            <a:pPr lvl="1"/>
+            <a:r>
+              <a:rPr lang="zh-TW" altLang="en-US" dirty="0"/>
+              <a:t>判斷方式</a:t>
+            </a:r>
+            <a:r>
+              <a:rPr lang="zh-TW" altLang="en-US" dirty="0" smtClean="0"/>
+              <a:t>？</a:t>
+            </a:r>
+            <a:r>
+              <a:rPr lang="en-US" altLang="zh-TW" dirty="0" smtClean="0"/>
+              <a:t>(</a:t>
+            </a:r>
+            <a:r>
+              <a:rPr lang="zh-TW" altLang="en-US" dirty="0" smtClean="0"/>
+              <a:t>  </a:t>
+            </a:r>
+            <a:r>
+              <a:rPr lang="en-US" altLang="zh-TW" dirty="0" smtClean="0"/>
+              <a:t>%</a:t>
+            </a:r>
+            <a:r>
+              <a:rPr lang="zh-TW" altLang="en-US" dirty="0" smtClean="0"/>
+              <a:t>  這個運算很有用，如遊戲、找零</a:t>
+            </a:r>
+            <a:r>
+              <a:rPr lang="en-US" altLang="zh-TW" dirty="0" smtClean="0"/>
+              <a:t>)</a:t>
+            </a:r>
+            <a:endParaRPr lang="zh-TW" altLang="en-US" dirty="0"/>
+          </a:p>
+          <a:p>
+            <a:endParaRPr lang="zh-TW" altLang="en-US" dirty="0"/>
+          </a:p>
+        </p:txBody>
+      </p:sp>
+      <p:sp>
+        <p:nvSpPr>
+          <p:cNvPr id="4" name="文字方塊 3"/>
+          <p:cNvSpPr txBox="1"/>
+          <p:nvPr/>
+        </p:nvSpPr>
+        <p:spPr>
+          <a:xfrm>
+            <a:off x="677334" y="5322319"/>
+            <a:ext cx="1669047" cy="369332"/>
+          </a:xfrm>
+          <a:prstGeom prst="rect">
+            <a:avLst/>
+          </a:prstGeom>
+          <a:noFill/>
+        </p:spPr>
+        <p:txBody>
+          <a:bodyPr wrap="none" rtlCol="0">
+            <a:spAutoFit/>
+          </a:bodyPr>
+          <a:lstStyle/>
+          <a:p>
+            <a:r>
+              <a:rPr lang="en-US" altLang="zh-TW" dirty="0" smtClean="0">
+                <a:solidFill>
+                  <a:srgbClr val="C00000"/>
+                </a:solidFill>
+              </a:rPr>
+              <a:t>Example04_02</a:t>
+            </a:r>
+            <a:endParaRPr lang="zh-TW" altLang="en-US" dirty="0">
+              <a:solidFill>
+                <a:srgbClr val="C00000"/>
+              </a:solidFill>
+            </a:endParaRPr>
+          </a:p>
+        </p:txBody>
+      </p:sp>
+      <p:grpSp>
+        <p:nvGrpSpPr>
+          <p:cNvPr id="5" name="群組 4"/>
+          <p:cNvGrpSpPr/>
+          <p:nvPr/>
+        </p:nvGrpSpPr>
+        <p:grpSpPr>
+          <a:xfrm>
+            <a:off x="6510146" y="4225692"/>
+            <a:ext cx="4908613" cy="2449428"/>
+            <a:chOff x="8833104" y="502920"/>
+            <a:chExt cx="2587752" cy="1427480"/>
+          </a:xfrm>
+        </p:grpSpPr>
+        <p:sp>
+          <p:nvSpPr>
+            <p:cNvPr id="6" name="圓角矩形 5"/>
+            <p:cNvSpPr/>
+            <p:nvPr/>
+          </p:nvSpPr>
+          <p:spPr>
+            <a:xfrm>
+              <a:off x="8833104" y="502920"/>
+              <a:ext cx="2587752" cy="1197864"/>
+            </a:xfrm>
+            <a:prstGeom prst="roundRect">
+              <a:avLst/>
+            </a:prstGeom>
+            <a:solidFill>
+              <a:schemeClr val="tx1"/>
+            </a:solidFill>
+            <a:ln>
+              <a:solidFill>
+                <a:schemeClr val="tx1"/>
+              </a:solidFill>
+            </a:ln>
+          </p:spPr>
+          <p:style>
+            <a:lnRef idx="2">
+              <a:schemeClr val="accent1">
+                <a:shade val="50000"/>
+              </a:schemeClr>
+            </a:lnRef>
+            <a:fillRef idx="1">
+              <a:schemeClr val="accent1"/>
+            </a:fillRef>
+            <a:effectRef idx="0">
+              <a:schemeClr val="accent1"/>
+            </a:effectRef>
+            <a:fontRef idx="minor">
+              <a:schemeClr val="lt1"/>
+            </a:fontRef>
+          </p:style>
+          <p:txBody>
+            <a:bodyPr rtlCol="0" anchor="ctr"/>
+            <a:lstStyle/>
+            <a:p>
+              <a:pPr algn="ctr"/>
+              <a:endParaRPr lang="zh-TW" altLang="en-US"/>
+            </a:p>
+          </p:txBody>
+        </p:sp>
+        <p:sp>
+          <p:nvSpPr>
+            <p:cNvPr id="7" name="矩形 6"/>
+            <p:cNvSpPr/>
+            <p:nvPr/>
+          </p:nvSpPr>
+          <p:spPr>
+            <a:xfrm>
+              <a:off x="8942832" y="609600"/>
+              <a:ext cx="2386584" cy="999744"/>
+            </a:xfrm>
+            <a:prstGeom prst="rect">
+              <a:avLst/>
+            </a:prstGeom>
+            <a:solidFill>
+              <a:schemeClr val="bg2">
+                <a:lumMod val="90000"/>
+              </a:schemeClr>
+            </a:solidFill>
+            <a:ln>
+              <a:solidFill>
+                <a:schemeClr val="tx1"/>
+              </a:solidFill>
+            </a:ln>
+          </p:spPr>
+          <p:style>
+            <a:lnRef idx="2">
+              <a:schemeClr val="accent1">
+                <a:shade val="50000"/>
+              </a:schemeClr>
+            </a:lnRef>
+            <a:fillRef idx="1">
+              <a:schemeClr val="accent1"/>
+            </a:fillRef>
+            <a:effectRef idx="0">
+              <a:schemeClr val="accent1"/>
+            </a:effectRef>
+            <a:fontRef idx="minor">
+              <a:schemeClr val="lt1"/>
+            </a:fontRef>
+          </p:style>
+          <p:txBody>
+            <a:bodyPr rtlCol="0" anchor="t"/>
+            <a:lstStyle/>
+            <a:p>
+              <a:r>
+                <a:rPr lang="zh-TW" altLang="en-US" dirty="0" smtClean="0">
+                  <a:solidFill>
+                    <a:schemeClr val="tx1"/>
+                  </a:solidFill>
+                </a:rPr>
+                <a:t>請輸入整數：</a:t>
+              </a:r>
+              <a:r>
+                <a:rPr lang="en-US" altLang="zh-TW" dirty="0" smtClean="0">
+                  <a:solidFill>
+                    <a:srgbClr val="0070C0"/>
+                  </a:solidFill>
+                </a:rPr>
+                <a:t>134</a:t>
+              </a:r>
+            </a:p>
+            <a:p>
+              <a:r>
+                <a:rPr lang="en-US" altLang="zh-TW" dirty="0">
+                  <a:solidFill>
+                    <a:schemeClr val="tx1"/>
+                  </a:solidFill>
+                </a:rPr>
+                <a:t>1</a:t>
+              </a:r>
+              <a:r>
+                <a:rPr lang="en-US" altLang="zh-TW" dirty="0" smtClean="0">
+                  <a:solidFill>
+                    <a:schemeClr val="tx1"/>
+                  </a:solidFill>
+                </a:rPr>
+                <a:t>34</a:t>
+              </a:r>
+              <a:r>
+                <a:rPr lang="zh-TW" altLang="en-US" dirty="0" smtClean="0">
+                  <a:solidFill>
+                    <a:schemeClr val="tx1"/>
+                  </a:solidFill>
+                </a:rPr>
+                <a:t>是</a:t>
+              </a:r>
+              <a:r>
+                <a:rPr lang="en-US" altLang="zh-TW" dirty="0" smtClean="0">
+                  <a:solidFill>
+                    <a:schemeClr val="tx1"/>
+                  </a:solidFill>
+                </a:rPr>
+                <a:t>2</a:t>
+              </a:r>
+              <a:r>
+                <a:rPr lang="zh-TW" altLang="en-US" dirty="0" smtClean="0">
+                  <a:solidFill>
+                    <a:schemeClr val="tx1"/>
+                  </a:solidFill>
+                </a:rPr>
+                <a:t>的倍數</a:t>
+              </a:r>
+              <a:endParaRPr lang="en-US" altLang="zh-TW" dirty="0" smtClean="0">
+                <a:solidFill>
+                  <a:schemeClr val="tx1"/>
+                </a:solidFill>
+              </a:endParaRPr>
+            </a:p>
+            <a:p>
+              <a:r>
+                <a:rPr lang="en-US" altLang="zh-TW" dirty="0" smtClean="0">
+                  <a:solidFill>
+                    <a:schemeClr val="tx1"/>
+                  </a:solidFill>
+                </a:rPr>
+                <a:t>134</a:t>
+              </a:r>
+              <a:r>
+                <a:rPr lang="zh-TW" altLang="en-US" dirty="0" smtClean="0">
+                  <a:solidFill>
+                    <a:schemeClr val="tx1"/>
+                  </a:solidFill>
+                </a:rPr>
+                <a:t>不是</a:t>
+              </a:r>
+              <a:r>
+                <a:rPr lang="en-US" altLang="zh-TW" dirty="0" smtClean="0">
+                  <a:solidFill>
+                    <a:schemeClr val="tx1"/>
+                  </a:solidFill>
+                </a:rPr>
+                <a:t>3</a:t>
+              </a:r>
+              <a:r>
+                <a:rPr lang="zh-TW" altLang="en-US" dirty="0" smtClean="0">
+                  <a:solidFill>
+                    <a:schemeClr val="tx1"/>
+                  </a:solidFill>
+                </a:rPr>
+                <a:t>的倍數</a:t>
+              </a:r>
+              <a:endParaRPr lang="zh-TW" altLang="en-US" dirty="0">
+                <a:solidFill>
+                  <a:schemeClr val="tx1"/>
+                </a:solidFill>
+              </a:endParaRPr>
+            </a:p>
+          </p:txBody>
+        </p:sp>
+        <p:sp>
+          <p:nvSpPr>
+            <p:cNvPr id="8" name="梯形 7"/>
+            <p:cNvSpPr/>
+            <p:nvPr/>
+          </p:nvSpPr>
+          <p:spPr>
+            <a:xfrm>
+              <a:off x="9811512" y="1700784"/>
+              <a:ext cx="713232" cy="229616"/>
+            </a:xfrm>
+            <a:prstGeom prst="trapezoid">
+              <a:avLst/>
+            </a:prstGeom>
+            <a:solidFill>
+              <a:schemeClr val="tx1"/>
+            </a:solidFill>
+            <a:ln>
+              <a:solidFill>
+                <a:schemeClr val="tx1"/>
+              </a:solidFill>
+            </a:ln>
+          </p:spPr>
+          <p:style>
+            <a:lnRef idx="2">
+              <a:schemeClr val="accent1">
+                <a:shade val="50000"/>
+              </a:schemeClr>
+            </a:lnRef>
+            <a:fillRef idx="1">
+              <a:schemeClr val="accent1"/>
+            </a:fillRef>
+            <a:effectRef idx="0">
+              <a:schemeClr val="accent1"/>
+            </a:effectRef>
+            <a:fontRef idx="minor">
+              <a:schemeClr val="lt1"/>
+            </a:fontRef>
+          </p:style>
+          <p:txBody>
+            <a:bodyPr rtlCol="0" anchor="ctr"/>
+            <a:lstStyle/>
+            <a:p>
+              <a:pPr algn="ctr"/>
+              <a:endParaRPr lang="zh-TW" altLang="en-US"/>
+            </a:p>
+          </p:txBody>
+        </p:sp>
+      </p:grpSp>
+    </p:spTree>
+    <p:extLst>
+      <p:ext uri="{BB962C8B-B14F-4D97-AF65-F5344CB8AC3E}">
+        <p14:creationId xmlns:p14="http://schemas.microsoft.com/office/powerpoint/2010/main" val="971271910"/>
+      </p:ext>
+    </p:extLst>
+  </p:cSld>
+  <p:clrMapOvr>
+    <a:masterClrMapping/>
+  </p:clrMapOvr>
+  <p:timing>
+    <p:tnLst>
+      <p:par>
+        <p:cTn id="1" dur="indefinite" restart="never" nodeType="tmRoot">
+          <p:childTnLst>
+            <p:seq concurrent="1" nextAc="seek">
+              <p:cTn id="2" dur="indefinite" nodeType="mainSeq">
+                <p:childTnLst>
+                  <p:par>
+                    <p:cTn id="3" fill="hold">
+                      <p:stCondLst>
+                        <p:cond delay="indefinite"/>
+                      </p:stCondLst>
+                      <p:childTnLst>
+                        <p:par>
+                          <p:cTn id="4" fill="hold">
+                            <p:stCondLst>
+                              <p:cond delay="0"/>
+                            </p:stCondLst>
+                            <p:childTnLst>
+                              <p:par>
+                                <p:cTn id="5" presetID="1" presetClass="entr" presetSubtype="0" fill="hold" nodeType="clickEffect">
+                                  <p:stCondLst>
+                                    <p:cond delay="0"/>
+                                  </p:stCondLst>
+                                  <p:childTnLst>
+                                    <p:set>
+                                      <p:cBhvr>
+                                        <p:cTn id="6" dur="1" fill="hold">
+                                          <p:stCondLst>
+                                            <p:cond delay="0"/>
+                                          </p:stCondLst>
+                                        </p:cTn>
+                                        <p:tgtEl>
+                                          <p:spTgt spid="5"/>
+                                        </p:tgtEl>
+                                        <p:attrNameLst>
+                                          <p:attrName>style.visibility</p:attrName>
+                                        </p:attrNameLst>
+                                      </p:cBhvr>
+                                      <p:to>
+                                        <p:strVal val="visible"/>
+                                      </p:to>
+                                    </p:set>
+                                  </p:childTnLst>
+                                </p:cTn>
+                              </p:par>
+                            </p:childTnLst>
+                          </p:cTn>
+                        </p:par>
+                      </p:childTnLst>
+                    </p:cTn>
+                  </p:par>
+                </p:childTnLst>
+              </p:cTn>
+              <p:prevCondLst>
+                <p:cond evt="onPrev" delay="0">
+                  <p:tgtEl>
+                    <p:sldTgt/>
+                  </p:tgtEl>
+                </p:cond>
+              </p:prevCondLst>
+              <p:nextCondLst>
+                <p:cond evt="onNext" delay="0">
+                  <p:tgtEl>
+                    <p:sldTgt/>
+                  </p:tgtEl>
+                </p:cond>
+              </p:nextCondLst>
+            </p:seq>
+          </p:childTnLst>
+        </p:cTn>
+      </p:par>
+    </p:tnLst>
+  </p:timing>
+</p:sld>
+</file>
+
 <file path=ppt/slides/slide14.xml><?xml version="1.0" encoding="utf-8"?>
+<p:sld xmlns:a="http://schemas.openxmlformats.org/drawingml/2006/main" xmlns:r="http://schemas.openxmlformats.org/officeDocument/2006/relationships" xmlns:p="http://schemas.openxmlformats.org/presentationml/2006/main">
+  <p:cSld>
+    <p:spTree>
+      <p:nvGrpSpPr>
+        <p:cNvPr id="1" name=""/>
+        <p:cNvGrpSpPr/>
+        <p:nvPr/>
+      </p:nvGrpSpPr>
+      <p:grpSpPr>
+        <a:xfrm>
+          <a:off x="0" y="0"/>
+          <a:ext cx="0" cy="0"/>
+          <a:chOff x="0" y="0"/>
+          <a:chExt cx="0" cy="0"/>
+        </a:xfrm>
+      </p:grpSpPr>
+      <p:sp>
+        <p:nvSpPr>
+          <p:cNvPr id="2" name="標題 1"/>
+          <p:cNvSpPr>
+            <a:spLocks noGrp="1"/>
+          </p:cNvSpPr>
+          <p:nvPr>
+            <p:ph type="title"/>
+          </p:nvPr>
+        </p:nvSpPr>
+        <p:spPr/>
+        <p:txBody>
+          <a:bodyPr/>
+          <a:lstStyle/>
+          <a:p>
+            <a:r>
+              <a:rPr lang="zh-TW" altLang="en-US" dirty="0" smtClean="0"/>
+              <a:t>電腦裡好玩的整數除法</a:t>
+            </a:r>
+            <a:endParaRPr lang="zh-TW" altLang="en-US" dirty="0"/>
+          </a:p>
+        </p:txBody>
+      </p:sp>
+      <p:sp>
+        <p:nvSpPr>
+          <p:cNvPr id="3" name="內容版面配置區 2"/>
+          <p:cNvSpPr>
+            <a:spLocks noGrp="1"/>
+          </p:cNvSpPr>
+          <p:nvPr>
+            <p:ph idx="1"/>
+          </p:nvPr>
+        </p:nvSpPr>
+        <p:spPr/>
+        <p:txBody>
+          <a:bodyPr/>
+          <a:lstStyle/>
+          <a:p>
+            <a:r>
+              <a:rPr lang="zh-TW" altLang="en-US" dirty="0" smtClean="0"/>
+              <a:t>電腦裡的整數除以整數，</a:t>
+            </a:r>
+            <a:r>
+              <a:rPr lang="zh-TW" altLang="en-US" b="1" dirty="0" smtClean="0">
+                <a:solidFill>
+                  <a:srgbClr val="FF0000"/>
+                </a:solidFill>
+              </a:rPr>
+              <a:t>商只會算到整數為止，沒有小數喔！</a:t>
+            </a:r>
+            <a:endParaRPr lang="en-US" altLang="zh-TW" b="1" dirty="0" smtClean="0">
+              <a:solidFill>
+                <a:srgbClr val="FF0000"/>
+              </a:solidFill>
+            </a:endParaRPr>
+          </a:p>
+          <a:p>
+            <a:pPr lvl="1"/>
+            <a:r>
+              <a:rPr lang="zh-TW" altLang="en-US" dirty="0" smtClean="0"/>
+              <a:t>例如：</a:t>
+            </a:r>
+            <a:r>
+              <a:rPr lang="en-US" altLang="zh-TW" dirty="0" smtClean="0"/>
+              <a:t>10/3 = 3,   12/5 = 2,  33/6 = 5</a:t>
+            </a:r>
+            <a:endParaRPr lang="en-US" altLang="zh-TW" dirty="0"/>
+          </a:p>
+          <a:p>
+            <a:r>
+              <a:rPr lang="zh-TW" altLang="en-US" dirty="0" smtClean="0"/>
+              <a:t>沒算完的部分會成為餘數，</a:t>
+            </a:r>
+            <a:r>
+              <a:rPr lang="zh-TW" altLang="en-US" b="1" dirty="0" smtClean="0">
+                <a:solidFill>
+                  <a:srgbClr val="FF0000"/>
+                </a:solidFill>
+              </a:rPr>
+              <a:t>用</a:t>
+            </a:r>
+            <a:r>
+              <a:rPr lang="en-US" altLang="zh-TW" b="1" dirty="0" smtClean="0">
+                <a:solidFill>
+                  <a:srgbClr val="FF0000"/>
+                </a:solidFill>
+              </a:rPr>
+              <a:t>%</a:t>
+            </a:r>
+            <a:r>
+              <a:rPr lang="zh-TW" altLang="en-US" b="1" dirty="0">
+                <a:solidFill>
+                  <a:srgbClr val="FF0000"/>
+                </a:solidFill>
+              </a:rPr>
+              <a:t>運算符號</a:t>
+            </a:r>
+            <a:r>
+              <a:rPr lang="zh-TW" altLang="en-US" b="1" dirty="0" smtClean="0">
+                <a:solidFill>
+                  <a:srgbClr val="FF0000"/>
+                </a:solidFill>
+              </a:rPr>
+              <a:t>取得餘數</a:t>
+            </a:r>
+            <a:endParaRPr lang="en-US" altLang="zh-TW" b="1" dirty="0" smtClean="0">
+              <a:solidFill>
+                <a:srgbClr val="FF0000"/>
+              </a:solidFill>
+            </a:endParaRPr>
+          </a:p>
+          <a:p>
+            <a:pPr lvl="1"/>
+            <a:r>
+              <a:rPr lang="zh-TW" altLang="en-US" dirty="0"/>
+              <a:t>例如</a:t>
+            </a:r>
+            <a:r>
+              <a:rPr lang="zh-TW" altLang="en-US" dirty="0" smtClean="0"/>
+              <a:t>：</a:t>
+            </a:r>
+            <a:r>
+              <a:rPr lang="en-US" altLang="zh-TW" dirty="0" smtClean="0"/>
+              <a:t>10</a:t>
+            </a:r>
+            <a:r>
+              <a:rPr lang="en-US" altLang="zh-TW" dirty="0" smtClean="0">
+                <a:solidFill>
+                  <a:srgbClr val="FF0000"/>
+                </a:solidFill>
+              </a:rPr>
+              <a:t>%</a:t>
+            </a:r>
+            <a:r>
+              <a:rPr lang="en-US" altLang="zh-TW" dirty="0" smtClean="0"/>
+              <a:t>3 = 1, 12</a:t>
+            </a:r>
+            <a:r>
+              <a:rPr lang="en-US" altLang="zh-TW" dirty="0" smtClean="0">
+                <a:solidFill>
+                  <a:srgbClr val="FF0000"/>
+                </a:solidFill>
+              </a:rPr>
+              <a:t>%</a:t>
+            </a:r>
+            <a:r>
+              <a:rPr lang="en-US" altLang="zh-TW" dirty="0" smtClean="0"/>
+              <a:t>5 = 2, 33</a:t>
+            </a:r>
+            <a:r>
+              <a:rPr lang="en-US" altLang="zh-TW" dirty="0" smtClean="0">
+                <a:solidFill>
+                  <a:srgbClr val="FF0000"/>
+                </a:solidFill>
+              </a:rPr>
+              <a:t>%</a:t>
+            </a:r>
+            <a:r>
+              <a:rPr lang="en-US" altLang="zh-TW" dirty="0" smtClean="0"/>
+              <a:t>6 = 3,  15</a:t>
+            </a:r>
+            <a:r>
+              <a:rPr lang="en-US" altLang="zh-TW" dirty="0" smtClean="0">
+                <a:solidFill>
+                  <a:srgbClr val="FF0000"/>
+                </a:solidFill>
+              </a:rPr>
+              <a:t>%</a:t>
+            </a:r>
+            <a:r>
+              <a:rPr lang="en-US" altLang="zh-TW" dirty="0" smtClean="0"/>
+              <a:t>5 = 0</a:t>
+            </a:r>
+          </a:p>
+          <a:p>
+            <a:pPr lvl="1"/>
+            <a:r>
+              <a:rPr lang="zh-TW" altLang="en-US" dirty="0"/>
+              <a:t>所以</a:t>
+            </a:r>
+            <a:r>
+              <a:rPr lang="zh-TW" altLang="en-US" dirty="0" smtClean="0"/>
+              <a:t>，</a:t>
+            </a:r>
+            <a:r>
+              <a:rPr lang="zh-TW" altLang="en-US" b="1" dirty="0" smtClean="0">
+                <a:solidFill>
+                  <a:srgbClr val="FF0000"/>
+                </a:solidFill>
+              </a:rPr>
+              <a:t>整除就是餘數為</a:t>
+            </a:r>
+            <a:r>
+              <a:rPr lang="en-US" altLang="zh-TW" b="1" dirty="0" smtClean="0">
+                <a:solidFill>
+                  <a:srgbClr val="FF0000"/>
+                </a:solidFill>
+              </a:rPr>
+              <a:t>0</a:t>
+            </a:r>
+          </a:p>
+          <a:p>
+            <a:r>
+              <a:rPr lang="zh-TW" altLang="en-US" dirty="0" smtClean="0"/>
+              <a:t>所以，如果  </a:t>
+            </a:r>
+            <a:r>
+              <a:rPr lang="en-US" altLang="zh-TW" dirty="0" smtClean="0"/>
+              <a:t>N % k == 0  ==&gt; N</a:t>
+            </a:r>
+            <a:r>
+              <a:rPr lang="zh-TW" altLang="en-US" dirty="0" smtClean="0"/>
+              <a:t>是</a:t>
+            </a:r>
+            <a:r>
+              <a:rPr lang="en-US" altLang="zh-TW" dirty="0" smtClean="0"/>
+              <a:t>k</a:t>
+            </a:r>
+            <a:r>
+              <a:rPr lang="zh-TW" altLang="en-US" dirty="0" smtClean="0"/>
+              <a:t>的倍數。</a:t>
+            </a:r>
+            <a:endParaRPr lang="en-US" altLang="zh-TW" dirty="0" smtClean="0"/>
+          </a:p>
+          <a:p>
+            <a:r>
+              <a:rPr lang="zh-TW" altLang="en-US" dirty="0"/>
+              <a:t>取餘數還有很多很好玩的</a:t>
+            </a:r>
+            <a:r>
+              <a:rPr lang="zh-TW" altLang="en-US" dirty="0" smtClean="0"/>
+              <a:t>應用喔。</a:t>
+            </a:r>
+            <a:endParaRPr lang="en-US" altLang="zh-TW" dirty="0" smtClean="0"/>
+          </a:p>
+        </p:txBody>
+      </p:sp>
+    </p:spTree>
+    <p:extLst>
+      <p:ext uri="{BB962C8B-B14F-4D97-AF65-F5344CB8AC3E}">
+        <p14:creationId xmlns:p14="http://schemas.microsoft.com/office/powerpoint/2010/main" val="3365797208"/>
+      </p:ext>
+    </p:extLst>
+  </p:cSld>
+  <p:clrMapOvr>
+    <a:masterClrMapping/>
+  </p:clrMapOvr>
+  <p:timing>
+    <p:tnLst>
+      <p:par>
+        <p:cTn id="1" dur="indefinite" restart="never" nodeType="tmRoot"/>
+      </p:par>
+    </p:tnLst>
+  </p:timing>
+</p:sld>
+</file>
+
+<file path=ppt/slides/slide15.xml><?xml version="1.0" encoding="utf-8"?>
 <p:sld xmlns:a="http://schemas.openxmlformats.org/drawingml/2006/main" xmlns:r="http://schemas.openxmlformats.org/officeDocument/2006/relationships" xmlns:p="http://schemas.openxmlformats.org/presentationml/2006/main">
   <p:cSld>
     <p:spTree>
@@ -8688,7 +9395,7 @@
 </p:sld>
 </file>
 
-<file path=ppt/slides/slide15.xml><?xml version="1.0" encoding="utf-8"?>
+<file path=ppt/slides/slide16.xml><?xml version="1.0" encoding="utf-8"?>
 <p:sld xmlns:a="http://schemas.openxmlformats.org/drawingml/2006/main" xmlns:r="http://schemas.openxmlformats.org/officeDocument/2006/relationships" xmlns:p="http://schemas.openxmlformats.org/presentationml/2006/main">
   <p:cSld>
     <p:spTree>
@@ -9218,7 +9925,1523 @@
 </p:sld>
 </file>
 
-<file path=ppt/slides/slide16.xml><?xml version="1.0" encoding="utf-8"?>
+<file path=ppt/slides/slide17.xml><?xml version="1.0" encoding="utf-8"?>
+<p:sld xmlns:a="http://schemas.openxmlformats.org/drawingml/2006/main" xmlns:r="http://schemas.openxmlformats.org/officeDocument/2006/relationships" xmlns:p="http://schemas.openxmlformats.org/presentationml/2006/main">
+  <p:cSld>
+    <p:spTree>
+      <p:nvGrpSpPr>
+        <p:cNvPr id="1" name=""/>
+        <p:cNvGrpSpPr/>
+        <p:nvPr/>
+      </p:nvGrpSpPr>
+      <p:grpSpPr>
+        <a:xfrm>
+          <a:off x="0" y="0"/>
+          <a:ext cx="0" cy="0"/>
+          <a:chOff x="0" y="0"/>
+          <a:chExt cx="0" cy="0"/>
+        </a:xfrm>
+      </p:grpSpPr>
+      <p:sp>
+        <p:nvSpPr>
+          <p:cNvPr id="4" name="標題 3"/>
+          <p:cNvSpPr>
+            <a:spLocks noGrp="1"/>
+          </p:cNvSpPr>
+          <p:nvPr>
+            <p:ph type="title"/>
+          </p:nvPr>
+        </p:nvSpPr>
+        <p:spPr/>
+        <p:txBody>
+          <a:bodyPr/>
+          <a:lstStyle/>
+          <a:p>
+            <a:r>
+              <a:rPr lang="zh-TW" altLang="en-US" dirty="0" smtClean="0"/>
+              <a:t>邏輯思考說明</a:t>
+            </a:r>
+            <a:endParaRPr lang="zh-TW" altLang="en-US" dirty="0"/>
+          </a:p>
+        </p:txBody>
+      </p:sp>
+      <p:graphicFrame>
+        <p:nvGraphicFramePr>
+          <p:cNvPr id="6" name="表格 5"/>
+          <p:cNvGraphicFramePr>
+            <a:graphicFrameLocks noGrp="1"/>
+          </p:cNvGraphicFramePr>
+          <p:nvPr>
+            <p:extLst>
+              <p:ext uri="{D42A27DB-BD31-4B8C-83A1-F6EECF244321}">
+                <p14:modId xmlns:p14="http://schemas.microsoft.com/office/powerpoint/2010/main" val="2098026634"/>
+              </p:ext>
+            </p:extLst>
+          </p:nvPr>
+        </p:nvGraphicFramePr>
+        <p:xfrm>
+          <a:off x="911662" y="1864976"/>
+          <a:ext cx="8721864" cy="1524770"/>
+        </p:xfrm>
+        <a:graphic>
+          <a:graphicData uri="http://schemas.openxmlformats.org/drawingml/2006/table">
+            <a:tbl>
+              <a:tblPr firstRow="1" bandRow="1">
+                <a:tableStyleId>{5C22544A-7EE6-4342-B048-85BDC9FD1C3A}</a:tableStyleId>
+              </a:tblPr>
+              <a:tblGrid>
+                <a:gridCol w="726822">
+                  <a:extLst>
+                    <a:ext uri="{9D8B030D-6E8A-4147-A177-3AD203B41FA5}">
+                      <a16:colId xmlns:a16="http://schemas.microsoft.com/office/drawing/2014/main" val="2453046279"/>
+                    </a:ext>
+                  </a:extLst>
+                </a:gridCol>
+                <a:gridCol w="726822">
+                  <a:extLst>
+                    <a:ext uri="{9D8B030D-6E8A-4147-A177-3AD203B41FA5}">
+                      <a16:colId xmlns:a16="http://schemas.microsoft.com/office/drawing/2014/main" val="3222977210"/>
+                    </a:ext>
+                  </a:extLst>
+                </a:gridCol>
+                <a:gridCol w="726822">
+                  <a:extLst>
+                    <a:ext uri="{9D8B030D-6E8A-4147-A177-3AD203B41FA5}">
+                      <a16:colId xmlns:a16="http://schemas.microsoft.com/office/drawing/2014/main" val="4164926960"/>
+                    </a:ext>
+                  </a:extLst>
+                </a:gridCol>
+                <a:gridCol w="726822">
+                  <a:extLst>
+                    <a:ext uri="{9D8B030D-6E8A-4147-A177-3AD203B41FA5}">
+                      <a16:colId xmlns:a16="http://schemas.microsoft.com/office/drawing/2014/main" val="2706836768"/>
+                    </a:ext>
+                  </a:extLst>
+                </a:gridCol>
+                <a:gridCol w="726822">
+                  <a:extLst>
+                    <a:ext uri="{9D8B030D-6E8A-4147-A177-3AD203B41FA5}">
+                      <a16:colId xmlns:a16="http://schemas.microsoft.com/office/drawing/2014/main" val="1918100715"/>
+                    </a:ext>
+                  </a:extLst>
+                </a:gridCol>
+                <a:gridCol w="726822">
+                  <a:extLst>
+                    <a:ext uri="{9D8B030D-6E8A-4147-A177-3AD203B41FA5}">
+                      <a16:colId xmlns:a16="http://schemas.microsoft.com/office/drawing/2014/main" val="1780939397"/>
+                    </a:ext>
+                  </a:extLst>
+                </a:gridCol>
+                <a:gridCol w="726822">
+                  <a:extLst>
+                    <a:ext uri="{9D8B030D-6E8A-4147-A177-3AD203B41FA5}">
+                      <a16:colId xmlns:a16="http://schemas.microsoft.com/office/drawing/2014/main" val="4229715487"/>
+                    </a:ext>
+                  </a:extLst>
+                </a:gridCol>
+                <a:gridCol w="726822">
+                  <a:extLst>
+                    <a:ext uri="{9D8B030D-6E8A-4147-A177-3AD203B41FA5}">
+                      <a16:colId xmlns:a16="http://schemas.microsoft.com/office/drawing/2014/main" val="2360380608"/>
+                    </a:ext>
+                  </a:extLst>
+                </a:gridCol>
+                <a:gridCol w="726822">
+                  <a:extLst>
+                    <a:ext uri="{9D8B030D-6E8A-4147-A177-3AD203B41FA5}">
+                      <a16:colId xmlns:a16="http://schemas.microsoft.com/office/drawing/2014/main" val="2242233877"/>
+                    </a:ext>
+                  </a:extLst>
+                </a:gridCol>
+                <a:gridCol w="726822">
+                  <a:extLst>
+                    <a:ext uri="{9D8B030D-6E8A-4147-A177-3AD203B41FA5}">
+                      <a16:colId xmlns:a16="http://schemas.microsoft.com/office/drawing/2014/main" val="1477299915"/>
+                    </a:ext>
+                  </a:extLst>
+                </a:gridCol>
+                <a:gridCol w="726822">
+                  <a:extLst>
+                    <a:ext uri="{9D8B030D-6E8A-4147-A177-3AD203B41FA5}">
+                      <a16:colId xmlns:a16="http://schemas.microsoft.com/office/drawing/2014/main" val="1948433320"/>
+                    </a:ext>
+                  </a:extLst>
+                </a:gridCol>
+                <a:gridCol w="726822">
+                  <a:extLst>
+                    <a:ext uri="{9D8B030D-6E8A-4147-A177-3AD203B41FA5}">
+                      <a16:colId xmlns:a16="http://schemas.microsoft.com/office/drawing/2014/main" val="202126310"/>
+                    </a:ext>
+                  </a:extLst>
+                </a:gridCol>
+              </a:tblGrid>
+              <a:tr h="1524770">
+                <a:tc>
+                  <a:txBody>
+                    <a:bodyPr/>
+                    <a:lstStyle/>
+                    <a:p>
+                      <a:pPr algn="ctr"/>
+                      <a:r>
+                        <a:rPr lang="en-US" altLang="zh-TW" sz="3200" dirty="0" smtClean="0">
+                          <a:solidFill>
+                            <a:srgbClr val="FF0000"/>
+                          </a:solidFill>
+                        </a:rPr>
+                        <a:t>1</a:t>
+                      </a:r>
+                      <a:endParaRPr lang="zh-TW" altLang="en-US" sz="3200" dirty="0">
+                        <a:solidFill>
+                          <a:srgbClr val="FF0000"/>
+                        </a:solidFill>
+                      </a:endParaRPr>
+                    </a:p>
+                  </a:txBody>
+                  <a:tcPr>
+                    <a:lnL w="12700" cap="flat" cmpd="sng" algn="ctr">
+                      <a:solidFill>
+                        <a:schemeClr val="tx1"/>
+                      </a:solidFill>
+                      <a:prstDash val="solid"/>
+                      <a:round/>
+                      <a:headEnd type="none" w="med" len="med"/>
+                      <a:tailEnd type="none" w="med" len="med"/>
+                    </a:lnL>
+                    <a:lnR w="12700" cap="flat" cmpd="sng" algn="ctr">
+                      <a:solidFill>
+                        <a:schemeClr val="tx1"/>
+                      </a:solidFill>
+                      <a:prstDash val="solid"/>
+                      <a:round/>
+                      <a:headEnd type="none" w="med" len="med"/>
+                      <a:tailEnd type="none" w="med" len="med"/>
+                    </a:lnR>
+                    <a:lnT w="12700" cap="flat" cmpd="sng" algn="ctr">
+                      <a:solidFill>
+                        <a:schemeClr val="tx1"/>
+                      </a:solidFill>
+                      <a:prstDash val="solid"/>
+                      <a:round/>
+                      <a:headEnd type="none" w="med" len="med"/>
+                      <a:tailEnd type="none" w="med" len="med"/>
+                    </a:lnT>
+                    <a:lnB w="12700" cap="flat" cmpd="sng" algn="ctr">
+                      <a:solidFill>
+                        <a:schemeClr val="tx1"/>
+                      </a:solidFill>
+                      <a:prstDash val="solid"/>
+                      <a:round/>
+                      <a:headEnd type="none" w="med" len="med"/>
+                      <a:tailEnd type="none" w="med" len="med"/>
+                    </a:lnB>
+                    <a:lnTlToBr w="12700" cmpd="sng">
+                      <a:noFill/>
+                      <a:prstDash val="solid"/>
+                    </a:lnTlToBr>
+                    <a:lnBlToTr w="12700" cmpd="sng">
+                      <a:noFill/>
+                      <a:prstDash val="solid"/>
+                    </a:lnBlToTr>
+                    <a:solidFill>
+                      <a:schemeClr val="bg1"/>
+                    </a:solidFill>
+                  </a:tcPr>
+                </a:tc>
+                <a:tc>
+                  <a:txBody>
+                    <a:bodyPr/>
+                    <a:lstStyle/>
+                    <a:p>
+                      <a:pPr algn="ctr"/>
+                      <a:r>
+                        <a:rPr lang="en-US" altLang="zh-TW" sz="3200" dirty="0" smtClean="0">
+                          <a:solidFill>
+                            <a:srgbClr val="FF0000"/>
+                          </a:solidFill>
+                        </a:rPr>
+                        <a:t>2</a:t>
+                      </a:r>
+                      <a:endParaRPr lang="zh-TW" altLang="en-US" sz="3200" dirty="0">
+                        <a:solidFill>
+                          <a:srgbClr val="FF0000"/>
+                        </a:solidFill>
+                      </a:endParaRPr>
+                    </a:p>
+                  </a:txBody>
+                  <a:tcPr>
+                    <a:lnL w="12700" cap="flat" cmpd="sng" algn="ctr">
+                      <a:solidFill>
+                        <a:schemeClr val="tx1"/>
+                      </a:solidFill>
+                      <a:prstDash val="solid"/>
+                      <a:round/>
+                      <a:headEnd type="none" w="med" len="med"/>
+                      <a:tailEnd type="none" w="med" len="med"/>
+                    </a:lnL>
+                    <a:lnR w="12700" cap="flat" cmpd="sng" algn="ctr">
+                      <a:solidFill>
+                        <a:schemeClr val="tx1"/>
+                      </a:solidFill>
+                      <a:prstDash val="solid"/>
+                      <a:round/>
+                      <a:headEnd type="none" w="med" len="med"/>
+                      <a:tailEnd type="none" w="med" len="med"/>
+                    </a:lnR>
+                    <a:lnT w="12700" cap="flat" cmpd="sng" algn="ctr">
+                      <a:solidFill>
+                        <a:schemeClr val="tx1"/>
+                      </a:solidFill>
+                      <a:prstDash val="solid"/>
+                      <a:round/>
+                      <a:headEnd type="none" w="med" len="med"/>
+                      <a:tailEnd type="none" w="med" len="med"/>
+                    </a:lnT>
+                    <a:lnB w="12700" cap="flat" cmpd="sng" algn="ctr">
+                      <a:solidFill>
+                        <a:schemeClr val="tx1"/>
+                      </a:solidFill>
+                      <a:prstDash val="solid"/>
+                      <a:round/>
+                      <a:headEnd type="none" w="med" len="med"/>
+                      <a:tailEnd type="none" w="med" len="med"/>
+                    </a:lnB>
+                    <a:lnTlToBr w="12700" cmpd="sng">
+                      <a:noFill/>
+                      <a:prstDash val="solid"/>
+                    </a:lnTlToBr>
+                    <a:lnBlToTr w="12700" cmpd="sng">
+                      <a:noFill/>
+                      <a:prstDash val="solid"/>
+                    </a:lnBlToTr>
+                    <a:solidFill>
+                      <a:schemeClr val="bg1"/>
+                    </a:solidFill>
+                  </a:tcPr>
+                </a:tc>
+                <a:tc>
+                  <a:txBody>
+                    <a:bodyPr/>
+                    <a:lstStyle/>
+                    <a:p>
+                      <a:pPr algn="ctr"/>
+                      <a:r>
+                        <a:rPr lang="en-US" altLang="zh-TW" sz="3200" dirty="0" smtClean="0">
+                          <a:solidFill>
+                            <a:srgbClr val="FF0000"/>
+                          </a:solidFill>
+                        </a:rPr>
+                        <a:t>3</a:t>
+                      </a:r>
+                      <a:endParaRPr lang="zh-TW" altLang="en-US" sz="3200" dirty="0">
+                        <a:solidFill>
+                          <a:srgbClr val="FF0000"/>
+                        </a:solidFill>
+                      </a:endParaRPr>
+                    </a:p>
+                  </a:txBody>
+                  <a:tcPr>
+                    <a:lnL w="12700" cap="flat" cmpd="sng" algn="ctr">
+                      <a:solidFill>
+                        <a:schemeClr val="tx1"/>
+                      </a:solidFill>
+                      <a:prstDash val="solid"/>
+                      <a:round/>
+                      <a:headEnd type="none" w="med" len="med"/>
+                      <a:tailEnd type="none" w="med" len="med"/>
+                    </a:lnL>
+                    <a:lnR w="12700" cap="flat" cmpd="sng" algn="ctr">
+                      <a:solidFill>
+                        <a:schemeClr val="tx1"/>
+                      </a:solidFill>
+                      <a:prstDash val="solid"/>
+                      <a:round/>
+                      <a:headEnd type="none" w="med" len="med"/>
+                      <a:tailEnd type="none" w="med" len="med"/>
+                    </a:lnR>
+                    <a:lnT w="12700" cap="flat" cmpd="sng" algn="ctr">
+                      <a:solidFill>
+                        <a:schemeClr val="tx1"/>
+                      </a:solidFill>
+                      <a:prstDash val="solid"/>
+                      <a:round/>
+                      <a:headEnd type="none" w="med" len="med"/>
+                      <a:tailEnd type="none" w="med" len="med"/>
+                    </a:lnT>
+                    <a:lnB w="12700" cap="flat" cmpd="sng" algn="ctr">
+                      <a:solidFill>
+                        <a:schemeClr val="tx1"/>
+                      </a:solidFill>
+                      <a:prstDash val="solid"/>
+                      <a:round/>
+                      <a:headEnd type="none" w="med" len="med"/>
+                      <a:tailEnd type="none" w="med" len="med"/>
+                    </a:lnB>
+                    <a:lnTlToBr w="12700" cmpd="sng">
+                      <a:noFill/>
+                      <a:prstDash val="solid"/>
+                    </a:lnTlToBr>
+                    <a:lnBlToTr w="12700" cmpd="sng">
+                      <a:noFill/>
+                      <a:prstDash val="solid"/>
+                    </a:lnBlToTr>
+                    <a:solidFill>
+                      <a:schemeClr val="bg1"/>
+                    </a:solidFill>
+                  </a:tcPr>
+                </a:tc>
+                <a:tc>
+                  <a:txBody>
+                    <a:bodyPr/>
+                    <a:lstStyle/>
+                    <a:p>
+                      <a:pPr algn="ctr"/>
+                      <a:r>
+                        <a:rPr lang="en-US" altLang="zh-TW" sz="3200" dirty="0" smtClean="0">
+                          <a:solidFill>
+                            <a:srgbClr val="FF0000"/>
+                          </a:solidFill>
+                        </a:rPr>
+                        <a:t>4</a:t>
+                      </a:r>
+                      <a:endParaRPr lang="zh-TW" altLang="en-US" sz="3200" dirty="0">
+                        <a:solidFill>
+                          <a:srgbClr val="FF0000"/>
+                        </a:solidFill>
+                      </a:endParaRPr>
+                    </a:p>
+                  </a:txBody>
+                  <a:tcPr>
+                    <a:lnL w="12700" cap="flat" cmpd="sng" algn="ctr">
+                      <a:solidFill>
+                        <a:schemeClr val="tx1"/>
+                      </a:solidFill>
+                      <a:prstDash val="solid"/>
+                      <a:round/>
+                      <a:headEnd type="none" w="med" len="med"/>
+                      <a:tailEnd type="none" w="med" len="med"/>
+                    </a:lnL>
+                    <a:lnR w="12700" cap="flat" cmpd="sng" algn="ctr">
+                      <a:solidFill>
+                        <a:schemeClr val="tx1"/>
+                      </a:solidFill>
+                      <a:prstDash val="solid"/>
+                      <a:round/>
+                      <a:headEnd type="none" w="med" len="med"/>
+                      <a:tailEnd type="none" w="med" len="med"/>
+                    </a:lnR>
+                    <a:lnT w="12700" cap="flat" cmpd="sng" algn="ctr">
+                      <a:solidFill>
+                        <a:schemeClr val="tx1"/>
+                      </a:solidFill>
+                      <a:prstDash val="solid"/>
+                      <a:round/>
+                      <a:headEnd type="none" w="med" len="med"/>
+                      <a:tailEnd type="none" w="med" len="med"/>
+                    </a:lnT>
+                    <a:lnB w="12700" cap="flat" cmpd="sng" algn="ctr">
+                      <a:solidFill>
+                        <a:schemeClr val="tx1"/>
+                      </a:solidFill>
+                      <a:prstDash val="solid"/>
+                      <a:round/>
+                      <a:headEnd type="none" w="med" len="med"/>
+                      <a:tailEnd type="none" w="med" len="med"/>
+                    </a:lnB>
+                    <a:lnTlToBr w="12700" cmpd="sng">
+                      <a:noFill/>
+                      <a:prstDash val="solid"/>
+                    </a:lnTlToBr>
+                    <a:lnBlToTr w="12700" cmpd="sng">
+                      <a:noFill/>
+                      <a:prstDash val="solid"/>
+                    </a:lnBlToTr>
+                    <a:solidFill>
+                      <a:schemeClr val="bg1"/>
+                    </a:solidFill>
+                  </a:tcPr>
+                </a:tc>
+                <a:tc>
+                  <a:txBody>
+                    <a:bodyPr/>
+                    <a:lstStyle/>
+                    <a:p>
+                      <a:pPr algn="ctr"/>
+                      <a:r>
+                        <a:rPr lang="en-US" altLang="zh-TW" sz="3200" dirty="0" smtClean="0">
+                          <a:solidFill>
+                            <a:srgbClr val="FF0000"/>
+                          </a:solidFill>
+                        </a:rPr>
+                        <a:t>5</a:t>
+                      </a:r>
+                      <a:endParaRPr lang="zh-TW" altLang="en-US" sz="3200" dirty="0">
+                        <a:solidFill>
+                          <a:srgbClr val="FF0000"/>
+                        </a:solidFill>
+                      </a:endParaRPr>
+                    </a:p>
+                  </a:txBody>
+                  <a:tcPr>
+                    <a:lnL w="12700" cap="flat" cmpd="sng" algn="ctr">
+                      <a:solidFill>
+                        <a:schemeClr val="tx1"/>
+                      </a:solidFill>
+                      <a:prstDash val="solid"/>
+                      <a:round/>
+                      <a:headEnd type="none" w="med" len="med"/>
+                      <a:tailEnd type="none" w="med" len="med"/>
+                    </a:lnL>
+                    <a:lnR w="12700" cap="flat" cmpd="sng" algn="ctr">
+                      <a:solidFill>
+                        <a:schemeClr val="tx1"/>
+                      </a:solidFill>
+                      <a:prstDash val="solid"/>
+                      <a:round/>
+                      <a:headEnd type="none" w="med" len="med"/>
+                      <a:tailEnd type="none" w="med" len="med"/>
+                    </a:lnR>
+                    <a:lnT w="12700" cap="flat" cmpd="sng" algn="ctr">
+                      <a:solidFill>
+                        <a:schemeClr val="tx1"/>
+                      </a:solidFill>
+                      <a:prstDash val="solid"/>
+                      <a:round/>
+                      <a:headEnd type="none" w="med" len="med"/>
+                      <a:tailEnd type="none" w="med" len="med"/>
+                    </a:lnT>
+                    <a:lnB w="12700" cap="flat" cmpd="sng" algn="ctr">
+                      <a:solidFill>
+                        <a:schemeClr val="tx1"/>
+                      </a:solidFill>
+                      <a:prstDash val="solid"/>
+                      <a:round/>
+                      <a:headEnd type="none" w="med" len="med"/>
+                      <a:tailEnd type="none" w="med" len="med"/>
+                    </a:lnB>
+                    <a:lnTlToBr w="12700" cmpd="sng">
+                      <a:noFill/>
+                      <a:prstDash val="solid"/>
+                    </a:lnTlToBr>
+                    <a:lnBlToTr w="12700" cmpd="sng">
+                      <a:noFill/>
+                      <a:prstDash val="solid"/>
+                    </a:lnBlToTr>
+                    <a:solidFill>
+                      <a:schemeClr val="bg1"/>
+                    </a:solidFill>
+                  </a:tcPr>
+                </a:tc>
+                <a:tc>
+                  <a:txBody>
+                    <a:bodyPr/>
+                    <a:lstStyle/>
+                    <a:p>
+                      <a:pPr algn="ctr"/>
+                      <a:r>
+                        <a:rPr lang="en-US" altLang="zh-TW" sz="3200" dirty="0" smtClean="0">
+                          <a:solidFill>
+                            <a:srgbClr val="FF0000"/>
+                          </a:solidFill>
+                        </a:rPr>
+                        <a:t>6</a:t>
+                      </a:r>
+                      <a:endParaRPr lang="zh-TW" altLang="en-US" sz="3200" dirty="0">
+                        <a:solidFill>
+                          <a:srgbClr val="FF0000"/>
+                        </a:solidFill>
+                      </a:endParaRPr>
+                    </a:p>
+                  </a:txBody>
+                  <a:tcPr>
+                    <a:lnL w="12700" cap="flat" cmpd="sng" algn="ctr">
+                      <a:solidFill>
+                        <a:schemeClr val="tx1"/>
+                      </a:solidFill>
+                      <a:prstDash val="solid"/>
+                      <a:round/>
+                      <a:headEnd type="none" w="med" len="med"/>
+                      <a:tailEnd type="none" w="med" len="med"/>
+                    </a:lnL>
+                    <a:lnR w="12700" cap="flat" cmpd="sng" algn="ctr">
+                      <a:solidFill>
+                        <a:schemeClr val="tx1"/>
+                      </a:solidFill>
+                      <a:prstDash val="solid"/>
+                      <a:round/>
+                      <a:headEnd type="none" w="med" len="med"/>
+                      <a:tailEnd type="none" w="med" len="med"/>
+                    </a:lnR>
+                    <a:lnT w="12700" cap="flat" cmpd="sng" algn="ctr">
+                      <a:solidFill>
+                        <a:schemeClr val="tx1"/>
+                      </a:solidFill>
+                      <a:prstDash val="solid"/>
+                      <a:round/>
+                      <a:headEnd type="none" w="med" len="med"/>
+                      <a:tailEnd type="none" w="med" len="med"/>
+                    </a:lnT>
+                    <a:lnB w="12700" cap="flat" cmpd="sng" algn="ctr">
+                      <a:solidFill>
+                        <a:schemeClr val="tx1"/>
+                      </a:solidFill>
+                      <a:prstDash val="solid"/>
+                      <a:round/>
+                      <a:headEnd type="none" w="med" len="med"/>
+                      <a:tailEnd type="none" w="med" len="med"/>
+                    </a:lnB>
+                    <a:lnTlToBr w="12700" cmpd="sng">
+                      <a:noFill/>
+                      <a:prstDash val="solid"/>
+                    </a:lnTlToBr>
+                    <a:lnBlToTr w="12700" cmpd="sng">
+                      <a:noFill/>
+                      <a:prstDash val="solid"/>
+                    </a:lnBlToTr>
+                    <a:solidFill>
+                      <a:schemeClr val="bg1"/>
+                    </a:solidFill>
+                  </a:tcPr>
+                </a:tc>
+                <a:tc>
+                  <a:txBody>
+                    <a:bodyPr/>
+                    <a:lstStyle/>
+                    <a:p>
+                      <a:pPr algn="ctr"/>
+                      <a:r>
+                        <a:rPr lang="en-US" altLang="zh-TW" sz="3200" dirty="0" smtClean="0">
+                          <a:solidFill>
+                            <a:srgbClr val="FF0000"/>
+                          </a:solidFill>
+                        </a:rPr>
+                        <a:t>7</a:t>
+                      </a:r>
+                      <a:endParaRPr lang="zh-TW" altLang="en-US" sz="3200" dirty="0">
+                        <a:solidFill>
+                          <a:srgbClr val="FF0000"/>
+                        </a:solidFill>
+                      </a:endParaRPr>
+                    </a:p>
+                  </a:txBody>
+                  <a:tcPr>
+                    <a:lnL w="12700" cap="flat" cmpd="sng" algn="ctr">
+                      <a:solidFill>
+                        <a:schemeClr val="tx1"/>
+                      </a:solidFill>
+                      <a:prstDash val="solid"/>
+                      <a:round/>
+                      <a:headEnd type="none" w="med" len="med"/>
+                      <a:tailEnd type="none" w="med" len="med"/>
+                    </a:lnL>
+                    <a:lnR w="12700" cap="flat" cmpd="sng" algn="ctr">
+                      <a:solidFill>
+                        <a:schemeClr val="tx1"/>
+                      </a:solidFill>
+                      <a:prstDash val="solid"/>
+                      <a:round/>
+                      <a:headEnd type="none" w="med" len="med"/>
+                      <a:tailEnd type="none" w="med" len="med"/>
+                    </a:lnR>
+                    <a:lnT w="12700" cap="flat" cmpd="sng" algn="ctr">
+                      <a:solidFill>
+                        <a:schemeClr val="tx1"/>
+                      </a:solidFill>
+                      <a:prstDash val="solid"/>
+                      <a:round/>
+                      <a:headEnd type="none" w="med" len="med"/>
+                      <a:tailEnd type="none" w="med" len="med"/>
+                    </a:lnT>
+                    <a:lnB w="12700" cap="flat" cmpd="sng" algn="ctr">
+                      <a:solidFill>
+                        <a:schemeClr val="tx1"/>
+                      </a:solidFill>
+                      <a:prstDash val="solid"/>
+                      <a:round/>
+                      <a:headEnd type="none" w="med" len="med"/>
+                      <a:tailEnd type="none" w="med" len="med"/>
+                    </a:lnB>
+                    <a:lnTlToBr w="12700" cmpd="sng">
+                      <a:noFill/>
+                      <a:prstDash val="solid"/>
+                    </a:lnTlToBr>
+                    <a:lnBlToTr w="12700" cmpd="sng">
+                      <a:noFill/>
+                      <a:prstDash val="solid"/>
+                    </a:lnBlToTr>
+                    <a:solidFill>
+                      <a:schemeClr val="bg1"/>
+                    </a:solidFill>
+                  </a:tcPr>
+                </a:tc>
+                <a:tc>
+                  <a:txBody>
+                    <a:bodyPr/>
+                    <a:lstStyle/>
+                    <a:p>
+                      <a:pPr algn="ctr"/>
+                      <a:r>
+                        <a:rPr lang="en-US" altLang="zh-TW" sz="3200" dirty="0" smtClean="0">
+                          <a:solidFill>
+                            <a:srgbClr val="FF0000"/>
+                          </a:solidFill>
+                        </a:rPr>
+                        <a:t>8</a:t>
+                      </a:r>
+                      <a:endParaRPr lang="zh-TW" altLang="en-US" sz="3200" dirty="0">
+                        <a:solidFill>
+                          <a:srgbClr val="FF0000"/>
+                        </a:solidFill>
+                      </a:endParaRPr>
+                    </a:p>
+                  </a:txBody>
+                  <a:tcPr>
+                    <a:lnL w="12700" cap="flat" cmpd="sng" algn="ctr">
+                      <a:solidFill>
+                        <a:schemeClr val="tx1"/>
+                      </a:solidFill>
+                      <a:prstDash val="solid"/>
+                      <a:round/>
+                      <a:headEnd type="none" w="med" len="med"/>
+                      <a:tailEnd type="none" w="med" len="med"/>
+                    </a:lnL>
+                    <a:lnR w="12700" cap="flat" cmpd="sng" algn="ctr">
+                      <a:solidFill>
+                        <a:schemeClr val="tx1"/>
+                      </a:solidFill>
+                      <a:prstDash val="solid"/>
+                      <a:round/>
+                      <a:headEnd type="none" w="med" len="med"/>
+                      <a:tailEnd type="none" w="med" len="med"/>
+                    </a:lnR>
+                    <a:lnT w="12700" cap="flat" cmpd="sng" algn="ctr">
+                      <a:solidFill>
+                        <a:schemeClr val="tx1"/>
+                      </a:solidFill>
+                      <a:prstDash val="solid"/>
+                      <a:round/>
+                      <a:headEnd type="none" w="med" len="med"/>
+                      <a:tailEnd type="none" w="med" len="med"/>
+                    </a:lnT>
+                    <a:lnB w="12700" cap="flat" cmpd="sng" algn="ctr">
+                      <a:solidFill>
+                        <a:schemeClr val="tx1"/>
+                      </a:solidFill>
+                      <a:prstDash val="solid"/>
+                      <a:round/>
+                      <a:headEnd type="none" w="med" len="med"/>
+                      <a:tailEnd type="none" w="med" len="med"/>
+                    </a:lnB>
+                    <a:lnTlToBr w="12700" cmpd="sng">
+                      <a:noFill/>
+                      <a:prstDash val="solid"/>
+                    </a:lnTlToBr>
+                    <a:lnBlToTr w="12700" cmpd="sng">
+                      <a:noFill/>
+                      <a:prstDash val="solid"/>
+                    </a:lnBlToTr>
+                    <a:solidFill>
+                      <a:schemeClr val="bg1"/>
+                    </a:solidFill>
+                  </a:tcPr>
+                </a:tc>
+                <a:tc>
+                  <a:txBody>
+                    <a:bodyPr/>
+                    <a:lstStyle/>
+                    <a:p>
+                      <a:pPr algn="ctr"/>
+                      <a:r>
+                        <a:rPr lang="en-US" altLang="zh-TW" sz="3200" dirty="0" smtClean="0">
+                          <a:solidFill>
+                            <a:srgbClr val="FF0000"/>
+                          </a:solidFill>
+                        </a:rPr>
+                        <a:t>9</a:t>
+                      </a:r>
+                      <a:endParaRPr lang="zh-TW" altLang="en-US" sz="3200" dirty="0">
+                        <a:solidFill>
+                          <a:srgbClr val="FF0000"/>
+                        </a:solidFill>
+                      </a:endParaRPr>
+                    </a:p>
+                  </a:txBody>
+                  <a:tcPr>
+                    <a:lnL w="12700" cap="flat" cmpd="sng" algn="ctr">
+                      <a:solidFill>
+                        <a:schemeClr val="tx1"/>
+                      </a:solidFill>
+                      <a:prstDash val="solid"/>
+                      <a:round/>
+                      <a:headEnd type="none" w="med" len="med"/>
+                      <a:tailEnd type="none" w="med" len="med"/>
+                    </a:lnL>
+                    <a:lnR w="12700" cap="flat" cmpd="sng" algn="ctr">
+                      <a:solidFill>
+                        <a:schemeClr val="tx1"/>
+                      </a:solidFill>
+                      <a:prstDash val="solid"/>
+                      <a:round/>
+                      <a:headEnd type="none" w="med" len="med"/>
+                      <a:tailEnd type="none" w="med" len="med"/>
+                    </a:lnR>
+                    <a:lnT w="12700" cap="flat" cmpd="sng" algn="ctr">
+                      <a:solidFill>
+                        <a:schemeClr val="tx1"/>
+                      </a:solidFill>
+                      <a:prstDash val="solid"/>
+                      <a:round/>
+                      <a:headEnd type="none" w="med" len="med"/>
+                      <a:tailEnd type="none" w="med" len="med"/>
+                    </a:lnT>
+                    <a:lnB w="12700" cap="flat" cmpd="sng" algn="ctr">
+                      <a:solidFill>
+                        <a:schemeClr val="tx1"/>
+                      </a:solidFill>
+                      <a:prstDash val="solid"/>
+                      <a:round/>
+                      <a:headEnd type="none" w="med" len="med"/>
+                      <a:tailEnd type="none" w="med" len="med"/>
+                    </a:lnB>
+                    <a:lnTlToBr w="12700" cmpd="sng">
+                      <a:noFill/>
+                      <a:prstDash val="solid"/>
+                    </a:lnTlToBr>
+                    <a:lnBlToTr w="12700" cmpd="sng">
+                      <a:noFill/>
+                      <a:prstDash val="solid"/>
+                    </a:lnBlToTr>
+                    <a:solidFill>
+                      <a:schemeClr val="bg1"/>
+                    </a:solidFill>
+                  </a:tcPr>
+                </a:tc>
+                <a:tc>
+                  <a:txBody>
+                    <a:bodyPr/>
+                    <a:lstStyle/>
+                    <a:p>
+                      <a:pPr algn="ctr"/>
+                      <a:r>
+                        <a:rPr lang="en-US" altLang="zh-TW" sz="3200" dirty="0" smtClean="0">
+                          <a:solidFill>
+                            <a:srgbClr val="FF0000"/>
+                          </a:solidFill>
+                        </a:rPr>
+                        <a:t>10</a:t>
+                      </a:r>
+                      <a:endParaRPr lang="zh-TW" altLang="en-US" sz="3200" dirty="0">
+                        <a:solidFill>
+                          <a:srgbClr val="FF0000"/>
+                        </a:solidFill>
+                      </a:endParaRPr>
+                    </a:p>
+                  </a:txBody>
+                  <a:tcPr>
+                    <a:lnL w="12700" cap="flat" cmpd="sng" algn="ctr">
+                      <a:solidFill>
+                        <a:schemeClr val="tx1"/>
+                      </a:solidFill>
+                      <a:prstDash val="solid"/>
+                      <a:round/>
+                      <a:headEnd type="none" w="med" len="med"/>
+                      <a:tailEnd type="none" w="med" len="med"/>
+                    </a:lnL>
+                    <a:lnR w="12700" cap="flat" cmpd="sng" algn="ctr">
+                      <a:solidFill>
+                        <a:schemeClr val="tx1"/>
+                      </a:solidFill>
+                      <a:prstDash val="solid"/>
+                      <a:round/>
+                      <a:headEnd type="none" w="med" len="med"/>
+                      <a:tailEnd type="none" w="med" len="med"/>
+                    </a:lnR>
+                    <a:lnT w="12700" cap="flat" cmpd="sng" algn="ctr">
+                      <a:solidFill>
+                        <a:schemeClr val="tx1"/>
+                      </a:solidFill>
+                      <a:prstDash val="solid"/>
+                      <a:round/>
+                      <a:headEnd type="none" w="med" len="med"/>
+                      <a:tailEnd type="none" w="med" len="med"/>
+                    </a:lnT>
+                    <a:lnB w="12700" cap="flat" cmpd="sng" algn="ctr">
+                      <a:solidFill>
+                        <a:schemeClr val="tx1"/>
+                      </a:solidFill>
+                      <a:prstDash val="solid"/>
+                      <a:round/>
+                      <a:headEnd type="none" w="med" len="med"/>
+                      <a:tailEnd type="none" w="med" len="med"/>
+                    </a:lnB>
+                    <a:lnTlToBr w="12700" cmpd="sng">
+                      <a:noFill/>
+                      <a:prstDash val="solid"/>
+                    </a:lnTlToBr>
+                    <a:lnBlToTr w="12700" cmpd="sng">
+                      <a:noFill/>
+                      <a:prstDash val="solid"/>
+                    </a:lnBlToTr>
+                    <a:solidFill>
+                      <a:schemeClr val="bg1"/>
+                    </a:solidFill>
+                  </a:tcPr>
+                </a:tc>
+                <a:tc>
+                  <a:txBody>
+                    <a:bodyPr/>
+                    <a:lstStyle/>
+                    <a:p>
+                      <a:pPr algn="ctr"/>
+                      <a:r>
+                        <a:rPr lang="en-US" altLang="zh-TW" sz="3200" dirty="0" smtClean="0">
+                          <a:solidFill>
+                            <a:srgbClr val="FF0000"/>
+                          </a:solidFill>
+                        </a:rPr>
+                        <a:t>11</a:t>
+                      </a:r>
+                      <a:endParaRPr lang="zh-TW" altLang="en-US" sz="3200" dirty="0">
+                        <a:solidFill>
+                          <a:srgbClr val="FF0000"/>
+                        </a:solidFill>
+                      </a:endParaRPr>
+                    </a:p>
+                  </a:txBody>
+                  <a:tcPr>
+                    <a:lnL w="12700" cap="flat" cmpd="sng" algn="ctr">
+                      <a:solidFill>
+                        <a:schemeClr val="tx1"/>
+                      </a:solidFill>
+                      <a:prstDash val="solid"/>
+                      <a:round/>
+                      <a:headEnd type="none" w="med" len="med"/>
+                      <a:tailEnd type="none" w="med" len="med"/>
+                    </a:lnL>
+                    <a:lnR w="12700" cap="flat" cmpd="sng" algn="ctr">
+                      <a:solidFill>
+                        <a:schemeClr val="tx1"/>
+                      </a:solidFill>
+                      <a:prstDash val="solid"/>
+                      <a:round/>
+                      <a:headEnd type="none" w="med" len="med"/>
+                      <a:tailEnd type="none" w="med" len="med"/>
+                    </a:lnR>
+                    <a:lnT w="12700" cap="flat" cmpd="sng" algn="ctr">
+                      <a:solidFill>
+                        <a:schemeClr val="tx1"/>
+                      </a:solidFill>
+                      <a:prstDash val="solid"/>
+                      <a:round/>
+                      <a:headEnd type="none" w="med" len="med"/>
+                      <a:tailEnd type="none" w="med" len="med"/>
+                    </a:lnT>
+                    <a:lnB w="12700" cap="flat" cmpd="sng" algn="ctr">
+                      <a:solidFill>
+                        <a:schemeClr val="tx1"/>
+                      </a:solidFill>
+                      <a:prstDash val="solid"/>
+                      <a:round/>
+                      <a:headEnd type="none" w="med" len="med"/>
+                      <a:tailEnd type="none" w="med" len="med"/>
+                    </a:lnB>
+                    <a:lnTlToBr w="12700" cmpd="sng">
+                      <a:noFill/>
+                      <a:prstDash val="solid"/>
+                    </a:lnTlToBr>
+                    <a:lnBlToTr w="12700" cmpd="sng">
+                      <a:noFill/>
+                      <a:prstDash val="solid"/>
+                    </a:lnBlToTr>
+                    <a:solidFill>
+                      <a:schemeClr val="bg1"/>
+                    </a:solidFill>
+                  </a:tcPr>
+                </a:tc>
+                <a:tc>
+                  <a:txBody>
+                    <a:bodyPr/>
+                    <a:lstStyle/>
+                    <a:p>
+                      <a:pPr algn="ctr"/>
+                      <a:r>
+                        <a:rPr lang="en-US" altLang="zh-TW" sz="3200" dirty="0" smtClean="0">
+                          <a:solidFill>
+                            <a:srgbClr val="FF0000"/>
+                          </a:solidFill>
+                        </a:rPr>
+                        <a:t>12</a:t>
+                      </a:r>
+                      <a:endParaRPr lang="zh-TW" altLang="en-US" sz="3200" dirty="0">
+                        <a:solidFill>
+                          <a:srgbClr val="FF0000"/>
+                        </a:solidFill>
+                      </a:endParaRPr>
+                    </a:p>
+                  </a:txBody>
+                  <a:tcPr>
+                    <a:lnL w="12700" cap="flat" cmpd="sng" algn="ctr">
+                      <a:solidFill>
+                        <a:schemeClr val="tx1"/>
+                      </a:solidFill>
+                      <a:prstDash val="solid"/>
+                      <a:round/>
+                      <a:headEnd type="none" w="med" len="med"/>
+                      <a:tailEnd type="none" w="med" len="med"/>
+                    </a:lnL>
+                    <a:lnR w="12700" cap="flat" cmpd="sng" algn="ctr">
+                      <a:solidFill>
+                        <a:schemeClr val="tx1"/>
+                      </a:solidFill>
+                      <a:prstDash val="solid"/>
+                      <a:round/>
+                      <a:headEnd type="none" w="med" len="med"/>
+                      <a:tailEnd type="none" w="med" len="med"/>
+                    </a:lnR>
+                    <a:lnT w="12700" cap="flat" cmpd="sng" algn="ctr">
+                      <a:solidFill>
+                        <a:schemeClr val="tx1"/>
+                      </a:solidFill>
+                      <a:prstDash val="solid"/>
+                      <a:round/>
+                      <a:headEnd type="none" w="med" len="med"/>
+                      <a:tailEnd type="none" w="med" len="med"/>
+                    </a:lnT>
+                    <a:lnB w="12700" cap="flat" cmpd="sng" algn="ctr">
+                      <a:solidFill>
+                        <a:schemeClr val="tx1"/>
+                      </a:solidFill>
+                      <a:prstDash val="solid"/>
+                      <a:round/>
+                      <a:headEnd type="none" w="med" len="med"/>
+                      <a:tailEnd type="none" w="med" len="med"/>
+                    </a:lnB>
+                    <a:lnTlToBr w="12700" cmpd="sng">
+                      <a:noFill/>
+                      <a:prstDash val="solid"/>
+                    </a:lnTlToBr>
+                    <a:lnBlToTr w="12700" cmpd="sng">
+                      <a:noFill/>
+                      <a:prstDash val="solid"/>
+                    </a:lnBlToTr>
+                    <a:solidFill>
+                      <a:schemeClr val="bg1"/>
+                    </a:solidFill>
+                  </a:tcPr>
+                </a:tc>
+                <a:extLst>
+                  <a:ext uri="{0D108BD9-81ED-4DB2-BD59-A6C34878D82A}">
+                    <a16:rowId xmlns:a16="http://schemas.microsoft.com/office/drawing/2014/main" val="2365747943"/>
+                  </a:ext>
+                </a:extLst>
+              </a:tr>
+            </a:tbl>
+          </a:graphicData>
+        </a:graphic>
+      </p:graphicFrame>
+      <p:sp>
+        <p:nvSpPr>
+          <p:cNvPr id="7" name="矩形 6"/>
+          <p:cNvSpPr/>
+          <p:nvPr/>
+        </p:nvSpPr>
+        <p:spPr>
+          <a:xfrm>
+            <a:off x="3084945" y="1856509"/>
+            <a:ext cx="6548582" cy="1533236"/>
+          </a:xfrm>
+          <a:prstGeom prst="rect">
+            <a:avLst/>
+          </a:prstGeom>
+          <a:solidFill>
+            <a:srgbClr val="83DA0E">
+              <a:alpha val="20000"/>
+            </a:srgbClr>
+          </a:solidFill>
+          <a:ln>
+            <a:noFill/>
+          </a:ln>
+        </p:spPr>
+        <p:style>
+          <a:lnRef idx="2">
+            <a:schemeClr val="accent1">
+              <a:shade val="50000"/>
+            </a:schemeClr>
+          </a:lnRef>
+          <a:fillRef idx="1">
+            <a:schemeClr val="accent1"/>
+          </a:fillRef>
+          <a:effectRef idx="0">
+            <a:schemeClr val="accent1"/>
+          </a:effectRef>
+          <a:fontRef idx="minor">
+            <a:schemeClr val="lt1"/>
+          </a:fontRef>
+        </p:style>
+        <p:txBody>
+          <a:bodyPr rtlCol="0" anchor="ctr"/>
+          <a:lstStyle/>
+          <a:p>
+            <a:pPr algn="ctr"/>
+            <a:endParaRPr lang="zh-TW" altLang="en-US"/>
+          </a:p>
+        </p:txBody>
+      </p:sp>
+      <p:sp>
+        <p:nvSpPr>
+          <p:cNvPr id="8" name="文字方塊 7"/>
+          <p:cNvSpPr txBox="1"/>
+          <p:nvPr/>
+        </p:nvSpPr>
+        <p:spPr>
+          <a:xfrm>
+            <a:off x="911662" y="3500583"/>
+            <a:ext cx="2425664" cy="369332"/>
+          </a:xfrm>
+          <a:prstGeom prst="rect">
+            <a:avLst/>
+          </a:prstGeom>
+          <a:noFill/>
+        </p:spPr>
+        <p:txBody>
+          <a:bodyPr wrap="none" rtlCol="0">
+            <a:spAutoFit/>
+          </a:bodyPr>
+          <a:lstStyle/>
+          <a:p>
+            <a:r>
+              <a:rPr lang="en-US" altLang="zh-TW" dirty="0" smtClean="0"/>
+              <a:t>If (month &lt;= 3)    else</a:t>
+            </a:r>
+            <a:endParaRPr lang="zh-TW" altLang="en-US" dirty="0"/>
+          </a:p>
+        </p:txBody>
+      </p:sp>
+      <p:sp>
+        <p:nvSpPr>
+          <p:cNvPr id="9" name="矩形 8"/>
+          <p:cNvSpPr/>
+          <p:nvPr/>
+        </p:nvSpPr>
+        <p:spPr>
+          <a:xfrm>
+            <a:off x="5258228" y="1864976"/>
+            <a:ext cx="4375298" cy="1533236"/>
+          </a:xfrm>
+          <a:prstGeom prst="rect">
+            <a:avLst/>
+          </a:prstGeom>
+          <a:solidFill>
+            <a:schemeClr val="accent5">
+              <a:lumMod val="60000"/>
+              <a:lumOff val="40000"/>
+              <a:alpha val="20000"/>
+            </a:schemeClr>
+          </a:solidFill>
+          <a:ln>
+            <a:noFill/>
+          </a:ln>
+        </p:spPr>
+        <p:style>
+          <a:lnRef idx="2">
+            <a:schemeClr val="accent1">
+              <a:shade val="50000"/>
+            </a:schemeClr>
+          </a:lnRef>
+          <a:fillRef idx="1">
+            <a:schemeClr val="accent1"/>
+          </a:fillRef>
+          <a:effectRef idx="0">
+            <a:schemeClr val="accent1"/>
+          </a:effectRef>
+          <a:fontRef idx="minor">
+            <a:schemeClr val="lt1"/>
+          </a:fontRef>
+        </p:style>
+        <p:txBody>
+          <a:bodyPr rtlCol="0" anchor="ctr"/>
+          <a:lstStyle/>
+          <a:p>
+            <a:pPr algn="ctr"/>
+            <a:endParaRPr lang="zh-TW" altLang="en-US"/>
+          </a:p>
+        </p:txBody>
+      </p:sp>
+      <p:sp>
+        <p:nvSpPr>
+          <p:cNvPr id="10" name="文字方塊 9"/>
+          <p:cNvSpPr txBox="1"/>
+          <p:nvPr/>
+        </p:nvSpPr>
+        <p:spPr>
+          <a:xfrm>
+            <a:off x="3352799" y="3869915"/>
+            <a:ext cx="2890982" cy="369332"/>
+          </a:xfrm>
+          <a:prstGeom prst="rect">
+            <a:avLst/>
+          </a:prstGeom>
+          <a:noFill/>
+        </p:spPr>
+        <p:txBody>
+          <a:bodyPr wrap="square" rtlCol="0">
+            <a:spAutoFit/>
+          </a:bodyPr>
+          <a:lstStyle/>
+          <a:p>
+            <a:r>
+              <a:rPr lang="en-US" altLang="zh-TW" dirty="0" smtClean="0"/>
+              <a:t>If (month &lt;= 6)    else</a:t>
+            </a:r>
+            <a:endParaRPr lang="zh-TW" altLang="en-US" dirty="0"/>
+          </a:p>
+        </p:txBody>
+      </p:sp>
+      <p:sp>
+        <p:nvSpPr>
+          <p:cNvPr id="11" name="矩形 10"/>
+          <p:cNvSpPr/>
+          <p:nvPr/>
+        </p:nvSpPr>
+        <p:spPr>
+          <a:xfrm>
+            <a:off x="7445877" y="1856509"/>
+            <a:ext cx="2202015" cy="1533236"/>
+          </a:xfrm>
+          <a:prstGeom prst="rect">
+            <a:avLst/>
+          </a:prstGeom>
+          <a:solidFill>
+            <a:srgbClr val="7030A0">
+              <a:alpha val="20000"/>
+            </a:srgbClr>
+          </a:solidFill>
+          <a:ln>
+            <a:noFill/>
+          </a:ln>
+        </p:spPr>
+        <p:style>
+          <a:lnRef idx="2">
+            <a:schemeClr val="accent1">
+              <a:shade val="50000"/>
+            </a:schemeClr>
+          </a:lnRef>
+          <a:fillRef idx="1">
+            <a:schemeClr val="accent1"/>
+          </a:fillRef>
+          <a:effectRef idx="0">
+            <a:schemeClr val="accent1"/>
+          </a:effectRef>
+          <a:fontRef idx="minor">
+            <a:schemeClr val="lt1"/>
+          </a:fontRef>
+        </p:style>
+        <p:txBody>
+          <a:bodyPr rtlCol="0" anchor="ctr"/>
+          <a:lstStyle/>
+          <a:p>
+            <a:pPr algn="ctr"/>
+            <a:endParaRPr lang="zh-TW" altLang="en-US"/>
+          </a:p>
+        </p:txBody>
+      </p:sp>
+      <p:sp>
+        <p:nvSpPr>
+          <p:cNvPr id="12" name="文字方塊 11"/>
+          <p:cNvSpPr txBox="1"/>
+          <p:nvPr/>
+        </p:nvSpPr>
+        <p:spPr>
+          <a:xfrm>
+            <a:off x="5526082" y="4415630"/>
+            <a:ext cx="2890982" cy="369332"/>
+          </a:xfrm>
+          <a:prstGeom prst="rect">
+            <a:avLst/>
+          </a:prstGeom>
+          <a:noFill/>
+        </p:spPr>
+        <p:txBody>
+          <a:bodyPr wrap="square" rtlCol="0">
+            <a:spAutoFit/>
+          </a:bodyPr>
+          <a:lstStyle/>
+          <a:p>
+            <a:r>
+              <a:rPr lang="en-US" altLang="zh-TW" dirty="0" smtClean="0"/>
+              <a:t>If (month &lt;= 9)    else</a:t>
+            </a:r>
+            <a:endParaRPr lang="zh-TW" altLang="en-US" dirty="0"/>
+          </a:p>
+        </p:txBody>
+      </p:sp>
+    </p:spTree>
+    <p:extLst>
+      <p:ext uri="{BB962C8B-B14F-4D97-AF65-F5344CB8AC3E}">
+        <p14:creationId xmlns:p14="http://schemas.microsoft.com/office/powerpoint/2010/main" val="2800962221"/>
+      </p:ext>
+    </p:extLst>
+  </p:cSld>
+  <p:clrMapOvr>
+    <a:masterClrMapping/>
+  </p:clrMapOvr>
+  <p:timing>
+    <p:tnLst>
+      <p:par>
+        <p:cTn id="1" dur="indefinite" restart="never" nodeType="tmRoot">
+          <p:childTnLst>
+            <p:seq concurrent="1" nextAc="seek">
+              <p:cTn id="2" dur="indefinite" nodeType="mainSeq">
+                <p:childTnLst>
+                  <p:par>
+                    <p:cTn id="3" fill="hold">
+                      <p:stCondLst>
+                        <p:cond delay="indefinite"/>
+                      </p:stCondLst>
+                      <p:childTnLst>
+                        <p:par>
+                          <p:cTn id="4" fill="hold">
+                            <p:stCondLst>
+                              <p:cond delay="0"/>
+                            </p:stCondLst>
+                            <p:childTnLst>
+                              <p:par>
+                                <p:cTn id="5" presetID="1" presetClass="entr" presetSubtype="0" fill="hold" grpId="0" nodeType="clickEffect">
+                                  <p:stCondLst>
+                                    <p:cond delay="0"/>
+                                  </p:stCondLst>
+                                  <p:childTnLst>
+                                    <p:set>
+                                      <p:cBhvr>
+                                        <p:cTn id="6" dur="1" fill="hold">
+                                          <p:stCondLst>
+                                            <p:cond delay="0"/>
+                                          </p:stCondLst>
+                                        </p:cTn>
+                                        <p:tgtEl>
+                                          <p:spTgt spid="8"/>
+                                        </p:tgtEl>
+                                        <p:attrNameLst>
+                                          <p:attrName>style.visibility</p:attrName>
+                                        </p:attrNameLst>
+                                      </p:cBhvr>
+                                      <p:to>
+                                        <p:strVal val="visible"/>
+                                      </p:to>
+                                    </p:set>
+                                  </p:childTnLst>
+                                </p:cTn>
+                              </p:par>
+                              <p:par>
+                                <p:cTn id="7" presetID="1" presetClass="entr" presetSubtype="0" fill="hold" grpId="0" nodeType="withEffect">
+                                  <p:stCondLst>
+                                    <p:cond delay="0"/>
+                                  </p:stCondLst>
+                                  <p:childTnLst>
+                                    <p:set>
+                                      <p:cBhvr>
+                                        <p:cTn id="8" dur="1" fill="hold">
+                                          <p:stCondLst>
+                                            <p:cond delay="0"/>
+                                          </p:stCondLst>
+                                        </p:cTn>
+                                        <p:tgtEl>
+                                          <p:spTgt spid="7"/>
+                                        </p:tgtEl>
+                                        <p:attrNameLst>
+                                          <p:attrName>style.visibility</p:attrName>
+                                        </p:attrNameLst>
+                                      </p:cBhvr>
+                                      <p:to>
+                                        <p:strVal val="visible"/>
+                                      </p:to>
+                                    </p:set>
+                                  </p:childTnLst>
+                                </p:cTn>
+                              </p:par>
+                            </p:childTnLst>
+                          </p:cTn>
+                        </p:par>
+                      </p:childTnLst>
+                    </p:cTn>
+                  </p:par>
+                  <p:par>
+                    <p:cTn id="9" fill="hold">
+                      <p:stCondLst>
+                        <p:cond delay="indefinite"/>
+                      </p:stCondLst>
+                      <p:childTnLst>
+                        <p:par>
+                          <p:cTn id="10" fill="hold">
+                            <p:stCondLst>
+                              <p:cond delay="0"/>
+                            </p:stCondLst>
+                            <p:childTnLst>
+                              <p:par>
+                                <p:cTn id="11" presetID="1" presetClass="entr" presetSubtype="0" fill="hold" grpId="0" nodeType="clickEffect">
+                                  <p:stCondLst>
+                                    <p:cond delay="0"/>
+                                  </p:stCondLst>
+                                  <p:childTnLst>
+                                    <p:set>
+                                      <p:cBhvr>
+                                        <p:cTn id="12" dur="1" fill="hold">
+                                          <p:stCondLst>
+                                            <p:cond delay="0"/>
+                                          </p:stCondLst>
+                                        </p:cTn>
+                                        <p:tgtEl>
+                                          <p:spTgt spid="10"/>
+                                        </p:tgtEl>
+                                        <p:attrNameLst>
+                                          <p:attrName>style.visibility</p:attrName>
+                                        </p:attrNameLst>
+                                      </p:cBhvr>
+                                      <p:to>
+                                        <p:strVal val="visible"/>
+                                      </p:to>
+                                    </p:set>
+                                  </p:childTnLst>
+                                </p:cTn>
+                              </p:par>
+                              <p:par>
+                                <p:cTn id="13" presetID="1" presetClass="entr" presetSubtype="0" fill="hold" grpId="0" nodeType="withEffect">
+                                  <p:stCondLst>
+                                    <p:cond delay="0"/>
+                                  </p:stCondLst>
+                                  <p:childTnLst>
+                                    <p:set>
+                                      <p:cBhvr>
+                                        <p:cTn id="14" dur="1" fill="hold">
+                                          <p:stCondLst>
+                                            <p:cond delay="0"/>
+                                          </p:stCondLst>
+                                        </p:cTn>
+                                        <p:tgtEl>
+                                          <p:spTgt spid="9"/>
+                                        </p:tgtEl>
+                                        <p:attrNameLst>
+                                          <p:attrName>style.visibility</p:attrName>
+                                        </p:attrNameLst>
+                                      </p:cBhvr>
+                                      <p:to>
+                                        <p:strVal val="visible"/>
+                                      </p:to>
+                                    </p:set>
+                                  </p:childTnLst>
+                                </p:cTn>
+                              </p:par>
+                            </p:childTnLst>
+                          </p:cTn>
+                        </p:par>
+                      </p:childTnLst>
+                    </p:cTn>
+                  </p:par>
+                  <p:par>
+                    <p:cTn id="15" fill="hold">
+                      <p:stCondLst>
+                        <p:cond delay="indefinite"/>
+                      </p:stCondLst>
+                      <p:childTnLst>
+                        <p:par>
+                          <p:cTn id="16" fill="hold">
+                            <p:stCondLst>
+                              <p:cond delay="0"/>
+                            </p:stCondLst>
+                            <p:childTnLst>
+                              <p:par>
+                                <p:cTn id="17" presetID="1" presetClass="entr" presetSubtype="0" fill="hold" grpId="0" nodeType="clickEffect">
+                                  <p:stCondLst>
+                                    <p:cond delay="0"/>
+                                  </p:stCondLst>
+                                  <p:childTnLst>
+                                    <p:set>
+                                      <p:cBhvr>
+                                        <p:cTn id="18" dur="1" fill="hold">
+                                          <p:stCondLst>
+                                            <p:cond delay="0"/>
+                                          </p:stCondLst>
+                                        </p:cTn>
+                                        <p:tgtEl>
+                                          <p:spTgt spid="12"/>
+                                        </p:tgtEl>
+                                        <p:attrNameLst>
+                                          <p:attrName>style.visibility</p:attrName>
+                                        </p:attrNameLst>
+                                      </p:cBhvr>
+                                      <p:to>
+                                        <p:strVal val="visible"/>
+                                      </p:to>
+                                    </p:set>
+                                  </p:childTnLst>
+                                </p:cTn>
+                              </p:par>
+                              <p:par>
+                                <p:cTn id="19" presetID="1" presetClass="entr" presetSubtype="0" fill="hold" grpId="0" nodeType="withEffect">
+                                  <p:stCondLst>
+                                    <p:cond delay="0"/>
+                                  </p:stCondLst>
+                                  <p:childTnLst>
+                                    <p:set>
+                                      <p:cBhvr>
+                                        <p:cTn id="20" dur="1" fill="hold">
+                                          <p:stCondLst>
+                                            <p:cond delay="0"/>
+                                          </p:stCondLst>
+                                        </p:cTn>
+                                        <p:tgtEl>
+                                          <p:spTgt spid="11"/>
+                                        </p:tgtEl>
+                                        <p:attrNameLst>
+                                          <p:attrName>style.visibility</p:attrName>
+                                        </p:attrNameLst>
+                                      </p:cBhvr>
+                                      <p:to>
+                                        <p:strVal val="visible"/>
+                                      </p:to>
+                                    </p:set>
+                                  </p:childTnLst>
+                                </p:cTn>
+                              </p:par>
+                            </p:childTnLst>
+                          </p:cTn>
+                        </p:par>
+                      </p:childTnLst>
+                    </p:cTn>
+                  </p:par>
+                </p:childTnLst>
+              </p:cTn>
+              <p:prevCondLst>
+                <p:cond evt="onPrev" delay="0">
+                  <p:tgtEl>
+                    <p:sldTgt/>
+                  </p:tgtEl>
+                </p:cond>
+              </p:prevCondLst>
+              <p:nextCondLst>
+                <p:cond evt="onNext" delay="0">
+                  <p:tgtEl>
+                    <p:sldTgt/>
+                  </p:tgtEl>
+                </p:cond>
+              </p:nextCondLst>
+            </p:seq>
+          </p:childTnLst>
+        </p:cTn>
+      </p:par>
+    </p:tnLst>
+    <p:bldLst>
+      <p:bldP spid="7" grpId="0" animBg="1"/>
+      <p:bldP spid="8" grpId="0"/>
+      <p:bldP spid="9" grpId="0" animBg="1"/>
+      <p:bldP spid="10" grpId="0"/>
+      <p:bldP spid="11" grpId="0" animBg="1"/>
+      <p:bldP spid="12" grpId="0"/>
+    </p:bldLst>
+  </p:timing>
+</p:sld>
+</file>
+
+<file path=ppt/slides/slide18.xml><?xml version="1.0" encoding="utf-8"?>
 <p:sld xmlns:a="http://schemas.openxmlformats.org/drawingml/2006/main" xmlns:r="http://schemas.openxmlformats.org/officeDocument/2006/relationships" xmlns:p="http://schemas.openxmlformats.org/presentationml/2006/main">
   <p:cSld>
     <p:spTree>
@@ -9349,236 +11572,6 @@
 </p:sld>
 </file>
 
-<file path=ppt/slides/slide17.xml><?xml version="1.0" encoding="utf-8"?>
-<p:sld xmlns:a="http://schemas.openxmlformats.org/drawingml/2006/main" xmlns:r="http://schemas.openxmlformats.org/officeDocument/2006/relationships" xmlns:p="http://schemas.openxmlformats.org/presentationml/2006/main">
-  <p:cSld>
-    <p:spTree>
-      <p:nvGrpSpPr>
-        <p:cNvPr id="1" name=""/>
-        <p:cNvGrpSpPr/>
-        <p:nvPr/>
-      </p:nvGrpSpPr>
-      <p:grpSpPr>
-        <a:xfrm>
-          <a:off x="0" y="0"/>
-          <a:ext cx="0" cy="0"/>
-          <a:chOff x="0" y="0"/>
-          <a:chExt cx="0" cy="0"/>
-        </a:xfrm>
-      </p:grpSpPr>
-      <p:sp>
-        <p:nvSpPr>
-          <p:cNvPr id="2" name="標題 1"/>
-          <p:cNvSpPr>
-            <a:spLocks noGrp="1"/>
-          </p:cNvSpPr>
-          <p:nvPr>
-            <p:ph type="title"/>
-          </p:nvPr>
-        </p:nvSpPr>
-        <p:spPr/>
-        <p:txBody>
-          <a:bodyPr/>
-          <a:lstStyle/>
-          <a:p>
-            <a:r>
-              <a:rPr lang="zh-TW" altLang="en-US" dirty="0" smtClean="0"/>
-              <a:t>小練習</a:t>
-            </a:r>
-            <a:r>
-              <a:rPr lang="en-US" altLang="zh-TW" dirty="0" smtClean="0"/>
-              <a:t/>
-            </a:r>
-            <a:br>
-              <a:rPr lang="en-US" altLang="zh-TW" dirty="0" smtClean="0"/>
-            </a:br>
-            <a:r>
-              <a:rPr lang="zh-TW" altLang="en-US" dirty="0"/>
-              <a:t>自己來喔</a:t>
-            </a:r>
-          </a:p>
-        </p:txBody>
-      </p:sp>
-      <p:sp>
-        <p:nvSpPr>
-          <p:cNvPr id="3" name="內容版面配置區 2"/>
-          <p:cNvSpPr>
-            <a:spLocks noGrp="1"/>
-          </p:cNvSpPr>
-          <p:nvPr>
-            <p:ph idx="1"/>
-          </p:nvPr>
-        </p:nvSpPr>
-        <p:spPr/>
-        <p:txBody>
-          <a:bodyPr/>
-          <a:lstStyle/>
-          <a:p>
-            <a:r>
-              <a:rPr lang="zh-TW" altLang="en-US" dirty="0" smtClean="0"/>
-              <a:t>輸入三角型三邊長，判斷是否可以形成三角形。</a:t>
-            </a:r>
-            <a:endParaRPr lang="en-US" altLang="zh-TW" dirty="0" smtClean="0"/>
-          </a:p>
-          <a:p>
-            <a:pPr lvl="1"/>
-            <a:r>
-              <a:rPr lang="zh-TW" altLang="en-US" dirty="0"/>
-              <a:t>進階：是不是正三角形</a:t>
-            </a:r>
-            <a:r>
-              <a:rPr lang="zh-TW" altLang="en-US" dirty="0" smtClean="0"/>
-              <a:t>？是不是直角三角形？是不是鈍</a:t>
-            </a:r>
-            <a:r>
-              <a:rPr lang="en-US" altLang="zh-TW" dirty="0" smtClean="0"/>
-              <a:t>(</a:t>
-            </a:r>
-            <a:r>
-              <a:rPr lang="zh-TW" altLang="en-US" dirty="0" smtClean="0"/>
-              <a:t>銳</a:t>
-            </a:r>
-            <a:r>
-              <a:rPr lang="en-US" altLang="zh-TW" dirty="0" smtClean="0"/>
-              <a:t>)</a:t>
-            </a:r>
-            <a:r>
-              <a:rPr lang="zh-TW" altLang="en-US" dirty="0" smtClean="0"/>
-              <a:t>角三角形</a:t>
-            </a:r>
-            <a:r>
-              <a:rPr lang="zh-TW" altLang="en-US" dirty="0" smtClean="0"/>
-              <a:t>？</a:t>
-            </a:r>
-            <a:endParaRPr lang="en-US" altLang="zh-TW" dirty="0" smtClean="0"/>
-          </a:p>
-          <a:p>
-            <a:pPr lvl="1"/>
-            <a:endParaRPr lang="en-US" altLang="zh-TW" dirty="0"/>
-          </a:p>
-        </p:txBody>
-      </p:sp>
-    </p:spTree>
-    <p:extLst>
-      <p:ext uri="{BB962C8B-B14F-4D97-AF65-F5344CB8AC3E}">
-        <p14:creationId xmlns:p14="http://schemas.microsoft.com/office/powerpoint/2010/main" val="3258730567"/>
-      </p:ext>
-    </p:extLst>
-  </p:cSld>
-  <p:clrMapOvr>
-    <a:masterClrMapping/>
-  </p:clrMapOvr>
-  <p:timing>
-    <p:tnLst>
-      <p:par>
-        <p:cTn id="1" dur="indefinite" restart="never" nodeType="tmRoot"/>
-      </p:par>
-    </p:tnLst>
-  </p:timing>
-</p:sld>
-</file>
-
-<file path=ppt/slides/slide18.xml><?xml version="1.0" encoding="utf-8"?>
-<p:sld xmlns:a="http://schemas.openxmlformats.org/drawingml/2006/main" xmlns:r="http://schemas.openxmlformats.org/officeDocument/2006/relationships" xmlns:p="http://schemas.openxmlformats.org/presentationml/2006/main">
-  <p:cSld>
-    <p:spTree>
-      <p:nvGrpSpPr>
-        <p:cNvPr id="1" name=""/>
-        <p:cNvGrpSpPr/>
-        <p:nvPr/>
-      </p:nvGrpSpPr>
-      <p:grpSpPr>
-        <a:xfrm>
-          <a:off x="0" y="0"/>
-          <a:ext cx="0" cy="0"/>
-          <a:chOff x="0" y="0"/>
-          <a:chExt cx="0" cy="0"/>
-        </a:xfrm>
-      </p:grpSpPr>
-      <p:sp>
-        <p:nvSpPr>
-          <p:cNvPr id="4" name="標題 3"/>
-          <p:cNvSpPr>
-            <a:spLocks noGrp="1"/>
-          </p:cNvSpPr>
-          <p:nvPr>
-            <p:ph type="title"/>
-          </p:nvPr>
-        </p:nvSpPr>
-        <p:spPr/>
-        <p:txBody>
-          <a:bodyPr/>
-          <a:lstStyle/>
-          <a:p>
-            <a:r>
-              <a:rPr lang="zh-TW" altLang="en-US" dirty="0" smtClean="0"/>
-              <a:t>覺得每次測試都要重新執行煩嗎？</a:t>
-            </a:r>
-            <a:r>
-              <a:rPr lang="en-US" altLang="zh-TW" dirty="0" smtClean="0"/>
-              <a:t/>
-            </a:r>
-            <a:br>
-              <a:rPr lang="en-US" altLang="zh-TW" dirty="0" smtClean="0"/>
-            </a:br>
-            <a:r>
-              <a:rPr lang="zh-TW" altLang="en-US" dirty="0"/>
-              <a:t>來學個</a:t>
-            </a:r>
-            <a:r>
-              <a:rPr lang="zh-TW" altLang="en-US" dirty="0">
-                <a:solidFill>
-                  <a:srgbClr val="C00000"/>
-                </a:solidFill>
-              </a:rPr>
-              <a:t>永久迴圈</a:t>
-            </a:r>
-            <a:r>
-              <a:rPr lang="zh-TW" altLang="en-US" dirty="0"/>
-              <a:t>吧！</a:t>
-            </a:r>
-          </a:p>
-        </p:txBody>
-      </p:sp>
-      <p:sp>
-        <p:nvSpPr>
-          <p:cNvPr id="5" name="文字版面配置區 4"/>
-          <p:cNvSpPr>
-            <a:spLocks noGrp="1"/>
-          </p:cNvSpPr>
-          <p:nvPr>
-            <p:ph type="body" idx="1"/>
-          </p:nvPr>
-        </p:nvSpPr>
-        <p:spPr/>
-        <p:txBody>
-          <a:bodyPr/>
-          <a:lstStyle/>
-          <a:p>
-            <a:endParaRPr lang="zh-TW" altLang="en-US"/>
-          </a:p>
-        </p:txBody>
-      </p:sp>
-    </p:spTree>
-    <p:extLst>
-      <p:ext uri="{BB962C8B-B14F-4D97-AF65-F5344CB8AC3E}">
-        <p14:creationId xmlns:p14="http://schemas.microsoft.com/office/powerpoint/2010/main" val="2469663644"/>
-      </p:ext>
-    </p:extLst>
-  </p:cSld>
-  <p:clrMapOvr>
-    <a:masterClrMapping/>
-  </p:clrMapOvr>
-  <p:timing>
-    <p:tnLst>
-      <p:par>
-        <p:cTn id="1" dur="indefinite" restart="never" nodeType="tmRoot"/>
-      </p:par>
-    </p:tnLst>
-  </p:timing>
-</p:sld>
-</file>
-
 <file path=ppt/slides/slide19.xml><?xml version="1.0" encoding="utf-8"?>
 <p:sld xmlns:a="http://schemas.openxmlformats.org/drawingml/2006/main" xmlns:r="http://schemas.openxmlformats.org/officeDocument/2006/relationships" xmlns:p="http://schemas.openxmlformats.org/presentationml/2006/main">
   <p:cSld>
@@ -9598,7 +11591,7 @@
       </p:grpSpPr>
       <p:sp>
         <p:nvSpPr>
-          <p:cNvPr id="4" name="標題 3"/>
+          <p:cNvPr id="2" name="標題 1"/>
           <p:cNvSpPr>
             <a:spLocks noGrp="1"/>
           </p:cNvSpPr>
@@ -9612,16 +11605,26 @@
           <a:lstStyle/>
           <a:p>
             <a:r>
+              <a:rPr lang="zh-TW" altLang="en-US" dirty="0" smtClean="0"/>
+              <a:t>小練習</a:t>
+            </a:r>
+            <a:r>
               <a:rPr lang="en-US" altLang="zh-TW" dirty="0" smtClean="0"/>
-              <a:t>while(true){……..}</a:t>
-            </a:r>
-            <a:endParaRPr lang="zh-TW" altLang="en-US" dirty="0"/>
-          </a:p>
-        </p:txBody>
-      </p:sp>
-      <p:sp>
-        <p:nvSpPr>
-          <p:cNvPr id="5" name="內容版面配置區 4"/>
+              <a:t/>
+            </a:r>
+            <a:br>
+              <a:rPr lang="en-US" altLang="zh-TW" dirty="0" smtClean="0"/>
+            </a:br>
+            <a:r>
+              <a:rPr lang="zh-TW" altLang="en-US" dirty="0"/>
+              <a:t>自己來喔</a:t>
+            </a:r>
+          </a:p>
+        </p:txBody>
+      </p:sp>
+      <p:sp>
+        <p:nvSpPr>
+          <p:cNvPr id="3" name="內容版面配置區 2"/>
           <p:cNvSpPr>
             <a:spLocks noGrp="1"/>
           </p:cNvSpPr>
@@ -9636,61 +11639,160 @@
           <a:p>
             <a:r>
               <a:rPr lang="zh-TW" altLang="en-US" dirty="0" smtClean="0"/>
-              <a:t>把剛剛的程式碼加工一下如右圖所示：</a:t>
+              <a:t>輸入三角型三邊長，判斷是否可以形成三角形。</a:t>
             </a:r>
             <a:endParaRPr lang="en-US" altLang="zh-TW" dirty="0" smtClean="0"/>
           </a:p>
           <a:p>
-            <a:r>
-              <a:rPr lang="zh-TW" altLang="en-US" dirty="0" smtClean="0"/>
-              <a:t>執行畫面如下，可連續輸入了！</a:t>
-            </a:r>
-            <a:endParaRPr lang="zh-TW" altLang="en-US" dirty="0"/>
-          </a:p>
-        </p:txBody>
-      </p:sp>
-      <p:pic>
-        <p:nvPicPr>
-          <p:cNvPr id="6" name="圖片 5"/>
-          <p:cNvPicPr>
-            <a:picLocks noChangeAspect="1"/>
-          </p:cNvPicPr>
+            <a:pPr lvl="1"/>
+            <a:r>
+              <a:rPr lang="zh-TW" altLang="en-US" dirty="0"/>
+              <a:t>進階：是不是正三角形</a:t>
+            </a:r>
+            <a:r>
+              <a:rPr lang="zh-TW" altLang="en-US" dirty="0" smtClean="0"/>
+              <a:t>？是不是直角三角形？是不是鈍</a:t>
+            </a:r>
+            <a:r>
+              <a:rPr lang="en-US" altLang="zh-TW" dirty="0" smtClean="0"/>
+              <a:t>(</a:t>
+            </a:r>
+            <a:r>
+              <a:rPr lang="zh-TW" altLang="en-US" dirty="0" smtClean="0"/>
+              <a:t>銳</a:t>
+            </a:r>
+            <a:r>
+              <a:rPr lang="en-US" altLang="zh-TW" dirty="0" smtClean="0"/>
+              <a:t>)</a:t>
+            </a:r>
+            <a:r>
+              <a:rPr lang="zh-TW" altLang="en-US" dirty="0" smtClean="0"/>
+              <a:t>角三角形？</a:t>
+            </a:r>
+            <a:endParaRPr lang="en-US" altLang="zh-TW" dirty="0" smtClean="0"/>
+          </a:p>
+          <a:p>
+            <a:r>
+              <a:rPr lang="zh-TW" altLang="en-US" dirty="0" smtClean="0"/>
+              <a:t>數學的定義是：</a:t>
+            </a:r>
+            <a:endParaRPr lang="en-US" altLang="zh-TW" dirty="0" smtClean="0"/>
+          </a:p>
+          <a:p>
+            <a:pPr lvl="1"/>
+            <a:r>
+              <a:rPr lang="zh-TW" altLang="en-US" dirty="0" smtClean="0"/>
+              <a:t>任意</a:t>
+            </a:r>
+            <a:r>
+              <a:rPr lang="zh-TW" altLang="en-US" dirty="0"/>
+              <a:t>兩邊和大於第三</a:t>
+            </a:r>
+            <a:r>
+              <a:rPr lang="zh-TW" altLang="en-US" dirty="0" smtClean="0"/>
+              <a:t>邊可形成三角形</a:t>
+            </a:r>
+            <a:endParaRPr lang="en-US" altLang="zh-TW" dirty="0" smtClean="0"/>
+          </a:p>
+          <a:p>
+            <a:pPr lvl="1"/>
+            <a:r>
+              <a:rPr lang="zh-TW" altLang="en-US" dirty="0"/>
+              <a:t>正三角形是三邊</a:t>
+            </a:r>
+            <a:r>
+              <a:rPr lang="zh-TW" altLang="en-US" dirty="0" smtClean="0"/>
+              <a:t>相等</a:t>
+            </a:r>
+            <a:endParaRPr lang="en-US" altLang="zh-TW" dirty="0" smtClean="0"/>
+          </a:p>
+          <a:p>
+            <a:pPr lvl="1"/>
+            <a:r>
+              <a:rPr lang="zh-TW" altLang="en-US" dirty="0"/>
+              <a:t>直角三角形符合</a:t>
+            </a:r>
+            <a:r>
+              <a:rPr lang="zh-TW" altLang="en-US" dirty="0" smtClean="0"/>
+              <a:t>勾股定理</a:t>
+            </a:r>
+            <a:r>
+              <a:rPr lang="en-US" altLang="zh-TW" dirty="0" smtClean="0"/>
+              <a:t>(</a:t>
+            </a:r>
+            <a:r>
+              <a:rPr lang="zh-TW" altLang="en-US" dirty="0" smtClean="0"/>
+              <a:t>畢氏定理</a:t>
+            </a:r>
+            <a:r>
+              <a:rPr lang="en-US" altLang="zh-TW" dirty="0" smtClean="0"/>
+              <a:t>)(a</a:t>
+            </a:r>
+            <a:r>
+              <a:rPr lang="en-US" altLang="zh-TW" baseline="30000" dirty="0" smtClean="0"/>
+              <a:t>2</a:t>
+            </a:r>
+            <a:r>
+              <a:rPr lang="en-US" altLang="zh-TW" dirty="0" smtClean="0"/>
+              <a:t>+b</a:t>
+            </a:r>
+            <a:r>
+              <a:rPr lang="en-US" altLang="zh-TW" baseline="30000" dirty="0" smtClean="0"/>
+              <a:t>2</a:t>
+            </a:r>
+            <a:r>
+              <a:rPr lang="en-US" altLang="zh-TW" dirty="0" smtClean="0"/>
+              <a:t>=c</a:t>
+            </a:r>
+            <a:r>
+              <a:rPr lang="en-US" altLang="zh-TW" baseline="30000" dirty="0" smtClean="0"/>
+              <a:t>2</a:t>
+            </a:r>
+            <a:r>
+              <a:rPr lang="en-US" altLang="zh-TW" dirty="0" smtClean="0"/>
+              <a:t>)</a:t>
+            </a:r>
+          </a:p>
+          <a:p>
+            <a:r>
+              <a:rPr lang="zh-TW" altLang="en-US" dirty="0"/>
+              <a:t>想看看如何把定義換成</a:t>
+            </a:r>
+            <a:r>
+              <a:rPr lang="en-US" altLang="zh-TW" dirty="0"/>
+              <a:t>if </a:t>
+            </a:r>
+            <a:r>
+              <a:rPr lang="en-US" altLang="zh-TW" dirty="0" smtClean="0"/>
+              <a:t>….else…</a:t>
+            </a:r>
+          </a:p>
+          <a:p>
+            <a:pPr lvl="1"/>
+            <a:endParaRPr lang="en-US" altLang="zh-TW" dirty="0"/>
+          </a:p>
+        </p:txBody>
+      </p:sp>
+      <p:sp>
+        <p:nvSpPr>
+          <p:cNvPr id="4" name="矩形 3"/>
+          <p:cNvSpPr/>
           <p:nvPr/>
-        </p:nvPicPr>
-        <p:blipFill>
-          <a:blip r:embed="rId2"/>
-          <a:stretch>
-            <a:fillRect/>
-          </a:stretch>
-        </p:blipFill>
+        </p:nvSpPr>
         <p:spPr>
           <a:xfrm>
-            <a:off x="5628132" y="1407160"/>
-            <a:ext cx="5308092" cy="5300286"/>
+            <a:off x="6437745" y="3048000"/>
+            <a:ext cx="5495637" cy="3676073"/>
           </a:xfrm>
           <a:prstGeom prst="rect">
             <a:avLst/>
           </a:prstGeom>
-        </p:spPr>
-      </p:pic>
-      <p:sp>
-        <p:nvSpPr>
-          <p:cNvPr id="7" name="矩形 6"/>
-          <p:cNvSpPr/>
-          <p:nvPr/>
-        </p:nvSpPr>
-        <p:spPr>
-          <a:xfrm>
-            <a:off x="6558534" y="3210300"/>
-            <a:ext cx="2103120" cy="347472"/>
-          </a:xfrm>
-          <a:prstGeom prst="rect">
-            <a:avLst/>
-          </a:prstGeom>
-          <a:noFill/>
+          <a:solidFill>
+            <a:schemeClr val="bg1"/>
+          </a:solidFill>
           <a:ln>
             <a:solidFill>
-              <a:srgbClr val="FF0000"/>
+              <a:schemeClr val="tx1"/>
             </a:solidFill>
           </a:ln>
         </p:spPr>
@@ -9711,34 +11813,43 @@
           </a:fontRef>
         </p:style>
         <p:txBody>
-          <a:bodyPr rtlCol="0" anchor="ctr"/>
+          <a:bodyPr rtlCol="0" anchor="t"/>
           <a:lstStyle/>
           <a:p>
             <a:pPr algn="ctr"/>
-            <a:endParaRPr lang="zh-TW" altLang="en-US"/>
-          </a:p>
-        </p:txBody>
-      </p:sp>
-      <p:sp>
-        <p:nvSpPr>
-          <p:cNvPr id="8" name="矩形 7"/>
+            <a:r>
+              <a:rPr lang="zh-TW" altLang="en-US" dirty="0" smtClean="0">
+                <a:solidFill>
+                  <a:srgbClr val="FF0000"/>
+                </a:solidFill>
+              </a:rPr>
+              <a:t>任意三邊長</a:t>
+            </a:r>
+            <a:endParaRPr lang="en-US" altLang="zh-TW" dirty="0" smtClean="0">
+              <a:solidFill>
+                <a:srgbClr val="FF0000"/>
+              </a:solidFill>
+            </a:endParaRPr>
+          </a:p>
+        </p:txBody>
+      </p:sp>
+      <p:sp>
+        <p:nvSpPr>
+          <p:cNvPr id="5" name="矩形 4"/>
           <p:cNvSpPr/>
           <p:nvPr/>
         </p:nvSpPr>
         <p:spPr>
           <a:xfrm>
-            <a:off x="6558534" y="6022316"/>
-            <a:ext cx="557784" cy="347472"/>
+            <a:off x="6696362" y="3786909"/>
+            <a:ext cx="4414983" cy="2798648"/>
           </a:xfrm>
           <a:prstGeom prst="rect">
             <a:avLst/>
           </a:prstGeom>
-          <a:noFill/>
-          <a:ln>
-            <a:solidFill>
-              <a:srgbClr val="FF0000"/>
-            </a:solidFill>
-          </a:ln>
+          <a:solidFill>
+            <a:schemeClr val="accent3"/>
+          </a:solidFill>
         </p:spPr>
         <p:style>
           <a:lnRef idx="2">
@@ -9757,28 +11868,43 @@
           </a:fontRef>
         </p:style>
         <p:txBody>
-          <a:bodyPr rtlCol="0" anchor="ctr"/>
+          <a:bodyPr rtlCol="0" anchor="t"/>
           <a:lstStyle/>
           <a:p>
             <a:pPr algn="ctr"/>
-            <a:endParaRPr lang="zh-TW" altLang="en-US"/>
-          </a:p>
-        </p:txBody>
-      </p:sp>
-      <p:sp>
-        <p:nvSpPr>
-          <p:cNvPr id="9" name="向右箭號 8"/>
+            <a:r>
+              <a:rPr lang="zh-TW" altLang="en-US" dirty="0" smtClean="0">
+                <a:solidFill>
+                  <a:schemeClr val="tx1"/>
+                </a:solidFill>
+              </a:rPr>
+              <a:t>可形成三角形</a:t>
+            </a:r>
+            <a:endParaRPr lang="zh-TW" altLang="en-US" dirty="0">
+              <a:solidFill>
+                <a:schemeClr val="tx1"/>
+              </a:solidFill>
+            </a:endParaRPr>
+          </a:p>
+        </p:txBody>
+      </p:sp>
+      <p:sp>
+        <p:nvSpPr>
+          <p:cNvPr id="6" name="矩形 5"/>
           <p:cNvSpPr/>
           <p:nvPr/>
         </p:nvSpPr>
         <p:spPr>
           <a:xfrm>
-            <a:off x="6172962" y="4543052"/>
-            <a:ext cx="448056" cy="466344"/>
+            <a:off x="6899563" y="4396510"/>
+            <a:ext cx="1551709" cy="1108364"/>
           </a:xfrm>
-          <a:prstGeom prst="rightArrow">
+          <a:prstGeom prst="rect">
             <a:avLst/>
           </a:prstGeom>
+          <a:solidFill>
+            <a:srgbClr val="002060"/>
+          </a:solidFill>
         </p:spPr>
         <p:style>
           <a:lnRef idx="2">
@@ -9801,37 +11927,46 @@
           <a:lstStyle/>
           <a:p>
             <a:pPr algn="ctr"/>
-            <a:endParaRPr lang="zh-TW" altLang="en-US"/>
-          </a:p>
-        </p:txBody>
-      </p:sp>
-      <p:sp>
-        <p:nvSpPr>
-          <p:cNvPr id="10" name="左大括弧 9"/>
+            <a:r>
+              <a:rPr lang="zh-TW" altLang="en-US" dirty="0" smtClean="0"/>
+              <a:t>正三角形</a:t>
+            </a:r>
+            <a:endParaRPr lang="zh-TW" altLang="en-US" dirty="0"/>
+          </a:p>
+        </p:txBody>
+      </p:sp>
+      <p:sp>
+        <p:nvSpPr>
+          <p:cNvPr id="7" name="矩形 6"/>
           <p:cNvSpPr/>
           <p:nvPr/>
         </p:nvSpPr>
         <p:spPr>
           <a:xfrm>
-            <a:off x="6697980" y="3538728"/>
-            <a:ext cx="278892" cy="2429378"/>
+            <a:off x="9274002" y="4650914"/>
+            <a:ext cx="1551709" cy="1108364"/>
           </a:xfrm>
-          <a:prstGeom prst="leftBrace">
+          <a:prstGeom prst="rect">
             <a:avLst/>
           </a:prstGeom>
+          <a:solidFill>
+            <a:srgbClr val="7030A0"/>
+          </a:solidFill>
         </p:spPr>
         <p:style>
-          <a:lnRef idx="1">
-            <a:schemeClr val="accent1"/>
+          <a:lnRef idx="2">
+            <a:schemeClr val="accent1">
+              <a:shade val="50000"/>
+            </a:schemeClr>
           </a:lnRef>
-          <a:fillRef idx="0">
+          <a:fillRef idx="1">
             <a:schemeClr val="accent1"/>
           </a:fillRef>
           <a:effectRef idx="0">
             <a:schemeClr val="accent1"/>
           </a:effectRef>
           <a:fontRef idx="minor">
-            <a:schemeClr val="tx1"/>
+            <a:schemeClr val="lt1"/>
           </a:fontRef>
         </p:style>
         <p:txBody>
@@ -9839,76 +11974,18 @@
           <a:lstStyle/>
           <a:p>
             <a:pPr algn="ctr"/>
-            <a:endParaRPr lang="zh-TW" altLang="en-US"/>
-          </a:p>
-        </p:txBody>
-      </p:sp>
-      <p:sp>
-        <p:nvSpPr>
-          <p:cNvPr id="11" name="文字方塊 10"/>
-          <p:cNvSpPr txBox="1"/>
-          <p:nvPr/>
-        </p:nvSpPr>
-        <p:spPr>
-          <a:xfrm>
-            <a:off x="5974687" y="4223220"/>
-            <a:ext cx="646331" cy="369332"/>
-          </a:xfrm>
-          <a:prstGeom prst="rect">
-            <a:avLst/>
-          </a:prstGeom>
-          <a:noFill/>
-        </p:spPr>
-        <p:txBody>
-          <a:bodyPr wrap="none" rtlCol="0">
-            <a:spAutoFit/>
-          </a:bodyPr>
-          <a:lstStyle/>
-          <a:p>
-            <a:r>
-              <a:rPr lang="zh-TW" altLang="en-US" dirty="0" smtClean="0">
-                <a:solidFill>
-                  <a:srgbClr val="92D050"/>
-                </a:solidFill>
-              </a:rPr>
-              <a:t>縮排</a:t>
-            </a:r>
-            <a:endParaRPr lang="zh-TW" altLang="en-US" dirty="0">
-              <a:solidFill>
-                <a:srgbClr val="92D050"/>
-              </a:solidFill>
-            </a:endParaRPr>
-          </a:p>
-        </p:txBody>
-      </p:sp>
-      <p:pic>
-        <p:nvPicPr>
-          <p:cNvPr id="12" name="圖片 11"/>
-          <p:cNvPicPr>
-            <a:picLocks noChangeAspect="1"/>
-          </p:cNvPicPr>
-          <p:nvPr/>
-        </p:nvPicPr>
-        <p:blipFill>
-          <a:blip r:embed="rId3"/>
-          <a:stretch>
-            <a:fillRect/>
-          </a:stretch>
-        </p:blipFill>
-        <p:spPr>
-          <a:xfrm>
-            <a:off x="799864" y="3557772"/>
-            <a:ext cx="4562475" cy="2933700"/>
-          </a:xfrm>
-          <a:prstGeom prst="rect">
-            <a:avLst/>
-          </a:prstGeom>
-        </p:spPr>
-      </p:pic>
+            <a:r>
+              <a:rPr lang="zh-TW" altLang="en-US" dirty="0" smtClean="0"/>
+              <a:t>直角三角形</a:t>
+            </a:r>
+            <a:endParaRPr lang="zh-TW" altLang="en-US" dirty="0"/>
+          </a:p>
+        </p:txBody>
+      </p:sp>
     </p:spTree>
     <p:extLst>
       <p:ext uri="{BB962C8B-B14F-4D97-AF65-F5344CB8AC3E}">
-        <p14:creationId xmlns:p14="http://schemas.microsoft.com/office/powerpoint/2010/main" val="2962973419"/>
+        <p14:creationId xmlns:p14="http://schemas.microsoft.com/office/powerpoint/2010/main" val="3258730567"/>
       </p:ext>
     </p:extLst>
   </p:cSld>
@@ -11560,6 +13637,453 @@
       </p:grpSpPr>
       <p:sp>
         <p:nvSpPr>
+          <p:cNvPr id="4" name="標題 3"/>
+          <p:cNvSpPr>
+            <a:spLocks noGrp="1"/>
+          </p:cNvSpPr>
+          <p:nvPr>
+            <p:ph type="title"/>
+          </p:nvPr>
+        </p:nvSpPr>
+        <p:spPr/>
+        <p:txBody>
+          <a:bodyPr/>
+          <a:lstStyle/>
+          <a:p>
+            <a:r>
+              <a:rPr lang="zh-TW" altLang="en-US" dirty="0" smtClean="0"/>
+              <a:t>覺得每次測試都要重新執行煩嗎？</a:t>
+            </a:r>
+            <a:r>
+              <a:rPr lang="en-US" altLang="zh-TW" dirty="0" smtClean="0"/>
+              <a:t/>
+            </a:r>
+            <a:br>
+              <a:rPr lang="en-US" altLang="zh-TW" dirty="0" smtClean="0"/>
+            </a:br>
+            <a:r>
+              <a:rPr lang="zh-TW" altLang="en-US" dirty="0"/>
+              <a:t>來學個</a:t>
+            </a:r>
+            <a:r>
+              <a:rPr lang="zh-TW" altLang="en-US" dirty="0">
+                <a:solidFill>
+                  <a:srgbClr val="C00000"/>
+                </a:solidFill>
+              </a:rPr>
+              <a:t>永久迴圈</a:t>
+            </a:r>
+            <a:r>
+              <a:rPr lang="zh-TW" altLang="en-US" dirty="0"/>
+              <a:t>吧！</a:t>
+            </a:r>
+          </a:p>
+        </p:txBody>
+      </p:sp>
+      <p:sp>
+        <p:nvSpPr>
+          <p:cNvPr id="5" name="文字版面配置區 4"/>
+          <p:cNvSpPr>
+            <a:spLocks noGrp="1"/>
+          </p:cNvSpPr>
+          <p:nvPr>
+            <p:ph type="body" idx="1"/>
+          </p:nvPr>
+        </p:nvSpPr>
+        <p:spPr/>
+        <p:txBody>
+          <a:bodyPr/>
+          <a:lstStyle/>
+          <a:p>
+            <a:endParaRPr lang="zh-TW" altLang="en-US"/>
+          </a:p>
+        </p:txBody>
+      </p:sp>
+    </p:spTree>
+    <p:extLst>
+      <p:ext uri="{BB962C8B-B14F-4D97-AF65-F5344CB8AC3E}">
+        <p14:creationId xmlns:p14="http://schemas.microsoft.com/office/powerpoint/2010/main" val="2469663644"/>
+      </p:ext>
+    </p:extLst>
+  </p:cSld>
+  <p:clrMapOvr>
+    <a:masterClrMapping/>
+  </p:clrMapOvr>
+  <p:timing>
+    <p:tnLst>
+      <p:par>
+        <p:cTn id="1" dur="indefinite" restart="never" nodeType="tmRoot"/>
+      </p:par>
+    </p:tnLst>
+  </p:timing>
+</p:sld>
+</file>
+
+<file path=ppt/slides/slide21.xml><?xml version="1.0" encoding="utf-8"?>
+<p:sld xmlns:a="http://schemas.openxmlformats.org/drawingml/2006/main" xmlns:r="http://schemas.openxmlformats.org/officeDocument/2006/relationships" xmlns:p="http://schemas.openxmlformats.org/presentationml/2006/main">
+  <p:cSld>
+    <p:spTree>
+      <p:nvGrpSpPr>
+        <p:cNvPr id="1" name=""/>
+        <p:cNvGrpSpPr/>
+        <p:nvPr/>
+      </p:nvGrpSpPr>
+      <p:grpSpPr>
+        <a:xfrm>
+          <a:off x="0" y="0"/>
+          <a:ext cx="0" cy="0"/>
+          <a:chOff x="0" y="0"/>
+          <a:chExt cx="0" cy="0"/>
+        </a:xfrm>
+      </p:grpSpPr>
+      <p:sp>
+        <p:nvSpPr>
+          <p:cNvPr id="4" name="標題 3"/>
+          <p:cNvSpPr>
+            <a:spLocks noGrp="1"/>
+          </p:cNvSpPr>
+          <p:nvPr>
+            <p:ph type="title"/>
+          </p:nvPr>
+        </p:nvSpPr>
+        <p:spPr/>
+        <p:txBody>
+          <a:bodyPr/>
+          <a:lstStyle/>
+          <a:p>
+            <a:r>
+              <a:rPr lang="en-US" altLang="zh-TW" dirty="0" smtClean="0"/>
+              <a:t>while(true){……..}</a:t>
+            </a:r>
+            <a:endParaRPr lang="zh-TW" altLang="en-US" dirty="0"/>
+          </a:p>
+        </p:txBody>
+      </p:sp>
+      <p:sp>
+        <p:nvSpPr>
+          <p:cNvPr id="5" name="內容版面配置區 4"/>
+          <p:cNvSpPr>
+            <a:spLocks noGrp="1"/>
+          </p:cNvSpPr>
+          <p:nvPr>
+            <p:ph idx="1"/>
+          </p:nvPr>
+        </p:nvSpPr>
+        <p:spPr/>
+        <p:txBody>
+          <a:bodyPr/>
+          <a:lstStyle/>
+          <a:p>
+            <a:r>
+              <a:rPr lang="zh-TW" altLang="en-US" dirty="0" smtClean="0"/>
+              <a:t>把剛剛的程式碼加工一下如右圖所示：</a:t>
+            </a:r>
+            <a:endParaRPr lang="en-US" altLang="zh-TW" dirty="0" smtClean="0"/>
+          </a:p>
+          <a:p>
+            <a:r>
+              <a:rPr lang="zh-TW" altLang="en-US" dirty="0" smtClean="0"/>
+              <a:t>執行畫面如下，可連續輸入了！</a:t>
+            </a:r>
+            <a:endParaRPr lang="zh-TW" altLang="en-US" dirty="0"/>
+          </a:p>
+        </p:txBody>
+      </p:sp>
+      <p:pic>
+        <p:nvPicPr>
+          <p:cNvPr id="6" name="圖片 5"/>
+          <p:cNvPicPr>
+            <a:picLocks noChangeAspect="1"/>
+          </p:cNvPicPr>
+          <p:nvPr/>
+        </p:nvPicPr>
+        <p:blipFill>
+          <a:blip r:embed="rId2"/>
+          <a:stretch>
+            <a:fillRect/>
+          </a:stretch>
+        </p:blipFill>
+        <p:spPr>
+          <a:xfrm>
+            <a:off x="5628132" y="1407160"/>
+            <a:ext cx="5308092" cy="5300286"/>
+          </a:xfrm>
+          <a:prstGeom prst="rect">
+            <a:avLst/>
+          </a:prstGeom>
+        </p:spPr>
+      </p:pic>
+      <p:sp>
+        <p:nvSpPr>
+          <p:cNvPr id="7" name="矩形 6"/>
+          <p:cNvSpPr/>
+          <p:nvPr/>
+        </p:nvSpPr>
+        <p:spPr>
+          <a:xfrm>
+            <a:off x="6558534" y="3210300"/>
+            <a:ext cx="2103120" cy="347472"/>
+          </a:xfrm>
+          <a:prstGeom prst="rect">
+            <a:avLst/>
+          </a:prstGeom>
+          <a:noFill/>
+          <a:ln>
+            <a:solidFill>
+              <a:srgbClr val="FF0000"/>
+            </a:solidFill>
+          </a:ln>
+        </p:spPr>
+        <p:style>
+          <a:lnRef idx="2">
+            <a:schemeClr val="accent1">
+              <a:shade val="50000"/>
+            </a:schemeClr>
+          </a:lnRef>
+          <a:fillRef idx="1">
+            <a:schemeClr val="accent1"/>
+          </a:fillRef>
+          <a:effectRef idx="0">
+            <a:schemeClr val="accent1"/>
+          </a:effectRef>
+          <a:fontRef idx="minor">
+            <a:schemeClr val="lt1"/>
+          </a:fontRef>
+        </p:style>
+        <p:txBody>
+          <a:bodyPr rtlCol="0" anchor="ctr"/>
+          <a:lstStyle/>
+          <a:p>
+            <a:pPr algn="ctr"/>
+            <a:endParaRPr lang="zh-TW" altLang="en-US"/>
+          </a:p>
+        </p:txBody>
+      </p:sp>
+      <p:sp>
+        <p:nvSpPr>
+          <p:cNvPr id="8" name="矩形 7"/>
+          <p:cNvSpPr/>
+          <p:nvPr/>
+        </p:nvSpPr>
+        <p:spPr>
+          <a:xfrm>
+            <a:off x="6558534" y="6022316"/>
+            <a:ext cx="557784" cy="347472"/>
+          </a:xfrm>
+          <a:prstGeom prst="rect">
+            <a:avLst/>
+          </a:prstGeom>
+          <a:noFill/>
+          <a:ln>
+            <a:solidFill>
+              <a:srgbClr val="FF0000"/>
+            </a:solidFill>
+          </a:ln>
+        </p:spPr>
+        <p:style>
+          <a:lnRef idx="2">
+            <a:schemeClr val="accent1">
+              <a:shade val="50000"/>
+            </a:schemeClr>
+          </a:lnRef>
+          <a:fillRef idx="1">
+            <a:schemeClr val="accent1"/>
+          </a:fillRef>
+          <a:effectRef idx="0">
+            <a:schemeClr val="accent1"/>
+          </a:effectRef>
+          <a:fontRef idx="minor">
+            <a:schemeClr val="lt1"/>
+          </a:fontRef>
+        </p:style>
+        <p:txBody>
+          <a:bodyPr rtlCol="0" anchor="ctr"/>
+          <a:lstStyle/>
+          <a:p>
+            <a:pPr algn="ctr"/>
+            <a:endParaRPr lang="zh-TW" altLang="en-US"/>
+          </a:p>
+        </p:txBody>
+      </p:sp>
+      <p:sp>
+        <p:nvSpPr>
+          <p:cNvPr id="9" name="向右箭號 8"/>
+          <p:cNvSpPr/>
+          <p:nvPr/>
+        </p:nvSpPr>
+        <p:spPr>
+          <a:xfrm>
+            <a:off x="6172962" y="4543052"/>
+            <a:ext cx="448056" cy="466344"/>
+          </a:xfrm>
+          <a:prstGeom prst="rightArrow">
+            <a:avLst/>
+          </a:prstGeom>
+        </p:spPr>
+        <p:style>
+          <a:lnRef idx="2">
+            <a:schemeClr val="accent1">
+              <a:shade val="50000"/>
+            </a:schemeClr>
+          </a:lnRef>
+          <a:fillRef idx="1">
+            <a:schemeClr val="accent1"/>
+          </a:fillRef>
+          <a:effectRef idx="0">
+            <a:schemeClr val="accent1"/>
+          </a:effectRef>
+          <a:fontRef idx="minor">
+            <a:schemeClr val="lt1"/>
+          </a:fontRef>
+        </p:style>
+        <p:txBody>
+          <a:bodyPr rtlCol="0" anchor="ctr"/>
+          <a:lstStyle/>
+          <a:p>
+            <a:pPr algn="ctr"/>
+            <a:endParaRPr lang="zh-TW" altLang="en-US"/>
+          </a:p>
+        </p:txBody>
+      </p:sp>
+      <p:sp>
+        <p:nvSpPr>
+          <p:cNvPr id="10" name="左大括弧 9"/>
+          <p:cNvSpPr/>
+          <p:nvPr/>
+        </p:nvSpPr>
+        <p:spPr>
+          <a:xfrm>
+            <a:off x="6697980" y="3538728"/>
+            <a:ext cx="278892" cy="2429378"/>
+          </a:xfrm>
+          <a:prstGeom prst="leftBrace">
+            <a:avLst/>
+          </a:prstGeom>
+        </p:spPr>
+        <p:style>
+          <a:lnRef idx="1">
+            <a:schemeClr val="accent1"/>
+          </a:lnRef>
+          <a:fillRef idx="0">
+            <a:schemeClr val="accent1"/>
+          </a:fillRef>
+          <a:effectRef idx="0">
+            <a:schemeClr val="accent1"/>
+          </a:effectRef>
+          <a:fontRef idx="minor">
+            <a:schemeClr val="tx1"/>
+          </a:fontRef>
+        </p:style>
+        <p:txBody>
+          <a:bodyPr rtlCol="0" anchor="ctr"/>
+          <a:lstStyle/>
+          <a:p>
+            <a:pPr algn="ctr"/>
+            <a:endParaRPr lang="zh-TW" altLang="en-US"/>
+          </a:p>
+        </p:txBody>
+      </p:sp>
+      <p:sp>
+        <p:nvSpPr>
+          <p:cNvPr id="11" name="文字方塊 10"/>
+          <p:cNvSpPr txBox="1"/>
+          <p:nvPr/>
+        </p:nvSpPr>
+        <p:spPr>
+          <a:xfrm>
+            <a:off x="5974687" y="4223220"/>
+            <a:ext cx="646331" cy="369332"/>
+          </a:xfrm>
+          <a:prstGeom prst="rect">
+            <a:avLst/>
+          </a:prstGeom>
+          <a:noFill/>
+        </p:spPr>
+        <p:txBody>
+          <a:bodyPr wrap="none" rtlCol="0">
+            <a:spAutoFit/>
+          </a:bodyPr>
+          <a:lstStyle/>
+          <a:p>
+            <a:r>
+              <a:rPr lang="zh-TW" altLang="en-US" dirty="0" smtClean="0">
+                <a:solidFill>
+                  <a:srgbClr val="92D050"/>
+                </a:solidFill>
+              </a:rPr>
+              <a:t>縮排</a:t>
+            </a:r>
+            <a:endParaRPr lang="zh-TW" altLang="en-US" dirty="0">
+              <a:solidFill>
+                <a:srgbClr val="92D050"/>
+              </a:solidFill>
+            </a:endParaRPr>
+          </a:p>
+        </p:txBody>
+      </p:sp>
+      <p:pic>
+        <p:nvPicPr>
+          <p:cNvPr id="12" name="圖片 11"/>
+          <p:cNvPicPr>
+            <a:picLocks noChangeAspect="1"/>
+          </p:cNvPicPr>
+          <p:nvPr/>
+        </p:nvPicPr>
+        <p:blipFill>
+          <a:blip r:embed="rId3"/>
+          <a:stretch>
+            <a:fillRect/>
+          </a:stretch>
+        </p:blipFill>
+        <p:spPr>
+          <a:xfrm>
+            <a:off x="799864" y="3557772"/>
+            <a:ext cx="4562475" cy="2933700"/>
+          </a:xfrm>
+          <a:prstGeom prst="rect">
+            <a:avLst/>
+          </a:prstGeom>
+        </p:spPr>
+      </p:pic>
+    </p:spTree>
+    <p:extLst>
+      <p:ext uri="{BB962C8B-B14F-4D97-AF65-F5344CB8AC3E}">
+        <p14:creationId xmlns:p14="http://schemas.microsoft.com/office/powerpoint/2010/main" val="2962973419"/>
+      </p:ext>
+    </p:extLst>
+  </p:cSld>
+  <p:clrMapOvr>
+    <a:masterClrMapping/>
+  </p:clrMapOvr>
+  <p:timing>
+    <p:tnLst>
+      <p:par>
+        <p:cTn id="1" dur="indefinite" restart="never" nodeType="tmRoot"/>
+      </p:par>
+    </p:tnLst>
+  </p:timing>
+</p:sld>
+</file>
+
+<file path=ppt/slides/slide22.xml><?xml version="1.0" encoding="utf-8"?>
+<p:sld xmlns:a="http://schemas.openxmlformats.org/drawingml/2006/main" xmlns:r="http://schemas.openxmlformats.org/officeDocument/2006/relationships" xmlns:p="http://schemas.openxmlformats.org/presentationml/2006/main">
+  <p:cSld>
+    <p:spTree>
+      <p:nvGrpSpPr>
+        <p:cNvPr id="1" name=""/>
+        <p:cNvGrpSpPr/>
+        <p:nvPr/>
+      </p:nvGrpSpPr>
+      <p:grpSpPr>
+        <a:xfrm>
+          <a:off x="0" y="0"/>
+          <a:ext cx="0" cy="0"/>
+          <a:chOff x="0" y="0"/>
+          <a:chExt cx="0" cy="0"/>
+        </a:xfrm>
+      </p:grpSpPr>
+      <p:sp>
+        <p:nvSpPr>
           <p:cNvPr id="2" name="標題 1"/>
           <p:cNvSpPr>
             <a:spLocks noGrp="1"/>
@@ -11816,7 +14340,7 @@
 </p:sld>
 </file>
 
-<file path=ppt/slides/slide21.xml><?xml version="1.0" encoding="utf-8"?>
+<file path=ppt/slides/slide23.xml><?xml version="1.0" encoding="utf-8"?>
 <p:sld xmlns:a="http://schemas.openxmlformats.org/drawingml/2006/main" xmlns:r="http://schemas.openxmlformats.org/officeDocument/2006/relationships" xmlns:p="http://schemas.openxmlformats.org/presentationml/2006/main">
   <p:cSld>
     <p:spTree>
@@ -12366,7 +14890,7 @@
 </p:sld>
 </file>
 
-<file path=ppt/slides/slide22.xml><?xml version="1.0" encoding="utf-8"?>
+<file path=ppt/slides/slide24.xml><?xml version="1.0" encoding="utf-8"?>
 <p:sld xmlns:a="http://schemas.openxmlformats.org/drawingml/2006/main" xmlns:r="http://schemas.openxmlformats.org/officeDocument/2006/relationships" xmlns:p="http://schemas.openxmlformats.org/presentationml/2006/main">
   <p:cSld>
     <p:spTree>
@@ -12453,7 +14977,7 @@
 </p:sld>
 </file>
 
-<file path=ppt/slides/slide23.xml><?xml version="1.0" encoding="utf-8"?>
+<file path=ppt/slides/slide25.xml><?xml version="1.0" encoding="utf-8"?>
 <p:sld xmlns:a="http://schemas.openxmlformats.org/drawingml/2006/main" xmlns:r="http://schemas.openxmlformats.org/officeDocument/2006/relationships" xmlns:p="http://schemas.openxmlformats.org/presentationml/2006/main">
   <p:cSld>
     <p:spTree>
@@ -12732,7 +15256,7 @@
 </p:sld>
 </file>
 
-<file path=ppt/slides/slide24.xml><?xml version="1.0" encoding="utf-8"?>
+<file path=ppt/slides/slide26.xml><?xml version="1.0" encoding="utf-8"?>
 <p:sld xmlns:a="http://schemas.openxmlformats.org/drawingml/2006/main" xmlns:r="http://schemas.openxmlformats.org/officeDocument/2006/relationships" xmlns:p="http://schemas.openxmlformats.org/presentationml/2006/main">
   <p:cSld>
     <p:spTree>
@@ -13395,7 +15919,7 @@
 </p:sld>
 </file>
 
-<file path=ppt/slides/slide25.xml><?xml version="1.0" encoding="utf-8"?>
+<file path=ppt/slides/slide27.xml><?xml version="1.0" encoding="utf-8"?>
 <p:sld xmlns:a="http://schemas.openxmlformats.org/drawingml/2006/main" xmlns:r="http://schemas.openxmlformats.org/officeDocument/2006/relationships" xmlns:p="http://schemas.openxmlformats.org/presentationml/2006/main">
   <p:cSld>
     <p:spTree>
@@ -13521,7 +16045,7 @@
 </p:sld>
 </file>
 
-<file path=ppt/slides/slide26.xml><?xml version="1.0" encoding="utf-8"?>
+<file path=ppt/slides/slide28.xml><?xml version="1.0" encoding="utf-8"?>
 <p:sld xmlns:a="http://schemas.openxmlformats.org/drawingml/2006/main" xmlns:r="http://schemas.openxmlformats.org/officeDocument/2006/relationships" xmlns:p="http://schemas.openxmlformats.org/presentationml/2006/main">
   <p:cSld>
     <p:spTree>
@@ -14105,7 +16629,7 @@
 </p:sld>
 </file>
 
-<file path=ppt/slides/slide27.xml><?xml version="1.0" encoding="utf-8"?>
+<file path=ppt/slides/slide29.xml><?xml version="1.0" encoding="utf-8"?>
 <p:sld xmlns:a="http://schemas.openxmlformats.org/drawingml/2006/main" xmlns:r="http://schemas.openxmlformats.org/officeDocument/2006/relationships" xmlns:p="http://schemas.openxmlformats.org/presentationml/2006/main">
   <p:cSld>
     <p:spTree>
@@ -14236,141 +16760,6 @@
     <p:extLst>
       <p:ext uri="{BB962C8B-B14F-4D97-AF65-F5344CB8AC3E}">
         <p14:creationId xmlns:p14="http://schemas.microsoft.com/office/powerpoint/2010/main" val="13120994"/>
-      </p:ext>
-    </p:extLst>
-  </p:cSld>
-  <p:clrMapOvr>
-    <a:masterClrMapping/>
-  </p:clrMapOvr>
-  <p:timing>
-    <p:tnLst>
-      <p:par>
-        <p:cTn id="1" dur="indefinite" restart="never" nodeType="tmRoot"/>
-      </p:par>
-    </p:tnLst>
-  </p:timing>
-</p:sld>
-</file>
-
-<file path=ppt/slides/slide28.xml><?xml version="1.0" encoding="utf-8"?>
-<p:sld xmlns:a="http://schemas.openxmlformats.org/drawingml/2006/main" xmlns:r="http://schemas.openxmlformats.org/officeDocument/2006/relationships" xmlns:p="http://schemas.openxmlformats.org/presentationml/2006/main">
-  <p:cSld>
-    <p:spTree>
-      <p:nvGrpSpPr>
-        <p:cNvPr id="1" name=""/>
-        <p:cNvGrpSpPr/>
-        <p:nvPr/>
-      </p:nvGrpSpPr>
-      <p:grpSpPr>
-        <a:xfrm>
-          <a:off x="0" y="0"/>
-          <a:ext cx="0" cy="0"/>
-          <a:chOff x="0" y="0"/>
-          <a:chExt cx="0" cy="0"/>
-        </a:xfrm>
-      </p:grpSpPr>
-      <p:sp>
-        <p:nvSpPr>
-          <p:cNvPr id="2" name="標題 1"/>
-          <p:cNvSpPr>
-            <a:spLocks noGrp="1"/>
-          </p:cNvSpPr>
-          <p:nvPr>
-            <p:ph type="title"/>
-          </p:nvPr>
-        </p:nvSpPr>
-        <p:spPr/>
-        <p:txBody>
-          <a:bodyPr/>
-          <a:lstStyle/>
-          <a:p>
-            <a:r>
-              <a:rPr lang="zh-TW" altLang="en-US" dirty="0" smtClean="0"/>
-              <a:t>小練習 </a:t>
-            </a:r>
-            <a:r>
-              <a:rPr lang="en-US" altLang="zh-TW" dirty="0" smtClean="0"/>
-              <a:t>2</a:t>
-            </a:r>
-            <a:br>
-              <a:rPr lang="en-US" altLang="zh-TW" dirty="0" smtClean="0"/>
-            </a:br>
-            <a:r>
-              <a:rPr lang="zh-TW" altLang="en-US" dirty="0" smtClean="0"/>
-              <a:t>帳號密碼輸入</a:t>
-            </a:r>
-            <a:endParaRPr lang="zh-TW" altLang="en-US" dirty="0"/>
-          </a:p>
-        </p:txBody>
-      </p:sp>
-      <p:sp>
-        <p:nvSpPr>
-          <p:cNvPr id="3" name="內容版面配置區 2"/>
-          <p:cNvSpPr>
-            <a:spLocks noGrp="1"/>
-          </p:cNvSpPr>
-          <p:nvPr>
-            <p:ph idx="1"/>
-          </p:nvPr>
-        </p:nvSpPr>
-        <p:spPr/>
-        <p:txBody>
-          <a:bodyPr/>
-          <a:lstStyle/>
-          <a:p>
-            <a:r>
-              <a:rPr lang="zh-TW" altLang="en-US" dirty="0" smtClean="0"/>
-              <a:t>寫一個程式，可以輸入帳號密碼。</a:t>
-            </a:r>
-            <a:endParaRPr lang="en-US" altLang="zh-TW" dirty="0" smtClean="0"/>
-          </a:p>
-          <a:p>
-            <a:r>
-              <a:rPr lang="zh-TW" altLang="en-US" dirty="0"/>
-              <a:t>程式中與</a:t>
-            </a:r>
-            <a:r>
-              <a:rPr lang="zh-TW" altLang="en-US" dirty="0" smtClean="0"/>
-              <a:t>固定一組帳號</a:t>
-            </a:r>
-            <a:r>
-              <a:rPr lang="zh-TW" altLang="en-US" dirty="0"/>
-              <a:t>密碼</a:t>
-            </a:r>
-            <a:r>
-              <a:rPr lang="zh-TW" altLang="en-US" dirty="0" smtClean="0"/>
-              <a:t>比對</a:t>
-            </a:r>
-            <a:endParaRPr lang="en-US" altLang="zh-TW" dirty="0" smtClean="0"/>
-          </a:p>
-          <a:p>
-            <a:r>
-              <a:rPr lang="zh-TW" altLang="en-US" dirty="0"/>
-              <a:t>正確的顯示</a:t>
-            </a:r>
-            <a:r>
-              <a:rPr lang="zh-TW" altLang="en-US" dirty="0" smtClean="0"/>
-              <a:t>歡迎</a:t>
-            </a:r>
-            <a:endParaRPr lang="en-US" altLang="zh-TW" dirty="0" smtClean="0"/>
-          </a:p>
-          <a:p>
-            <a:r>
-              <a:rPr lang="zh-TW" altLang="en-US" dirty="0"/>
-              <a:t>錯誤的顯示：帳號密碼錯誤</a:t>
-            </a:r>
-            <a:r>
-              <a:rPr lang="zh-TW" altLang="en-US" dirty="0" smtClean="0"/>
-              <a:t>，請重新輸入</a:t>
-            </a:r>
-            <a:endParaRPr lang="en-US" altLang="zh-TW" dirty="0"/>
-          </a:p>
-        </p:txBody>
-      </p:sp>
-    </p:spTree>
-    <p:extLst>
-      <p:ext uri="{BB962C8B-B14F-4D97-AF65-F5344CB8AC3E}">
-        <p14:creationId xmlns:p14="http://schemas.microsoft.com/office/powerpoint/2010/main" val="4098278980"/>
       </p:ext>
     </p:extLst>
   </p:cSld>
@@ -14615,6 +17004,141 @@
     <p:extLst>
       <p:ext uri="{BB962C8B-B14F-4D97-AF65-F5344CB8AC3E}">
         <p14:creationId xmlns:p14="http://schemas.microsoft.com/office/powerpoint/2010/main" val="4032816920"/>
+      </p:ext>
+    </p:extLst>
+  </p:cSld>
+  <p:clrMapOvr>
+    <a:masterClrMapping/>
+  </p:clrMapOvr>
+  <p:timing>
+    <p:tnLst>
+      <p:par>
+        <p:cTn id="1" dur="indefinite" restart="never" nodeType="tmRoot"/>
+      </p:par>
+    </p:tnLst>
+  </p:timing>
+</p:sld>
+</file>
+
+<file path=ppt/slides/slide30.xml><?xml version="1.0" encoding="utf-8"?>
+<p:sld xmlns:a="http://schemas.openxmlformats.org/drawingml/2006/main" xmlns:r="http://schemas.openxmlformats.org/officeDocument/2006/relationships" xmlns:p="http://schemas.openxmlformats.org/presentationml/2006/main">
+  <p:cSld>
+    <p:spTree>
+      <p:nvGrpSpPr>
+        <p:cNvPr id="1" name=""/>
+        <p:cNvGrpSpPr/>
+        <p:nvPr/>
+      </p:nvGrpSpPr>
+      <p:grpSpPr>
+        <a:xfrm>
+          <a:off x="0" y="0"/>
+          <a:ext cx="0" cy="0"/>
+          <a:chOff x="0" y="0"/>
+          <a:chExt cx="0" cy="0"/>
+        </a:xfrm>
+      </p:grpSpPr>
+      <p:sp>
+        <p:nvSpPr>
+          <p:cNvPr id="2" name="標題 1"/>
+          <p:cNvSpPr>
+            <a:spLocks noGrp="1"/>
+          </p:cNvSpPr>
+          <p:nvPr>
+            <p:ph type="title"/>
+          </p:nvPr>
+        </p:nvSpPr>
+        <p:spPr/>
+        <p:txBody>
+          <a:bodyPr/>
+          <a:lstStyle/>
+          <a:p>
+            <a:r>
+              <a:rPr lang="zh-TW" altLang="en-US" dirty="0" smtClean="0"/>
+              <a:t>小練習 </a:t>
+            </a:r>
+            <a:r>
+              <a:rPr lang="en-US" altLang="zh-TW" dirty="0" smtClean="0"/>
+              <a:t>2</a:t>
+            </a:r>
+            <a:br>
+              <a:rPr lang="en-US" altLang="zh-TW" dirty="0" smtClean="0"/>
+            </a:br>
+            <a:r>
+              <a:rPr lang="zh-TW" altLang="en-US" dirty="0" smtClean="0"/>
+              <a:t>帳號密碼輸入</a:t>
+            </a:r>
+            <a:endParaRPr lang="zh-TW" altLang="en-US" dirty="0"/>
+          </a:p>
+        </p:txBody>
+      </p:sp>
+      <p:sp>
+        <p:nvSpPr>
+          <p:cNvPr id="3" name="內容版面配置區 2"/>
+          <p:cNvSpPr>
+            <a:spLocks noGrp="1"/>
+          </p:cNvSpPr>
+          <p:nvPr>
+            <p:ph idx="1"/>
+          </p:nvPr>
+        </p:nvSpPr>
+        <p:spPr/>
+        <p:txBody>
+          <a:bodyPr/>
+          <a:lstStyle/>
+          <a:p>
+            <a:r>
+              <a:rPr lang="zh-TW" altLang="en-US" dirty="0" smtClean="0"/>
+              <a:t>寫一個程式，可以輸入帳號密碼。</a:t>
+            </a:r>
+            <a:endParaRPr lang="en-US" altLang="zh-TW" dirty="0" smtClean="0"/>
+          </a:p>
+          <a:p>
+            <a:r>
+              <a:rPr lang="zh-TW" altLang="en-US" dirty="0"/>
+              <a:t>程式中與</a:t>
+            </a:r>
+            <a:r>
+              <a:rPr lang="zh-TW" altLang="en-US" dirty="0" smtClean="0"/>
+              <a:t>固定一組帳號</a:t>
+            </a:r>
+            <a:r>
+              <a:rPr lang="zh-TW" altLang="en-US" dirty="0"/>
+              <a:t>密碼</a:t>
+            </a:r>
+            <a:r>
+              <a:rPr lang="zh-TW" altLang="en-US" dirty="0" smtClean="0"/>
+              <a:t>比對</a:t>
+            </a:r>
+            <a:endParaRPr lang="en-US" altLang="zh-TW" dirty="0" smtClean="0"/>
+          </a:p>
+          <a:p>
+            <a:r>
+              <a:rPr lang="zh-TW" altLang="en-US" dirty="0"/>
+              <a:t>正確的顯示</a:t>
+            </a:r>
+            <a:r>
+              <a:rPr lang="zh-TW" altLang="en-US" dirty="0" smtClean="0"/>
+              <a:t>歡迎</a:t>
+            </a:r>
+            <a:endParaRPr lang="en-US" altLang="zh-TW" dirty="0" smtClean="0"/>
+          </a:p>
+          <a:p>
+            <a:r>
+              <a:rPr lang="zh-TW" altLang="en-US" dirty="0"/>
+              <a:t>錯誤的顯示：帳號密碼錯誤</a:t>
+            </a:r>
+            <a:r>
+              <a:rPr lang="zh-TW" altLang="en-US" dirty="0" smtClean="0"/>
+              <a:t>，請重新輸入</a:t>
+            </a:r>
+            <a:endParaRPr lang="en-US" altLang="zh-TW" dirty="0"/>
+          </a:p>
+        </p:txBody>
+      </p:sp>
+    </p:spTree>
+    <p:extLst>
+      <p:ext uri="{BB962C8B-B14F-4D97-AF65-F5344CB8AC3E}">
+        <p14:creationId xmlns:p14="http://schemas.microsoft.com/office/powerpoint/2010/main" val="4098278980"/>
       </p:ext>
     </p:extLst>
   </p:cSld>
@@ -15916,594 +18440,6 @@
 </file>
 
 <file path=ppt/slides/slide7.xml><?xml version="1.0" encoding="utf-8"?>
-<p:sld xmlns:a="http://schemas.openxmlformats.org/drawingml/2006/main" xmlns:r="http://schemas.openxmlformats.org/officeDocument/2006/relationships" xmlns:p="http://schemas.openxmlformats.org/presentationml/2006/main">
-  <p:cSld>
-    <p:spTree>
-      <p:nvGrpSpPr>
-        <p:cNvPr id="1" name=""/>
-        <p:cNvGrpSpPr/>
-        <p:nvPr/>
-      </p:nvGrpSpPr>
-      <p:grpSpPr>
-        <a:xfrm>
-          <a:off x="0" y="0"/>
-          <a:ext cx="0" cy="0"/>
-          <a:chOff x="0" y="0"/>
-          <a:chExt cx="0" cy="0"/>
-        </a:xfrm>
-      </p:grpSpPr>
-      <p:sp>
-        <p:nvSpPr>
-          <p:cNvPr id="2" name="標題 1"/>
-          <p:cNvSpPr>
-            <a:spLocks noGrp="1"/>
-          </p:cNvSpPr>
-          <p:nvPr>
-            <p:ph type="title"/>
-          </p:nvPr>
-        </p:nvSpPr>
-        <p:spPr/>
-        <p:txBody>
-          <a:bodyPr/>
-          <a:lstStyle/>
-          <a:p>
-            <a:r>
-              <a:rPr lang="zh-TW" altLang="en-US" dirty="0"/>
-              <a:t>範例</a:t>
-            </a:r>
-            <a:r>
-              <a:rPr lang="zh-TW" altLang="en-US" dirty="0" smtClean="0"/>
-              <a:t>程式二</a:t>
-            </a:r>
-            <a:endParaRPr lang="zh-TW" altLang="en-US" dirty="0"/>
-          </a:p>
-        </p:txBody>
-      </p:sp>
-      <p:sp>
-        <p:nvSpPr>
-          <p:cNvPr id="3" name="內容版面配置區 2"/>
-          <p:cNvSpPr>
-            <a:spLocks noGrp="1"/>
-          </p:cNvSpPr>
-          <p:nvPr>
-            <p:ph idx="1"/>
-          </p:nvPr>
-        </p:nvSpPr>
-        <p:spPr/>
-        <p:txBody>
-          <a:bodyPr/>
-          <a:lstStyle/>
-          <a:p>
-            <a:r>
-              <a:rPr lang="zh-TW" altLang="en-US" dirty="0" smtClean="0"/>
-              <a:t>輸入任一整數，幫我判斷是不是</a:t>
-            </a:r>
-            <a:r>
-              <a:rPr lang="en-US" altLang="zh-TW" dirty="0" smtClean="0"/>
-              <a:t>2</a:t>
-            </a:r>
-            <a:r>
-              <a:rPr lang="zh-TW" altLang="en-US" dirty="0" smtClean="0"/>
-              <a:t>的倍數，</a:t>
-            </a:r>
-            <a:r>
-              <a:rPr lang="en-US" altLang="zh-TW" dirty="0" smtClean="0"/>
-              <a:t>3</a:t>
-            </a:r>
-            <a:r>
-              <a:rPr lang="zh-TW" altLang="en-US" dirty="0" smtClean="0"/>
-              <a:t>的倍數。</a:t>
-            </a:r>
-            <a:endParaRPr lang="en-US" altLang="zh-TW" dirty="0" smtClean="0"/>
-          </a:p>
-          <a:p>
-            <a:r>
-              <a:rPr lang="zh-TW" altLang="en-US" dirty="0" smtClean="0"/>
-              <a:t>思考</a:t>
-            </a:r>
-            <a:r>
-              <a:rPr lang="zh-TW" altLang="en-US" dirty="0"/>
-              <a:t>重點：</a:t>
-            </a:r>
-            <a:endParaRPr lang="en-US" altLang="zh-TW" dirty="0"/>
-          </a:p>
-          <a:p>
-            <a:pPr lvl="1"/>
-            <a:r>
-              <a:rPr lang="zh-TW" altLang="en-US" dirty="0"/>
-              <a:t>輸入：</a:t>
-            </a:r>
-            <a:r>
-              <a:rPr lang="zh-TW" altLang="en-US" dirty="0" smtClean="0"/>
-              <a:t>一個整數</a:t>
-            </a:r>
-            <a:endParaRPr lang="en-US" altLang="zh-TW" dirty="0" smtClean="0"/>
-          </a:p>
-          <a:p>
-            <a:pPr lvl="1"/>
-            <a:r>
-              <a:rPr lang="zh-TW" altLang="en-US" dirty="0" smtClean="0"/>
-              <a:t>運算</a:t>
-            </a:r>
-            <a:r>
-              <a:rPr lang="zh-TW" altLang="en-US" dirty="0"/>
-              <a:t>：</a:t>
-            </a:r>
-            <a:r>
-              <a:rPr lang="zh-TW" altLang="en-US" dirty="0" smtClean="0"/>
-              <a:t>判斷是不是</a:t>
-            </a:r>
-            <a:r>
-              <a:rPr lang="en-US" altLang="zh-TW" dirty="0" smtClean="0"/>
-              <a:t>2</a:t>
-            </a:r>
-            <a:r>
-              <a:rPr lang="zh-TW" altLang="en-US" dirty="0" smtClean="0"/>
-              <a:t>的倍數，是不是</a:t>
-            </a:r>
-            <a:r>
-              <a:rPr lang="en-US" altLang="zh-TW" dirty="0" smtClean="0"/>
-              <a:t>3</a:t>
-            </a:r>
-            <a:r>
-              <a:rPr lang="zh-TW" altLang="en-US" dirty="0" smtClean="0"/>
-              <a:t>的倍數</a:t>
-            </a:r>
-            <a:endParaRPr lang="en-US" altLang="zh-TW" dirty="0" smtClean="0"/>
-          </a:p>
-          <a:p>
-            <a:pPr lvl="1"/>
-            <a:r>
-              <a:rPr lang="zh-TW" altLang="en-US" dirty="0" smtClean="0"/>
-              <a:t>輸出：是或不是</a:t>
-            </a:r>
-            <a:r>
-              <a:rPr lang="en-US" altLang="zh-TW" dirty="0" smtClean="0"/>
-              <a:t>2,3</a:t>
-            </a:r>
-            <a:r>
-              <a:rPr lang="zh-TW" altLang="en-US" dirty="0" smtClean="0"/>
-              <a:t>的倍數</a:t>
-            </a:r>
-            <a:endParaRPr lang="en-US" altLang="zh-TW" dirty="0"/>
-          </a:p>
-          <a:p>
-            <a:pPr lvl="1"/>
-            <a:r>
-              <a:rPr lang="zh-TW" altLang="en-US" dirty="0"/>
-              <a:t>變數宣告：需要幾個？叫甚麼名字</a:t>
-            </a:r>
-            <a:r>
-              <a:rPr lang="zh-TW" altLang="en-US" dirty="0" smtClean="0"/>
-              <a:t>？</a:t>
-            </a:r>
-            <a:endParaRPr lang="en-US" altLang="zh-TW" dirty="0" smtClean="0"/>
-          </a:p>
-          <a:p>
-            <a:pPr lvl="1"/>
-            <a:r>
-              <a:rPr lang="zh-TW" altLang="en-US" dirty="0"/>
-              <a:t>判斷方式</a:t>
-            </a:r>
-            <a:r>
-              <a:rPr lang="zh-TW" altLang="en-US" dirty="0" smtClean="0"/>
-              <a:t>？</a:t>
-            </a:r>
-            <a:r>
-              <a:rPr lang="en-US" altLang="zh-TW" dirty="0" smtClean="0"/>
-              <a:t>(</a:t>
-            </a:r>
-            <a:r>
-              <a:rPr lang="zh-TW" altLang="en-US" dirty="0" smtClean="0"/>
-              <a:t>  </a:t>
-            </a:r>
-            <a:r>
-              <a:rPr lang="en-US" altLang="zh-TW" dirty="0" smtClean="0"/>
-              <a:t>%</a:t>
-            </a:r>
-            <a:r>
-              <a:rPr lang="zh-TW" altLang="en-US" dirty="0" smtClean="0"/>
-              <a:t>  這個運算很有用，如遊戲、找零</a:t>
-            </a:r>
-            <a:r>
-              <a:rPr lang="en-US" altLang="zh-TW" dirty="0" smtClean="0"/>
-              <a:t>)</a:t>
-            </a:r>
-            <a:endParaRPr lang="zh-TW" altLang="en-US" dirty="0"/>
-          </a:p>
-          <a:p>
-            <a:endParaRPr lang="zh-TW" altLang="en-US" dirty="0"/>
-          </a:p>
-        </p:txBody>
-      </p:sp>
-      <p:sp>
-        <p:nvSpPr>
-          <p:cNvPr id="4" name="文字方塊 3"/>
-          <p:cNvSpPr txBox="1"/>
-          <p:nvPr/>
-        </p:nvSpPr>
-        <p:spPr>
-          <a:xfrm>
-            <a:off x="677334" y="5322319"/>
-            <a:ext cx="1669047" cy="369332"/>
-          </a:xfrm>
-          <a:prstGeom prst="rect">
-            <a:avLst/>
-          </a:prstGeom>
-          <a:noFill/>
-        </p:spPr>
-        <p:txBody>
-          <a:bodyPr wrap="none" rtlCol="0">
-            <a:spAutoFit/>
-          </a:bodyPr>
-          <a:lstStyle/>
-          <a:p>
-            <a:r>
-              <a:rPr lang="en-US" altLang="zh-TW" dirty="0" smtClean="0">
-                <a:solidFill>
-                  <a:srgbClr val="C00000"/>
-                </a:solidFill>
-              </a:rPr>
-              <a:t>Example04_02</a:t>
-            </a:r>
-            <a:endParaRPr lang="zh-TW" altLang="en-US" dirty="0">
-              <a:solidFill>
-                <a:srgbClr val="C00000"/>
-              </a:solidFill>
-            </a:endParaRPr>
-          </a:p>
-        </p:txBody>
-      </p:sp>
-      <p:grpSp>
-        <p:nvGrpSpPr>
-          <p:cNvPr id="5" name="群組 4"/>
-          <p:cNvGrpSpPr/>
-          <p:nvPr/>
-        </p:nvGrpSpPr>
-        <p:grpSpPr>
-          <a:xfrm>
-            <a:off x="6510146" y="4225692"/>
-            <a:ext cx="4908613" cy="2449428"/>
-            <a:chOff x="8833104" y="502920"/>
-            <a:chExt cx="2587752" cy="1427480"/>
-          </a:xfrm>
-        </p:grpSpPr>
-        <p:sp>
-          <p:nvSpPr>
-            <p:cNvPr id="6" name="圓角矩形 5"/>
-            <p:cNvSpPr/>
-            <p:nvPr/>
-          </p:nvSpPr>
-          <p:spPr>
-            <a:xfrm>
-              <a:off x="8833104" y="502920"/>
-              <a:ext cx="2587752" cy="1197864"/>
-            </a:xfrm>
-            <a:prstGeom prst="roundRect">
-              <a:avLst/>
-            </a:prstGeom>
-            <a:solidFill>
-              <a:schemeClr val="tx1"/>
-            </a:solidFill>
-            <a:ln>
-              <a:solidFill>
-                <a:schemeClr val="tx1"/>
-              </a:solidFill>
-            </a:ln>
-          </p:spPr>
-          <p:style>
-            <a:lnRef idx="2">
-              <a:schemeClr val="accent1">
-                <a:shade val="50000"/>
-              </a:schemeClr>
-            </a:lnRef>
-            <a:fillRef idx="1">
-              <a:schemeClr val="accent1"/>
-            </a:fillRef>
-            <a:effectRef idx="0">
-              <a:schemeClr val="accent1"/>
-            </a:effectRef>
-            <a:fontRef idx="minor">
-              <a:schemeClr val="lt1"/>
-            </a:fontRef>
-          </p:style>
-          <p:txBody>
-            <a:bodyPr rtlCol="0" anchor="ctr"/>
-            <a:lstStyle/>
-            <a:p>
-              <a:pPr algn="ctr"/>
-              <a:endParaRPr lang="zh-TW" altLang="en-US"/>
-            </a:p>
-          </p:txBody>
-        </p:sp>
-        <p:sp>
-          <p:nvSpPr>
-            <p:cNvPr id="7" name="矩形 6"/>
-            <p:cNvSpPr/>
-            <p:nvPr/>
-          </p:nvSpPr>
-          <p:spPr>
-            <a:xfrm>
-              <a:off x="8942832" y="609600"/>
-              <a:ext cx="2386584" cy="999744"/>
-            </a:xfrm>
-            <a:prstGeom prst="rect">
-              <a:avLst/>
-            </a:prstGeom>
-            <a:solidFill>
-              <a:schemeClr val="bg2">
-                <a:lumMod val="90000"/>
-              </a:schemeClr>
-            </a:solidFill>
-            <a:ln>
-              <a:solidFill>
-                <a:schemeClr val="tx1"/>
-              </a:solidFill>
-            </a:ln>
-          </p:spPr>
-          <p:style>
-            <a:lnRef idx="2">
-              <a:schemeClr val="accent1">
-                <a:shade val="50000"/>
-              </a:schemeClr>
-            </a:lnRef>
-            <a:fillRef idx="1">
-              <a:schemeClr val="accent1"/>
-            </a:fillRef>
-            <a:effectRef idx="0">
-              <a:schemeClr val="accent1"/>
-            </a:effectRef>
-            <a:fontRef idx="minor">
-              <a:schemeClr val="lt1"/>
-            </a:fontRef>
-          </p:style>
-          <p:txBody>
-            <a:bodyPr rtlCol="0" anchor="t"/>
-            <a:lstStyle/>
-            <a:p>
-              <a:r>
-                <a:rPr lang="zh-TW" altLang="en-US" dirty="0" smtClean="0">
-                  <a:solidFill>
-                    <a:schemeClr val="tx1"/>
-                  </a:solidFill>
-                </a:rPr>
-                <a:t>請輸入整數：</a:t>
-              </a:r>
-              <a:r>
-                <a:rPr lang="en-US" altLang="zh-TW" dirty="0" smtClean="0">
-                  <a:solidFill>
-                    <a:srgbClr val="0070C0"/>
-                  </a:solidFill>
-                </a:rPr>
-                <a:t>134</a:t>
-              </a:r>
-            </a:p>
-            <a:p>
-              <a:r>
-                <a:rPr lang="en-US" altLang="zh-TW" dirty="0">
-                  <a:solidFill>
-                    <a:schemeClr val="tx1"/>
-                  </a:solidFill>
-                </a:rPr>
-                <a:t>1</a:t>
-              </a:r>
-              <a:r>
-                <a:rPr lang="en-US" altLang="zh-TW" dirty="0" smtClean="0">
-                  <a:solidFill>
-                    <a:schemeClr val="tx1"/>
-                  </a:solidFill>
-                </a:rPr>
-                <a:t>34</a:t>
-              </a:r>
-              <a:r>
-                <a:rPr lang="zh-TW" altLang="en-US" dirty="0" smtClean="0">
-                  <a:solidFill>
-                    <a:schemeClr val="tx1"/>
-                  </a:solidFill>
-                </a:rPr>
-                <a:t>是</a:t>
-              </a:r>
-              <a:r>
-                <a:rPr lang="en-US" altLang="zh-TW" dirty="0" smtClean="0">
-                  <a:solidFill>
-                    <a:schemeClr val="tx1"/>
-                  </a:solidFill>
-                </a:rPr>
-                <a:t>2</a:t>
-              </a:r>
-              <a:r>
-                <a:rPr lang="zh-TW" altLang="en-US" dirty="0" smtClean="0">
-                  <a:solidFill>
-                    <a:schemeClr val="tx1"/>
-                  </a:solidFill>
-                </a:rPr>
-                <a:t>的倍數</a:t>
-              </a:r>
-              <a:endParaRPr lang="en-US" altLang="zh-TW" dirty="0" smtClean="0">
-                <a:solidFill>
-                  <a:schemeClr val="tx1"/>
-                </a:solidFill>
-              </a:endParaRPr>
-            </a:p>
-            <a:p>
-              <a:r>
-                <a:rPr lang="en-US" altLang="zh-TW" dirty="0" smtClean="0">
-                  <a:solidFill>
-                    <a:schemeClr val="tx1"/>
-                  </a:solidFill>
-                </a:rPr>
-                <a:t>134</a:t>
-              </a:r>
-              <a:r>
-                <a:rPr lang="zh-TW" altLang="en-US" dirty="0" smtClean="0">
-                  <a:solidFill>
-                    <a:schemeClr val="tx1"/>
-                  </a:solidFill>
-                </a:rPr>
-                <a:t>不是</a:t>
-              </a:r>
-              <a:r>
-                <a:rPr lang="en-US" altLang="zh-TW" dirty="0" smtClean="0">
-                  <a:solidFill>
-                    <a:schemeClr val="tx1"/>
-                  </a:solidFill>
-                </a:rPr>
-                <a:t>3</a:t>
-              </a:r>
-              <a:r>
-                <a:rPr lang="zh-TW" altLang="en-US" dirty="0" smtClean="0">
-                  <a:solidFill>
-                    <a:schemeClr val="tx1"/>
-                  </a:solidFill>
-                </a:rPr>
-                <a:t>的倍數</a:t>
-              </a:r>
-              <a:endParaRPr lang="zh-TW" altLang="en-US" dirty="0">
-                <a:solidFill>
-                  <a:schemeClr val="tx1"/>
-                </a:solidFill>
-              </a:endParaRPr>
-            </a:p>
-          </p:txBody>
-        </p:sp>
-        <p:sp>
-          <p:nvSpPr>
-            <p:cNvPr id="8" name="梯形 7"/>
-            <p:cNvSpPr/>
-            <p:nvPr/>
-          </p:nvSpPr>
-          <p:spPr>
-            <a:xfrm>
-              <a:off x="9811512" y="1700784"/>
-              <a:ext cx="713232" cy="229616"/>
-            </a:xfrm>
-            <a:prstGeom prst="trapezoid">
-              <a:avLst/>
-            </a:prstGeom>
-            <a:solidFill>
-              <a:schemeClr val="tx1"/>
-            </a:solidFill>
-            <a:ln>
-              <a:solidFill>
-                <a:schemeClr val="tx1"/>
-              </a:solidFill>
-            </a:ln>
-          </p:spPr>
-          <p:style>
-            <a:lnRef idx="2">
-              <a:schemeClr val="accent1">
-                <a:shade val="50000"/>
-              </a:schemeClr>
-            </a:lnRef>
-            <a:fillRef idx="1">
-              <a:schemeClr val="accent1"/>
-            </a:fillRef>
-            <a:effectRef idx="0">
-              <a:schemeClr val="accent1"/>
-            </a:effectRef>
-            <a:fontRef idx="minor">
-              <a:schemeClr val="lt1"/>
-            </a:fontRef>
-          </p:style>
-          <p:txBody>
-            <a:bodyPr rtlCol="0" anchor="ctr"/>
-            <a:lstStyle/>
-            <a:p>
-              <a:pPr algn="ctr"/>
-              <a:endParaRPr lang="zh-TW" altLang="en-US"/>
-            </a:p>
-          </p:txBody>
-        </p:sp>
-      </p:grpSp>
-    </p:spTree>
-    <p:extLst>
-      <p:ext uri="{BB962C8B-B14F-4D97-AF65-F5344CB8AC3E}">
-        <p14:creationId xmlns:p14="http://schemas.microsoft.com/office/powerpoint/2010/main" val="971271910"/>
-      </p:ext>
-    </p:extLst>
-  </p:cSld>
-  <p:clrMapOvr>
-    <a:masterClrMapping/>
-  </p:clrMapOvr>
-  <p:timing>
-    <p:tnLst>
-      <p:par>
-        <p:cTn id="1" dur="indefinite" restart="never" nodeType="tmRoot">
-          <p:childTnLst>
-            <p:seq concurrent="1" nextAc="seek">
-              <p:cTn id="2" dur="indefinite" nodeType="mainSeq">
-                <p:childTnLst>
-                  <p:par>
-                    <p:cTn id="3" fill="hold">
-                      <p:stCondLst>
-                        <p:cond delay="indefinite"/>
-                      </p:stCondLst>
-                      <p:childTnLst>
-                        <p:par>
-                          <p:cTn id="4" fill="hold">
-                            <p:stCondLst>
-                              <p:cond delay="0"/>
-                            </p:stCondLst>
-                            <p:childTnLst>
-                              <p:par>
-                                <p:cTn id="5" presetID="1" presetClass="entr" presetSubtype="0" fill="hold" nodeType="clickEffect">
-                                  <p:stCondLst>
-                                    <p:cond delay="0"/>
-                                  </p:stCondLst>
-                                  <p:childTnLst>
-                                    <p:set>
-                                      <p:cBhvr>
-                                        <p:cTn id="6" dur="1" fill="hold">
-                                          <p:stCondLst>
-                                            <p:cond delay="0"/>
-                                          </p:stCondLst>
-                                        </p:cTn>
-                                        <p:tgtEl>
-                                          <p:spTgt spid="5"/>
-                                        </p:tgtEl>
-                                        <p:attrNameLst>
-                                          <p:attrName>style.visibility</p:attrName>
-                                        </p:attrNameLst>
-                                      </p:cBhvr>
-                                      <p:to>
-                                        <p:strVal val="visible"/>
-                                      </p:to>
-                                    </p:set>
-                                  </p:childTnLst>
-                                </p:cTn>
-                              </p:par>
-                            </p:childTnLst>
-                          </p:cTn>
-                        </p:par>
-                      </p:childTnLst>
-                    </p:cTn>
-                  </p:par>
-                </p:childTnLst>
-              </p:cTn>
-              <p:prevCondLst>
-                <p:cond evt="onPrev" delay="0">
-                  <p:tgtEl>
-                    <p:sldTgt/>
-                  </p:tgtEl>
-                </p:cond>
-              </p:prevCondLst>
-              <p:nextCondLst>
-                <p:cond evt="onNext" delay="0">
-                  <p:tgtEl>
-                    <p:sldTgt/>
-                  </p:tgtEl>
-                </p:cond>
-              </p:nextCondLst>
-            </p:seq>
-          </p:childTnLst>
-        </p:cTn>
-      </p:par>
-    </p:tnLst>
-  </p:timing>
-</p:sld>
-</file>
-
-<file path=ppt/slides/slide8.xml><?xml version="1.0" encoding="utf-8"?>
 <p:sld xmlns:a="http://schemas.openxmlformats.org/drawingml/2006/main" xmlns:r="http://schemas.openxmlformats.org/officeDocument/2006/relationships" xmlns:p="http://schemas.openxmlformats.org/presentationml/2006/main">
   <p:cSld>
     <p:spTree>
@@ -17099,7 +19035,7 @@
 </p:sld>
 </file>
 
-<file path=ppt/slides/slide9.xml><?xml version="1.0" encoding="utf-8"?>
+<file path=ppt/slides/slide8.xml><?xml version="1.0" encoding="utf-8"?>
 <p:sld xmlns:a="http://schemas.openxmlformats.org/drawingml/2006/main" xmlns:r="http://schemas.openxmlformats.org/officeDocument/2006/relationships" xmlns:p="http://schemas.openxmlformats.org/presentationml/2006/main">
   <p:cSld>
     <p:spTree>
@@ -17226,6 +19162,163 @@
     <p:extLst>
       <p:ext uri="{BB962C8B-B14F-4D97-AF65-F5344CB8AC3E}">
         <p14:creationId xmlns:p14="http://schemas.microsoft.com/office/powerpoint/2010/main" val="2119860618"/>
+      </p:ext>
+    </p:extLst>
+  </p:cSld>
+  <p:clrMapOvr>
+    <a:masterClrMapping/>
+  </p:clrMapOvr>
+  <p:timing>
+    <p:tnLst>
+      <p:par>
+        <p:cTn id="1" dur="indefinite" restart="never" nodeType="tmRoot"/>
+      </p:par>
+    </p:tnLst>
+  </p:timing>
+</p:sld>
+</file>
+
+<file path=ppt/slides/slide9.xml><?xml version="1.0" encoding="utf-8"?>
+<p:sld xmlns:a="http://schemas.openxmlformats.org/drawingml/2006/main" xmlns:r="http://schemas.openxmlformats.org/officeDocument/2006/relationships" xmlns:p="http://schemas.openxmlformats.org/presentationml/2006/main">
+  <p:cSld>
+    <p:spTree>
+      <p:nvGrpSpPr>
+        <p:cNvPr id="1" name=""/>
+        <p:cNvGrpSpPr/>
+        <p:nvPr/>
+      </p:nvGrpSpPr>
+      <p:grpSpPr>
+        <a:xfrm>
+          <a:off x="0" y="0"/>
+          <a:ext cx="0" cy="0"/>
+          <a:chOff x="0" y="0"/>
+          <a:chExt cx="0" cy="0"/>
+        </a:xfrm>
+      </p:grpSpPr>
+      <p:sp>
+        <p:nvSpPr>
+          <p:cNvPr id="2" name="標題 1"/>
+          <p:cNvSpPr>
+            <a:spLocks noGrp="1"/>
+          </p:cNvSpPr>
+          <p:nvPr>
+            <p:ph type="title"/>
+          </p:nvPr>
+        </p:nvSpPr>
+        <p:spPr/>
+        <p:txBody>
+          <a:bodyPr/>
+          <a:lstStyle/>
+          <a:p>
+            <a:r>
+              <a:rPr lang="zh-TW" altLang="en-US" dirty="0"/>
+              <a:t>練習一參考</a:t>
+            </a:r>
+            <a:r>
+              <a:rPr lang="zh-TW" altLang="en-US" dirty="0" smtClean="0"/>
+              <a:t>解答</a:t>
+            </a:r>
+            <a:r>
+              <a:rPr lang="en-US" altLang="zh-TW" dirty="0" smtClean="0"/>
+              <a:t>(2)</a:t>
+            </a:r>
+            <a:endParaRPr lang="zh-TW" altLang="en-US" dirty="0"/>
+          </a:p>
+        </p:txBody>
+      </p:sp>
+      <p:sp>
+        <p:nvSpPr>
+          <p:cNvPr id="3" name="內容版面配置區 2"/>
+          <p:cNvSpPr>
+            <a:spLocks noGrp="1"/>
+          </p:cNvSpPr>
+          <p:nvPr>
+            <p:ph idx="1"/>
+          </p:nvPr>
+        </p:nvSpPr>
+        <p:spPr/>
+        <p:txBody>
+          <a:bodyPr/>
+          <a:lstStyle/>
+          <a:p>
+            <a:endParaRPr lang="zh-TW" altLang="en-US" dirty="0"/>
+          </a:p>
+        </p:txBody>
+      </p:sp>
+      <p:pic>
+        <p:nvPicPr>
+          <p:cNvPr id="4" name="圖片 3"/>
+          <p:cNvPicPr>
+            <a:picLocks noChangeAspect="1"/>
+          </p:cNvPicPr>
+          <p:nvPr/>
+        </p:nvPicPr>
+        <p:blipFill>
+          <a:blip r:embed="rId2"/>
+          <a:stretch>
+            <a:fillRect/>
+          </a:stretch>
+        </p:blipFill>
+        <p:spPr>
+          <a:xfrm>
+            <a:off x="677334" y="1527048"/>
+            <a:ext cx="4740899" cy="5047488"/>
+          </a:xfrm>
+          <a:prstGeom prst="rect">
+            <a:avLst/>
+          </a:prstGeom>
+        </p:spPr>
+      </p:pic>
+      <p:sp>
+        <p:nvSpPr>
+          <p:cNvPr id="5" name="矩形 4"/>
+          <p:cNvSpPr/>
+          <p:nvPr/>
+        </p:nvSpPr>
+        <p:spPr>
+          <a:xfrm>
+            <a:off x="1545336" y="4773168"/>
+            <a:ext cx="3950208" cy="1298448"/>
+          </a:xfrm>
+          <a:prstGeom prst="rect">
+            <a:avLst/>
+          </a:prstGeom>
+          <a:noFill/>
+          <a:ln>
+            <a:solidFill>
+              <a:srgbClr val="FF0000"/>
+            </a:solidFill>
+          </a:ln>
+        </p:spPr>
+        <p:style>
+          <a:lnRef idx="2">
+            <a:schemeClr val="accent1">
+              <a:shade val="50000"/>
+            </a:schemeClr>
+          </a:lnRef>
+          <a:fillRef idx="1">
+            <a:schemeClr val="accent1"/>
+          </a:fillRef>
+          <a:effectRef idx="0">
+            <a:schemeClr val="accent1"/>
+          </a:effectRef>
+          <a:fontRef idx="minor">
+            <a:schemeClr val="lt1"/>
+          </a:fontRef>
+        </p:style>
+        <p:txBody>
+          <a:bodyPr rtlCol="0" anchor="ctr"/>
+          <a:lstStyle/>
+          <a:p>
+            <a:pPr algn="ctr"/>
+            <a:endParaRPr lang="zh-TW" altLang="en-US"/>
+          </a:p>
+        </p:txBody>
+      </p:sp>
+    </p:spTree>
+    <p:extLst>
+      <p:ext uri="{BB962C8B-B14F-4D97-AF65-F5344CB8AC3E}">
+        <p14:creationId xmlns:p14="http://schemas.microsoft.com/office/powerpoint/2010/main" val="2474591956"/>
       </p:ext>
     </p:extLst>
   </p:cSld>
